--- a/presentations/03_data_augmentation.pptx
+++ b/presentations/03_data_augmentation.pptx
@@ -5,28 +5,27 @@
     <p:sldMasterId id="2147483648" r:id="rId1"/>
   </p:sldMasterIdLst>
   <p:notesMasterIdLst>
-    <p:notesMasterId r:id="rId21"/>
+    <p:notesMasterId r:id="rId20"/>
   </p:notesMasterIdLst>
   <p:sldIdLst>
     <p:sldId id="322" r:id="rId2"/>
     <p:sldId id="266" r:id="rId3"/>
-    <p:sldId id="332" r:id="rId4"/>
-    <p:sldId id="300" r:id="rId5"/>
-    <p:sldId id="302" r:id="rId6"/>
-    <p:sldId id="301" r:id="rId7"/>
-    <p:sldId id="307" r:id="rId8"/>
-    <p:sldId id="333" r:id="rId9"/>
-    <p:sldId id="308" r:id="rId10"/>
-    <p:sldId id="264" r:id="rId11"/>
-    <p:sldId id="265" r:id="rId12"/>
-    <p:sldId id="323" r:id="rId13"/>
-    <p:sldId id="324" r:id="rId14"/>
-    <p:sldId id="267" r:id="rId15"/>
-    <p:sldId id="269" r:id="rId16"/>
-    <p:sldId id="268" r:id="rId17"/>
-    <p:sldId id="309" r:id="rId18"/>
-    <p:sldId id="329" r:id="rId19"/>
-    <p:sldId id="326" r:id="rId20"/>
+    <p:sldId id="300" r:id="rId4"/>
+    <p:sldId id="302" r:id="rId5"/>
+    <p:sldId id="301" r:id="rId6"/>
+    <p:sldId id="307" r:id="rId7"/>
+    <p:sldId id="332" r:id="rId8"/>
+    <p:sldId id="308" r:id="rId9"/>
+    <p:sldId id="264" r:id="rId10"/>
+    <p:sldId id="265" r:id="rId11"/>
+    <p:sldId id="323" r:id="rId12"/>
+    <p:sldId id="324" r:id="rId13"/>
+    <p:sldId id="267" r:id="rId14"/>
+    <p:sldId id="269" r:id="rId15"/>
+    <p:sldId id="268" r:id="rId16"/>
+    <p:sldId id="309" r:id="rId17"/>
+    <p:sldId id="329" r:id="rId18"/>
+    <p:sldId id="326" r:id="rId19"/>
   </p:sldIdLst>
   <p:sldSz cx="12192000" cy="6858000"/>
   <p:notesSz cx="6858000" cy="9144000"/>
@@ -226,7 +225,7 @@
           <a:p>
             <a:fld id="{FD93C9B2-20F6-4DB1-B471-224337D0AC79}" type="datetimeFigureOut">
               <a:rPr lang="en-US" smtClean="0"/>
-              <a:t>2/9/2022</a:t>
+              <a:t>5/26/2022</a:t>
             </a:fld>
             <a:endParaRPr lang="en-US"/>
           </a:p>
@@ -652,114 +651,491 @@
               <a:buAutoNum type="arabicPeriod"/>
             </a:pPr>
             <a:r>
-              <a:rPr lang="en-US" dirty="0"/>
-              <a:t>Three models, one for each line.</a:t>
-            </a:r>
-          </a:p>
-          <a:p>
-            <a:pPr marL="228600" indent="-228600">
+              <a:rPr lang="en-US" sz="1200" b="0" i="0" kern="1200" dirty="0">
+                <a:solidFill>
+                  <a:schemeClr val="tx1"/>
+                </a:solidFill>
+                <a:effectLst/>
+                <a:latin typeface="+mn-lt"/>
+                <a:ea typeface="+mn-ea"/>
+                <a:cs typeface="+mn-cs"/>
+              </a:rPr>
+              <a:t>Example – two models – squiggly green line / smooth curved black line.  Which model will generalize better to other datasets?</a:t>
+            </a:r>
+          </a:p>
+          <a:p>
+            <a:pPr marL="228600" marR="0" lvl="0" indent="-228600" algn="l" defTabSz="914400" rtl="0" eaLnBrk="1" fontAlgn="auto" latinLnBrk="0" hangingPunct="1">
+              <a:lnSpc>
+                <a:spcPct val="100000"/>
+              </a:lnSpc>
+              <a:spcBef>
+                <a:spcPts val="0"/>
+              </a:spcBef>
+              <a:spcAft>
+                <a:spcPts val="0"/>
+              </a:spcAft>
+              <a:buClrTx/>
+              <a:buSzTx/>
+              <a:buFontTx/>
               <a:buAutoNum type="arabicPeriod"/>
+              <a:tabLst/>
+              <a:defRPr/>
             </a:pPr>
             <a:r>
-              <a:rPr lang="en-US" dirty="0"/>
-              <a:t>Solid blue line = perfect fit – but how would it do with a new dataset?  Model </a:t>
-            </a:r>
-            <a:r>
-              <a:rPr lang="en-US" b="1" dirty="0"/>
-              <a:t>overfits</a:t>
-            </a:r>
-            <a:r>
-              <a:rPr lang="en-US" dirty="0"/>
-              <a:t> the data.</a:t>
-            </a:r>
-          </a:p>
-          <a:p>
-            <a:pPr marL="228600" indent="-228600">
+              <a:rPr lang="en-US" sz="1200" b="1" i="0" kern="1200" dirty="0">
+                <a:solidFill>
+                  <a:schemeClr val="tx1"/>
+                </a:solidFill>
+                <a:effectLst/>
+                <a:latin typeface="+mn-lt"/>
+                <a:ea typeface="+mn-ea"/>
+                <a:cs typeface="+mn-cs"/>
+              </a:rPr>
+              <a:t>Overfitting</a:t>
+            </a:r>
+            <a:r>
+              <a:rPr lang="en-US" sz="1200" b="0" i="0" kern="1200" dirty="0">
+                <a:solidFill>
+                  <a:schemeClr val="tx1"/>
+                </a:solidFill>
+                <a:effectLst/>
+                <a:latin typeface="+mn-lt"/>
+                <a:ea typeface="+mn-ea"/>
+                <a:cs typeface="+mn-cs"/>
+              </a:rPr>
+              <a:t> is "the production of an analysis that corresponds too closely or exactly to a particular set of data and may therefore fail to fit additional data or predict future observations reliably".</a:t>
+            </a:r>
+            <a:r>
+              <a:rPr lang="en-US" sz="1200" b="0" i="0" u="none" strike="noStrike" kern="1200" baseline="30000" dirty="0">
+                <a:solidFill>
+                  <a:schemeClr val="tx1"/>
+                </a:solidFill>
+                <a:effectLst/>
+                <a:latin typeface="+mn-lt"/>
+                <a:ea typeface="+mn-ea"/>
+                <a:cs typeface="+mn-cs"/>
+              </a:rPr>
+              <a:t>  </a:t>
+            </a:r>
+            <a:r>
+              <a:rPr lang="en-US" sz="1200" b="0" i="0" kern="1200" dirty="0">
+                <a:solidFill>
+                  <a:schemeClr val="tx1"/>
+                </a:solidFill>
+                <a:effectLst/>
+                <a:latin typeface="+mn-lt"/>
+                <a:ea typeface="+mn-ea"/>
+                <a:cs typeface="+mn-cs"/>
+              </a:rPr>
+              <a:t>An </a:t>
+            </a:r>
+            <a:r>
+              <a:rPr lang="en-US" sz="1200" b="1" i="0" kern="1200" dirty="0">
+                <a:solidFill>
+                  <a:schemeClr val="tx1"/>
+                </a:solidFill>
+                <a:effectLst/>
+                <a:latin typeface="+mn-lt"/>
+                <a:ea typeface="+mn-ea"/>
+                <a:cs typeface="+mn-cs"/>
+              </a:rPr>
+              <a:t>overfitted model</a:t>
+            </a:r>
+            <a:r>
+              <a:rPr lang="en-US" sz="1200" b="0" i="0" kern="1200" dirty="0">
+                <a:solidFill>
+                  <a:schemeClr val="tx1"/>
+                </a:solidFill>
+                <a:effectLst/>
+                <a:latin typeface="+mn-lt"/>
+                <a:ea typeface="+mn-ea"/>
+                <a:cs typeface="+mn-cs"/>
+              </a:rPr>
+              <a:t> is a </a:t>
+            </a:r>
+            <a:r>
+              <a:rPr lang="en-US" sz="1200" b="0" i="0" u="none" strike="noStrike" kern="1200" dirty="0">
+                <a:solidFill>
+                  <a:schemeClr val="tx1"/>
+                </a:solidFill>
+                <a:effectLst/>
+                <a:latin typeface="+mn-lt"/>
+                <a:ea typeface="+mn-ea"/>
+                <a:cs typeface="+mn-cs"/>
+                <a:hlinkClick r:id="rId3" tooltip="Statistical model"/>
+              </a:rPr>
+              <a:t>model</a:t>
+            </a:r>
+            <a:r>
+              <a:rPr lang="en-US" sz="1200" b="0" i="0" kern="1200" dirty="0">
+                <a:solidFill>
+                  <a:schemeClr val="tx1"/>
+                </a:solidFill>
+                <a:effectLst/>
+                <a:latin typeface="+mn-lt"/>
+                <a:ea typeface="+mn-ea"/>
+                <a:cs typeface="+mn-cs"/>
+              </a:rPr>
+              <a:t> that contains more </a:t>
+            </a:r>
+            <a:r>
+              <a:rPr lang="en-US" sz="1200" b="0" i="0" u="none" strike="noStrike" kern="1200" dirty="0">
+                <a:solidFill>
+                  <a:schemeClr val="tx1"/>
+                </a:solidFill>
+                <a:effectLst/>
+                <a:latin typeface="+mn-lt"/>
+                <a:ea typeface="+mn-ea"/>
+                <a:cs typeface="+mn-cs"/>
+                <a:hlinkClick r:id="rId4" tooltip="Parameter"/>
+              </a:rPr>
+              <a:t>parameters</a:t>
+            </a:r>
+            <a:r>
+              <a:rPr lang="en-US" sz="1200" b="0" i="0" kern="1200" dirty="0">
+                <a:solidFill>
+                  <a:schemeClr val="tx1"/>
+                </a:solidFill>
+                <a:effectLst/>
+                <a:latin typeface="+mn-lt"/>
+                <a:ea typeface="+mn-ea"/>
+                <a:cs typeface="+mn-cs"/>
+              </a:rPr>
+              <a:t> than can be justified by the data.  The essence of overfitting is to have unknowingly extracted some of the residual variation (i.e. the </a:t>
+            </a:r>
+            <a:r>
+              <a:rPr lang="en-US" sz="1200" b="0" i="0" u="none" strike="noStrike" kern="1200" dirty="0">
+                <a:solidFill>
+                  <a:schemeClr val="tx1"/>
+                </a:solidFill>
+                <a:effectLst/>
+                <a:latin typeface="+mn-lt"/>
+                <a:ea typeface="+mn-ea"/>
+                <a:cs typeface="+mn-cs"/>
+                <a:hlinkClick r:id="rId5" tooltip="Statistical noise"/>
+              </a:rPr>
+              <a:t>noise</a:t>
+            </a:r>
+            <a:r>
+              <a:rPr lang="en-US" sz="1200" b="0" i="0" kern="1200" dirty="0">
+                <a:solidFill>
+                  <a:schemeClr val="tx1"/>
+                </a:solidFill>
+                <a:effectLst/>
+                <a:latin typeface="+mn-lt"/>
+                <a:ea typeface="+mn-ea"/>
+                <a:cs typeface="+mn-cs"/>
+              </a:rPr>
+              <a:t>) as if that variation represented underlying model structure.</a:t>
+            </a:r>
+          </a:p>
+          <a:p>
+            <a:pPr marL="228600" marR="0" lvl="0" indent="-228600" algn="l" defTabSz="914400" rtl="0" eaLnBrk="1" fontAlgn="auto" latinLnBrk="0" hangingPunct="1">
+              <a:lnSpc>
+                <a:spcPct val="100000"/>
+              </a:lnSpc>
+              <a:spcBef>
+                <a:spcPts val="0"/>
+              </a:spcBef>
+              <a:spcAft>
+                <a:spcPts val="0"/>
+              </a:spcAft>
+              <a:buClrTx/>
+              <a:buSzTx/>
+              <a:buFontTx/>
               <a:buAutoNum type="arabicPeriod"/>
+              <a:tabLst/>
+              <a:defRPr/>
             </a:pPr>
             <a:r>
-              <a:rPr lang="en-US" dirty="0"/>
-              <a:t>Dashed green line opposite of blue – 3 datapoints – model </a:t>
-            </a:r>
-            <a:r>
-              <a:rPr lang="en-US" b="1" dirty="0"/>
-              <a:t>underfits</a:t>
-            </a:r>
-            <a:r>
-              <a:rPr lang="en-US" dirty="0"/>
-              <a:t> the data.  Too simple to capture data complexity.</a:t>
-            </a:r>
-          </a:p>
-          <a:p>
-            <a:pPr marL="228600" indent="-228600">
-              <a:buAutoNum type="arabicPeriod"/>
-            </a:pPr>
-            <a:r>
-              <a:rPr lang="en-US" dirty="0"/>
-              <a:t>Solid grey line – linear model – appears to be </a:t>
-            </a:r>
-            <a:r>
-              <a:rPr lang="en-US" b="1" dirty="0"/>
-              <a:t>just right</a:t>
-            </a:r>
-            <a:r>
-              <a:rPr lang="en-US" dirty="0"/>
-              <a:t>.</a:t>
+              <a:rPr lang="en-US" sz="1200" b="0" i="0" kern="1200" dirty="0">
+                <a:solidFill>
+                  <a:schemeClr val="tx1"/>
+                </a:solidFill>
+                <a:effectLst/>
+                <a:latin typeface="+mn-lt"/>
+                <a:ea typeface="+mn-ea"/>
+                <a:cs typeface="+mn-cs"/>
+              </a:rPr>
+              <a:t>Underfitting: model is too simple to learn the underlying structure of the data.</a:t>
             </a:r>
           </a:p>
           <a:p>
             <a:pPr marL="0" indent="0">
               <a:buNone/>
             </a:pPr>
-            <a:endParaRPr lang="en-US" dirty="0"/>
+            <a:endParaRPr lang="en-US" sz="1200" b="0" i="0" kern="1200" dirty="0">
+              <a:solidFill>
+                <a:schemeClr val="tx1"/>
+              </a:solidFill>
+              <a:effectLst/>
+              <a:latin typeface="+mn-lt"/>
+              <a:ea typeface="+mn-ea"/>
+              <a:cs typeface="+mn-cs"/>
+            </a:endParaRPr>
           </a:p>
           <a:p>
             <a:pPr marL="0" indent="0">
               <a:buNone/>
             </a:pPr>
             <a:r>
-              <a:rPr lang="en-US"/>
+              <a:rPr lang="en-US" sz="1200" b="0" i="0" kern="1200" dirty="0">
+                <a:solidFill>
+                  <a:schemeClr val="tx1"/>
+                </a:solidFill>
+                <a:effectLst/>
+                <a:latin typeface="+mn-lt"/>
+                <a:ea typeface="+mn-ea"/>
+                <a:cs typeface="+mn-cs"/>
+              </a:rPr>
               <a:t>=====</a:t>
             </a:r>
-            <a:endParaRPr lang="en-US" dirty="0"/>
-          </a:p>
-          <a:p>
-            <a:r>
-              <a:rPr lang="en-US" dirty="0"/>
-              <a:t>In this graph, we see three different models, each represented by a different line.  The solid blue is a perfect fit to this data.  But how do you think this model would extrapolate to a different data set?  In this case, the model </a:t>
-            </a:r>
-            <a:r>
-              <a:rPr lang="en-US" b="1" dirty="0"/>
+          </a:p>
+          <a:p>
+            <a:r>
+              <a:rPr lang="en-US" sz="1200" b="0" i="0" kern="1200" dirty="0">
+                <a:solidFill>
+                  <a:schemeClr val="tx1"/>
+                </a:solidFill>
+                <a:effectLst/>
+                <a:latin typeface="+mn-lt"/>
+                <a:ea typeface="+mn-ea"/>
+                <a:cs typeface="+mn-cs"/>
+              </a:rPr>
+              <a:t>Here we see a data set divided into two groups, one red, the other blue.  Now take a good look at the two models, the first represented by the squiggly green line, the second represented by the smooth, curved black line.  Of these two models, which one </a:t>
+            </a:r>
+            <a:r>
+              <a:rPr lang="en-US" sz="1200" b="1" i="0" kern="1200" dirty="0">
+                <a:solidFill>
+                  <a:schemeClr val="tx1"/>
+                </a:solidFill>
+                <a:effectLst/>
+                <a:latin typeface="+mn-lt"/>
+                <a:ea typeface="+mn-ea"/>
+                <a:cs typeface="+mn-cs"/>
+              </a:rPr>
               <a:t>overfits</a:t>
             </a:r>
             <a:r>
-              <a:rPr lang="en-US" dirty="0"/>
-              <a:t> the data.  The situation is just the opposite with the dashed green line.  Here the model appears to reference but three data points, ignoring everything else.  In this case, the model </a:t>
-            </a:r>
-            <a:r>
-              <a:rPr lang="en-US" b="1" dirty="0"/>
-              <a:t>underfits</a:t>
-            </a:r>
-            <a:r>
-              <a:rPr lang="en-US" dirty="0"/>
-              <a:t> the data.  That is, it’s too simple to accurately capture the complexity of the data.  And finally, the solid line is a linear model that appears to be </a:t>
-            </a:r>
-            <a:r>
-              <a:rPr lang="en-US" b="1" dirty="0"/>
-              <a:t>just right</a:t>
-            </a:r>
-            <a:r>
-              <a:rPr lang="en-US" dirty="0"/>
-              <a:t>.  Of the three models, this one will probably generalize best, when faced with a new data set possessing similar characteristics to the one pictured here. </a:t>
-            </a:r>
-          </a:p>
-          <a:p>
-            <a:endParaRPr lang="en-US" dirty="0"/>
-          </a:p>
-          <a:p>
-            <a:r>
-              <a:rPr lang="en-US" dirty="0"/>
-              <a:t>Let’s consider another example…</a:t>
+              <a:rPr lang="en-US" sz="1200" b="0" i="0" kern="1200" dirty="0">
+                <a:solidFill>
+                  <a:schemeClr val="tx1"/>
+                </a:solidFill>
+                <a:effectLst/>
+                <a:latin typeface="+mn-lt"/>
+                <a:ea typeface="+mn-ea"/>
+                <a:cs typeface="+mn-cs"/>
+              </a:rPr>
+              <a:t> the data?  And which one will generalize better?  </a:t>
+            </a:r>
+          </a:p>
+          <a:p>
+            <a:endParaRPr lang="en-US" sz="1200" b="0" i="0" kern="1200" dirty="0">
+              <a:solidFill>
+                <a:schemeClr val="tx1"/>
+              </a:solidFill>
+              <a:effectLst/>
+              <a:latin typeface="+mn-lt"/>
+              <a:ea typeface="+mn-ea"/>
+              <a:cs typeface="+mn-cs"/>
+            </a:endParaRPr>
+          </a:p>
+          <a:p>
+            <a:r>
+              <a:rPr lang="en-US" sz="1200" b="0" i="0" kern="1200" dirty="0">
+                <a:solidFill>
+                  <a:schemeClr val="tx1"/>
+                </a:solidFill>
+                <a:effectLst/>
+                <a:latin typeface="+mn-lt"/>
+                <a:ea typeface="+mn-ea"/>
+                <a:cs typeface="+mn-cs"/>
+              </a:rPr>
+              <a:t>Before moving on, let’s provide some formal definitions.  In machine learning, </a:t>
+            </a:r>
+            <a:r>
+              <a:rPr lang="en-US" sz="1200" b="1" i="0" kern="1200" dirty="0">
+                <a:solidFill>
+                  <a:schemeClr val="tx1"/>
+                </a:solidFill>
+                <a:effectLst/>
+                <a:latin typeface="+mn-lt"/>
+                <a:ea typeface="+mn-ea"/>
+                <a:cs typeface="+mn-cs"/>
+              </a:rPr>
+              <a:t>overfitting</a:t>
+            </a:r>
+            <a:r>
+              <a:rPr lang="en-US" sz="1200" b="0" i="0" kern="1200" dirty="0">
+                <a:solidFill>
+                  <a:schemeClr val="tx1"/>
+                </a:solidFill>
+                <a:effectLst/>
+                <a:latin typeface="+mn-lt"/>
+                <a:ea typeface="+mn-ea"/>
+                <a:cs typeface="+mn-cs"/>
+              </a:rPr>
+              <a:t> is "the production of an analysis that corresponds too closely or exactly to a particular set of data and may therefore fail to fit additional data or predict future observations reliably".</a:t>
+            </a:r>
+            <a:r>
+              <a:rPr lang="en-US" sz="1200" b="0" i="0" u="none" strike="noStrike" kern="1200" baseline="30000" dirty="0">
+                <a:solidFill>
+                  <a:schemeClr val="tx1"/>
+                </a:solidFill>
+                <a:effectLst/>
+                <a:latin typeface="+mn-lt"/>
+                <a:ea typeface="+mn-ea"/>
+                <a:cs typeface="+mn-cs"/>
+              </a:rPr>
+              <a:t>  </a:t>
+            </a:r>
+            <a:r>
+              <a:rPr lang="en-US" sz="1200" b="0" i="0" kern="1200" dirty="0">
+                <a:solidFill>
+                  <a:schemeClr val="tx1"/>
+                </a:solidFill>
+                <a:effectLst/>
+                <a:latin typeface="+mn-lt"/>
+                <a:ea typeface="+mn-ea"/>
+                <a:cs typeface="+mn-cs"/>
+              </a:rPr>
+              <a:t>An </a:t>
+            </a:r>
+            <a:r>
+              <a:rPr lang="en-US" sz="1200" b="1" i="0" kern="1200" dirty="0">
+                <a:solidFill>
+                  <a:schemeClr val="tx1"/>
+                </a:solidFill>
+                <a:effectLst/>
+                <a:latin typeface="+mn-lt"/>
+                <a:ea typeface="+mn-ea"/>
+                <a:cs typeface="+mn-cs"/>
+              </a:rPr>
+              <a:t>overfitted model</a:t>
+            </a:r>
+            <a:r>
+              <a:rPr lang="en-US" sz="1200" b="0" i="0" kern="1200" dirty="0">
+                <a:solidFill>
+                  <a:schemeClr val="tx1"/>
+                </a:solidFill>
+                <a:effectLst/>
+                <a:latin typeface="+mn-lt"/>
+                <a:ea typeface="+mn-ea"/>
+                <a:cs typeface="+mn-cs"/>
+              </a:rPr>
+              <a:t> is a </a:t>
+            </a:r>
+            <a:r>
+              <a:rPr lang="en-US" sz="1200" b="0" i="0" u="none" strike="noStrike" kern="1200" dirty="0">
+                <a:solidFill>
+                  <a:schemeClr val="tx1"/>
+                </a:solidFill>
+                <a:effectLst/>
+                <a:latin typeface="+mn-lt"/>
+                <a:ea typeface="+mn-ea"/>
+                <a:cs typeface="+mn-cs"/>
+                <a:hlinkClick r:id="rId3" tooltip="Statistical model"/>
+              </a:rPr>
+              <a:t>model</a:t>
+            </a:r>
+            <a:r>
+              <a:rPr lang="en-US" sz="1200" b="0" i="0" kern="1200" dirty="0">
+                <a:solidFill>
+                  <a:schemeClr val="tx1"/>
+                </a:solidFill>
+                <a:effectLst/>
+                <a:latin typeface="+mn-lt"/>
+                <a:ea typeface="+mn-ea"/>
+                <a:cs typeface="+mn-cs"/>
+              </a:rPr>
+              <a:t> that contains more </a:t>
+            </a:r>
+            <a:r>
+              <a:rPr lang="en-US" sz="1200" b="0" i="0" u="none" strike="noStrike" kern="1200" dirty="0">
+                <a:solidFill>
+                  <a:schemeClr val="tx1"/>
+                </a:solidFill>
+                <a:effectLst/>
+                <a:latin typeface="+mn-lt"/>
+                <a:ea typeface="+mn-ea"/>
+                <a:cs typeface="+mn-cs"/>
+                <a:hlinkClick r:id="rId4" tooltip="Parameter"/>
+              </a:rPr>
+              <a:t>parameters</a:t>
+            </a:r>
+            <a:r>
+              <a:rPr lang="en-US" sz="1200" b="0" i="0" kern="1200" dirty="0">
+                <a:solidFill>
+                  <a:schemeClr val="tx1"/>
+                </a:solidFill>
+                <a:effectLst/>
+                <a:latin typeface="+mn-lt"/>
+                <a:ea typeface="+mn-ea"/>
+                <a:cs typeface="+mn-cs"/>
+              </a:rPr>
+              <a:t> than can be justified by the data.  The essence of overfitting is to have unknowingly extracted some of the residual variation (i.e. the </a:t>
+            </a:r>
+            <a:r>
+              <a:rPr lang="en-US" sz="1200" b="0" i="0" u="none" strike="noStrike" kern="1200" dirty="0">
+                <a:solidFill>
+                  <a:schemeClr val="tx1"/>
+                </a:solidFill>
+                <a:effectLst/>
+                <a:latin typeface="+mn-lt"/>
+                <a:ea typeface="+mn-ea"/>
+                <a:cs typeface="+mn-cs"/>
+                <a:hlinkClick r:id="rId5" tooltip="Statistical noise"/>
+              </a:rPr>
+              <a:t>noise</a:t>
+            </a:r>
+            <a:r>
+              <a:rPr lang="en-US" sz="1200" b="0" i="0" kern="1200" dirty="0">
+                <a:solidFill>
+                  <a:schemeClr val="tx1"/>
+                </a:solidFill>
+                <a:effectLst/>
+                <a:latin typeface="+mn-lt"/>
+                <a:ea typeface="+mn-ea"/>
+                <a:cs typeface="+mn-cs"/>
+              </a:rPr>
+              <a:t>) as if that variation represented underlying model structure.</a:t>
+            </a:r>
+          </a:p>
+          <a:p>
+            <a:endParaRPr lang="en-US" sz="1200" b="0" i="0" kern="1200" dirty="0">
+              <a:solidFill>
+                <a:schemeClr val="tx1"/>
+              </a:solidFill>
+              <a:effectLst/>
+              <a:latin typeface="+mn-lt"/>
+              <a:ea typeface="+mn-ea"/>
+              <a:cs typeface="+mn-cs"/>
+            </a:endParaRPr>
+          </a:p>
+          <a:p>
+            <a:r>
+              <a:rPr lang="en-US" sz="1200" b="1" i="0" kern="1200" dirty="0">
+                <a:solidFill>
+                  <a:schemeClr val="tx1"/>
+                </a:solidFill>
+                <a:effectLst/>
+                <a:latin typeface="+mn-lt"/>
+                <a:ea typeface="+mn-ea"/>
+                <a:cs typeface="+mn-cs"/>
+              </a:rPr>
+              <a:t>Underfitting</a:t>
+            </a:r>
+            <a:r>
+              <a:rPr lang="en-US" sz="1200" b="0" i="0" kern="1200" dirty="0">
+                <a:solidFill>
+                  <a:schemeClr val="tx1"/>
+                </a:solidFill>
+                <a:effectLst/>
+                <a:latin typeface="+mn-lt"/>
+                <a:ea typeface="+mn-ea"/>
+                <a:cs typeface="+mn-cs"/>
+              </a:rPr>
+              <a:t> is just the opposite of overfitting.  It occurs when your model is too simple to learn the underlying structure of the data.  </a:t>
             </a:r>
           </a:p>
         </p:txBody>
@@ -790,7 +1166,7 @@
     </p:spTree>
     <p:extLst>
       <p:ext uri="{BB962C8B-B14F-4D97-AF65-F5344CB8AC3E}">
-        <p14:creationId xmlns:p14="http://schemas.microsoft.com/office/powerpoint/2010/main" val="1905729359"/>
+        <p14:creationId xmlns:p14="http://schemas.microsoft.com/office/powerpoint/2010/main" val="4257397788"/>
       </p:ext>
     </p:extLst>
   </p:cSld>
@@ -857,29 +1233,15 @@
                 <a:ea typeface="+mn-ea"/>
                 <a:cs typeface="+mn-cs"/>
               </a:rPr>
-              <a:t>Example – two models – squiggly green line / smooth curved black line.  Which model will generalize better to other datasets?</a:t>
-            </a:r>
-          </a:p>
-          <a:p>
-            <a:pPr marL="228600" marR="0" lvl="0" indent="-228600" algn="l" defTabSz="914400" rtl="0" eaLnBrk="1" fontAlgn="auto" latinLnBrk="0" hangingPunct="1">
-              <a:lnSpc>
-                <a:spcPct val="100000"/>
-              </a:lnSpc>
-              <a:spcBef>
-                <a:spcPts val="0"/>
-              </a:spcBef>
-              <a:spcAft>
-                <a:spcPts val="0"/>
-              </a:spcAft>
-              <a:buClrTx/>
-              <a:buSzTx/>
-              <a:buFontTx/>
+              <a:t>Overfitting byproduct of outliers.</a:t>
+            </a:r>
+          </a:p>
+          <a:p>
+            <a:pPr marL="228600" indent="-228600">
               <a:buAutoNum type="arabicPeriod"/>
-              <a:tabLst/>
-              <a:defRPr/>
             </a:pPr>
             <a:r>
-              <a:rPr lang="en-US" sz="1200" b="1" i="0" kern="1200" dirty="0">
+              <a:rPr lang="en-US" sz="1200" b="0" i="0" kern="1200" dirty="0">
                 <a:solidFill>
                   <a:schemeClr val="tx1"/>
                 </a:solidFill>
@@ -888,8 +1250,13 @@
                 <a:ea typeface="+mn-ea"/>
                 <a:cs typeface="+mn-cs"/>
               </a:rPr>
-              <a:t>Overfitting</a:t>
-            </a:r>
+              <a:t>Outlier in left image – identify &amp; remove outliers</a:t>
+            </a:r>
+          </a:p>
+          <a:p>
+            <a:pPr marL="228600" indent="-228600">
+              <a:buAutoNum type="arabicPeriod"/>
+            </a:pPr>
             <a:r>
               <a:rPr lang="en-US" sz="1200" b="0" i="0" kern="1200" dirty="0">
                 <a:solidFill>
@@ -900,161 +1267,7 @@
                 <a:ea typeface="+mn-ea"/>
                 <a:cs typeface="+mn-cs"/>
               </a:rPr>
-              <a:t> is "the production of an analysis that corresponds too closely or exactly to a particular set of data and may therefore fail to fit additional data or predict future observations reliably".</a:t>
-            </a:r>
-            <a:r>
-              <a:rPr lang="en-US" sz="1200" b="0" i="0" u="none" strike="noStrike" kern="1200" baseline="30000" dirty="0">
-                <a:solidFill>
-                  <a:schemeClr val="tx1"/>
-                </a:solidFill>
-                <a:effectLst/>
-                <a:latin typeface="+mn-lt"/>
-                <a:ea typeface="+mn-ea"/>
-                <a:cs typeface="+mn-cs"/>
-              </a:rPr>
-              <a:t>  </a:t>
-            </a:r>
-            <a:r>
-              <a:rPr lang="en-US" sz="1200" b="0" i="0" kern="1200" dirty="0">
-                <a:solidFill>
-                  <a:schemeClr val="tx1"/>
-                </a:solidFill>
-                <a:effectLst/>
-                <a:latin typeface="+mn-lt"/>
-                <a:ea typeface="+mn-ea"/>
-                <a:cs typeface="+mn-cs"/>
-              </a:rPr>
-              <a:t>An </a:t>
-            </a:r>
-            <a:r>
-              <a:rPr lang="en-US" sz="1200" b="1" i="0" kern="1200" dirty="0">
-                <a:solidFill>
-                  <a:schemeClr val="tx1"/>
-                </a:solidFill>
-                <a:effectLst/>
-                <a:latin typeface="+mn-lt"/>
-                <a:ea typeface="+mn-ea"/>
-                <a:cs typeface="+mn-cs"/>
-              </a:rPr>
-              <a:t>overfitted model</a:t>
-            </a:r>
-            <a:r>
-              <a:rPr lang="en-US" sz="1200" b="0" i="0" kern="1200" dirty="0">
-                <a:solidFill>
-                  <a:schemeClr val="tx1"/>
-                </a:solidFill>
-                <a:effectLst/>
-                <a:latin typeface="+mn-lt"/>
-                <a:ea typeface="+mn-ea"/>
-                <a:cs typeface="+mn-cs"/>
-              </a:rPr>
-              <a:t> is a </a:t>
-            </a:r>
-            <a:r>
-              <a:rPr lang="en-US" sz="1200" b="0" i="0" u="none" strike="noStrike" kern="1200" dirty="0">
-                <a:solidFill>
-                  <a:schemeClr val="tx1"/>
-                </a:solidFill>
-                <a:effectLst/>
-                <a:latin typeface="+mn-lt"/>
-                <a:ea typeface="+mn-ea"/>
-                <a:cs typeface="+mn-cs"/>
-                <a:hlinkClick r:id="rId3" tooltip="Statistical model"/>
-              </a:rPr>
-              <a:t>model</a:t>
-            </a:r>
-            <a:r>
-              <a:rPr lang="en-US" sz="1200" b="0" i="0" kern="1200" dirty="0">
-                <a:solidFill>
-                  <a:schemeClr val="tx1"/>
-                </a:solidFill>
-                <a:effectLst/>
-                <a:latin typeface="+mn-lt"/>
-                <a:ea typeface="+mn-ea"/>
-                <a:cs typeface="+mn-cs"/>
-              </a:rPr>
-              <a:t> that contains more </a:t>
-            </a:r>
-            <a:r>
-              <a:rPr lang="en-US" sz="1200" b="0" i="0" u="none" strike="noStrike" kern="1200" dirty="0">
-                <a:solidFill>
-                  <a:schemeClr val="tx1"/>
-                </a:solidFill>
-                <a:effectLst/>
-                <a:latin typeface="+mn-lt"/>
-                <a:ea typeface="+mn-ea"/>
-                <a:cs typeface="+mn-cs"/>
-                <a:hlinkClick r:id="rId4" tooltip="Parameter"/>
-              </a:rPr>
-              <a:t>parameters</a:t>
-            </a:r>
-            <a:r>
-              <a:rPr lang="en-US" sz="1200" b="0" i="0" kern="1200" dirty="0">
-                <a:solidFill>
-                  <a:schemeClr val="tx1"/>
-                </a:solidFill>
-                <a:effectLst/>
-                <a:latin typeface="+mn-lt"/>
-                <a:ea typeface="+mn-ea"/>
-                <a:cs typeface="+mn-cs"/>
-              </a:rPr>
-              <a:t> than can be justified by the data.  The essence of overfitting is to have unknowingly extracted some of the residual variation (i.e. the </a:t>
-            </a:r>
-            <a:r>
-              <a:rPr lang="en-US" sz="1200" b="0" i="0" u="none" strike="noStrike" kern="1200" dirty="0">
-                <a:solidFill>
-                  <a:schemeClr val="tx1"/>
-                </a:solidFill>
-                <a:effectLst/>
-                <a:latin typeface="+mn-lt"/>
-                <a:ea typeface="+mn-ea"/>
-                <a:cs typeface="+mn-cs"/>
-                <a:hlinkClick r:id="rId5" tooltip="Statistical noise"/>
-              </a:rPr>
-              <a:t>noise</a:t>
-            </a:r>
-            <a:r>
-              <a:rPr lang="en-US" sz="1200" b="0" i="0" kern="1200" dirty="0">
-                <a:solidFill>
-                  <a:schemeClr val="tx1"/>
-                </a:solidFill>
-                <a:effectLst/>
-                <a:latin typeface="+mn-lt"/>
-                <a:ea typeface="+mn-ea"/>
-                <a:cs typeface="+mn-cs"/>
-              </a:rPr>
-              <a:t>) as if that variation represented underlying model structure.</a:t>
-            </a:r>
-          </a:p>
-          <a:p>
-            <a:pPr marL="228600" marR="0" lvl="0" indent="-228600" algn="l" defTabSz="914400" rtl="0" eaLnBrk="1" fontAlgn="auto" latinLnBrk="0" hangingPunct="1">
-              <a:lnSpc>
-                <a:spcPct val="100000"/>
-              </a:lnSpc>
-              <a:spcBef>
-                <a:spcPts val="0"/>
-              </a:spcBef>
-              <a:spcAft>
-                <a:spcPts val="0"/>
-              </a:spcAft>
-              <a:buClrTx/>
-              <a:buSzTx/>
-              <a:buFontTx/>
-              <a:buAutoNum type="arabicPeriod"/>
-              <a:tabLst/>
-              <a:defRPr/>
-            </a:pPr>
-            <a:r>
-              <a:rPr lang="en-US" sz="1200" b="0" i="0" kern="1200" dirty="0">
-                <a:solidFill>
-                  <a:schemeClr val="tx1"/>
-                </a:solidFill>
-                <a:effectLst/>
-                <a:latin typeface="+mn-lt"/>
-                <a:ea typeface="+mn-ea"/>
-                <a:cs typeface="+mn-cs"/>
-              </a:rPr>
-              <a:t>Underfitting: model is too simple to learn the underlying structure of the data.</a:t>
+              <a:t>Simple model on right will generalize better</a:t>
             </a:r>
           </a:p>
           <a:p>
@@ -1099,7 +1312,7 @@
                 <a:ea typeface="+mn-ea"/>
                 <a:cs typeface="+mn-cs"/>
               </a:rPr>
-              <a:t>Here we see a data set divided into two groups, one red, the other blue.  Now take a good look at the two models, the first represented by the squiggly green line, the second represented by the smooth, curved black line.  Of these two models, which one </a:t>
+              <a:t>Often, overfitting is a byproduct of outliers.  Consider the image on the left.  We have one circular point deep in square territory, resulting in a complicated boundary curve.  We call this kind of isolated point an </a:t>
             </a:r>
             <a:r>
               <a:rPr lang="en-US" sz="1200" b="1" i="0" kern="1200" dirty="0">
@@ -1111,7 +1324,7 @@
                 <a:ea typeface="+mn-ea"/>
                 <a:cs typeface="+mn-cs"/>
               </a:rPr>
-              <a:t>overfits</a:t>
+              <a:t>outlier</a:t>
             </a:r>
             <a:r>
               <a:rPr lang="en-US" sz="1200" b="0" i="0" kern="1200" dirty="0">
@@ -1123,216 +1336,7 @@
                 <a:ea typeface="+mn-ea"/>
                 <a:cs typeface="+mn-cs"/>
               </a:rPr>
-              <a:t> the data?  And which one will generalize better?  </a:t>
-            </a:r>
-          </a:p>
-          <a:p>
-            <a:endParaRPr lang="en-US" sz="1200" b="0" i="0" kern="1200" dirty="0">
-              <a:solidFill>
-                <a:schemeClr val="tx1"/>
-              </a:solidFill>
-              <a:effectLst/>
-              <a:latin typeface="+mn-lt"/>
-              <a:ea typeface="+mn-ea"/>
-              <a:cs typeface="+mn-cs"/>
-            </a:endParaRPr>
-          </a:p>
-          <a:p>
-            <a:r>
-              <a:rPr lang="en-US" sz="1200" b="0" i="0" kern="1200" dirty="0">
-                <a:solidFill>
-                  <a:schemeClr val="tx1"/>
-                </a:solidFill>
-                <a:effectLst/>
-                <a:latin typeface="+mn-lt"/>
-                <a:ea typeface="+mn-ea"/>
-                <a:cs typeface="+mn-cs"/>
-              </a:rPr>
-              <a:t>Before moving on, let’s provide some formal definitions.  In machine learning, </a:t>
-            </a:r>
-            <a:r>
-              <a:rPr lang="en-US" sz="1200" b="1" i="0" kern="1200" dirty="0">
-                <a:solidFill>
-                  <a:schemeClr val="tx1"/>
-                </a:solidFill>
-                <a:effectLst/>
-                <a:latin typeface="+mn-lt"/>
-                <a:ea typeface="+mn-ea"/>
-                <a:cs typeface="+mn-cs"/>
-              </a:rPr>
-              <a:t>overfitting</a:t>
-            </a:r>
-            <a:r>
-              <a:rPr lang="en-US" sz="1200" b="0" i="0" kern="1200" dirty="0">
-                <a:solidFill>
-                  <a:schemeClr val="tx1"/>
-                </a:solidFill>
-                <a:effectLst/>
-                <a:latin typeface="+mn-lt"/>
-                <a:ea typeface="+mn-ea"/>
-                <a:cs typeface="+mn-cs"/>
-              </a:rPr>
-              <a:t> is "the production of an analysis that corresponds too closely or exactly to a particular set of data and may therefore fail to fit additional data or predict future observations reliably".</a:t>
-            </a:r>
-            <a:r>
-              <a:rPr lang="en-US" sz="1200" b="0" i="0" u="none" strike="noStrike" kern="1200" baseline="30000" dirty="0">
-                <a:solidFill>
-                  <a:schemeClr val="tx1"/>
-                </a:solidFill>
-                <a:effectLst/>
-                <a:latin typeface="+mn-lt"/>
-                <a:ea typeface="+mn-ea"/>
-                <a:cs typeface="+mn-cs"/>
-              </a:rPr>
-              <a:t>  </a:t>
-            </a:r>
-            <a:r>
-              <a:rPr lang="en-US" sz="1200" b="0" i="0" kern="1200" dirty="0">
-                <a:solidFill>
-                  <a:schemeClr val="tx1"/>
-                </a:solidFill>
-                <a:effectLst/>
-                <a:latin typeface="+mn-lt"/>
-                <a:ea typeface="+mn-ea"/>
-                <a:cs typeface="+mn-cs"/>
-              </a:rPr>
-              <a:t>An </a:t>
-            </a:r>
-            <a:r>
-              <a:rPr lang="en-US" sz="1200" b="1" i="0" kern="1200" dirty="0">
-                <a:solidFill>
-                  <a:schemeClr val="tx1"/>
-                </a:solidFill>
-                <a:effectLst/>
-                <a:latin typeface="+mn-lt"/>
-                <a:ea typeface="+mn-ea"/>
-                <a:cs typeface="+mn-cs"/>
-              </a:rPr>
-              <a:t>overfitted model</a:t>
-            </a:r>
-            <a:r>
-              <a:rPr lang="en-US" sz="1200" b="0" i="0" kern="1200" dirty="0">
-                <a:solidFill>
-                  <a:schemeClr val="tx1"/>
-                </a:solidFill>
-                <a:effectLst/>
-                <a:latin typeface="+mn-lt"/>
-                <a:ea typeface="+mn-ea"/>
-                <a:cs typeface="+mn-cs"/>
-              </a:rPr>
-              <a:t> is a </a:t>
-            </a:r>
-            <a:r>
-              <a:rPr lang="en-US" sz="1200" b="0" i="0" u="none" strike="noStrike" kern="1200" dirty="0">
-                <a:solidFill>
-                  <a:schemeClr val="tx1"/>
-                </a:solidFill>
-                <a:effectLst/>
-                <a:latin typeface="+mn-lt"/>
-                <a:ea typeface="+mn-ea"/>
-                <a:cs typeface="+mn-cs"/>
-                <a:hlinkClick r:id="rId3" tooltip="Statistical model"/>
-              </a:rPr>
-              <a:t>model</a:t>
-            </a:r>
-            <a:r>
-              <a:rPr lang="en-US" sz="1200" b="0" i="0" kern="1200" dirty="0">
-                <a:solidFill>
-                  <a:schemeClr val="tx1"/>
-                </a:solidFill>
-                <a:effectLst/>
-                <a:latin typeface="+mn-lt"/>
-                <a:ea typeface="+mn-ea"/>
-                <a:cs typeface="+mn-cs"/>
-              </a:rPr>
-              <a:t> that contains more </a:t>
-            </a:r>
-            <a:r>
-              <a:rPr lang="en-US" sz="1200" b="0" i="0" u="none" strike="noStrike" kern="1200" dirty="0">
-                <a:solidFill>
-                  <a:schemeClr val="tx1"/>
-                </a:solidFill>
-                <a:effectLst/>
-                <a:latin typeface="+mn-lt"/>
-                <a:ea typeface="+mn-ea"/>
-                <a:cs typeface="+mn-cs"/>
-                <a:hlinkClick r:id="rId4" tooltip="Parameter"/>
-              </a:rPr>
-              <a:t>parameters</a:t>
-            </a:r>
-            <a:r>
-              <a:rPr lang="en-US" sz="1200" b="0" i="0" kern="1200" dirty="0">
-                <a:solidFill>
-                  <a:schemeClr val="tx1"/>
-                </a:solidFill>
-                <a:effectLst/>
-                <a:latin typeface="+mn-lt"/>
-                <a:ea typeface="+mn-ea"/>
-                <a:cs typeface="+mn-cs"/>
-              </a:rPr>
-              <a:t> than can be justified by the data.  The essence of overfitting is to have unknowingly extracted some of the residual variation (i.e. the </a:t>
-            </a:r>
-            <a:r>
-              <a:rPr lang="en-US" sz="1200" b="0" i="0" u="none" strike="noStrike" kern="1200" dirty="0">
-                <a:solidFill>
-                  <a:schemeClr val="tx1"/>
-                </a:solidFill>
-                <a:effectLst/>
-                <a:latin typeface="+mn-lt"/>
-                <a:ea typeface="+mn-ea"/>
-                <a:cs typeface="+mn-cs"/>
-                <a:hlinkClick r:id="rId5" tooltip="Statistical noise"/>
-              </a:rPr>
-              <a:t>noise</a:t>
-            </a:r>
-            <a:r>
-              <a:rPr lang="en-US" sz="1200" b="0" i="0" kern="1200" dirty="0">
-                <a:solidFill>
-                  <a:schemeClr val="tx1"/>
-                </a:solidFill>
-                <a:effectLst/>
-                <a:latin typeface="+mn-lt"/>
-                <a:ea typeface="+mn-ea"/>
-                <a:cs typeface="+mn-cs"/>
-              </a:rPr>
-              <a:t>) as if that variation represented underlying model structure.</a:t>
-            </a:r>
-          </a:p>
-          <a:p>
-            <a:endParaRPr lang="en-US" sz="1200" b="0" i="0" kern="1200" dirty="0">
-              <a:solidFill>
-                <a:schemeClr val="tx1"/>
-              </a:solidFill>
-              <a:effectLst/>
-              <a:latin typeface="+mn-lt"/>
-              <a:ea typeface="+mn-ea"/>
-              <a:cs typeface="+mn-cs"/>
-            </a:endParaRPr>
-          </a:p>
-          <a:p>
-            <a:r>
-              <a:rPr lang="en-US" sz="1200" b="1" i="0" kern="1200" dirty="0">
-                <a:solidFill>
-                  <a:schemeClr val="tx1"/>
-                </a:solidFill>
-                <a:effectLst/>
-                <a:latin typeface="+mn-lt"/>
-                <a:ea typeface="+mn-ea"/>
-                <a:cs typeface="+mn-cs"/>
-              </a:rPr>
-              <a:t>Underfitting</a:t>
-            </a:r>
-            <a:r>
-              <a:rPr lang="en-US" sz="1200" b="0" i="0" kern="1200" dirty="0">
-                <a:solidFill>
-                  <a:schemeClr val="tx1"/>
-                </a:solidFill>
-                <a:effectLst/>
-                <a:latin typeface="+mn-lt"/>
-                <a:ea typeface="+mn-ea"/>
-                <a:cs typeface="+mn-cs"/>
-              </a:rPr>
-              <a:t> is just the opposite of overfitting.  It occurs when your model is too simple to learn the underlying structure of the data.  </a:t>
+              <a:t>.  By drawing the boundary to accommodate this one data point, we risk misclassifying some future data points as blue circles, even though they are solidly inside the brown square region.  Here a single outlier has contributed to model overfit, thereby highlighting the importance of identifying and possibly removing outliers from a dataset.  The simpler model curve on the right will generalize better and is preferable in this case.</a:t>
             </a:r>
           </a:p>
         </p:txBody>
@@ -1363,7 +1367,7 @@
     </p:spTree>
     <p:extLst>
       <p:ext uri="{BB962C8B-B14F-4D97-AF65-F5344CB8AC3E}">
-        <p14:creationId xmlns:p14="http://schemas.microsoft.com/office/powerpoint/2010/main" val="4257397788"/>
+        <p14:creationId xmlns:p14="http://schemas.microsoft.com/office/powerpoint/2010/main" val="229795874"/>
       </p:ext>
     </p:extLst>
   </p:cSld>
@@ -1417,9 +1421,6 @@
           <a:bodyPr/>
           <a:lstStyle/>
           <a:p>
-            <a:pPr marL="228600" indent="-228600">
-              <a:buAutoNum type="arabicPeriod"/>
-            </a:pPr>
             <a:r>
               <a:rPr lang="en-US" sz="1200" b="0" i="0" kern="1200" dirty="0">
                 <a:solidFill>
@@ -1430,47 +1431,10 @@
                 <a:ea typeface="+mn-ea"/>
                 <a:cs typeface="+mn-cs"/>
               </a:rPr>
-              <a:t>Overfitting byproduct of outliers.</a:t>
-            </a:r>
-          </a:p>
-          <a:p>
-            <a:pPr marL="228600" indent="-228600">
-              <a:buAutoNum type="arabicPeriod"/>
-            </a:pPr>
-            <a:r>
-              <a:rPr lang="en-US" sz="1200" b="0" i="0" kern="1200" dirty="0">
-                <a:solidFill>
-                  <a:schemeClr val="tx1"/>
-                </a:solidFill>
-                <a:effectLst/>
-                <a:latin typeface="+mn-lt"/>
-                <a:ea typeface="+mn-ea"/>
-                <a:cs typeface="+mn-cs"/>
-              </a:rPr>
-              <a:t>Outlier in left image – identify &amp; remove outliers</a:t>
-            </a:r>
-          </a:p>
-          <a:p>
-            <a:pPr marL="228600" indent="-228600">
-              <a:buAutoNum type="arabicPeriod"/>
-            </a:pPr>
-            <a:r>
-              <a:rPr lang="en-US" sz="1200" b="0" i="0" kern="1200" dirty="0">
-                <a:solidFill>
-                  <a:schemeClr val="tx1"/>
-                </a:solidFill>
-                <a:effectLst/>
-                <a:latin typeface="+mn-lt"/>
-                <a:ea typeface="+mn-ea"/>
-                <a:cs typeface="+mn-cs"/>
-              </a:rPr>
-              <a:t>Simple model on right will generalize better</a:t>
-            </a:r>
-          </a:p>
-          <a:p>
-            <a:pPr marL="0" indent="0">
-              <a:buNone/>
-            </a:pPr>
+              <a:t>So, what does overfit look like when we’re training a neural network?  In this image, we see that the training error continues to decrease as we move into the zone of overfitting while the validation error is going up.  That’s because we’re still learning from the training data, but now we’re learning information specific to a given dataset, rather than general rules.  It’s the performance of the validation set that lets us see that this is happening, because our validation error (an estimate of the generalization error) is getting worse.</a:t>
+            </a:r>
+          </a:p>
+          <a:p>
             <a:endParaRPr lang="en-US" sz="1200" b="0" i="0" kern="1200" dirty="0">
               <a:solidFill>
                 <a:schemeClr val="tx1"/>
@@ -1482,9 +1446,6 @@
             </a:endParaRPr>
           </a:p>
           <a:p>
-            <a:pPr marL="0" indent="0">
-              <a:buNone/>
-            </a:pPr>
             <a:r>
               <a:rPr lang="en-US" sz="1200" b="0" i="0" kern="1200" dirty="0">
                 <a:solidFill>
@@ -1495,12 +1456,10 @@
                 <a:ea typeface="+mn-ea"/>
                 <a:cs typeface="+mn-cs"/>
               </a:rPr>
-              <a:t>=====</a:t>
-            </a:r>
-          </a:p>
-          <a:p>
-            <a:r>
-              <a:rPr lang="en-US" sz="1200" b="0" i="0" kern="1200" dirty="0">
+              <a:t>Generally speaking, when we start training our model, we are underfitting.  That is, the model hasn’t seen enough examples yet to figure out how to handle them properly.  As we train more and the model refines its boundaries, the training and validation errors both typically drop, as we see here.  At some point, we will discover that although the training error is continuing to drop, the validation error starts to rise.  Now we’re overfitting.  So, our rule of thumb is this:  </a:t>
+            </a:r>
+            <a:r>
+              <a:rPr lang="en-US" sz="1200" b="0" i="1" kern="1200" dirty="0">
                 <a:solidFill>
                   <a:schemeClr val="tx1"/>
                 </a:solidFill>
@@ -1509,10 +1468,10 @@
                 <a:ea typeface="+mn-ea"/>
                 <a:cs typeface="+mn-cs"/>
               </a:rPr>
-              <a:t>Often, overfitting is a byproduct of outliers.  Consider the image on the left.  We have one circular point deep in square territory, resulting in a complicated boundary curve.  We call this kind of isolated point an </a:t>
-            </a:r>
-            <a:r>
-              <a:rPr lang="en-US" sz="1200" b="1" i="0" kern="1200" dirty="0">
+              <a:t>When we start to overfit, stop training</a:t>
+            </a:r>
+            <a:r>
+              <a:rPr lang="en-US" sz="1200" b="0" i="0" kern="1200" dirty="0">
                 <a:solidFill>
                   <a:schemeClr val="tx1"/>
                 </a:solidFill>
@@ -1521,10 +1480,10 @@
                 <a:ea typeface="+mn-ea"/>
                 <a:cs typeface="+mn-cs"/>
               </a:rPr>
-              <a:t>outlier</a:t>
-            </a:r>
-            <a:r>
-              <a:rPr lang="en-US" sz="1200" b="0" i="0" kern="1200" dirty="0">
+              <a:t>.  In this example, that happens at around 28 epochs.  The technique of ending training just as validation error begins to rise is called </a:t>
+            </a:r>
+            <a:r>
+              <a:rPr lang="en-US" sz="1200" b="1" i="0" kern="1200" dirty="0">
                 <a:solidFill>
                   <a:schemeClr val="tx1"/>
                 </a:solidFill>
@@ -1533,7 +1492,19 @@
                 <a:ea typeface="+mn-ea"/>
                 <a:cs typeface="+mn-cs"/>
               </a:rPr>
-              <a:t>.  By drawing the boundary to accommodate this one data point, we risk misclassifying some future data points as blue circles, even though they are solidly inside the brown square region.  Here a single outlier has contributed to model overfit, thereby highlighting the importance of identifying and possibly removing outliers from a dataset.  The simpler model curve on the right will generalize better and is preferable in this case.</a:t>
+              <a:t>early stopping</a:t>
+            </a:r>
+            <a:r>
+              <a:rPr lang="en-US" sz="1200" b="0" i="0" kern="1200" dirty="0">
+                <a:solidFill>
+                  <a:schemeClr val="tx1"/>
+                </a:solidFill>
+                <a:effectLst/>
+                <a:latin typeface="+mn-lt"/>
+                <a:ea typeface="+mn-ea"/>
+                <a:cs typeface="+mn-cs"/>
+              </a:rPr>
+              <a:t>.</a:t>
             </a:r>
           </a:p>
         </p:txBody>
@@ -1564,7 +1535,7 @@
     </p:spTree>
     <p:extLst>
       <p:ext uri="{BB962C8B-B14F-4D97-AF65-F5344CB8AC3E}">
-        <p14:creationId xmlns:p14="http://schemas.microsoft.com/office/powerpoint/2010/main" val="229795874"/>
+        <p14:creationId xmlns:p14="http://schemas.microsoft.com/office/powerpoint/2010/main" val="1126308815"/>
       </p:ext>
     </p:extLst>
   </p:cSld>
@@ -1628,7 +1599,7 @@
                 <a:ea typeface="+mn-ea"/>
                 <a:cs typeface="+mn-cs"/>
               </a:rPr>
-              <a:t>So, what does overfit look like when we’re training a neural network?  In this image, we see that the training error continues to decrease as we move into the zone of overfitting while the validation error is going up.  That’s because we’re still learning from the training data, but now we’re learning information specific to a given dataset, rather than general rules.  It’s the performance of the validation set that lets us see that this is happening, because our validation error (an estimate of the generalization error) is getting worse.</a:t>
+              <a:t>So, your model has overfit the data.  What do you do now?  Here’s some ways to address that problem…</a:t>
             </a:r>
           </a:p>
           <a:p>
@@ -1643,6 +1614,9 @@
             </a:endParaRPr>
           </a:p>
           <a:p>
+            <a:pPr marL="228600" indent="-228600">
+              <a:buAutoNum type="arabicPeriod"/>
+            </a:pPr>
             <a:r>
               <a:rPr lang="en-US" sz="1200" b="0" i="0" kern="1200" dirty="0">
                 <a:solidFill>
@@ -1653,10 +1627,15 @@
                 <a:ea typeface="+mn-ea"/>
                 <a:cs typeface="+mn-cs"/>
               </a:rPr>
-              <a:t>Generally speaking, when we start training our model, we are underfitting.  That is, the model hasn’t seen enough examples yet to figure out how to handle them properly.  As we train more and the model refines its boundaries, the training and validation errors both typically drop, as we see here.  At some point, we will discover that although the training error is continuing to drop, the validation error starts to rise.  Now we’re overfitting.  So, our rule of thumb is this:  </a:t>
-            </a:r>
-            <a:r>
-              <a:rPr lang="en-US" sz="1200" b="0" i="1" kern="1200" dirty="0">
+              <a:t>Simplify the model by selecting one with fewer parameters (for example, a simple linear model as opposed to a high-degree polynomial one), by reducing the number of attributes in the training data, or by constraining the model.</a:t>
+            </a:r>
+          </a:p>
+          <a:p>
+            <a:pPr marL="228600" indent="-228600">
+              <a:buAutoNum type="arabicPeriod"/>
+            </a:pPr>
+            <a:r>
+              <a:rPr lang="en-US" sz="1200" b="0" i="0" kern="1200" dirty="0">
                 <a:solidFill>
                   <a:schemeClr val="tx1"/>
                 </a:solidFill>
@@ -1665,8 +1644,13 @@
                 <a:ea typeface="+mn-ea"/>
                 <a:cs typeface="+mn-cs"/>
               </a:rPr>
-              <a:t>When we start to overfit, stop training</a:t>
-            </a:r>
+              <a:t>Collect more training data.  Sometimes, your data set is just too small and consequently the algorithm overcompensates for what’s not there.</a:t>
+            </a:r>
+          </a:p>
+          <a:p>
+            <a:pPr marL="228600" indent="-228600">
+              <a:buAutoNum type="arabicPeriod"/>
+            </a:pPr>
             <a:r>
               <a:rPr lang="en-US" sz="1200" b="0" i="0" kern="1200" dirty="0">
                 <a:solidFill>
@@ -1677,10 +1661,15 @@
                 <a:ea typeface="+mn-ea"/>
                 <a:cs typeface="+mn-cs"/>
               </a:rPr>
-              <a:t>.  In this example, that happens at around 28 epochs.  The technique of ending training just as validation error begins to rise is called </a:t>
-            </a:r>
-            <a:r>
-              <a:rPr lang="en-US" sz="1200" b="1" i="0" kern="1200" dirty="0">
+              <a:t>Reduce the noise in the training data.  Fix data errors, impute missing values, and possibly remove outliers.</a:t>
+            </a:r>
+          </a:p>
+          <a:p>
+            <a:pPr marL="228600" indent="-228600">
+              <a:buAutoNum type="arabicPeriod"/>
+            </a:pPr>
+            <a:r>
+              <a:rPr lang="en-US" sz="1200" b="0" i="0" kern="1200" dirty="0">
                 <a:solidFill>
                   <a:schemeClr val="tx1"/>
                 </a:solidFill>
@@ -1689,10 +1678,10 @@
                 <a:ea typeface="+mn-ea"/>
                 <a:cs typeface="+mn-cs"/>
               </a:rPr>
-              <a:t>early stopping</a:t>
-            </a:r>
-            <a:r>
-              <a:rPr lang="en-US" sz="1200" b="0" i="0" kern="1200" dirty="0">
+              <a:t>Use </a:t>
+            </a:r>
+            <a:r>
+              <a:rPr lang="en-US" sz="1200" b="1" i="0" kern="1200" dirty="0">
                 <a:solidFill>
                   <a:schemeClr val="tx1"/>
                 </a:solidFill>
@@ -1701,8 +1690,29 @@
                 <a:ea typeface="+mn-ea"/>
                 <a:cs typeface="+mn-cs"/>
               </a:rPr>
-              <a:t>.</a:t>
-            </a:r>
+              <a:t>regularization </a:t>
+            </a:r>
+            <a:r>
+              <a:rPr lang="en-US" sz="1200" b="0" i="0" kern="1200" dirty="0">
+                <a:solidFill>
+                  <a:schemeClr val="tx1"/>
+                </a:solidFill>
+                <a:effectLst/>
+                <a:latin typeface="+mn-lt"/>
+                <a:ea typeface="+mn-ea"/>
+                <a:cs typeface="+mn-cs"/>
+              </a:rPr>
+              <a:t>methods to prevent overfit.  Let’s take a closer look at regularization. </a:t>
+            </a:r>
+            <a:endParaRPr lang="en-US" sz="1200" b="1" i="0" kern="1200" dirty="0">
+              <a:solidFill>
+                <a:schemeClr val="tx1"/>
+              </a:solidFill>
+              <a:effectLst/>
+              <a:latin typeface="+mn-lt"/>
+              <a:ea typeface="+mn-ea"/>
+              <a:cs typeface="+mn-cs"/>
+            </a:endParaRPr>
           </a:p>
         </p:txBody>
       </p:sp>
@@ -1732,7 +1742,7 @@
     </p:spTree>
     <p:extLst>
       <p:ext uri="{BB962C8B-B14F-4D97-AF65-F5344CB8AC3E}">
-        <p14:creationId xmlns:p14="http://schemas.microsoft.com/office/powerpoint/2010/main" val="1126308815"/>
+        <p14:creationId xmlns:p14="http://schemas.microsoft.com/office/powerpoint/2010/main" val="2004133889"/>
       </p:ext>
     </p:extLst>
   </p:cSld>
@@ -1786,6 +1796,9 @@
           <a:bodyPr/>
           <a:lstStyle/>
           <a:p>
+            <a:pPr marL="228600" indent="-228600">
+              <a:buAutoNum type="arabicPeriod"/>
+            </a:pPr>
             <a:r>
               <a:rPr lang="en-US" sz="1200" b="0" i="0" kern="1200" dirty="0">
                 <a:solidFill>
@@ -1796,10 +1809,163 @@
                 <a:ea typeface="+mn-ea"/>
                 <a:cs typeface="+mn-cs"/>
               </a:rPr>
-              <a:t>So, your model has overfit the data.  What do you do now?  Here’s some ways to address that problem…</a:t>
-            </a:r>
-          </a:p>
-          <a:p>
+              <a:t>Training goal: squeeze as much information as we can out of the training data.</a:t>
+            </a:r>
+          </a:p>
+          <a:p>
+            <a:pPr marL="228600" indent="-228600">
+              <a:buAutoNum type="arabicPeriod"/>
+            </a:pPr>
+            <a:r>
+              <a:rPr lang="en-US" sz="1200" b="0" i="0" kern="1200" dirty="0">
+                <a:solidFill>
+                  <a:schemeClr val="tx1"/>
+                </a:solidFill>
+                <a:effectLst/>
+                <a:latin typeface="+mn-lt"/>
+                <a:ea typeface="+mn-ea"/>
+                <a:cs typeface="+mn-cs"/>
+              </a:rPr>
+              <a:t>Early stopping when validation error begins to rise.  Could we delay this phenomenon – train longer &amp; lower training / validation errors?</a:t>
+            </a:r>
+          </a:p>
+          <a:p>
+            <a:pPr marL="228600" indent="-228600">
+              <a:buAutoNum type="arabicPeriod"/>
+            </a:pPr>
+            <a:r>
+              <a:rPr lang="en-US" sz="1200" b="0" i="0" kern="1200" dirty="0">
+                <a:solidFill>
+                  <a:schemeClr val="tx1"/>
+                </a:solidFill>
+                <a:effectLst/>
+                <a:latin typeface="+mn-lt"/>
+                <a:ea typeface="+mn-ea"/>
+                <a:cs typeface="+mn-cs"/>
+              </a:rPr>
+              <a:t>Turkey example – high heat leads to burn – prevent this? – wrap in aluminum foil</a:t>
+            </a:r>
+          </a:p>
+          <a:p>
+            <a:pPr marL="228600" indent="-228600">
+              <a:buAutoNum type="arabicPeriod"/>
+            </a:pPr>
+            <a:r>
+              <a:rPr lang="en-US" sz="1200" b="0" i="0" kern="1200" dirty="0">
+                <a:solidFill>
+                  <a:schemeClr val="tx1"/>
+                </a:solidFill>
+                <a:effectLst/>
+                <a:latin typeface="+mn-lt"/>
+                <a:ea typeface="+mn-ea"/>
+                <a:cs typeface="+mn-cs"/>
+              </a:rPr>
+              <a:t>Techniques to delay onset of overfitting are </a:t>
+            </a:r>
+            <a:r>
+              <a:rPr lang="en-US" sz="1200" b="1" i="0" kern="1200" dirty="0">
+                <a:solidFill>
+                  <a:schemeClr val="tx1"/>
+                </a:solidFill>
+                <a:effectLst/>
+                <a:latin typeface="+mn-lt"/>
+                <a:ea typeface="+mn-ea"/>
+                <a:cs typeface="+mn-cs"/>
+              </a:rPr>
+              <a:t>regularization methods </a:t>
+            </a:r>
+            <a:r>
+              <a:rPr lang="en-US" sz="1200" b="0" i="0" kern="1200" dirty="0">
+                <a:solidFill>
+                  <a:schemeClr val="tx1"/>
+                </a:solidFill>
+                <a:effectLst/>
+                <a:latin typeface="+mn-lt"/>
+                <a:ea typeface="+mn-ea"/>
+                <a:cs typeface="+mn-cs"/>
+              </a:rPr>
+              <a:t>or </a:t>
+            </a:r>
+            <a:r>
+              <a:rPr lang="en-US" sz="1200" b="1" i="0" kern="1200" dirty="0">
+                <a:solidFill>
+                  <a:schemeClr val="tx1"/>
+                </a:solidFill>
+                <a:effectLst/>
+                <a:latin typeface="+mn-lt"/>
+                <a:ea typeface="+mn-ea"/>
+                <a:cs typeface="+mn-cs"/>
+              </a:rPr>
+              <a:t>regularization</a:t>
+            </a:r>
+            <a:r>
+              <a:rPr lang="en-US" sz="1200" b="0" i="0" kern="1200" dirty="0">
+                <a:solidFill>
+                  <a:schemeClr val="tx1"/>
+                </a:solidFill>
+                <a:effectLst/>
+                <a:latin typeface="+mn-lt"/>
+                <a:ea typeface="+mn-ea"/>
+                <a:cs typeface="+mn-cs"/>
+              </a:rPr>
+              <a:t>.</a:t>
+            </a:r>
+          </a:p>
+          <a:p>
+            <a:pPr marL="228600" indent="-228600">
+              <a:buAutoNum type="arabicPeriod"/>
+            </a:pPr>
+            <a:r>
+              <a:rPr lang="en-US" sz="1200" b="0" i="0" kern="1200" dirty="0">
+                <a:solidFill>
+                  <a:schemeClr val="tx1"/>
+                </a:solidFill>
+                <a:effectLst/>
+                <a:latin typeface="+mn-lt"/>
+                <a:ea typeface="+mn-ea"/>
+                <a:cs typeface="+mn-cs"/>
+              </a:rPr>
+              <a:t>Regularization hyperparameter – lowercase Greek lambda – larger lambda values greater regularization</a:t>
+            </a:r>
+          </a:p>
+          <a:p>
+            <a:pPr marL="228600" indent="-228600">
+              <a:buAutoNum type="arabicPeriod"/>
+            </a:pPr>
+            <a:r>
+              <a:rPr lang="en-US" sz="1200" b="0" i="0" kern="1200" dirty="0">
+                <a:solidFill>
+                  <a:schemeClr val="tx1"/>
+                </a:solidFill>
+                <a:effectLst/>
+                <a:latin typeface="+mn-lt"/>
+                <a:ea typeface="+mn-ea"/>
+                <a:cs typeface="+mn-cs"/>
+              </a:rPr>
+              <a:t>Other regularization options – dropout, batch norm, layer norm, and weight regularization</a:t>
+            </a:r>
+          </a:p>
+          <a:p>
+            <a:pPr marL="228600" indent="-228600">
+              <a:buAutoNum type="arabicPeriod"/>
+            </a:pPr>
+            <a:r>
+              <a:rPr lang="en-US" sz="1200" b="0" i="0" kern="1200" dirty="0">
+                <a:solidFill>
+                  <a:schemeClr val="tx1"/>
+                </a:solidFill>
+                <a:effectLst/>
+                <a:latin typeface="+mn-lt"/>
+                <a:ea typeface="+mn-ea"/>
+                <a:cs typeface="+mn-cs"/>
+              </a:rPr>
+              <a:t>Definition: Constraining a model to make it simpler and reduce the risk of overfitting is called regularization</a:t>
+            </a:r>
+          </a:p>
+          <a:p>
+            <a:pPr marL="0" indent="0">
+              <a:buNone/>
+            </a:pPr>
             <a:endParaRPr lang="en-US" sz="1200" b="0" i="0" kern="1200" dirty="0">
               <a:solidFill>
                 <a:schemeClr val="tx1"/>
@@ -1811,8 +1977,8 @@
             </a:endParaRPr>
           </a:p>
           <a:p>
-            <a:pPr marL="228600" indent="-228600">
-              <a:buAutoNum type="arabicPeriod"/>
+            <a:pPr marL="0" indent="0">
+              <a:buNone/>
             </a:pPr>
             <a:r>
               <a:rPr lang="en-US" sz="1200" b="0" i="0" kern="1200" dirty="0">
@@ -1824,13 +1990,10 @@
                 <a:ea typeface="+mn-ea"/>
                 <a:cs typeface="+mn-cs"/>
               </a:rPr>
-              <a:t>Simplify the model by selecting one with fewer parameters (for example, a simple linear model as opposed to a high-degree polynomial one), by reducing the number of attributes in the training data, or by constraining the model.</a:t>
-            </a:r>
-          </a:p>
-          <a:p>
-            <a:pPr marL="228600" indent="-228600">
-              <a:buAutoNum type="arabicPeriod"/>
-            </a:pPr>
+              <a:t>=====</a:t>
+            </a:r>
+          </a:p>
+          <a:p>
             <a:r>
               <a:rPr lang="en-US" sz="1200" b="0" i="0" kern="1200" dirty="0">
                 <a:solidFill>
@@ -1841,67 +2004,11 @@
                 <a:ea typeface="+mn-ea"/>
                 <a:cs typeface="+mn-cs"/>
               </a:rPr>
-              <a:t>Collect more training data.  Sometimes, your data set is just too small and consequently the algorithm overcompensates for what’s not there.</a:t>
-            </a:r>
-          </a:p>
-          <a:p>
-            <a:pPr marL="228600" indent="-228600">
-              <a:buAutoNum type="arabicPeriod"/>
-            </a:pPr>
-            <a:r>
-              <a:rPr lang="en-US" sz="1200" b="0" i="0" kern="1200" dirty="0">
-                <a:solidFill>
-                  <a:schemeClr val="tx1"/>
-                </a:solidFill>
-                <a:effectLst/>
-                <a:latin typeface="+mn-lt"/>
-                <a:ea typeface="+mn-ea"/>
-                <a:cs typeface="+mn-cs"/>
-              </a:rPr>
-              <a:t>Reduce the noise in the training data.  Fix data errors, impute missing values, and possibly remove outliers.</a:t>
-            </a:r>
-          </a:p>
-          <a:p>
-            <a:pPr marL="228600" indent="-228600">
-              <a:buAutoNum type="arabicPeriod"/>
-            </a:pPr>
-            <a:r>
-              <a:rPr lang="en-US" sz="1200" b="0" i="0" kern="1200" dirty="0">
-                <a:solidFill>
-                  <a:schemeClr val="tx1"/>
-                </a:solidFill>
-                <a:effectLst/>
-                <a:latin typeface="+mn-lt"/>
-                <a:ea typeface="+mn-ea"/>
-                <a:cs typeface="+mn-cs"/>
-              </a:rPr>
-              <a:t>Use </a:t>
-            </a:r>
-            <a:r>
-              <a:rPr lang="en-US" sz="1200" b="1" i="0" kern="1200" dirty="0">
-                <a:solidFill>
-                  <a:schemeClr val="tx1"/>
-                </a:solidFill>
-                <a:effectLst/>
-                <a:latin typeface="+mn-lt"/>
-                <a:ea typeface="+mn-ea"/>
-                <a:cs typeface="+mn-cs"/>
-              </a:rPr>
-              <a:t>regularization </a:t>
-            </a:r>
-            <a:r>
-              <a:rPr lang="en-US" sz="1200" b="0" i="0" kern="1200" dirty="0">
-                <a:solidFill>
-                  <a:schemeClr val="tx1"/>
-                </a:solidFill>
-                <a:effectLst/>
-                <a:latin typeface="+mn-lt"/>
-                <a:ea typeface="+mn-ea"/>
-                <a:cs typeface="+mn-cs"/>
-              </a:rPr>
-              <a:t>methods to prevent overfit.  Let’s take a closer look at regularization. </a:t>
-            </a:r>
-            <a:endParaRPr lang="en-US" sz="1200" b="1" i="0" kern="1200" dirty="0">
+              <a:t>We always want to squeeze as much information as we can out of our training data, stopping just short of overfitting.  Early stopping ends learning when the validation error starts rising, but what if there was a way to delay that phenomenon, so we can train longer and continue to push down both training a validation errors?</a:t>
+            </a:r>
+          </a:p>
+          <a:p>
+            <a:endParaRPr lang="en-US" sz="1200" b="0" i="0" kern="1200" dirty="0">
               <a:solidFill>
                 <a:schemeClr val="tx1"/>
               </a:solidFill>
@@ -1911,6 +2018,118 @@
               <a:cs typeface="+mn-cs"/>
             </a:endParaRPr>
           </a:p>
+          <a:p>
+            <a:r>
+              <a:rPr lang="en-US" sz="1200" b="0" i="0" kern="1200" dirty="0">
+                <a:solidFill>
+                  <a:schemeClr val="tx1"/>
+                </a:solidFill>
+                <a:effectLst/>
+                <a:latin typeface="+mn-lt"/>
+                <a:ea typeface="+mn-ea"/>
+                <a:cs typeface="+mn-cs"/>
+              </a:rPr>
+              <a:t>By analogy, consider cooking a turkey in the oven.  If we just put the turkey in a pan and cook it on high heat, the outside eventually starts to burn.  But what if we want to cook the turkey longer without burning it?  One way to do that is to wrap it in aluminum foil.  The foil delays the onset of burning, letting us cook the turkey longer.</a:t>
+            </a:r>
+          </a:p>
+          <a:p>
+            <a:endParaRPr lang="en-US" sz="1200" b="0" i="0" kern="1200" dirty="0">
+              <a:solidFill>
+                <a:schemeClr val="tx1"/>
+              </a:solidFill>
+              <a:effectLst/>
+              <a:latin typeface="+mn-lt"/>
+              <a:ea typeface="+mn-ea"/>
+              <a:cs typeface="+mn-cs"/>
+            </a:endParaRPr>
+          </a:p>
+          <a:p>
+            <a:r>
+              <a:rPr lang="en-US" sz="1200" b="0" i="0" kern="1200" dirty="0">
+                <a:solidFill>
+                  <a:schemeClr val="tx1"/>
+                </a:solidFill>
+                <a:effectLst/>
+                <a:latin typeface="+mn-lt"/>
+                <a:ea typeface="+mn-ea"/>
+                <a:cs typeface="+mn-cs"/>
+              </a:rPr>
+              <a:t>The techniques that delay the onset of overfitting are collectively known as </a:t>
+            </a:r>
+            <a:r>
+              <a:rPr lang="en-US" sz="1200" b="1" i="0" kern="1200" dirty="0">
+                <a:solidFill>
+                  <a:schemeClr val="tx1"/>
+                </a:solidFill>
+                <a:effectLst/>
+                <a:latin typeface="+mn-lt"/>
+                <a:ea typeface="+mn-ea"/>
+                <a:cs typeface="+mn-cs"/>
+              </a:rPr>
+              <a:t>regularization methods</a:t>
+            </a:r>
+            <a:r>
+              <a:rPr lang="en-US" sz="1200" b="0" i="0" kern="1200" dirty="0">
+                <a:solidFill>
+                  <a:schemeClr val="tx1"/>
+                </a:solidFill>
+                <a:effectLst/>
+                <a:latin typeface="+mn-lt"/>
+                <a:ea typeface="+mn-ea"/>
+                <a:cs typeface="+mn-cs"/>
+              </a:rPr>
+              <a:t>, or simply </a:t>
+            </a:r>
+            <a:r>
+              <a:rPr lang="en-US" sz="1200" b="1" i="0" kern="1200" dirty="0">
+                <a:solidFill>
+                  <a:schemeClr val="tx1"/>
+                </a:solidFill>
+                <a:effectLst/>
+                <a:latin typeface="+mn-lt"/>
+                <a:ea typeface="+mn-ea"/>
+                <a:cs typeface="+mn-cs"/>
+              </a:rPr>
+              <a:t>regularization</a:t>
+            </a:r>
+            <a:r>
+              <a:rPr lang="en-US" sz="1200" b="0" i="0" kern="1200" dirty="0">
+                <a:solidFill>
+                  <a:schemeClr val="tx1"/>
+                </a:solidFill>
+                <a:effectLst/>
+                <a:latin typeface="+mn-lt"/>
+                <a:ea typeface="+mn-ea"/>
+                <a:cs typeface="+mn-cs"/>
+              </a:rPr>
+              <a:t>.  We typically specify the amount of regularization to apply with a  hyperparameter that’s traditionally written as a lowercase Greek lambda.  Other letters are sometimes used.  Most commonly, larger values for lambda mean more regularization.  Neural networks have additional regularization options – including dropout, batch norm, layer norm, and weight regularization.</a:t>
+            </a:r>
+          </a:p>
+          <a:p>
+            <a:endParaRPr lang="en-US" sz="1200" b="0" i="0" kern="1200" dirty="0">
+              <a:solidFill>
+                <a:schemeClr val="tx1"/>
+              </a:solidFill>
+              <a:effectLst/>
+              <a:latin typeface="+mn-lt"/>
+              <a:ea typeface="+mn-ea"/>
+              <a:cs typeface="+mn-cs"/>
+            </a:endParaRPr>
+          </a:p>
+          <a:p>
+            <a:r>
+              <a:rPr lang="en-US" sz="1200" b="0" i="0" kern="1200" dirty="0">
+                <a:solidFill>
+                  <a:schemeClr val="tx1"/>
+                </a:solidFill>
+                <a:effectLst/>
+                <a:latin typeface="+mn-lt"/>
+                <a:ea typeface="+mn-ea"/>
+                <a:cs typeface="+mn-cs"/>
+              </a:rPr>
+              <a:t>Here’s a definition I like:  Constraining a model to make it simpler and reduce the risk of overfitting is called regularization. </a:t>
+            </a:r>
+          </a:p>
         </p:txBody>
       </p:sp>
       <p:sp>
@@ -1939,7 +2158,7 @@
     </p:spTree>
     <p:extLst>
       <p:ext uri="{BB962C8B-B14F-4D97-AF65-F5344CB8AC3E}">
-        <p14:creationId xmlns:p14="http://schemas.microsoft.com/office/powerpoint/2010/main" val="2004133889"/>
+        <p14:creationId xmlns:p14="http://schemas.microsoft.com/office/powerpoint/2010/main" val="169409323"/>
       </p:ext>
     </p:extLst>
   </p:cSld>
@@ -1993,9 +2212,6 @@
           <a:bodyPr/>
           <a:lstStyle/>
           <a:p>
-            <a:pPr marL="228600" indent="-228600">
-              <a:buAutoNum type="arabicPeriod"/>
-            </a:pPr>
             <a:r>
               <a:rPr lang="en-US" sz="1200" b="0" i="0" kern="1200" dirty="0">
                 <a:solidFill>
@@ -2006,163 +2222,10 @@
                 <a:ea typeface="+mn-ea"/>
                 <a:cs typeface="+mn-cs"/>
               </a:rPr>
-              <a:t>Training goal: squeeze as much information as we can out of the training data.</a:t>
-            </a:r>
-          </a:p>
-          <a:p>
-            <a:pPr marL="228600" indent="-228600">
-              <a:buAutoNum type="arabicPeriod"/>
-            </a:pPr>
-            <a:r>
-              <a:rPr lang="en-US" sz="1200" b="0" i="0" kern="1200" dirty="0">
-                <a:solidFill>
-                  <a:schemeClr val="tx1"/>
-                </a:solidFill>
-                <a:effectLst/>
-                <a:latin typeface="+mn-lt"/>
-                <a:ea typeface="+mn-ea"/>
-                <a:cs typeface="+mn-cs"/>
-              </a:rPr>
-              <a:t>Early stopping when validation error begins to rise.  Could we delay this phenomenon – train longer &amp; lower training / validation errors?</a:t>
-            </a:r>
-          </a:p>
-          <a:p>
-            <a:pPr marL="228600" indent="-228600">
-              <a:buAutoNum type="arabicPeriod"/>
-            </a:pPr>
-            <a:r>
-              <a:rPr lang="en-US" sz="1200" b="0" i="0" kern="1200" dirty="0">
-                <a:solidFill>
-                  <a:schemeClr val="tx1"/>
-                </a:solidFill>
-                <a:effectLst/>
-                <a:latin typeface="+mn-lt"/>
-                <a:ea typeface="+mn-ea"/>
-                <a:cs typeface="+mn-cs"/>
-              </a:rPr>
-              <a:t>Turkey example – high heat leads to burn – prevent this? – wrap in aluminum foil</a:t>
-            </a:r>
-          </a:p>
-          <a:p>
-            <a:pPr marL="228600" indent="-228600">
-              <a:buAutoNum type="arabicPeriod"/>
-            </a:pPr>
-            <a:r>
-              <a:rPr lang="en-US" sz="1200" b="0" i="0" kern="1200" dirty="0">
-                <a:solidFill>
-                  <a:schemeClr val="tx1"/>
-                </a:solidFill>
-                <a:effectLst/>
-                <a:latin typeface="+mn-lt"/>
-                <a:ea typeface="+mn-ea"/>
-                <a:cs typeface="+mn-cs"/>
-              </a:rPr>
-              <a:t>Techniques to delay onset of overfitting are </a:t>
-            </a:r>
-            <a:r>
-              <a:rPr lang="en-US" sz="1200" b="1" i="0" kern="1200" dirty="0">
-                <a:solidFill>
-                  <a:schemeClr val="tx1"/>
-                </a:solidFill>
-                <a:effectLst/>
-                <a:latin typeface="+mn-lt"/>
-                <a:ea typeface="+mn-ea"/>
-                <a:cs typeface="+mn-cs"/>
-              </a:rPr>
-              <a:t>regularization methods </a:t>
-            </a:r>
-            <a:r>
-              <a:rPr lang="en-US" sz="1200" b="0" i="0" kern="1200" dirty="0">
-                <a:solidFill>
-                  <a:schemeClr val="tx1"/>
-                </a:solidFill>
-                <a:effectLst/>
-                <a:latin typeface="+mn-lt"/>
-                <a:ea typeface="+mn-ea"/>
-                <a:cs typeface="+mn-cs"/>
-              </a:rPr>
-              <a:t>or </a:t>
-            </a:r>
-            <a:r>
-              <a:rPr lang="en-US" sz="1200" b="1" i="0" kern="1200" dirty="0">
-                <a:solidFill>
-                  <a:schemeClr val="tx1"/>
-                </a:solidFill>
-                <a:effectLst/>
-                <a:latin typeface="+mn-lt"/>
-                <a:ea typeface="+mn-ea"/>
-                <a:cs typeface="+mn-cs"/>
-              </a:rPr>
-              <a:t>regularization</a:t>
-            </a:r>
-            <a:r>
-              <a:rPr lang="en-US" sz="1200" b="0" i="0" kern="1200" dirty="0">
-                <a:solidFill>
-                  <a:schemeClr val="tx1"/>
-                </a:solidFill>
-                <a:effectLst/>
-                <a:latin typeface="+mn-lt"/>
-                <a:ea typeface="+mn-ea"/>
-                <a:cs typeface="+mn-cs"/>
-              </a:rPr>
-              <a:t>.</a:t>
-            </a:r>
-          </a:p>
-          <a:p>
-            <a:pPr marL="228600" indent="-228600">
-              <a:buAutoNum type="arabicPeriod"/>
-            </a:pPr>
-            <a:r>
-              <a:rPr lang="en-US" sz="1200" b="0" i="0" kern="1200" dirty="0">
-                <a:solidFill>
-                  <a:schemeClr val="tx1"/>
-                </a:solidFill>
-                <a:effectLst/>
-                <a:latin typeface="+mn-lt"/>
-                <a:ea typeface="+mn-ea"/>
-                <a:cs typeface="+mn-cs"/>
-              </a:rPr>
-              <a:t>Regularization hyperparameter – lowercase Greek lambda – larger lambda values greater regularization</a:t>
-            </a:r>
-          </a:p>
-          <a:p>
-            <a:pPr marL="228600" indent="-228600">
-              <a:buAutoNum type="arabicPeriod"/>
-            </a:pPr>
-            <a:r>
-              <a:rPr lang="en-US" sz="1200" b="0" i="0" kern="1200" dirty="0">
-                <a:solidFill>
-                  <a:schemeClr val="tx1"/>
-                </a:solidFill>
-                <a:effectLst/>
-                <a:latin typeface="+mn-lt"/>
-                <a:ea typeface="+mn-ea"/>
-                <a:cs typeface="+mn-cs"/>
-              </a:rPr>
-              <a:t>Other regularization options – dropout, batch norm, layer norm, and weight regularization</a:t>
-            </a:r>
-          </a:p>
-          <a:p>
-            <a:pPr marL="228600" indent="-228600">
-              <a:buAutoNum type="arabicPeriod"/>
-            </a:pPr>
-            <a:r>
-              <a:rPr lang="en-US" sz="1200" b="0" i="0" kern="1200" dirty="0">
-                <a:solidFill>
-                  <a:schemeClr val="tx1"/>
-                </a:solidFill>
-                <a:effectLst/>
-                <a:latin typeface="+mn-lt"/>
-                <a:ea typeface="+mn-ea"/>
-                <a:cs typeface="+mn-cs"/>
-              </a:rPr>
-              <a:t>Definition: Constraining a model to make it simpler and reduce the risk of overfitting is called regularization</a:t>
-            </a:r>
-          </a:p>
-          <a:p>
-            <a:pPr marL="0" indent="0">
-              <a:buNone/>
-            </a:pPr>
+              <a:t>And here are some options when your model underfits a data set.  </a:t>
+            </a:r>
+          </a:p>
+          <a:p>
             <a:endParaRPr lang="en-US" sz="1200" b="0" i="0" kern="1200" dirty="0">
               <a:solidFill>
                 <a:schemeClr val="tx1"/>
@@ -2174,8 +2237,8 @@
             </a:endParaRPr>
           </a:p>
           <a:p>
-            <a:pPr marL="0" indent="0">
-              <a:buNone/>
+            <a:pPr marL="228600" indent="-228600">
+              <a:buAutoNum type="arabicPeriod"/>
             </a:pPr>
             <a:r>
               <a:rPr lang="en-US" sz="1200" b="0" i="0" kern="1200" dirty="0">
@@ -2187,10 +2250,13 @@
                 <a:ea typeface="+mn-ea"/>
                 <a:cs typeface="+mn-cs"/>
               </a:rPr>
-              <a:t>=====</a:t>
-            </a:r>
-          </a:p>
-          <a:p>
+              <a:t>Select a more powerful model, with more parameters.  Sometimes, the simplest solution is not the best answer.</a:t>
+            </a:r>
+          </a:p>
+          <a:p>
+            <a:pPr marL="228600" indent="-228600">
+              <a:buAutoNum type="arabicPeriod"/>
+            </a:pPr>
             <a:r>
               <a:rPr lang="en-US" sz="1200" b="0" i="0" kern="1200" dirty="0">
                 <a:solidFill>
@@ -2201,23 +2267,10 @@
                 <a:ea typeface="+mn-ea"/>
                 <a:cs typeface="+mn-cs"/>
               </a:rPr>
-              <a:t>We always want to squeeze as much information as we can out of our training data, stopping just short of overfitting.  Early stopping ends learning when the validation error starts rising, but what if there was a way to delay that phenomenon, so we can train longer and continue to push down both training a validation errors?</a:t>
-            </a:r>
-          </a:p>
-          <a:p>
-            <a:endParaRPr lang="en-US" sz="1200" b="0" i="0" kern="1200" dirty="0">
-              <a:solidFill>
-                <a:schemeClr val="tx1"/>
-              </a:solidFill>
-              <a:effectLst/>
-              <a:latin typeface="+mn-lt"/>
-              <a:ea typeface="+mn-ea"/>
-              <a:cs typeface="+mn-cs"/>
-            </a:endParaRPr>
-          </a:p>
-          <a:p>
-            <a:r>
-              <a:rPr lang="en-US" sz="1200" b="0" i="0" kern="1200" dirty="0">
+              <a:t>Feed better features to the learning algorithm – also known as </a:t>
+            </a:r>
+            <a:r>
+              <a:rPr lang="en-US" sz="1200" b="1" i="0" kern="1200" dirty="0">
                 <a:solidFill>
                   <a:schemeClr val="tx1"/>
                 </a:solidFill>
@@ -2226,21 +2279,8 @@
                 <a:ea typeface="+mn-ea"/>
                 <a:cs typeface="+mn-cs"/>
               </a:rPr>
-              <a:t>By analogy, consider cooking a turkey in the oven.  If we just put the turkey in a pan and cook it on high heat, the outside eventually starts to burn.  But what if we want to cook the turkey longer without burning it?  One way to do that is to wrap it in aluminum foil.  The foil delays the onset of burning, letting us cook the turkey longer.</a:t>
-            </a:r>
-          </a:p>
-          <a:p>
-            <a:endParaRPr lang="en-US" sz="1200" b="0" i="0" kern="1200" dirty="0">
-              <a:solidFill>
-                <a:schemeClr val="tx1"/>
-              </a:solidFill>
-              <a:effectLst/>
-              <a:latin typeface="+mn-lt"/>
-              <a:ea typeface="+mn-ea"/>
-              <a:cs typeface="+mn-cs"/>
-            </a:endParaRPr>
-          </a:p>
-          <a:p>
+              <a:t>feature engineering</a:t>
+            </a:r>
             <a:r>
               <a:rPr lang="en-US" sz="1200" b="0" i="0" kern="1200" dirty="0">
                 <a:solidFill>
@@ -2251,10 +2291,15 @@
                 <a:ea typeface="+mn-ea"/>
                 <a:cs typeface="+mn-cs"/>
               </a:rPr>
-              <a:t>The techniques that delay the onset of overfitting are collectively known as </a:t>
-            </a:r>
-            <a:r>
-              <a:rPr lang="en-US" sz="1200" b="1" i="0" kern="1200" dirty="0">
+              <a:t>.  A feature, by the way, is an individual measurable property or characteristic of a phenomenon being observed – the mpg on a new car, for instance.</a:t>
+            </a:r>
+          </a:p>
+          <a:p>
+            <a:pPr marL="228600" indent="-228600">
+              <a:buAutoNum type="arabicPeriod"/>
+            </a:pPr>
+            <a:r>
+              <a:rPr lang="en-US" sz="1200" b="0" i="0" kern="1200" dirty="0">
                 <a:solidFill>
                   <a:schemeClr val="tx1"/>
                 </a:solidFill>
@@ -2263,68 +2308,7 @@
                 <a:ea typeface="+mn-ea"/>
                 <a:cs typeface="+mn-cs"/>
               </a:rPr>
-              <a:t>regularization methods</a:t>
-            </a:r>
-            <a:r>
-              <a:rPr lang="en-US" sz="1200" b="0" i="0" kern="1200" dirty="0">
-                <a:solidFill>
-                  <a:schemeClr val="tx1"/>
-                </a:solidFill>
-                <a:effectLst/>
-                <a:latin typeface="+mn-lt"/>
-                <a:ea typeface="+mn-ea"/>
-                <a:cs typeface="+mn-cs"/>
-              </a:rPr>
-              <a:t>, or simply </a:t>
-            </a:r>
-            <a:r>
-              <a:rPr lang="en-US" sz="1200" b="1" i="0" kern="1200" dirty="0">
-                <a:solidFill>
-                  <a:schemeClr val="tx1"/>
-                </a:solidFill>
-                <a:effectLst/>
-                <a:latin typeface="+mn-lt"/>
-                <a:ea typeface="+mn-ea"/>
-                <a:cs typeface="+mn-cs"/>
-              </a:rPr>
-              <a:t>regularization</a:t>
-            </a:r>
-            <a:r>
-              <a:rPr lang="en-US" sz="1200" b="0" i="0" kern="1200" dirty="0">
-                <a:solidFill>
-                  <a:schemeClr val="tx1"/>
-                </a:solidFill>
-                <a:effectLst/>
-                <a:latin typeface="+mn-lt"/>
-                <a:ea typeface="+mn-ea"/>
-                <a:cs typeface="+mn-cs"/>
-              </a:rPr>
-              <a:t>.  We typically specify the amount of regularization to apply with a  hyperparameter that’s traditionally written as a lowercase Greek lambda.  Other letters are sometimes used.  Most commonly, larger values for lambda mean more regularization.  Neural networks have additional regularization options – including dropout, batch norm, layer norm, and weight regularization.</a:t>
-            </a:r>
-          </a:p>
-          <a:p>
-            <a:endParaRPr lang="en-US" sz="1200" b="0" i="0" kern="1200" dirty="0">
-              <a:solidFill>
-                <a:schemeClr val="tx1"/>
-              </a:solidFill>
-              <a:effectLst/>
-              <a:latin typeface="+mn-lt"/>
-              <a:ea typeface="+mn-ea"/>
-              <a:cs typeface="+mn-cs"/>
-            </a:endParaRPr>
-          </a:p>
-          <a:p>
-            <a:r>
-              <a:rPr lang="en-US" sz="1200" b="0" i="0" kern="1200" dirty="0">
-                <a:solidFill>
-                  <a:schemeClr val="tx1"/>
-                </a:solidFill>
-                <a:effectLst/>
-                <a:latin typeface="+mn-lt"/>
-                <a:ea typeface="+mn-ea"/>
-                <a:cs typeface="+mn-cs"/>
-              </a:rPr>
-              <a:t>Here’s a definition I like:  Constraining a model to make it simpler and reduce the risk of overfitting is called regularization. </a:t>
+              <a:t>Reduce the constraints on the model.  This is most often done by reducing the regularization hyperparameter.  </a:t>
             </a:r>
           </a:p>
         </p:txBody>
@@ -2355,7 +2339,7 @@
     </p:spTree>
     <p:extLst>
       <p:ext uri="{BB962C8B-B14F-4D97-AF65-F5344CB8AC3E}">
-        <p14:creationId xmlns:p14="http://schemas.microsoft.com/office/powerpoint/2010/main" val="169409323"/>
+        <p14:creationId xmlns:p14="http://schemas.microsoft.com/office/powerpoint/2010/main" val="205385402"/>
       </p:ext>
     </p:extLst>
   </p:cSld>
@@ -2409,104 +2393,36 @@
           <a:bodyPr/>
           <a:lstStyle/>
           <a:p>
-            <a:r>
-              <a:rPr lang="en-US" sz="1200" b="0" i="0" kern="1200" dirty="0">
-                <a:solidFill>
-                  <a:schemeClr val="tx1"/>
-                </a:solidFill>
-                <a:effectLst/>
-                <a:latin typeface="+mn-lt"/>
-                <a:ea typeface="+mn-ea"/>
-                <a:cs typeface="+mn-cs"/>
-              </a:rPr>
-              <a:t>And here are some options when your model underfits a data set.  </a:t>
-            </a:r>
-          </a:p>
-          <a:p>
-            <a:endParaRPr lang="en-US" sz="1200" b="0" i="0" kern="1200" dirty="0">
-              <a:solidFill>
-                <a:schemeClr val="tx1"/>
-              </a:solidFill>
-              <a:effectLst/>
-              <a:latin typeface="+mn-lt"/>
-              <a:ea typeface="+mn-ea"/>
-              <a:cs typeface="+mn-cs"/>
-            </a:endParaRPr>
-          </a:p>
-          <a:p>
-            <a:pPr marL="228600" indent="-228600">
-              <a:buAutoNum type="arabicPeriod"/>
+            <a:pPr marL="0" marR="0" lvl="0" indent="0" algn="l" defTabSz="914400" rtl="0" eaLnBrk="1" fontAlgn="auto" latinLnBrk="0" hangingPunct="1">
+              <a:lnSpc>
+                <a:spcPct val="100000"/>
+              </a:lnSpc>
+              <a:spcBef>
+                <a:spcPts val="0"/>
+              </a:spcBef>
+              <a:spcAft>
+                <a:spcPts val="0"/>
+              </a:spcAft>
+              <a:buClrTx/>
+              <a:buSzTx/>
+              <a:buFontTx/>
+              <a:buNone/>
+              <a:tabLst/>
+              <a:defRPr/>
             </a:pPr>
             <a:r>
-              <a:rPr lang="en-US" sz="1200" b="0" i="0" kern="1200" dirty="0">
-                <a:solidFill>
-                  <a:schemeClr val="tx1"/>
-                </a:solidFill>
-                <a:effectLst/>
-                <a:latin typeface="+mn-lt"/>
-                <a:ea typeface="+mn-ea"/>
-                <a:cs typeface="+mn-cs"/>
-              </a:rPr>
-              <a:t>Select a more powerful model, with more parameters.  Sometimes, the simplest solution is not the best answer.</a:t>
-            </a:r>
-          </a:p>
-          <a:p>
-            <a:pPr marL="228600" indent="-228600">
-              <a:buAutoNum type="arabicPeriod"/>
-            </a:pPr>
-            <a:r>
-              <a:rPr lang="en-US" sz="1200" b="0" i="0" kern="1200" dirty="0">
-                <a:solidFill>
-                  <a:schemeClr val="tx1"/>
-                </a:solidFill>
-                <a:effectLst/>
-                <a:latin typeface="+mn-lt"/>
-                <a:ea typeface="+mn-ea"/>
-                <a:cs typeface="+mn-cs"/>
-              </a:rPr>
-              <a:t>Feed better features to the learning algorithm – also known as </a:t>
-            </a:r>
-            <a:r>
-              <a:rPr lang="en-US" sz="1200" b="1" i="0" kern="1200" dirty="0">
-                <a:solidFill>
-                  <a:schemeClr val="tx1"/>
-                </a:solidFill>
-                <a:effectLst/>
-                <a:latin typeface="+mn-lt"/>
-                <a:ea typeface="+mn-ea"/>
-                <a:cs typeface="+mn-cs"/>
-              </a:rPr>
-              <a:t>feature engineering</a:t>
-            </a:r>
-            <a:r>
-              <a:rPr lang="en-US" sz="1200" b="0" i="0" kern="1200" dirty="0">
-                <a:solidFill>
-                  <a:schemeClr val="tx1"/>
-                </a:solidFill>
-                <a:effectLst/>
-                <a:latin typeface="+mn-lt"/>
-                <a:ea typeface="+mn-ea"/>
-                <a:cs typeface="+mn-cs"/>
-              </a:rPr>
-              <a:t>.  A feature, by the way, is an individual measurable property or characteristic of a phenomenon being observed – the mpg on a new car, for instance.</a:t>
-            </a:r>
-          </a:p>
-          <a:p>
-            <a:pPr marL="228600" indent="-228600">
-              <a:buAutoNum type="arabicPeriod"/>
-            </a:pPr>
-            <a:r>
-              <a:rPr lang="en-US" sz="1200" b="0" i="0" kern="1200" dirty="0">
-                <a:solidFill>
-                  <a:schemeClr val="tx1"/>
-                </a:solidFill>
-                <a:effectLst/>
-                <a:latin typeface="+mn-lt"/>
-                <a:ea typeface="+mn-ea"/>
-                <a:cs typeface="+mn-cs"/>
-              </a:rPr>
-              <a:t>Reduce the constraints on the model.  This is most often done by reducing the regularization hyperparameter.  </a:t>
-            </a:r>
+              <a:rPr lang="en-US" dirty="0"/>
+              <a:t>The learning experience for this workshop starts on page 144 of the textbook.  </a:t>
+            </a:r>
+          </a:p>
+          <a:p>
+            <a:endParaRPr lang="en-US" dirty="0"/>
+          </a:p>
+          <a:p>
+            <a:endParaRPr lang="en-US" dirty="0"/>
+          </a:p>
+          <a:p>
+            <a:endParaRPr lang="en-US" dirty="0"/>
           </a:p>
         </p:txBody>
       </p:sp>
@@ -2536,7 +2452,7 @@
     </p:spTree>
     <p:extLst>
       <p:ext uri="{BB962C8B-B14F-4D97-AF65-F5344CB8AC3E}">
-        <p14:creationId xmlns:p14="http://schemas.microsoft.com/office/powerpoint/2010/main" val="205385402"/>
+        <p14:creationId xmlns:p14="http://schemas.microsoft.com/office/powerpoint/2010/main" val="1401395996"/>
       </p:ext>
     </p:extLst>
   </p:cSld>
@@ -2590,38 +2506,6 @@
           <a:bodyPr/>
           <a:lstStyle/>
           <a:p>
-            <a:pPr marL="0" marR="0" lvl="0" indent="0" algn="l" defTabSz="914400" rtl="0" eaLnBrk="1" fontAlgn="auto" latinLnBrk="0" hangingPunct="1">
-              <a:lnSpc>
-                <a:spcPct val="100000"/>
-              </a:lnSpc>
-              <a:spcBef>
-                <a:spcPts val="0"/>
-              </a:spcBef>
-              <a:spcAft>
-                <a:spcPts val="0"/>
-              </a:spcAft>
-              <a:buClrTx/>
-              <a:buSzTx/>
-              <a:buFontTx/>
-              <a:buNone/>
-              <a:tabLst/>
-              <a:defRPr/>
-            </a:pPr>
-            <a:r>
-              <a:rPr lang="en-US" dirty="0"/>
-              <a:t>The learning experience for this workshop starts on page 140 of the textbook.  For additional information, please watch the exercise 3.04 orientation video.</a:t>
-            </a:r>
-          </a:p>
-          <a:p>
-            <a:endParaRPr lang="en-US" dirty="0"/>
-          </a:p>
-          <a:p>
-            <a:endParaRPr lang="en-US" dirty="0"/>
-          </a:p>
-          <a:p>
-            <a:endParaRPr lang="en-US" dirty="0"/>
-          </a:p>
-          <a:p>
             <a:endParaRPr lang="en-US" dirty="0"/>
           </a:p>
         </p:txBody>
@@ -2652,7 +2536,7 @@
     </p:spTree>
     <p:extLst>
       <p:ext uri="{BB962C8B-B14F-4D97-AF65-F5344CB8AC3E}">
-        <p14:creationId xmlns:p14="http://schemas.microsoft.com/office/powerpoint/2010/main" val="1401395996"/>
+        <p14:creationId xmlns:p14="http://schemas.microsoft.com/office/powerpoint/2010/main" val="3281560295"/>
       </p:ext>
     </p:extLst>
   </p:cSld>
@@ -2728,90 +2612,6 @@
             <a:fld id="{3148858F-F1DB-4027-9C85-CCA6849540DD}" type="slidenum">
               <a:rPr lang="en-US" smtClean="0"/>
               <a:t>18</a:t>
-            </a:fld>
-            <a:endParaRPr lang="en-US"/>
-          </a:p>
-        </p:txBody>
-      </p:sp>
-    </p:spTree>
-    <p:extLst>
-      <p:ext uri="{BB962C8B-B14F-4D97-AF65-F5344CB8AC3E}">
-        <p14:creationId xmlns:p14="http://schemas.microsoft.com/office/powerpoint/2010/main" val="3281560295"/>
-      </p:ext>
-    </p:extLst>
-  </p:cSld>
-  <p:clrMapOvr>
-    <a:masterClrMapping/>
-  </p:clrMapOvr>
-</p:notes>
-</file>
-
-<file path=ppt/notesSlides/notesSlide19.xml><?xml version="1.0" encoding="utf-8"?>
-<p:notes xmlns:a="http://schemas.openxmlformats.org/drawingml/2006/main" xmlns:r="http://schemas.openxmlformats.org/officeDocument/2006/relationships" xmlns:p="http://schemas.openxmlformats.org/presentationml/2006/main">
-  <p:cSld>
-    <p:spTree>
-      <p:nvGrpSpPr>
-        <p:cNvPr id="1" name=""/>
-        <p:cNvGrpSpPr/>
-        <p:nvPr/>
-      </p:nvGrpSpPr>
-      <p:grpSpPr>
-        <a:xfrm>
-          <a:off x="0" y="0"/>
-          <a:ext cx="0" cy="0"/>
-          <a:chOff x="0" y="0"/>
-          <a:chExt cx="0" cy="0"/>
-        </a:xfrm>
-      </p:grpSpPr>
-      <p:sp>
-        <p:nvSpPr>
-          <p:cNvPr id="2" name="Slide Image Placeholder 1"/>
-          <p:cNvSpPr>
-            <a:spLocks noGrp="1" noRot="1" noChangeAspect="1"/>
-          </p:cNvSpPr>
-          <p:nvPr>
-            <p:ph type="sldImg"/>
-          </p:nvPr>
-        </p:nvSpPr>
-        <p:spPr/>
-      </p:sp>
-      <p:sp>
-        <p:nvSpPr>
-          <p:cNvPr id="3" name="Notes Placeholder 2"/>
-          <p:cNvSpPr>
-            <a:spLocks noGrp="1"/>
-          </p:cNvSpPr>
-          <p:nvPr>
-            <p:ph type="body" idx="1"/>
-          </p:nvPr>
-        </p:nvSpPr>
-        <p:spPr/>
-        <p:txBody>
-          <a:bodyPr/>
-          <a:lstStyle/>
-          <a:p>
-            <a:endParaRPr lang="en-US" dirty="0"/>
-          </a:p>
-        </p:txBody>
-      </p:sp>
-      <p:sp>
-        <p:nvSpPr>
-          <p:cNvPr id="4" name="Slide Number Placeholder 3"/>
-          <p:cNvSpPr>
-            <a:spLocks noGrp="1"/>
-          </p:cNvSpPr>
-          <p:nvPr>
-            <p:ph type="sldNum" sz="quarter" idx="5"/>
-          </p:nvPr>
-        </p:nvSpPr>
-        <p:spPr/>
-        <p:txBody>
-          <a:bodyPr/>
-          <a:lstStyle/>
-          <a:p>
-            <a:fld id="{3148858F-F1DB-4027-9C85-CCA6849540DD}" type="slidenum">
-              <a:rPr lang="en-US" smtClean="0"/>
-              <a:t>19</a:t>
             </a:fld>
             <a:endParaRPr lang="en-US"/>
           </a:p>
@@ -3270,39 +3070,65 @@
           <a:bodyPr/>
           <a:lstStyle/>
           <a:p>
-            <a:pPr marL="0" marR="0" lvl="0" indent="0" algn="l" defTabSz="914400" rtl="0" eaLnBrk="1" fontAlgn="auto" latinLnBrk="0" hangingPunct="1">
-              <a:lnSpc>
-                <a:spcPct val="100000"/>
-              </a:lnSpc>
-              <a:spcBef>
-                <a:spcPts val="0"/>
-              </a:spcBef>
-              <a:spcAft>
-                <a:spcPts val="0"/>
-              </a:spcAft>
-              <a:buClrTx/>
-              <a:buSzTx/>
-              <a:buFontTx/>
-              <a:buNone/>
-              <a:tabLst/>
-              <a:defRPr/>
+            <a:pPr algn="l"/>
+            <a:r>
+              <a:rPr lang="en-US" b="0" i="0" dirty="0">
+                <a:solidFill>
+                  <a:srgbClr val="3C3C3B"/>
+                </a:solidFill>
+                <a:effectLst/>
+                <a:latin typeface="Calibri" panose="020F0502020204030204" pitchFamily="34" charset="0"/>
+                <a:cs typeface="Calibri" panose="020F0502020204030204" pitchFamily="34" charset="0"/>
+              </a:rPr>
+              <a:t>Now that we have established the need for a diverse training dataset, let’s consider some of the data augmentation techniques presented in the text.  As this is available in the text, I will move quickly through the next few slides.</a:t>
+            </a:r>
+          </a:p>
+          <a:p>
+            <a:pPr algn="l"/>
+            <a:endParaRPr lang="en-US" b="0" i="0" dirty="0">
+              <a:solidFill>
+                <a:srgbClr val="3C3C3B"/>
+              </a:solidFill>
+              <a:effectLst/>
+              <a:latin typeface="Calibri" panose="020F0502020204030204" pitchFamily="34" charset="0"/>
+              <a:cs typeface="Calibri" panose="020F0502020204030204" pitchFamily="34" charset="0"/>
+            </a:endParaRPr>
+          </a:p>
+          <a:p>
+            <a:pPr marL="228600" indent="-228600" algn="l">
+              <a:buAutoNum type="arabicPeriod"/>
             </a:pPr>
             <a:r>
-              <a:rPr lang="en-US" dirty="0"/>
-              <a:t>The learning experience for this workshop starts on page 140 of the textbook.  For additional information, please watch the exercise 3.04 orientation video.</a:t>
-            </a:r>
-          </a:p>
-          <a:p>
-            <a:endParaRPr lang="en-US" dirty="0"/>
-          </a:p>
-          <a:p>
-            <a:endParaRPr lang="en-US" dirty="0"/>
-          </a:p>
-          <a:p>
-            <a:endParaRPr lang="en-US" dirty="0"/>
-          </a:p>
-          <a:p>
-            <a:endParaRPr lang="en-US" dirty="0"/>
+              <a:rPr lang="en-US" b="0" i="0" dirty="0">
+                <a:solidFill>
+                  <a:srgbClr val="3C3C3B"/>
+                </a:solidFill>
+                <a:effectLst/>
+                <a:latin typeface="Calibri" panose="020F0502020204030204" pitchFamily="34" charset="0"/>
+                <a:cs typeface="Calibri" panose="020F0502020204030204" pitchFamily="34" charset="0"/>
+              </a:rPr>
+              <a:t>Horizontal flipping returns an image that is flipped horizontally.  </a:t>
+            </a:r>
+          </a:p>
+          <a:p>
+            <a:pPr marL="228600" indent="-228600" algn="l">
+              <a:buAutoNum type="arabicPeriod"/>
+            </a:pPr>
+            <a:r>
+              <a:rPr lang="en-US" b="0" i="0" dirty="0">
+                <a:solidFill>
+                  <a:srgbClr val="3C3C3B"/>
+                </a:solidFill>
+                <a:effectLst/>
+                <a:latin typeface="Calibri" panose="020F0502020204030204" pitchFamily="34" charset="0"/>
+                <a:cs typeface="Calibri" panose="020F0502020204030204" pitchFamily="34" charset="0"/>
+              </a:rPr>
+              <a:t>Vertical flipping flips an image vertically.</a:t>
+            </a:r>
+            <a:endParaRPr lang="en-US" dirty="0">
+              <a:latin typeface="Calibri" panose="020F0502020204030204" pitchFamily="34" charset="0"/>
+              <a:cs typeface="Calibri" panose="020F0502020204030204" pitchFamily="34" charset="0"/>
+            </a:endParaRPr>
           </a:p>
         </p:txBody>
       </p:sp>
@@ -3332,7 +3158,7 @@
     </p:spTree>
     <p:extLst>
       <p:ext uri="{BB962C8B-B14F-4D97-AF65-F5344CB8AC3E}">
-        <p14:creationId xmlns:p14="http://schemas.microsoft.com/office/powerpoint/2010/main" val="781302724"/>
+        <p14:creationId xmlns:p14="http://schemas.microsoft.com/office/powerpoint/2010/main" val="1453454417"/>
       </p:ext>
     </p:extLst>
   </p:cSld>
@@ -3386,31 +3212,6 @@
           <a:bodyPr/>
           <a:lstStyle/>
           <a:p>
-            <a:pPr algn="l"/>
-            <a:r>
-              <a:rPr lang="en-US" b="0" i="0" dirty="0">
-                <a:solidFill>
-                  <a:srgbClr val="3C3C3B"/>
-                </a:solidFill>
-                <a:effectLst/>
-                <a:latin typeface="Calibri" panose="020F0502020204030204" pitchFamily="34" charset="0"/>
-                <a:cs typeface="Calibri" panose="020F0502020204030204" pitchFamily="34" charset="0"/>
-              </a:rPr>
-              <a:t>Now that we have established the need for a diverse training dataset, let’s consider some of the data augmentation techniques presented in the text.  As this is available in the text, I will move quickly through the next few slides.</a:t>
-            </a:r>
-          </a:p>
-          <a:p>
-            <a:pPr algn="l"/>
-            <a:endParaRPr lang="en-US" b="0" i="0" dirty="0">
-              <a:solidFill>
-                <a:srgbClr val="3C3C3B"/>
-              </a:solidFill>
-              <a:effectLst/>
-              <a:latin typeface="Calibri" panose="020F0502020204030204" pitchFamily="34" charset="0"/>
-              <a:cs typeface="Calibri" panose="020F0502020204030204" pitchFamily="34" charset="0"/>
-            </a:endParaRPr>
-          </a:p>
-          <a:p>
             <a:pPr marL="228600" indent="-228600" algn="l">
               <a:buAutoNum type="arabicPeriod"/>
             </a:pPr>
@@ -3420,10 +3221,9 @@
                   <a:srgbClr val="3C3C3B"/>
                 </a:solidFill>
                 <a:effectLst/>
-                <a:latin typeface="Calibri" panose="020F0502020204030204" pitchFamily="34" charset="0"/>
-                <a:cs typeface="Calibri" panose="020F0502020204030204" pitchFamily="34" charset="0"/>
-              </a:rPr>
-              <a:t>Horizontal flipping returns an image that is flipped horizontally.  </a:t>
+                <a:latin typeface="+mn-lt"/>
+              </a:rPr>
+              <a:t>An image can be zoomed in and provide different sizes of objects in the image.</a:t>
             </a:r>
           </a:p>
           <a:p>
@@ -3436,14 +3236,12 @@
                   <a:srgbClr val="3C3C3B"/>
                 </a:solidFill>
                 <a:effectLst/>
-                <a:latin typeface="Calibri" panose="020F0502020204030204" pitchFamily="34" charset="0"/>
-                <a:cs typeface="Calibri" panose="020F0502020204030204" pitchFamily="34" charset="0"/>
-              </a:rPr>
-              <a:t>Vertical flipping flips an image vertically.</a:t>
+                <a:latin typeface="+mn-lt"/>
+              </a:rPr>
+              <a:t>Horizontal shifting, as its name implies, will shift the image along the horizontal axis but keep it the same size. With this transformation, the image may be cropped, and new pixels generated to fill the void. A common technique is to copy the neighboring pixels or to fill that space with black pixels.</a:t>
             </a:r>
             <a:endParaRPr lang="en-US" dirty="0">
-              <a:latin typeface="Calibri" panose="020F0502020204030204" pitchFamily="34" charset="0"/>
-              <a:cs typeface="Calibri" panose="020F0502020204030204" pitchFamily="34" charset="0"/>
+              <a:latin typeface="+mn-lt"/>
             </a:endParaRPr>
           </a:p>
         </p:txBody>
@@ -3474,7 +3272,7 @@
     </p:spTree>
     <p:extLst>
       <p:ext uri="{BB962C8B-B14F-4D97-AF65-F5344CB8AC3E}">
-        <p14:creationId xmlns:p14="http://schemas.microsoft.com/office/powerpoint/2010/main" val="1453454417"/>
+        <p14:creationId xmlns:p14="http://schemas.microsoft.com/office/powerpoint/2010/main" val="1007381031"/>
       </p:ext>
     </p:extLst>
   </p:cSld>
@@ -3539,7 +3337,7 @@
                 <a:effectLst/>
                 <a:latin typeface="+mn-lt"/>
               </a:rPr>
-              <a:t>An image can be zoomed in and provide different sizes of objects in the image.</a:t>
+              <a:t>Vertical shifting is similar to horizontal shifting, but along the vertical axis.</a:t>
             </a:r>
           </a:p>
           <a:p>
@@ -3554,7 +3352,7 @@
                 <a:effectLst/>
                 <a:latin typeface="+mn-lt"/>
               </a:rPr>
-              <a:t>Horizontal shifting, as its name implies, will shift the image along the horizontal axis but keep it the same size. With this transformation, the image may be cropped, and new pixels generated to fill the void. A common technique is to copy the neighboring pixels or to fill that space with black pixels.</a:t>
+              <a:t>A rotation with a particular angle can be performed as pictured in the second set of images.</a:t>
             </a:r>
             <a:endParaRPr lang="en-US" dirty="0">
               <a:latin typeface="+mn-lt"/>
@@ -3588,7 +3386,7 @@
     </p:spTree>
     <p:extLst>
       <p:ext uri="{BB962C8B-B14F-4D97-AF65-F5344CB8AC3E}">
-        <p14:creationId xmlns:p14="http://schemas.microsoft.com/office/powerpoint/2010/main" val="1007381031"/>
+        <p14:creationId xmlns:p14="http://schemas.microsoft.com/office/powerpoint/2010/main" val="3942282478"/>
       </p:ext>
     </p:extLst>
   </p:cSld>
@@ -3642,9 +3440,7 @@
           <a:bodyPr/>
           <a:lstStyle/>
           <a:p>
-            <a:pPr marL="228600" indent="-228600" algn="l">
-              <a:buAutoNum type="arabicPeriod"/>
-            </a:pPr>
+            <a:pPr algn="l"/>
             <a:r>
               <a:rPr lang="en-US" b="0" i="0" dirty="0">
                 <a:solidFill>
@@ -3653,22 +3449,7 @@
                 <a:effectLst/>
                 <a:latin typeface="+mn-lt"/>
               </a:rPr>
-              <a:t>Vertical shifting is similar to horizontal shifting, but along the vertical axis.</a:t>
-            </a:r>
-          </a:p>
-          <a:p>
-            <a:pPr marL="228600" indent="-228600" algn="l">
-              <a:buAutoNum type="arabicPeriod"/>
-            </a:pPr>
-            <a:r>
-              <a:rPr lang="en-US" b="0" i="0" dirty="0">
-                <a:solidFill>
-                  <a:srgbClr val="3C3C3B"/>
-                </a:solidFill>
-                <a:effectLst/>
-                <a:latin typeface="+mn-lt"/>
-              </a:rPr>
-              <a:t>A rotation with a particular angle can be performed as pictured in the second set of images.</a:t>
+              <a:t>Shearing transforms the image by moving one of the edges along the axis of the edge. After doing this, the image distorts from a rectangle to a parallelogram.</a:t>
             </a:r>
             <a:endParaRPr lang="en-US" dirty="0">
               <a:latin typeface="+mn-lt"/>
@@ -3702,7 +3483,7 @@
     </p:spTree>
     <p:extLst>
       <p:ext uri="{BB962C8B-B14F-4D97-AF65-F5344CB8AC3E}">
-        <p14:creationId xmlns:p14="http://schemas.microsoft.com/office/powerpoint/2010/main" val="3942282478"/>
+        <p14:creationId xmlns:p14="http://schemas.microsoft.com/office/powerpoint/2010/main" val="2561180353"/>
       </p:ext>
     </p:extLst>
   </p:cSld>
@@ -3756,20 +3537,36 @@
           <a:bodyPr/>
           <a:lstStyle/>
           <a:p>
-            <a:pPr algn="l"/>
-            <a:r>
-              <a:rPr lang="en-US" b="0" i="0" dirty="0">
-                <a:solidFill>
-                  <a:srgbClr val="3C3C3B"/>
-                </a:solidFill>
-                <a:effectLst/>
-                <a:latin typeface="+mn-lt"/>
-              </a:rPr>
-              <a:t>Shearing transforms the image by moving one of the edges along the axis of the edge. After doing this, the image distorts from a rectangle to a parallelogram.</a:t>
-            </a:r>
-            <a:endParaRPr lang="en-US" dirty="0">
-              <a:latin typeface="+mn-lt"/>
-            </a:endParaRPr>
+            <a:pPr marL="0" marR="0" lvl="0" indent="0" algn="l" defTabSz="914400" rtl="0" eaLnBrk="1" fontAlgn="auto" latinLnBrk="0" hangingPunct="1">
+              <a:lnSpc>
+                <a:spcPct val="100000"/>
+              </a:lnSpc>
+              <a:spcBef>
+                <a:spcPts val="0"/>
+              </a:spcBef>
+              <a:spcAft>
+                <a:spcPts val="0"/>
+              </a:spcAft>
+              <a:buClrTx/>
+              <a:buSzTx/>
+              <a:buFontTx/>
+              <a:buNone/>
+              <a:tabLst/>
+              <a:defRPr/>
+            </a:pPr>
+            <a:r>
+              <a:rPr lang="en-US" dirty="0"/>
+              <a:t>The learning experience for this workshop starts on page 140 of the textbook.</a:t>
+            </a:r>
+          </a:p>
+          <a:p>
+            <a:endParaRPr lang="en-US" dirty="0"/>
+          </a:p>
+          <a:p>
+            <a:endParaRPr lang="en-US" dirty="0"/>
+          </a:p>
+          <a:p>
+            <a:endParaRPr lang="en-US" dirty="0"/>
           </a:p>
         </p:txBody>
       </p:sp>
@@ -3799,7 +3596,7 @@
     </p:spTree>
     <p:extLst>
       <p:ext uri="{BB962C8B-B14F-4D97-AF65-F5344CB8AC3E}">
-        <p14:creationId xmlns:p14="http://schemas.microsoft.com/office/powerpoint/2010/main" val="2561180353"/>
+        <p14:creationId xmlns:p14="http://schemas.microsoft.com/office/powerpoint/2010/main" val="781302724"/>
       </p:ext>
     </p:extLst>
   </p:cSld>
@@ -3853,33 +3650,55 @@
           <a:bodyPr/>
           <a:lstStyle/>
           <a:p>
-            <a:pPr marL="0" marR="0" lvl="0" indent="0" algn="l" defTabSz="914400" rtl="0" eaLnBrk="1" fontAlgn="auto" latinLnBrk="0" hangingPunct="1">
-              <a:lnSpc>
-                <a:spcPct val="100000"/>
-              </a:lnSpc>
-              <a:spcBef>
-                <a:spcPts val="0"/>
-              </a:spcBef>
-              <a:spcAft>
-                <a:spcPts val="0"/>
-              </a:spcAft>
-              <a:buClrTx/>
-              <a:buSzTx/>
-              <a:buFontTx/>
-              <a:buNone/>
-              <a:tabLst/>
-              <a:defRPr/>
-            </a:pPr>
             <a:r>
               <a:rPr lang="en-US" dirty="0"/>
-              <a:t>The learning experience for this workshop starts on page 140 of the textbook.  For additional information, please watch the exercise 3.04 orientation video.</a:t>
+              <a:t>As a child, you may have read or heard the story of Goldilocks, a little girl who finds an empty cabin in the woods with three empty beds.  Goldilocks tries out the first bed and discover that it’s too hard.  Then she tries the second bed, and it’s too soft.  Finally, she tries the third bed and it’s just right.  A peaceful nap ensues until she’s awakened by three bears who ask what she’s doing in their bed.  This is often referred to as the Goldilocks problem.  </a:t>
             </a:r>
           </a:p>
           <a:p>
             <a:endParaRPr lang="en-US" dirty="0"/>
           </a:p>
           <a:p>
-            <a:endParaRPr lang="en-US" dirty="0"/>
+            <a:r>
+              <a:rPr lang="en-US" dirty="0"/>
+              <a:t>A similar dynamic exists in machine learning.  A model can </a:t>
+            </a:r>
+            <a:r>
+              <a:rPr lang="en-US" b="1" dirty="0">
+                <a:effectLst>
+                  <a:outerShdw blurRad="38100" dist="38100" dir="2700000" algn="tl">
+                    <a:srgbClr val="000000">
+                      <a:alpha val="43137"/>
+                    </a:srgbClr>
+                  </a:outerShdw>
+                </a:effectLst>
+              </a:rPr>
+              <a:t>overfit</a:t>
+            </a:r>
+            <a:r>
+              <a:rPr lang="en-US" dirty="0"/>
+              <a:t> the data, </a:t>
+            </a:r>
+            <a:r>
+              <a:rPr lang="en-US" b="1" dirty="0">
+                <a:solidFill>
+                  <a:srgbClr val="FF0000"/>
+                </a:solidFill>
+              </a:rPr>
+              <a:t>underfit</a:t>
+            </a:r>
+            <a:r>
+              <a:rPr lang="en-US" dirty="0"/>
+              <a:t> the data, or be </a:t>
+            </a:r>
+            <a:r>
+              <a:rPr lang="en-US" b="1" dirty="0"/>
+              <a:t>just right</a:t>
+            </a:r>
+            <a:r>
+              <a:rPr lang="en-US" dirty="0"/>
+              <a:t>.  And like Goldilocks, it’s often a question of finding that sweet spot, of trying out one model and then another until a proper fit is achieved.  Now when we say proper fit, what we’re talking about is a model which makes accurate predictions on the training data but will does so with other data as well.  When this happens, the model is said to generalize well.  Consider this graph…</a:t>
+            </a:r>
           </a:p>
           <a:p>
             <a:endParaRPr lang="en-US" dirty="0"/>
@@ -3915,7 +3734,7 @@
     </p:spTree>
     <p:extLst>
       <p:ext uri="{BB962C8B-B14F-4D97-AF65-F5344CB8AC3E}">
-        <p14:creationId xmlns:p14="http://schemas.microsoft.com/office/powerpoint/2010/main" val="3845518390"/>
+        <p14:creationId xmlns:p14="http://schemas.microsoft.com/office/powerpoint/2010/main" val="4104970002"/>
       </p:ext>
     </p:extLst>
   </p:cSld>
@@ -3969,46 +3788,55 @@
           <a:bodyPr/>
           <a:lstStyle/>
           <a:p>
+            <a:pPr marL="228600" indent="-228600">
+              <a:buAutoNum type="arabicPeriod"/>
+            </a:pPr>
             <a:r>
               <a:rPr lang="en-US" dirty="0"/>
-              <a:t>As a child, you may have read or heard the story of Goldilocks, a little girl who finds an empty cabin in the woods with three empty beds.  Goldilocks tries out the first bed and discover that it’s too hard.  Then she tries the second bed, and it’s too soft.  Finally, she tries the third bed and it’s just right.  A peaceful nap ensues until she’s awakened by three bears who ask what she’s doing in their bed.  This is often referred to as the Goldilocks problem.  </a:t>
-            </a:r>
-          </a:p>
-          <a:p>
-            <a:endParaRPr lang="en-US" dirty="0"/>
-          </a:p>
-          <a:p>
+              <a:t>Three models, one for each line.</a:t>
+            </a:r>
+          </a:p>
+          <a:p>
+            <a:pPr marL="228600" indent="-228600">
+              <a:buAutoNum type="arabicPeriod"/>
+            </a:pPr>
             <a:r>
               <a:rPr lang="en-US" dirty="0"/>
-              <a:t>A similar dynamic exists in machine learning.  A model can </a:t>
-            </a:r>
-            <a:r>
-              <a:rPr lang="en-US" b="1" dirty="0">
-                <a:effectLst>
-                  <a:outerShdw blurRad="38100" dist="38100" dir="2700000" algn="tl">
-                    <a:srgbClr val="000000">
-                      <a:alpha val="43137"/>
-                    </a:srgbClr>
-                  </a:outerShdw>
-                </a:effectLst>
-              </a:rPr>
-              <a:t>overfit</a:t>
+              <a:t>Solid blue line = perfect fit – but how would it do with a new dataset?  Model </a:t>
+            </a:r>
+            <a:r>
+              <a:rPr lang="en-US" b="1" dirty="0"/>
+              <a:t>overfits</a:t>
             </a:r>
             <a:r>
               <a:rPr lang="en-US" dirty="0"/>
-              <a:t> the data, </a:t>
-            </a:r>
-            <a:r>
-              <a:rPr lang="en-US" b="1" dirty="0">
-                <a:solidFill>
-                  <a:srgbClr val="FF0000"/>
-                </a:solidFill>
-              </a:rPr>
-              <a:t>underfit</a:t>
-            </a:r>
+              <a:t> the data.</a:t>
+            </a:r>
+          </a:p>
+          <a:p>
+            <a:pPr marL="228600" indent="-228600">
+              <a:buAutoNum type="arabicPeriod"/>
+            </a:pPr>
             <a:r>
               <a:rPr lang="en-US" dirty="0"/>
-              <a:t> the data, or be </a:t>
+              <a:t>Dashed green line opposite of blue – 3 datapoints – model </a:t>
+            </a:r>
+            <a:r>
+              <a:rPr lang="en-US" b="1" dirty="0"/>
+              <a:t>underfits</a:t>
+            </a:r>
+            <a:r>
+              <a:rPr lang="en-US" dirty="0"/>
+              <a:t> the data.  Too simple to capture data complexity.</a:t>
+            </a:r>
+          </a:p>
+          <a:p>
+            <a:pPr marL="228600" indent="-228600">
+              <a:buAutoNum type="arabicPeriod"/>
+            </a:pPr>
+            <a:r>
+              <a:rPr lang="en-US" dirty="0"/>
+              <a:t>Solid grey line – linear model – appears to be </a:t>
             </a:r>
             <a:r>
               <a:rPr lang="en-US" b="1" dirty="0"/>
@@ -4016,14 +3844,63 @@
             </a:r>
             <a:r>
               <a:rPr lang="en-US" dirty="0"/>
-              <a:t>.  And like Goldilocks, it’s often a question of finding that sweet spot, of trying out one model and then another until a proper fit is achieved.  Now when we say proper fit, what we’re talking about is a model which makes accurate predictions on the training data but will does so with other data as well.  When this happens, the model is said to generalize well.  Consider this graph…</a:t>
-            </a:r>
-          </a:p>
-          <a:p>
+              <a:t>.</a:t>
+            </a:r>
+          </a:p>
+          <a:p>
+            <a:pPr marL="0" indent="0">
+              <a:buNone/>
+            </a:pPr>
             <a:endParaRPr lang="en-US" dirty="0"/>
           </a:p>
           <a:p>
+            <a:pPr marL="0" indent="0">
+              <a:buNone/>
+            </a:pPr>
+            <a:r>
+              <a:rPr lang="en-US"/>
+              <a:t>=====</a:t>
+            </a:r>
             <a:endParaRPr lang="en-US" dirty="0"/>
+          </a:p>
+          <a:p>
+            <a:r>
+              <a:rPr lang="en-US" dirty="0"/>
+              <a:t>In this graph, we see three different models, each represented by a different line.  The solid blue is a perfect fit to this data.  But how do you think this model would extrapolate to a different data set?  In this case, the model </a:t>
+            </a:r>
+            <a:r>
+              <a:rPr lang="en-US" b="1" dirty="0"/>
+              <a:t>overfits</a:t>
+            </a:r>
+            <a:r>
+              <a:rPr lang="en-US" dirty="0"/>
+              <a:t> the data.  The situation is just the opposite with the dashed green line.  Here the model appears to reference but three data points, ignoring everything else.  In this case, the model </a:t>
+            </a:r>
+            <a:r>
+              <a:rPr lang="en-US" b="1" dirty="0"/>
+              <a:t>underfits</a:t>
+            </a:r>
+            <a:r>
+              <a:rPr lang="en-US" dirty="0"/>
+              <a:t> the data.  That is, it’s too simple to accurately capture the complexity of the data.  And finally, the solid line is a linear model that appears to be </a:t>
+            </a:r>
+            <a:r>
+              <a:rPr lang="en-US" b="1" dirty="0"/>
+              <a:t>just right</a:t>
+            </a:r>
+            <a:r>
+              <a:rPr lang="en-US" dirty="0"/>
+              <a:t>.  Of the three models, this one will probably generalize best, when faced with a new data set possessing similar characteristics to the one pictured here. </a:t>
+            </a:r>
+          </a:p>
+          <a:p>
+            <a:endParaRPr lang="en-US" dirty="0"/>
+          </a:p>
+          <a:p>
+            <a:r>
+              <a:rPr lang="en-US" dirty="0"/>
+              <a:t>Let’s consider another example…</a:t>
+            </a:r>
           </a:p>
         </p:txBody>
       </p:sp>
@@ -4053,7 +3930,7 @@
     </p:spTree>
     <p:extLst>
       <p:ext uri="{BB962C8B-B14F-4D97-AF65-F5344CB8AC3E}">
-        <p14:creationId xmlns:p14="http://schemas.microsoft.com/office/powerpoint/2010/main" val="4104970002"/>
+        <p14:creationId xmlns:p14="http://schemas.microsoft.com/office/powerpoint/2010/main" val="1905729359"/>
       </p:ext>
     </p:extLst>
   </p:cSld>
@@ -4210,7 +4087,7 @@
           <a:p>
             <a:fld id="{C3F78080-8D0A-4BE8-A5B4-CB115102D524}" type="datetimeFigureOut">
               <a:rPr lang="en-US" smtClean="0"/>
-              <a:t>2/9/2022</a:t>
+              <a:t>5/26/2022</a:t>
             </a:fld>
             <a:endParaRPr lang="en-US"/>
           </a:p>
@@ -4408,7 +4285,7 @@
           <a:p>
             <a:fld id="{C3F78080-8D0A-4BE8-A5B4-CB115102D524}" type="datetimeFigureOut">
               <a:rPr lang="en-US" smtClean="0"/>
-              <a:t>2/9/2022</a:t>
+              <a:t>5/26/2022</a:t>
             </a:fld>
             <a:endParaRPr lang="en-US"/>
           </a:p>
@@ -4616,7 +4493,7 @@
           <a:p>
             <a:fld id="{C3F78080-8D0A-4BE8-A5B4-CB115102D524}" type="datetimeFigureOut">
               <a:rPr lang="en-US" smtClean="0"/>
-              <a:t>2/9/2022</a:t>
+              <a:t>5/26/2022</a:t>
             </a:fld>
             <a:endParaRPr lang="en-US"/>
           </a:p>
@@ -4814,7 +4691,7 @@
           <a:p>
             <a:fld id="{C3F78080-8D0A-4BE8-A5B4-CB115102D524}" type="datetimeFigureOut">
               <a:rPr lang="en-US" smtClean="0"/>
-              <a:t>2/9/2022</a:t>
+              <a:t>5/26/2022</a:t>
             </a:fld>
             <a:endParaRPr lang="en-US"/>
           </a:p>
@@ -5089,7 +4966,7 @@
           <a:p>
             <a:fld id="{C3F78080-8D0A-4BE8-A5B4-CB115102D524}" type="datetimeFigureOut">
               <a:rPr lang="en-US" smtClean="0"/>
-              <a:t>2/9/2022</a:t>
+              <a:t>5/26/2022</a:t>
             </a:fld>
             <a:endParaRPr lang="en-US"/>
           </a:p>
@@ -5354,7 +5231,7 @@
           <a:p>
             <a:fld id="{C3F78080-8D0A-4BE8-A5B4-CB115102D524}" type="datetimeFigureOut">
               <a:rPr lang="en-US" smtClean="0"/>
-              <a:t>2/9/2022</a:t>
+              <a:t>5/26/2022</a:t>
             </a:fld>
             <a:endParaRPr lang="en-US"/>
           </a:p>
@@ -5766,7 +5643,7 @@
           <a:p>
             <a:fld id="{C3F78080-8D0A-4BE8-A5B4-CB115102D524}" type="datetimeFigureOut">
               <a:rPr lang="en-US" smtClean="0"/>
-              <a:t>2/9/2022</a:t>
+              <a:t>5/26/2022</a:t>
             </a:fld>
             <a:endParaRPr lang="en-US"/>
           </a:p>
@@ -5907,7 +5784,7 @@
           <a:p>
             <a:fld id="{C3F78080-8D0A-4BE8-A5B4-CB115102D524}" type="datetimeFigureOut">
               <a:rPr lang="en-US" smtClean="0"/>
-              <a:t>2/9/2022</a:t>
+              <a:t>5/26/2022</a:t>
             </a:fld>
             <a:endParaRPr lang="en-US"/>
           </a:p>
@@ -6020,7 +5897,7 @@
           <a:p>
             <a:fld id="{C3F78080-8D0A-4BE8-A5B4-CB115102D524}" type="datetimeFigureOut">
               <a:rPr lang="en-US" smtClean="0"/>
-              <a:t>2/9/2022</a:t>
+              <a:t>5/26/2022</a:t>
             </a:fld>
             <a:endParaRPr lang="en-US"/>
           </a:p>
@@ -6331,7 +6208,7 @@
           <a:p>
             <a:fld id="{C3F78080-8D0A-4BE8-A5B4-CB115102D524}" type="datetimeFigureOut">
               <a:rPr lang="en-US" smtClean="0"/>
-              <a:t>2/9/2022</a:t>
+              <a:t>5/26/2022</a:t>
             </a:fld>
             <a:endParaRPr lang="en-US"/>
           </a:p>
@@ -6619,7 +6496,7 @@
           <a:p>
             <a:fld id="{C3F78080-8D0A-4BE8-A5B4-CB115102D524}" type="datetimeFigureOut">
               <a:rPr lang="en-US" smtClean="0"/>
-              <a:t>2/9/2022</a:t>
+              <a:t>5/26/2022</a:t>
             </a:fld>
             <a:endParaRPr lang="en-US"/>
           </a:p>
@@ -6860,7 +6737,7 @@
           <a:p>
             <a:fld id="{C3F78080-8D0A-4BE8-A5B4-CB115102D524}" type="datetimeFigureOut">
               <a:rPr lang="en-US" smtClean="0"/>
-              <a:t>2/9/2022</a:t>
+              <a:t>5/26/2022</a:t>
             </a:fld>
             <a:endParaRPr lang="en-US"/>
           </a:p>
@@ -7393,10 +7270,10 @@
       </p:grpSpPr>
       <p:pic>
         <p:nvPicPr>
-          <p:cNvPr id="5" name="Content Placeholder 4">
+          <p:cNvPr id="9" name="Content Placeholder 8">
             <a:extLst>
               <a:ext uri="{FF2B5EF4-FFF2-40B4-BE49-F238E27FC236}">
-                <a16:creationId xmlns:a16="http://schemas.microsoft.com/office/drawing/2014/main" id="{4613F606-4F29-4362-96AA-43F81A0CD985}"/>
+                <a16:creationId xmlns:a16="http://schemas.microsoft.com/office/drawing/2014/main" id="{5BD3C5EF-FCAE-45A4-8C11-43C212BA8BD0}"/>
               </a:ext>
             </a:extLst>
           </p:cNvPr>
@@ -7421,56 +7298,218 @@
         </p:blipFill>
         <p:spPr>
           <a:xfrm>
-            <a:off x="3213824" y="1549322"/>
-            <a:ext cx="5581833" cy="3790316"/>
+            <a:off x="3246596" y="1250156"/>
+            <a:ext cx="4357688" cy="4357688"/>
           </a:xfrm>
         </p:spPr>
       </p:pic>
-      <p:cxnSp>
-        <p:nvCxnSpPr>
-          <p:cNvPr id="7" name="Straight Connector 6">
+      <p:pic>
+        <p:nvPicPr>
+          <p:cNvPr id="3" name="Picture 4">
             <a:extLst>
               <a:ext uri="{FF2B5EF4-FFF2-40B4-BE49-F238E27FC236}">
-                <a16:creationId xmlns:a16="http://schemas.microsoft.com/office/drawing/2014/main" id="{41C04075-24DA-496A-A165-F9580F3F8939}"/>
+                <a16:creationId xmlns:a16="http://schemas.microsoft.com/office/drawing/2014/main" id="{01F1093D-6EF1-4D23-B54F-6B4555E7E505}"/>
               </a:ext>
             </a:extLst>
           </p:cNvPr>
-          <p:cNvCxnSpPr>
-            <a:cxnSpLocks/>
-          </p:cNvCxnSpPr>
+          <p:cNvPicPr>
+            <a:picLocks noChangeAspect="1" noChangeArrowheads="1"/>
+          </p:cNvPicPr>
           <p:nvPr/>
-        </p:nvCxnSpPr>
-        <p:spPr>
-          <a:xfrm flipV="1">
-            <a:off x="3906982" y="1788946"/>
-            <a:ext cx="3657600" cy="3013364"/>
+        </p:nvPicPr>
+        <p:blipFill>
+          <a:blip r:embed="rId4">
+            <a:extLst>
+              <a:ext uri="{28A0092B-C50C-407E-A947-70E740481C1C}">
+                <a14:useLocalDpi xmlns:a14="http://schemas.microsoft.com/office/drawing/2010/main" val="0"/>
+              </a:ext>
+            </a:extLst>
+          </a:blip>
+          <a:srcRect/>
+          <a:stretch>
+            <a:fillRect/>
+          </a:stretch>
+        </p:blipFill>
+        <p:spPr bwMode="auto">
+          <a:xfrm>
+            <a:off x="9001009" y="1250156"/>
+            <a:ext cx="1529150" cy="1529150"/>
           </a:xfrm>
-          <a:prstGeom prst="line">
+          <a:prstGeom prst="rect">
             <a:avLst/>
           </a:prstGeom>
-          <a:ln>
-            <a:prstDash val="dash"/>
-          </a:ln>
+          <a:noFill/>
+          <a:extLst>
+            <a:ext uri="{909E8E84-426E-40DD-AFC4-6F175D3DCCD1}">
+              <a14:hiddenFill xmlns:a14="http://schemas.microsoft.com/office/drawing/2010/main">
+                <a:solidFill>
+                  <a:srgbClr val="FFFFFF"/>
+                </a:solidFill>
+              </a14:hiddenFill>
+            </a:ext>
+          </a:extLst>
         </p:spPr>
-        <p:style>
-          <a:lnRef idx="3">
-            <a:schemeClr val="accent6"/>
-          </a:lnRef>
-          <a:fillRef idx="0">
-            <a:schemeClr val="accent6"/>
-          </a:fillRef>
-          <a:effectRef idx="2">
-            <a:schemeClr val="accent6"/>
-          </a:effectRef>
-          <a:fontRef idx="minor">
-            <a:schemeClr val="tx1"/>
-          </a:fontRef>
-        </p:style>
-      </p:cxnSp>
+      </p:pic>
+      <p:pic>
+        <p:nvPicPr>
+          <p:cNvPr id="4" name="Picture 4">
+            <a:extLst>
+              <a:ext uri="{FF2B5EF4-FFF2-40B4-BE49-F238E27FC236}">
+                <a16:creationId xmlns:a16="http://schemas.microsoft.com/office/drawing/2014/main" id="{638A8331-A71A-4E98-9D0D-6F4A32CFC19B}"/>
+              </a:ext>
+            </a:extLst>
+          </p:cNvPr>
+          <p:cNvPicPr>
+            <a:picLocks noChangeAspect="1" noChangeArrowheads="1"/>
+          </p:cNvPicPr>
+          <p:nvPr/>
+        </p:nvPicPr>
+        <p:blipFill>
+          <a:blip r:embed="rId4">
+            <a:extLst>
+              <a:ext uri="{28A0092B-C50C-407E-A947-70E740481C1C}">
+                <a14:useLocalDpi xmlns:a14="http://schemas.microsoft.com/office/drawing/2010/main" val="0"/>
+              </a:ext>
+            </a:extLst>
+          </a:blip>
+          <a:srcRect/>
+          <a:stretch>
+            <a:fillRect/>
+          </a:stretch>
+        </p:blipFill>
+        <p:spPr bwMode="auto">
+          <a:xfrm>
+            <a:off x="9001009" y="3769346"/>
+            <a:ext cx="1529150" cy="1529150"/>
+          </a:xfrm>
+          <a:prstGeom prst="rect">
+            <a:avLst/>
+          </a:prstGeom>
+          <a:noFill/>
+          <a:extLst>
+            <a:ext uri="{909E8E84-426E-40DD-AFC4-6F175D3DCCD1}">
+              <a14:hiddenFill xmlns:a14="http://schemas.microsoft.com/office/drawing/2010/main">
+                <a:solidFill>
+                  <a:srgbClr val="FFFFFF"/>
+                </a:solidFill>
+              </a14:hiddenFill>
+            </a:ext>
+          </a:extLst>
+        </p:spPr>
+      </p:pic>
+      <p:sp>
+        <p:nvSpPr>
+          <p:cNvPr id="5" name="Title 1">
+            <a:extLst>
+              <a:ext uri="{FF2B5EF4-FFF2-40B4-BE49-F238E27FC236}">
+                <a16:creationId xmlns:a16="http://schemas.microsoft.com/office/drawing/2014/main" id="{5EC28168-F632-493E-8DF7-2FDD6EC1FD71}"/>
+              </a:ext>
+            </a:extLst>
+          </p:cNvPr>
+          <p:cNvSpPr>
+            <a:spLocks noGrp="1"/>
+          </p:cNvSpPr>
+          <p:nvPr>
+            <p:ph type="title"/>
+          </p:nvPr>
+        </p:nvSpPr>
+        <p:spPr>
+          <a:xfrm>
+            <a:off x="9113520" y="944247"/>
+            <a:ext cx="1264920" cy="335913"/>
+          </a:xfrm>
+        </p:spPr>
+        <p:txBody>
+          <a:bodyPr>
+            <a:normAutofit fontScale="90000"/>
+          </a:bodyPr>
+          <a:lstStyle/>
+          <a:p>
+            <a:pPr algn="ctr"/>
+            <a:r>
+              <a:rPr lang="en-US" sz="1800" dirty="0">
+                <a:solidFill>
+                  <a:schemeClr val="tx1">
+                    <a:lumMod val="75000"/>
+                    <a:lumOff val="25000"/>
+                  </a:schemeClr>
+                </a:solidFill>
+                <a:latin typeface="Palatino Linotype" panose="02040502050505030304" pitchFamily="18" charset="0"/>
+                <a:cs typeface="Segoe UI Light" panose="020B0502040204020203" pitchFamily="34" charset="0"/>
+              </a:rPr>
+              <a:t>Green</a:t>
+            </a:r>
+          </a:p>
+        </p:txBody>
+      </p:sp>
+      <p:sp>
+        <p:nvSpPr>
+          <p:cNvPr id="6" name="Title 1">
+            <a:extLst>
+              <a:ext uri="{FF2B5EF4-FFF2-40B4-BE49-F238E27FC236}">
+                <a16:creationId xmlns:a16="http://schemas.microsoft.com/office/drawing/2014/main" id="{2A544AAE-4FC7-455B-BA3A-607588E05EB4}"/>
+              </a:ext>
+            </a:extLst>
+          </p:cNvPr>
+          <p:cNvSpPr txBox="1">
+            <a:spLocks/>
+          </p:cNvSpPr>
+          <p:nvPr/>
+        </p:nvSpPr>
+        <p:spPr>
+          <a:xfrm>
+            <a:off x="9133124" y="3494076"/>
+            <a:ext cx="1264920" cy="335913"/>
+          </a:xfrm>
+          <a:prstGeom prst="rect">
+            <a:avLst/>
+          </a:prstGeom>
+        </p:spPr>
+        <p:txBody>
+          <a:bodyPr vert="horz" lIns="91440" tIns="45720" rIns="91440" bIns="45720" rtlCol="0" anchor="ctr">
+            <a:normAutofit fontScale="97500" lnSpcReduction="10000"/>
+          </a:bodyPr>
+          <a:lstStyle>
+            <a:lvl1pPr algn="l" defTabSz="914400" rtl="0" eaLnBrk="1" latinLnBrk="0" hangingPunct="1">
+              <a:lnSpc>
+                <a:spcPct val="90000"/>
+              </a:lnSpc>
+              <a:spcBef>
+                <a:spcPct val="0"/>
+              </a:spcBef>
+              <a:buNone/>
+              <a:defRPr sz="4400" kern="1200">
+                <a:solidFill>
+                  <a:schemeClr val="tx1"/>
+                </a:solidFill>
+                <a:latin typeface="+mj-lt"/>
+                <a:ea typeface="+mj-ea"/>
+                <a:cs typeface="+mj-cs"/>
+              </a:defRPr>
+            </a:lvl1pPr>
+          </a:lstStyle>
+          <a:p>
+            <a:pPr algn="ctr"/>
+            <a:r>
+              <a:rPr lang="en-US" sz="1800" dirty="0">
+                <a:solidFill>
+                  <a:schemeClr val="tx1">
+                    <a:lumMod val="75000"/>
+                    <a:lumOff val="25000"/>
+                  </a:schemeClr>
+                </a:solidFill>
+                <a:latin typeface="Palatino Linotype" panose="02040502050505030304" pitchFamily="18" charset="0"/>
+                <a:cs typeface="Segoe UI Light" panose="020B0502040204020203" pitchFamily="34" charset="0"/>
+              </a:rPr>
+              <a:t>Black</a:t>
+            </a:r>
+          </a:p>
+        </p:txBody>
+      </p:sp>
     </p:spTree>
     <p:extLst>
       <p:ext uri="{BB962C8B-B14F-4D97-AF65-F5344CB8AC3E}">
-        <p14:creationId xmlns:p14="http://schemas.microsoft.com/office/powerpoint/2010/main" val="3128685932"/>
+        <p14:creationId xmlns:p14="http://schemas.microsoft.com/office/powerpoint/2010/main" val="3297815637"/>
       </p:ext>
     </p:extLst>
   </p:cSld>
@@ -7511,286 +7550,6 @@
       </p:grpSpPr>
       <p:pic>
         <p:nvPicPr>
-          <p:cNvPr id="9" name="Content Placeholder 8">
-            <a:extLst>
-              <a:ext uri="{FF2B5EF4-FFF2-40B4-BE49-F238E27FC236}">
-                <a16:creationId xmlns:a16="http://schemas.microsoft.com/office/drawing/2014/main" id="{5BD3C5EF-FCAE-45A4-8C11-43C212BA8BD0}"/>
-              </a:ext>
-            </a:extLst>
-          </p:cNvPr>
-          <p:cNvPicPr>
-            <a:picLocks noGrp="1" noChangeAspect="1"/>
-          </p:cNvPicPr>
-          <p:nvPr>
-            <p:ph idx="1"/>
-          </p:nvPr>
-        </p:nvPicPr>
-        <p:blipFill>
-          <a:blip r:embed="rId3">
-            <a:extLst>
-              <a:ext uri="{28A0092B-C50C-407E-A947-70E740481C1C}">
-                <a14:useLocalDpi xmlns:a14="http://schemas.microsoft.com/office/drawing/2010/main" val="0"/>
-              </a:ext>
-            </a:extLst>
-          </a:blip>
-          <a:stretch>
-            <a:fillRect/>
-          </a:stretch>
-        </p:blipFill>
-        <p:spPr>
-          <a:xfrm>
-            <a:off x="3246596" y="1250156"/>
-            <a:ext cx="4357688" cy="4357688"/>
-          </a:xfrm>
-        </p:spPr>
-      </p:pic>
-      <p:pic>
-        <p:nvPicPr>
-          <p:cNvPr id="3" name="Picture 4">
-            <a:extLst>
-              <a:ext uri="{FF2B5EF4-FFF2-40B4-BE49-F238E27FC236}">
-                <a16:creationId xmlns:a16="http://schemas.microsoft.com/office/drawing/2014/main" id="{01F1093D-6EF1-4D23-B54F-6B4555E7E505}"/>
-              </a:ext>
-            </a:extLst>
-          </p:cNvPr>
-          <p:cNvPicPr>
-            <a:picLocks noChangeAspect="1" noChangeArrowheads="1"/>
-          </p:cNvPicPr>
-          <p:nvPr/>
-        </p:nvPicPr>
-        <p:blipFill>
-          <a:blip r:embed="rId4">
-            <a:extLst>
-              <a:ext uri="{28A0092B-C50C-407E-A947-70E740481C1C}">
-                <a14:useLocalDpi xmlns:a14="http://schemas.microsoft.com/office/drawing/2010/main" val="0"/>
-              </a:ext>
-            </a:extLst>
-          </a:blip>
-          <a:srcRect/>
-          <a:stretch>
-            <a:fillRect/>
-          </a:stretch>
-        </p:blipFill>
-        <p:spPr bwMode="auto">
-          <a:xfrm>
-            <a:off x="9001009" y="1250156"/>
-            <a:ext cx="1529150" cy="1529150"/>
-          </a:xfrm>
-          <a:prstGeom prst="rect">
-            <a:avLst/>
-          </a:prstGeom>
-          <a:noFill/>
-          <a:extLst>
-            <a:ext uri="{909E8E84-426E-40DD-AFC4-6F175D3DCCD1}">
-              <a14:hiddenFill xmlns:a14="http://schemas.microsoft.com/office/drawing/2010/main">
-                <a:solidFill>
-                  <a:srgbClr val="FFFFFF"/>
-                </a:solidFill>
-              </a14:hiddenFill>
-            </a:ext>
-          </a:extLst>
-        </p:spPr>
-      </p:pic>
-      <p:pic>
-        <p:nvPicPr>
-          <p:cNvPr id="4" name="Picture 4">
-            <a:extLst>
-              <a:ext uri="{FF2B5EF4-FFF2-40B4-BE49-F238E27FC236}">
-                <a16:creationId xmlns:a16="http://schemas.microsoft.com/office/drawing/2014/main" id="{638A8331-A71A-4E98-9D0D-6F4A32CFC19B}"/>
-              </a:ext>
-            </a:extLst>
-          </p:cNvPr>
-          <p:cNvPicPr>
-            <a:picLocks noChangeAspect="1" noChangeArrowheads="1"/>
-          </p:cNvPicPr>
-          <p:nvPr/>
-        </p:nvPicPr>
-        <p:blipFill>
-          <a:blip r:embed="rId4">
-            <a:extLst>
-              <a:ext uri="{28A0092B-C50C-407E-A947-70E740481C1C}">
-                <a14:useLocalDpi xmlns:a14="http://schemas.microsoft.com/office/drawing/2010/main" val="0"/>
-              </a:ext>
-            </a:extLst>
-          </a:blip>
-          <a:srcRect/>
-          <a:stretch>
-            <a:fillRect/>
-          </a:stretch>
-        </p:blipFill>
-        <p:spPr bwMode="auto">
-          <a:xfrm>
-            <a:off x="9001009" y="3769346"/>
-            <a:ext cx="1529150" cy="1529150"/>
-          </a:xfrm>
-          <a:prstGeom prst="rect">
-            <a:avLst/>
-          </a:prstGeom>
-          <a:noFill/>
-          <a:extLst>
-            <a:ext uri="{909E8E84-426E-40DD-AFC4-6F175D3DCCD1}">
-              <a14:hiddenFill xmlns:a14="http://schemas.microsoft.com/office/drawing/2010/main">
-                <a:solidFill>
-                  <a:srgbClr val="FFFFFF"/>
-                </a:solidFill>
-              </a14:hiddenFill>
-            </a:ext>
-          </a:extLst>
-        </p:spPr>
-      </p:pic>
-      <p:sp>
-        <p:nvSpPr>
-          <p:cNvPr id="5" name="Title 1">
-            <a:extLst>
-              <a:ext uri="{FF2B5EF4-FFF2-40B4-BE49-F238E27FC236}">
-                <a16:creationId xmlns:a16="http://schemas.microsoft.com/office/drawing/2014/main" id="{5EC28168-F632-493E-8DF7-2FDD6EC1FD71}"/>
-              </a:ext>
-            </a:extLst>
-          </p:cNvPr>
-          <p:cNvSpPr>
-            <a:spLocks noGrp="1"/>
-          </p:cNvSpPr>
-          <p:nvPr>
-            <p:ph type="title"/>
-          </p:nvPr>
-        </p:nvSpPr>
-        <p:spPr>
-          <a:xfrm>
-            <a:off x="9113520" y="944247"/>
-            <a:ext cx="1264920" cy="335913"/>
-          </a:xfrm>
-        </p:spPr>
-        <p:txBody>
-          <a:bodyPr>
-            <a:normAutofit fontScale="90000"/>
-          </a:bodyPr>
-          <a:lstStyle/>
-          <a:p>
-            <a:pPr algn="ctr"/>
-            <a:r>
-              <a:rPr lang="en-US" sz="1800" dirty="0">
-                <a:solidFill>
-                  <a:schemeClr val="tx1">
-                    <a:lumMod val="75000"/>
-                    <a:lumOff val="25000"/>
-                  </a:schemeClr>
-                </a:solidFill>
-                <a:latin typeface="Palatino Linotype" panose="02040502050505030304" pitchFamily="18" charset="0"/>
-                <a:cs typeface="Segoe UI Light" panose="020B0502040204020203" pitchFamily="34" charset="0"/>
-              </a:rPr>
-              <a:t>Green</a:t>
-            </a:r>
-          </a:p>
-        </p:txBody>
-      </p:sp>
-      <p:sp>
-        <p:nvSpPr>
-          <p:cNvPr id="6" name="Title 1">
-            <a:extLst>
-              <a:ext uri="{FF2B5EF4-FFF2-40B4-BE49-F238E27FC236}">
-                <a16:creationId xmlns:a16="http://schemas.microsoft.com/office/drawing/2014/main" id="{2A544AAE-4FC7-455B-BA3A-607588E05EB4}"/>
-              </a:ext>
-            </a:extLst>
-          </p:cNvPr>
-          <p:cNvSpPr txBox="1">
-            <a:spLocks/>
-          </p:cNvSpPr>
-          <p:nvPr/>
-        </p:nvSpPr>
-        <p:spPr>
-          <a:xfrm>
-            <a:off x="9133124" y="3494076"/>
-            <a:ext cx="1264920" cy="335913"/>
-          </a:xfrm>
-          <a:prstGeom prst="rect">
-            <a:avLst/>
-          </a:prstGeom>
-        </p:spPr>
-        <p:txBody>
-          <a:bodyPr vert="horz" lIns="91440" tIns="45720" rIns="91440" bIns="45720" rtlCol="0" anchor="ctr">
-            <a:normAutofit fontScale="97500" lnSpcReduction="10000"/>
-          </a:bodyPr>
-          <a:lstStyle>
-            <a:lvl1pPr algn="l" defTabSz="914400" rtl="0" eaLnBrk="1" latinLnBrk="0" hangingPunct="1">
-              <a:lnSpc>
-                <a:spcPct val="90000"/>
-              </a:lnSpc>
-              <a:spcBef>
-                <a:spcPct val="0"/>
-              </a:spcBef>
-              <a:buNone/>
-              <a:defRPr sz="4400" kern="1200">
-                <a:solidFill>
-                  <a:schemeClr val="tx1"/>
-                </a:solidFill>
-                <a:latin typeface="+mj-lt"/>
-                <a:ea typeface="+mj-ea"/>
-                <a:cs typeface="+mj-cs"/>
-              </a:defRPr>
-            </a:lvl1pPr>
-          </a:lstStyle>
-          <a:p>
-            <a:pPr algn="ctr"/>
-            <a:r>
-              <a:rPr lang="en-US" sz="1800" dirty="0">
-                <a:solidFill>
-                  <a:schemeClr val="tx1">
-                    <a:lumMod val="75000"/>
-                    <a:lumOff val="25000"/>
-                  </a:schemeClr>
-                </a:solidFill>
-                <a:latin typeface="Palatino Linotype" panose="02040502050505030304" pitchFamily="18" charset="0"/>
-                <a:cs typeface="Segoe UI Light" panose="020B0502040204020203" pitchFamily="34" charset="0"/>
-              </a:rPr>
-              <a:t>Black</a:t>
-            </a:r>
-          </a:p>
-        </p:txBody>
-      </p:sp>
-    </p:spTree>
-    <p:extLst>
-      <p:ext uri="{BB962C8B-B14F-4D97-AF65-F5344CB8AC3E}">
-        <p14:creationId xmlns:p14="http://schemas.microsoft.com/office/powerpoint/2010/main" val="3297815637"/>
-      </p:ext>
-    </p:extLst>
-  </p:cSld>
-  <p:clrMapOvr>
-    <a:masterClrMapping/>
-  </p:clrMapOvr>
-  <mc:AlternateContent xmlns:mc="http://schemas.openxmlformats.org/markup-compatibility/2006" xmlns:p14="http://schemas.microsoft.com/office/powerpoint/2010/main">
-    <mc:Choice Requires="p14">
-      <p:transition spd="med" p14:dur="700">
-        <p:fade/>
-      </p:transition>
-    </mc:Choice>
-    <mc:Fallback xmlns="">
-      <p:transition spd="med">
-        <p:fade/>
-      </p:transition>
-    </mc:Fallback>
-  </mc:AlternateContent>
-</p:sld>
-</file>
-
-<file path=ppt/slides/slide12.xml><?xml version="1.0" encoding="utf-8"?>
-<p:sld xmlns:a="http://schemas.openxmlformats.org/drawingml/2006/main" xmlns:r="http://schemas.openxmlformats.org/officeDocument/2006/relationships" xmlns:p="http://schemas.openxmlformats.org/presentationml/2006/main">
-  <p:cSld>
-    <p:spTree>
-      <p:nvGrpSpPr>
-        <p:cNvPr id="1" name=""/>
-        <p:cNvGrpSpPr/>
-        <p:nvPr/>
-      </p:nvGrpSpPr>
-      <p:grpSpPr>
-        <a:xfrm>
-          <a:off x="0" y="0"/>
-          <a:ext cx="0" cy="0"/>
-          <a:chOff x="0" y="0"/>
-          <a:chExt cx="0" cy="0"/>
-        </a:xfrm>
-      </p:grpSpPr>
-      <p:pic>
-        <p:nvPicPr>
           <p:cNvPr id="5" name="Picture 4" descr="A picture containing text, clipart&#10;&#10;Description automatically generated">
             <a:extLst>
               <a:ext uri="{FF2B5EF4-FFF2-40B4-BE49-F238E27FC236}">
@@ -7971,7 +7730,7 @@
 </p:sld>
 </file>
 
-<file path=ppt/slides/slide13.xml><?xml version="1.0" encoding="utf-8"?>
+<file path=ppt/slides/slide12.xml><?xml version="1.0" encoding="utf-8"?>
 <p:sld xmlns:a="http://schemas.openxmlformats.org/drawingml/2006/main" xmlns:r="http://schemas.openxmlformats.org/officeDocument/2006/relationships" xmlns:p="http://schemas.openxmlformats.org/presentationml/2006/main">
   <p:cSld>
     <p:spTree>
@@ -8170,7 +7929,7 @@
 </p:sld>
 </file>
 
-<file path=ppt/slides/slide14.xml><?xml version="1.0" encoding="utf-8"?>
+<file path=ppt/slides/slide13.xml><?xml version="1.0" encoding="utf-8"?>
 <p:sld xmlns:a="http://schemas.openxmlformats.org/drawingml/2006/main" xmlns:r="http://schemas.openxmlformats.org/officeDocument/2006/relationships" xmlns:p="http://schemas.openxmlformats.org/presentationml/2006/main">
   <p:cSld>
     <p:spTree>
@@ -8691,7 +8450,7 @@
 </p:sld>
 </file>
 
-<file path=ppt/slides/slide15.xml><?xml version="1.0" encoding="utf-8"?>
+<file path=ppt/slides/slide14.xml><?xml version="1.0" encoding="utf-8"?>
 <p:sld xmlns:a="http://schemas.openxmlformats.org/drawingml/2006/main" xmlns:r="http://schemas.openxmlformats.org/officeDocument/2006/relationships" xmlns:p="http://schemas.openxmlformats.org/presentationml/2006/main">
   <p:cSld>
     <p:spTree>
@@ -8999,7 +8758,7 @@
 </p:sld>
 </file>
 
-<file path=ppt/slides/slide16.xml><?xml version="1.0" encoding="utf-8"?>
+<file path=ppt/slides/slide15.xml><?xml version="1.0" encoding="utf-8"?>
 <p:sld xmlns:a="http://schemas.openxmlformats.org/drawingml/2006/main" xmlns:r="http://schemas.openxmlformats.org/officeDocument/2006/relationships" xmlns:p="http://schemas.openxmlformats.org/presentationml/2006/main">
   <p:cSld>
     <p:spTree>
@@ -9418,7 +9177,7 @@
 </p:sld>
 </file>
 
-<file path=ppt/slides/slide17.xml><?xml version="1.0" encoding="utf-8"?>
+<file path=ppt/slides/slide16.xml><?xml version="1.0" encoding="utf-8"?>
 <p:sld xmlns:a="http://schemas.openxmlformats.org/drawingml/2006/main" xmlns:r="http://schemas.openxmlformats.org/officeDocument/2006/relationships" xmlns:p="http://schemas.openxmlformats.org/presentationml/2006/main">
   <p:cSld>
     <p:spTree>
@@ -9435,149 +9194,6 @@
           <a:chExt cx="0" cy="0"/>
         </a:xfrm>
       </p:grpSpPr>
-      <p:sp>
-        <p:nvSpPr>
-          <p:cNvPr id="2" name="Title 1">
-            <a:extLst>
-              <a:ext uri="{FF2B5EF4-FFF2-40B4-BE49-F238E27FC236}">
-                <a16:creationId xmlns:a16="http://schemas.microsoft.com/office/drawing/2014/main" id="{0F853981-B13F-4917-804F-EBF0D4819E7E}"/>
-              </a:ext>
-            </a:extLst>
-          </p:cNvPr>
-          <p:cNvSpPr>
-            <a:spLocks noGrp="1"/>
-          </p:cNvSpPr>
-          <p:nvPr>
-            <p:ph type="title"/>
-          </p:nvPr>
-        </p:nvSpPr>
-        <p:spPr>
-          <a:xfrm>
-            <a:off x="0" y="3099643"/>
-            <a:ext cx="12192000" cy="805143"/>
-          </a:xfrm>
-          <a:noFill/>
-        </p:spPr>
-        <p:txBody>
-          <a:bodyPr>
-            <a:noAutofit/>
-          </a:bodyPr>
-          <a:lstStyle/>
-          <a:p>
-            <a:pPr algn="ctr"/>
-            <a:br>
-              <a:rPr lang="en-US" sz="3600" dirty="0">
-                <a:solidFill>
-                  <a:schemeClr val="tx1">
-                    <a:lumMod val="65000"/>
-                    <a:lumOff val="35000"/>
-                  </a:schemeClr>
-                </a:solidFill>
-                <a:latin typeface="Palatino Linotype" panose="02040502050505030304" pitchFamily="18" charset="0"/>
-              </a:rPr>
-            </a:br>
-            <a:br>
-              <a:rPr lang="en-US" sz="3600" dirty="0">
-                <a:solidFill>
-                  <a:schemeClr val="tx1">
-                    <a:lumMod val="65000"/>
-                    <a:lumOff val="35000"/>
-                  </a:schemeClr>
-                </a:solidFill>
-                <a:latin typeface="Palatino Linotype" panose="02040502050505030304" pitchFamily="18" charset="0"/>
-              </a:rPr>
-            </a:br>
-            <a:br>
-              <a:rPr lang="en-US" sz="3600" dirty="0">
-                <a:solidFill>
-                  <a:schemeClr val="tx1">
-                    <a:lumMod val="65000"/>
-                    <a:lumOff val="35000"/>
-                  </a:schemeClr>
-                </a:solidFill>
-                <a:latin typeface="Palatino Linotype" panose="02040502050505030304" pitchFamily="18" charset="0"/>
-              </a:rPr>
-            </a:br>
-            <a:br>
-              <a:rPr lang="en-US" sz="3600" dirty="0">
-                <a:solidFill>
-                  <a:schemeClr val="tx1">
-                    <a:lumMod val="65000"/>
-                    <a:lumOff val="35000"/>
-                  </a:schemeClr>
-                </a:solidFill>
-                <a:latin typeface="Palatino Linotype" panose="02040502050505030304" pitchFamily="18" charset="0"/>
-              </a:rPr>
-            </a:br>
-            <a:br>
-              <a:rPr lang="en-US" sz="3600" dirty="0">
-                <a:solidFill>
-                  <a:schemeClr val="tx1">
-                    <a:lumMod val="65000"/>
-                    <a:lumOff val="35000"/>
-                  </a:schemeClr>
-                </a:solidFill>
-                <a:latin typeface="Palatino Linotype" panose="02040502050505030304" pitchFamily="18" charset="0"/>
-              </a:rPr>
-            </a:br>
-            <a:br>
-              <a:rPr lang="en-US" sz="3600" dirty="0">
-                <a:solidFill>
-                  <a:schemeClr val="tx1">
-                    <a:lumMod val="65000"/>
-                    <a:lumOff val="35000"/>
-                  </a:schemeClr>
-                </a:solidFill>
-                <a:latin typeface="Palatino Linotype" panose="02040502050505030304" pitchFamily="18" charset="0"/>
-              </a:rPr>
-            </a:br>
-            <a:br>
-              <a:rPr lang="en-US" sz="3600" dirty="0">
-                <a:solidFill>
-                  <a:schemeClr val="tx1">
-                    <a:lumMod val="65000"/>
-                    <a:lumOff val="35000"/>
-                  </a:schemeClr>
-                </a:solidFill>
-                <a:latin typeface="Palatino Linotype" panose="02040502050505030304" pitchFamily="18" charset="0"/>
-              </a:rPr>
-            </a:br>
-            <a:br>
-              <a:rPr lang="en-US" sz="3600" dirty="0">
-                <a:solidFill>
-                  <a:schemeClr val="tx1">
-                    <a:lumMod val="65000"/>
-                    <a:lumOff val="35000"/>
-                  </a:schemeClr>
-                </a:solidFill>
-                <a:latin typeface="Palatino Linotype" panose="02040502050505030304" pitchFamily="18" charset="0"/>
-              </a:rPr>
-            </a:br>
-            <a:r>
-              <a:rPr lang="en-US" sz="3600" dirty="0">
-                <a:solidFill>
-                  <a:schemeClr val="tx1">
-                    <a:lumMod val="65000"/>
-                    <a:lumOff val="35000"/>
-                  </a:schemeClr>
-                </a:solidFill>
-                <a:latin typeface="Palatino Linotype" panose="02040502050505030304" pitchFamily="18" charset="0"/>
-              </a:rPr>
-              <a:t>     3.04 (Image Classification with Data Augmentation)</a:t>
-            </a:r>
-            <a:endParaRPr lang="en-US" sz="3600" dirty="0">
-              <a:solidFill>
-                <a:schemeClr val="tx1">
-                  <a:lumMod val="65000"/>
-                  <a:lumOff val="35000"/>
-                </a:schemeClr>
-              </a:solidFill>
-              <a:latin typeface="Palatino Linotype" panose="02040502050505030304" pitchFamily="18" charset="0"/>
-              <a:cs typeface="Segoe UI Light" panose="020B0502040204020203" pitchFamily="34" charset="0"/>
-            </a:endParaRPr>
-          </a:p>
-        </p:txBody>
-      </p:sp>
       <p:sp>
         <p:nvSpPr>
           <p:cNvPr id="3" name="Text Placeholder 2">
@@ -9667,6 +9283,66 @@
           </a:prstGeom>
         </p:spPr>
       </p:pic>
+      <p:sp>
+        <p:nvSpPr>
+          <p:cNvPr id="5" name="TextBox 4">
+            <a:extLst>
+              <a:ext uri="{FF2B5EF4-FFF2-40B4-BE49-F238E27FC236}">
+                <a16:creationId xmlns:a16="http://schemas.microsoft.com/office/drawing/2014/main" id="{800C7AF4-90A7-4E1A-8E06-B93FFF36FD54}"/>
+              </a:ext>
+            </a:extLst>
+          </p:cNvPr>
+          <p:cNvSpPr txBox="1"/>
+          <p:nvPr/>
+        </p:nvSpPr>
+        <p:spPr>
+          <a:xfrm>
+            <a:off x="0" y="3291840"/>
+            <a:ext cx="12192000" cy="1200329"/>
+          </a:xfrm>
+          <a:prstGeom prst="rect">
+            <a:avLst/>
+          </a:prstGeom>
+          <a:noFill/>
+        </p:spPr>
+        <p:txBody>
+          <a:bodyPr wrap="square" rtlCol="0">
+            <a:spAutoFit/>
+          </a:bodyPr>
+          <a:lstStyle/>
+          <a:p>
+            <a:pPr algn="ctr"/>
+            <a:r>
+              <a:rPr lang="en-US" sz="3600" dirty="0">
+                <a:solidFill>
+                  <a:schemeClr val="tx1">
+                    <a:lumMod val="65000"/>
+                    <a:lumOff val="35000"/>
+                  </a:schemeClr>
+                </a:solidFill>
+                <a:latin typeface="Palatino Linotype" panose="02040502050505030304" pitchFamily="18" charset="0"/>
+              </a:rPr>
+              <a:t> Fashion MNIST Classifier</a:t>
+            </a:r>
+          </a:p>
+          <a:p>
+            <a:pPr algn="ctr"/>
+            <a:r>
+              <a:rPr lang="en-US" sz="3600" dirty="0">
+                <a:solidFill>
+                  <a:schemeClr val="tx1">
+                    <a:lumMod val="65000"/>
+                    <a:lumOff val="35000"/>
+                  </a:schemeClr>
+                </a:solidFill>
+                <a:latin typeface="Palatino Linotype" panose="02040502050505030304" pitchFamily="18" charset="0"/>
+              </a:rPr>
+              <a:t>03.2_fashion_mnist.ipynb</a:t>
+            </a:r>
+            <a:endParaRPr lang="en-US" sz="3600" dirty="0"/>
+          </a:p>
+        </p:txBody>
+      </p:sp>
     </p:spTree>
     <p:extLst>
       <p:ext uri="{BB962C8B-B14F-4D97-AF65-F5344CB8AC3E}">
@@ -9692,7 +9368,7 @@
 </p:sld>
 </file>
 
-<file path=ppt/slides/slide18.xml><?xml version="1.0" encoding="utf-8"?>
+<file path=ppt/slides/slide17.xml><?xml version="1.0" encoding="utf-8"?>
 <p:sld xmlns:a="http://schemas.openxmlformats.org/drawingml/2006/main" xmlns:r="http://schemas.openxmlformats.org/officeDocument/2006/relationships" xmlns:p="http://schemas.openxmlformats.org/presentationml/2006/main">
   <p:cSld>
     <p:spTree>
@@ -9734,7 +9410,7 @@
 </p:sld>
 </file>
 
-<file path=ppt/slides/slide19.xml><?xml version="1.0" encoding="utf-8"?>
+<file path=ppt/slides/slide18.xml><?xml version="1.0" encoding="utf-8"?>
 <p:sld xmlns:a="http://schemas.openxmlformats.org/drawingml/2006/main" xmlns:r="http://schemas.openxmlformats.org/officeDocument/2006/relationships" xmlns:p="http://schemas.openxmlformats.org/presentationml/2006/main">
   <p:cSld>
     <p:spTree>
@@ -10192,214 +9868,12 @@
           <a:chExt cx="0" cy="0"/>
         </a:xfrm>
       </p:grpSpPr>
-      <p:sp>
-        <p:nvSpPr>
-          <p:cNvPr id="2" name="Title 1">
-            <a:extLst>
-              <a:ext uri="{FF2B5EF4-FFF2-40B4-BE49-F238E27FC236}">
-                <a16:creationId xmlns:a16="http://schemas.microsoft.com/office/drawing/2014/main" id="{0F853981-B13F-4917-804F-EBF0D4819E7E}"/>
-              </a:ext>
-            </a:extLst>
-          </p:cNvPr>
-          <p:cNvSpPr>
-            <a:spLocks noGrp="1"/>
-          </p:cNvSpPr>
-          <p:nvPr>
-            <p:ph type="title"/>
-          </p:nvPr>
-        </p:nvSpPr>
-        <p:spPr>
-          <a:xfrm>
-            <a:off x="0" y="3099643"/>
-            <a:ext cx="12192000" cy="805143"/>
-          </a:xfrm>
-          <a:noFill/>
-        </p:spPr>
-        <p:txBody>
-          <a:bodyPr>
-            <a:noAutofit/>
-          </a:bodyPr>
-          <a:lstStyle/>
-          <a:p>
-            <a:pPr algn="ctr"/>
-            <a:br>
-              <a:rPr lang="en-US" sz="3600" dirty="0">
-                <a:solidFill>
-                  <a:schemeClr val="tx1">
-                    <a:lumMod val="65000"/>
-                    <a:lumOff val="35000"/>
-                  </a:schemeClr>
-                </a:solidFill>
-                <a:latin typeface="Palatino Linotype" panose="02040502050505030304" pitchFamily="18" charset="0"/>
-              </a:rPr>
-            </a:br>
-            <a:br>
-              <a:rPr lang="en-US" sz="3600" dirty="0">
-                <a:solidFill>
-                  <a:schemeClr val="tx1">
-                    <a:lumMod val="65000"/>
-                    <a:lumOff val="35000"/>
-                  </a:schemeClr>
-                </a:solidFill>
-                <a:latin typeface="Palatino Linotype" panose="02040502050505030304" pitchFamily="18" charset="0"/>
-              </a:rPr>
-            </a:br>
-            <a:br>
-              <a:rPr lang="en-US" sz="3600" dirty="0">
-                <a:solidFill>
-                  <a:schemeClr val="tx1">
-                    <a:lumMod val="65000"/>
-                    <a:lumOff val="35000"/>
-                  </a:schemeClr>
-                </a:solidFill>
-                <a:latin typeface="Palatino Linotype" panose="02040502050505030304" pitchFamily="18" charset="0"/>
-              </a:rPr>
-            </a:br>
-            <a:br>
-              <a:rPr lang="en-US" sz="3600" dirty="0">
-                <a:solidFill>
-                  <a:schemeClr val="tx1">
-                    <a:lumMod val="65000"/>
-                    <a:lumOff val="35000"/>
-                  </a:schemeClr>
-                </a:solidFill>
-                <a:latin typeface="Palatino Linotype" panose="02040502050505030304" pitchFamily="18" charset="0"/>
-              </a:rPr>
-            </a:br>
-            <a:br>
-              <a:rPr lang="en-US" sz="3600" dirty="0">
-                <a:solidFill>
-                  <a:schemeClr val="tx1">
-                    <a:lumMod val="65000"/>
-                    <a:lumOff val="35000"/>
-                  </a:schemeClr>
-                </a:solidFill>
-                <a:latin typeface="Palatino Linotype" panose="02040502050505030304" pitchFamily="18" charset="0"/>
-              </a:rPr>
-            </a:br>
-            <a:br>
-              <a:rPr lang="en-US" sz="3600" dirty="0">
-                <a:solidFill>
-                  <a:schemeClr val="tx1">
-                    <a:lumMod val="65000"/>
-                    <a:lumOff val="35000"/>
-                  </a:schemeClr>
-                </a:solidFill>
-                <a:latin typeface="Palatino Linotype" panose="02040502050505030304" pitchFamily="18" charset="0"/>
-              </a:rPr>
-            </a:br>
-            <a:br>
-              <a:rPr lang="en-US" sz="3600" dirty="0">
-                <a:solidFill>
-                  <a:schemeClr val="tx1">
-                    <a:lumMod val="65000"/>
-                    <a:lumOff val="35000"/>
-                  </a:schemeClr>
-                </a:solidFill>
-                <a:latin typeface="Palatino Linotype" panose="02040502050505030304" pitchFamily="18" charset="0"/>
-              </a:rPr>
-            </a:br>
-            <a:br>
-              <a:rPr lang="en-US" sz="3600" dirty="0">
-                <a:solidFill>
-                  <a:schemeClr val="tx1">
-                    <a:lumMod val="65000"/>
-                    <a:lumOff val="35000"/>
-                  </a:schemeClr>
-                </a:solidFill>
-                <a:latin typeface="Palatino Linotype" panose="02040502050505030304" pitchFamily="18" charset="0"/>
-              </a:rPr>
-            </a:br>
-            <a:r>
-              <a:rPr lang="en-US" sz="3600" dirty="0">
-                <a:solidFill>
-                  <a:schemeClr val="tx1">
-                    <a:lumMod val="65000"/>
-                    <a:lumOff val="35000"/>
-                  </a:schemeClr>
-                </a:solidFill>
-                <a:latin typeface="Palatino Linotype" panose="02040502050505030304" pitchFamily="18" charset="0"/>
-              </a:rPr>
-              <a:t>     3.04 (Image Classification with Data Augmentation)</a:t>
-            </a:r>
-            <a:endParaRPr lang="en-US" sz="3600" dirty="0">
-              <a:solidFill>
-                <a:schemeClr val="tx1">
-                  <a:lumMod val="65000"/>
-                  <a:lumOff val="35000"/>
-                </a:schemeClr>
-              </a:solidFill>
-              <a:latin typeface="Palatino Linotype" panose="02040502050505030304" pitchFamily="18" charset="0"/>
-              <a:cs typeface="Segoe UI Light" panose="020B0502040204020203" pitchFamily="34" charset="0"/>
-            </a:endParaRPr>
-          </a:p>
-        </p:txBody>
-      </p:sp>
-      <p:sp>
-        <p:nvSpPr>
-          <p:cNvPr id="3" name="Text Placeholder 2">
-            <a:extLst>
-              <a:ext uri="{FF2B5EF4-FFF2-40B4-BE49-F238E27FC236}">
-                <a16:creationId xmlns:a16="http://schemas.microsoft.com/office/drawing/2014/main" id="{098BC2D2-CCF7-4C63-8489-B46BF394FCA2}"/>
-              </a:ext>
-            </a:extLst>
-          </p:cNvPr>
-          <p:cNvSpPr>
-            <a:spLocks noGrp="1"/>
-          </p:cNvSpPr>
-          <p:nvPr>
-            <p:ph type="body" idx="1"/>
-          </p:nvPr>
-        </p:nvSpPr>
-        <p:spPr>
-          <a:xfrm>
-            <a:off x="0" y="4285400"/>
-            <a:ext cx="12192000" cy="518830"/>
-          </a:xfrm>
-        </p:spPr>
-        <p:txBody>
-          <a:bodyPr>
-            <a:normAutofit/>
-          </a:bodyPr>
-          <a:lstStyle/>
-          <a:p>
-            <a:endParaRPr lang="en-US" dirty="0">
-              <a:latin typeface="Palatino Linotype" panose="02040502050505030304" pitchFamily="18" charset="0"/>
-              <a:cs typeface="Segoe UI" panose="020B0502040204020203" pitchFamily="34" charset="0"/>
-            </a:endParaRPr>
-          </a:p>
-          <a:p>
-            <a:endParaRPr lang="en-US" dirty="0">
-              <a:latin typeface="Palatino Linotype" panose="02040502050505030304" pitchFamily="18" charset="0"/>
-              <a:cs typeface="Segoe UI" panose="020B0502040204020203" pitchFamily="34" charset="0"/>
-            </a:endParaRPr>
-          </a:p>
-          <a:p>
-            <a:endParaRPr lang="en-US" dirty="0">
-              <a:latin typeface="Palatino Linotype" panose="02040502050505030304" pitchFamily="18" charset="0"/>
-              <a:cs typeface="Segoe UI" panose="020B0502040204020203" pitchFamily="34" charset="0"/>
-            </a:endParaRPr>
-          </a:p>
-          <a:p>
-            <a:endParaRPr lang="en-US" dirty="0">
-              <a:latin typeface="Palatino Linotype" panose="02040502050505030304" pitchFamily="18" charset="0"/>
-              <a:cs typeface="Segoe UI" panose="020B0502040204020203" pitchFamily="34" charset="0"/>
-            </a:endParaRPr>
-          </a:p>
-          <a:p>
-            <a:endParaRPr lang="en-US" dirty="0">
-              <a:latin typeface="Palatino Linotype" panose="02040502050505030304" pitchFamily="18" charset="0"/>
-              <a:cs typeface="Segoe UI" panose="020B0502040204020203" pitchFamily="34" charset="0"/>
-            </a:endParaRPr>
-          </a:p>
-        </p:txBody>
-      </p:sp>
       <p:pic>
         <p:nvPicPr>
-          <p:cNvPr id="4" name="Picture 3">
+          <p:cNvPr id="3" name="Picture 2">
             <a:extLst>
               <a:ext uri="{FF2B5EF4-FFF2-40B4-BE49-F238E27FC236}">
-                <a16:creationId xmlns:a16="http://schemas.microsoft.com/office/drawing/2014/main" id="{BF227EC8-F25E-46CD-8CAE-24E18DBDE5CC}"/>
+                <a16:creationId xmlns:a16="http://schemas.microsoft.com/office/drawing/2014/main" id="{CC80E052-420C-4CE7-89E7-190F74BD7FD1}"/>
               </a:ext>
             </a:extLst>
           </p:cNvPr>
@@ -10416,18 +9890,142 @@
         </p:blipFill>
         <p:spPr>
           <a:xfrm>
-            <a:off x="0" y="365760"/>
-            <a:ext cx="3233668" cy="805144"/>
+            <a:off x="2103120" y="763192"/>
+            <a:ext cx="7367197" cy="2446843"/>
           </a:xfrm>
           <a:prstGeom prst="rect">
             <a:avLst/>
           </a:prstGeom>
         </p:spPr>
       </p:pic>
+      <p:pic>
+        <p:nvPicPr>
+          <p:cNvPr id="4" name="Picture 3">
+            <a:extLst>
+              <a:ext uri="{FF2B5EF4-FFF2-40B4-BE49-F238E27FC236}">
+                <a16:creationId xmlns:a16="http://schemas.microsoft.com/office/drawing/2014/main" id="{F2E43985-28E6-4087-B425-2FE28D07B5A0}"/>
+              </a:ext>
+            </a:extLst>
+          </p:cNvPr>
+          <p:cNvPicPr>
+            <a:picLocks noChangeAspect="1"/>
+          </p:cNvPicPr>
+          <p:nvPr/>
+        </p:nvPicPr>
+        <p:blipFill>
+          <a:blip r:embed="rId4"/>
+          <a:stretch>
+            <a:fillRect/>
+          </a:stretch>
+        </p:blipFill>
+        <p:spPr>
+          <a:xfrm>
+            <a:off x="2103120" y="3647965"/>
+            <a:ext cx="7307374" cy="2446843"/>
+          </a:xfrm>
+          <a:prstGeom prst="rect">
+            <a:avLst/>
+          </a:prstGeom>
+        </p:spPr>
+      </p:pic>
+      <p:sp>
+        <p:nvSpPr>
+          <p:cNvPr id="5" name="TextBox 4">
+            <a:extLst>
+              <a:ext uri="{FF2B5EF4-FFF2-40B4-BE49-F238E27FC236}">
+                <a16:creationId xmlns:a16="http://schemas.microsoft.com/office/drawing/2014/main" id="{F9FC3149-A03E-4E7C-BBB4-9D678233426B}"/>
+              </a:ext>
+            </a:extLst>
+          </p:cNvPr>
+          <p:cNvSpPr txBox="1"/>
+          <p:nvPr/>
+        </p:nvSpPr>
+        <p:spPr>
+          <a:xfrm>
+            <a:off x="0" y="6550223"/>
+            <a:ext cx="12192000" cy="307777"/>
+          </a:xfrm>
+          <a:prstGeom prst="rect">
+            <a:avLst/>
+          </a:prstGeom>
+          <a:noFill/>
+        </p:spPr>
+        <p:txBody>
+          <a:bodyPr wrap="square" rtlCol="0">
+            <a:spAutoFit/>
+          </a:bodyPr>
+          <a:lstStyle/>
+          <a:p>
+            <a:r>
+              <a:rPr lang="en-US" sz="1400" dirty="0">
+                <a:solidFill>
+                  <a:schemeClr val="tx1">
+                    <a:lumMod val="65000"/>
+                    <a:lumOff val="35000"/>
+                  </a:schemeClr>
+                </a:solidFill>
+                <a:latin typeface="+mj-lt"/>
+                <a:ea typeface="Verdana" panose="020B0604030504040204" pitchFamily="34" charset="0"/>
+              </a:rPr>
+              <a:t>Source: Baig, M.R., et al. (2020). </a:t>
+            </a:r>
+            <a:r>
+              <a:rPr lang="en-US" sz="1400" i="1" dirty="0">
+                <a:solidFill>
+                  <a:schemeClr val="tx1">
+                    <a:lumMod val="65000"/>
+                    <a:lumOff val="35000"/>
+                  </a:schemeClr>
+                </a:solidFill>
+                <a:latin typeface="+mj-lt"/>
+                <a:ea typeface="Verdana" panose="020B0604030504040204" pitchFamily="34" charset="0"/>
+              </a:rPr>
+              <a:t>The Deep Learning Workshop</a:t>
+            </a:r>
+            <a:r>
+              <a:rPr lang="en-US" sz="1400" dirty="0">
+                <a:solidFill>
+                  <a:schemeClr val="tx1">
+                    <a:lumMod val="65000"/>
+                    <a:lumOff val="35000"/>
+                  </a:schemeClr>
+                </a:solidFill>
+                <a:latin typeface="+mj-lt"/>
+                <a:ea typeface="Verdana" panose="020B0604030504040204" pitchFamily="34" charset="0"/>
+              </a:rPr>
+              <a:t>. Birmingham, UK</a:t>
+            </a:r>
+            <a:r>
+              <a:rPr lang="en-US" sz="1400" b="0" i="0" dirty="0">
+                <a:solidFill>
+                  <a:schemeClr val="tx1">
+                    <a:lumMod val="65000"/>
+                    <a:lumOff val="35000"/>
+                  </a:schemeClr>
+                </a:solidFill>
+                <a:effectLst/>
+                <a:latin typeface="+mj-lt"/>
+                <a:ea typeface="Verdana" panose="020B0604030504040204" pitchFamily="34" charset="0"/>
+              </a:rPr>
+              <a:t>: Packt Publishing. (Chapter 3)</a:t>
+            </a:r>
+            <a:endParaRPr lang="en-US" sz="1400" dirty="0">
+              <a:solidFill>
+                <a:schemeClr val="tx1">
+                  <a:lumMod val="65000"/>
+                  <a:lumOff val="35000"/>
+                </a:schemeClr>
+              </a:solidFill>
+              <a:latin typeface="+mj-lt"/>
+              <a:ea typeface="Verdana" panose="020B0604030504040204" pitchFamily="34" charset="0"/>
+            </a:endParaRPr>
+          </a:p>
+        </p:txBody>
+      </p:sp>
     </p:spTree>
     <p:extLst>
       <p:ext uri="{BB962C8B-B14F-4D97-AF65-F5344CB8AC3E}">
-        <p14:creationId xmlns:p14="http://schemas.microsoft.com/office/powerpoint/2010/main" val="2207497494"/>
+        <p14:creationId xmlns:p14="http://schemas.microsoft.com/office/powerpoint/2010/main" val="323989571"/>
       </p:ext>
     </p:extLst>
   </p:cSld>
@@ -10468,10 +10066,10 @@
       </p:grpSpPr>
       <p:pic>
         <p:nvPicPr>
-          <p:cNvPr id="3" name="Picture 2">
+          <p:cNvPr id="4" name="Picture 3">
             <a:extLst>
               <a:ext uri="{FF2B5EF4-FFF2-40B4-BE49-F238E27FC236}">
-                <a16:creationId xmlns:a16="http://schemas.microsoft.com/office/drawing/2014/main" id="{CC80E052-420C-4CE7-89E7-190F74BD7FD1}"/>
+                <a16:creationId xmlns:a16="http://schemas.microsoft.com/office/drawing/2014/main" id="{05E5F4FB-BEE9-49B7-9379-0DAE0471BD94}"/>
               </a:ext>
             </a:extLst>
           </p:cNvPr>
@@ -10488,8 +10086,8 @@
         </p:blipFill>
         <p:spPr>
           <a:xfrm>
-            <a:off x="2103120" y="763192"/>
-            <a:ext cx="7367197" cy="2446843"/>
+            <a:off x="2103120" y="763120"/>
+            <a:ext cx="7256607" cy="2383940"/>
           </a:xfrm>
           <a:prstGeom prst="rect">
             <a:avLst/>
@@ -10498,10 +10096,10 @@
       </p:pic>
       <p:pic>
         <p:nvPicPr>
-          <p:cNvPr id="4" name="Picture 3">
+          <p:cNvPr id="5" name="Picture 4">
             <a:extLst>
               <a:ext uri="{FF2B5EF4-FFF2-40B4-BE49-F238E27FC236}">
-                <a16:creationId xmlns:a16="http://schemas.microsoft.com/office/drawing/2014/main" id="{F2E43985-28E6-4087-B425-2FE28D07B5A0}"/>
+                <a16:creationId xmlns:a16="http://schemas.microsoft.com/office/drawing/2014/main" id="{E188226F-ACD2-4881-86BB-2FE63E4B7E57}"/>
               </a:ext>
             </a:extLst>
           </p:cNvPr>
@@ -10518,8 +10116,8 @@
         </p:blipFill>
         <p:spPr>
           <a:xfrm>
-            <a:off x="2103120" y="3647965"/>
-            <a:ext cx="7307374" cy="2446843"/>
+            <a:off x="2103120" y="3560335"/>
+            <a:ext cx="7256606" cy="2399150"/>
           </a:xfrm>
           <a:prstGeom prst="rect">
             <a:avLst/>
@@ -10528,10 +10126,10 @@
       </p:pic>
       <p:sp>
         <p:nvSpPr>
-          <p:cNvPr id="5" name="TextBox 4">
+          <p:cNvPr id="6" name="TextBox 5">
             <a:extLst>
               <a:ext uri="{FF2B5EF4-FFF2-40B4-BE49-F238E27FC236}">
-                <a16:creationId xmlns:a16="http://schemas.microsoft.com/office/drawing/2014/main" id="{F9FC3149-A03E-4E7C-BBB4-9D678233426B}"/>
+                <a16:creationId xmlns:a16="http://schemas.microsoft.com/office/drawing/2014/main" id="{85FFB2C4-C790-499E-9E9A-48396D6643B0}"/>
               </a:ext>
             </a:extLst>
           </p:cNvPr>
@@ -10623,7 +10221,7 @@
     </p:spTree>
     <p:extLst>
       <p:ext uri="{BB962C8B-B14F-4D97-AF65-F5344CB8AC3E}">
-        <p14:creationId xmlns:p14="http://schemas.microsoft.com/office/powerpoint/2010/main" val="323989571"/>
+        <p14:creationId xmlns:p14="http://schemas.microsoft.com/office/powerpoint/2010/main" val="2203967638"/>
       </p:ext>
     </p:extLst>
   </p:cSld>
@@ -10664,10 +10262,10 @@
       </p:grpSpPr>
       <p:pic>
         <p:nvPicPr>
-          <p:cNvPr id="4" name="Picture 3">
+          <p:cNvPr id="3" name="Picture 2">
             <a:extLst>
               <a:ext uri="{FF2B5EF4-FFF2-40B4-BE49-F238E27FC236}">
-                <a16:creationId xmlns:a16="http://schemas.microsoft.com/office/drawing/2014/main" id="{05E5F4FB-BEE9-49B7-9379-0DAE0471BD94}"/>
+                <a16:creationId xmlns:a16="http://schemas.microsoft.com/office/drawing/2014/main" id="{01F3612F-15C8-430D-A27D-23D4CA578619}"/>
               </a:ext>
             </a:extLst>
           </p:cNvPr>
@@ -10684,8 +10282,8 @@
         </p:blipFill>
         <p:spPr>
           <a:xfrm>
-            <a:off x="2103120" y="763120"/>
-            <a:ext cx="7256607" cy="2383940"/>
+            <a:off x="2103120" y="768096"/>
+            <a:ext cx="7256606" cy="2436573"/>
           </a:xfrm>
           <a:prstGeom prst="rect">
             <a:avLst/>
@@ -10694,10 +10292,10 @@
       </p:pic>
       <p:pic>
         <p:nvPicPr>
-          <p:cNvPr id="5" name="Picture 4">
+          <p:cNvPr id="6" name="Picture 5">
             <a:extLst>
               <a:ext uri="{FF2B5EF4-FFF2-40B4-BE49-F238E27FC236}">
-                <a16:creationId xmlns:a16="http://schemas.microsoft.com/office/drawing/2014/main" id="{E188226F-ACD2-4881-86BB-2FE63E4B7E57}"/>
+                <a16:creationId xmlns:a16="http://schemas.microsoft.com/office/drawing/2014/main" id="{6D015040-E0E1-4728-B5F7-D72215CC8F59}"/>
               </a:ext>
             </a:extLst>
           </p:cNvPr>
@@ -10714,8 +10312,8 @@
         </p:blipFill>
         <p:spPr>
           <a:xfrm>
-            <a:off x="2103120" y="3560335"/>
-            <a:ext cx="7256606" cy="2399150"/>
+            <a:off x="2103120" y="3653332"/>
+            <a:ext cx="7256606" cy="2368703"/>
           </a:xfrm>
           <a:prstGeom prst="rect">
             <a:avLst/>
@@ -10724,10 +10322,10 @@
       </p:pic>
       <p:sp>
         <p:nvSpPr>
-          <p:cNvPr id="6" name="TextBox 5">
+          <p:cNvPr id="4" name="TextBox 3">
             <a:extLst>
               <a:ext uri="{FF2B5EF4-FFF2-40B4-BE49-F238E27FC236}">
-                <a16:creationId xmlns:a16="http://schemas.microsoft.com/office/drawing/2014/main" id="{85FFB2C4-C790-499E-9E9A-48396D6643B0}"/>
+                <a16:creationId xmlns:a16="http://schemas.microsoft.com/office/drawing/2014/main" id="{5BE3F470-71F4-4D12-9D61-61892B81D0DA}"/>
               </a:ext>
             </a:extLst>
           </p:cNvPr>
@@ -10819,7 +10417,7 @@
     </p:spTree>
     <p:extLst>
       <p:ext uri="{BB962C8B-B14F-4D97-AF65-F5344CB8AC3E}">
-        <p14:creationId xmlns:p14="http://schemas.microsoft.com/office/powerpoint/2010/main" val="2203967638"/>
+        <p14:creationId xmlns:p14="http://schemas.microsoft.com/office/powerpoint/2010/main" val="3192107106"/>
       </p:ext>
     </p:extLst>
   </p:cSld>
@@ -10863,7 +10461,7 @@
           <p:cNvPr id="3" name="Picture 2">
             <a:extLst>
               <a:ext uri="{FF2B5EF4-FFF2-40B4-BE49-F238E27FC236}">
-                <a16:creationId xmlns:a16="http://schemas.microsoft.com/office/drawing/2014/main" id="{01F3612F-15C8-430D-A27D-23D4CA578619}"/>
+                <a16:creationId xmlns:a16="http://schemas.microsoft.com/office/drawing/2014/main" id="{441A000E-7CD7-4649-B72E-FBC52BBA2BAD}"/>
               </a:ext>
             </a:extLst>
           </p:cNvPr>
@@ -10880,50 +10478,20 @@
         </p:blipFill>
         <p:spPr>
           <a:xfrm>
-            <a:off x="2103120" y="768096"/>
-            <a:ext cx="7256606" cy="2436573"/>
+            <a:off x="2204375" y="1930860"/>
+            <a:ext cx="7203720" cy="2368703"/>
           </a:xfrm>
           <a:prstGeom prst="rect">
             <a:avLst/>
           </a:prstGeom>
         </p:spPr>
       </p:pic>
-      <p:pic>
-        <p:nvPicPr>
-          <p:cNvPr id="6" name="Picture 5">
+      <p:sp>
+        <p:nvSpPr>
+          <p:cNvPr id="4" name="TextBox 3">
             <a:extLst>
               <a:ext uri="{FF2B5EF4-FFF2-40B4-BE49-F238E27FC236}">
-                <a16:creationId xmlns:a16="http://schemas.microsoft.com/office/drawing/2014/main" id="{6D015040-E0E1-4728-B5F7-D72215CC8F59}"/>
-              </a:ext>
-            </a:extLst>
-          </p:cNvPr>
-          <p:cNvPicPr>
-            <a:picLocks noChangeAspect="1"/>
-          </p:cNvPicPr>
-          <p:nvPr/>
-        </p:nvPicPr>
-        <p:blipFill>
-          <a:blip r:embed="rId4"/>
-          <a:stretch>
-            <a:fillRect/>
-          </a:stretch>
-        </p:blipFill>
-        <p:spPr>
-          <a:xfrm>
-            <a:off x="2103120" y="3653332"/>
-            <a:ext cx="7256606" cy="2368703"/>
-          </a:xfrm>
-          <a:prstGeom prst="rect">
-            <a:avLst/>
-          </a:prstGeom>
-        </p:spPr>
-      </p:pic>
-      <p:sp>
-        <p:nvSpPr>
-          <p:cNvPr id="4" name="TextBox 3">
-            <a:extLst>
-              <a:ext uri="{FF2B5EF4-FFF2-40B4-BE49-F238E27FC236}">
-                <a16:creationId xmlns:a16="http://schemas.microsoft.com/office/drawing/2014/main" id="{5BE3F470-71F4-4D12-9D61-61892B81D0DA}"/>
+                <a16:creationId xmlns:a16="http://schemas.microsoft.com/office/drawing/2014/main" id="{51676A2E-49A9-42AB-8461-A448E17FFD7F}"/>
               </a:ext>
             </a:extLst>
           </p:cNvPr>
@@ -11015,7 +10583,7 @@
     </p:spTree>
     <p:extLst>
       <p:ext uri="{BB962C8B-B14F-4D97-AF65-F5344CB8AC3E}">
-        <p14:creationId xmlns:p14="http://schemas.microsoft.com/office/powerpoint/2010/main" val="3192107106"/>
+        <p14:creationId xmlns:p14="http://schemas.microsoft.com/office/powerpoint/2010/main" val="101986205"/>
       </p:ext>
     </p:extLst>
   </p:cSld>
@@ -11054,12 +10622,71 @@
           <a:chExt cx="0" cy="0"/>
         </a:xfrm>
       </p:grpSpPr>
+      <p:sp>
+        <p:nvSpPr>
+          <p:cNvPr id="3" name="Text Placeholder 2">
+            <a:extLst>
+              <a:ext uri="{FF2B5EF4-FFF2-40B4-BE49-F238E27FC236}">
+                <a16:creationId xmlns:a16="http://schemas.microsoft.com/office/drawing/2014/main" id="{098BC2D2-CCF7-4C63-8489-B46BF394FCA2}"/>
+              </a:ext>
+            </a:extLst>
+          </p:cNvPr>
+          <p:cNvSpPr>
+            <a:spLocks noGrp="1"/>
+          </p:cNvSpPr>
+          <p:nvPr>
+            <p:ph type="body" idx="1"/>
+          </p:nvPr>
+        </p:nvSpPr>
+        <p:spPr>
+          <a:xfrm>
+            <a:off x="0" y="4285400"/>
+            <a:ext cx="12192000" cy="518830"/>
+          </a:xfrm>
+        </p:spPr>
+        <p:txBody>
+          <a:bodyPr>
+            <a:normAutofit/>
+          </a:bodyPr>
+          <a:lstStyle/>
+          <a:p>
+            <a:endParaRPr lang="en-US" dirty="0">
+              <a:latin typeface="Palatino Linotype" panose="02040502050505030304" pitchFamily="18" charset="0"/>
+              <a:cs typeface="Segoe UI" panose="020B0502040204020203" pitchFamily="34" charset="0"/>
+            </a:endParaRPr>
+          </a:p>
+          <a:p>
+            <a:endParaRPr lang="en-US" dirty="0">
+              <a:latin typeface="Palatino Linotype" panose="02040502050505030304" pitchFamily="18" charset="0"/>
+              <a:cs typeface="Segoe UI" panose="020B0502040204020203" pitchFamily="34" charset="0"/>
+            </a:endParaRPr>
+          </a:p>
+          <a:p>
+            <a:endParaRPr lang="en-US" dirty="0">
+              <a:latin typeface="Palatino Linotype" panose="02040502050505030304" pitchFamily="18" charset="0"/>
+              <a:cs typeface="Segoe UI" panose="020B0502040204020203" pitchFamily="34" charset="0"/>
+            </a:endParaRPr>
+          </a:p>
+          <a:p>
+            <a:endParaRPr lang="en-US" dirty="0">
+              <a:latin typeface="Palatino Linotype" panose="02040502050505030304" pitchFamily="18" charset="0"/>
+              <a:cs typeface="Segoe UI" panose="020B0502040204020203" pitchFamily="34" charset="0"/>
+            </a:endParaRPr>
+          </a:p>
+          <a:p>
+            <a:endParaRPr lang="en-US" dirty="0">
+              <a:latin typeface="Palatino Linotype" panose="02040502050505030304" pitchFamily="18" charset="0"/>
+              <a:cs typeface="Segoe UI" panose="020B0502040204020203" pitchFamily="34" charset="0"/>
+            </a:endParaRPr>
+          </a:p>
+        </p:txBody>
+      </p:sp>
       <p:pic>
         <p:nvPicPr>
-          <p:cNvPr id="3" name="Picture 2">
+          <p:cNvPr id="4" name="Picture 3">
             <a:extLst>
               <a:ext uri="{FF2B5EF4-FFF2-40B4-BE49-F238E27FC236}">
-                <a16:creationId xmlns:a16="http://schemas.microsoft.com/office/drawing/2014/main" id="{441A000E-7CD7-4649-B72E-FBC52BBA2BAD}"/>
+                <a16:creationId xmlns:a16="http://schemas.microsoft.com/office/drawing/2014/main" id="{BF227EC8-F25E-46CD-8CAE-24E18DBDE5CC}"/>
               </a:ext>
             </a:extLst>
           </p:cNvPr>
@@ -11076,8 +10703,8 @@
         </p:blipFill>
         <p:spPr>
           <a:xfrm>
-            <a:off x="2204375" y="1930860"/>
-            <a:ext cx="7203720" cy="2368703"/>
+            <a:off x="0" y="365760"/>
+            <a:ext cx="3233668" cy="805144"/>
           </a:xfrm>
           <a:prstGeom prst="rect">
             <a:avLst/>
@@ -11086,10 +10713,10 @@
       </p:pic>
       <p:sp>
         <p:nvSpPr>
-          <p:cNvPr id="4" name="TextBox 3">
+          <p:cNvPr id="5" name="TextBox 4">
             <a:extLst>
               <a:ext uri="{FF2B5EF4-FFF2-40B4-BE49-F238E27FC236}">
-                <a16:creationId xmlns:a16="http://schemas.microsoft.com/office/drawing/2014/main" id="{51676A2E-49A9-42AB-8461-A448E17FFD7F}"/>
+                <a16:creationId xmlns:a16="http://schemas.microsoft.com/office/drawing/2014/main" id="{1039C4F2-6068-4C5E-9D35-DA8442AD75C6}"/>
               </a:ext>
             </a:extLst>
           </p:cNvPr>
@@ -11098,8 +10725,8 @@
         </p:nvSpPr>
         <p:spPr>
           <a:xfrm>
-            <a:off x="0" y="6550223"/>
-            <a:ext cx="12192000" cy="307777"/>
+            <a:off x="0" y="3291840"/>
+            <a:ext cx="12192000" cy="1200329"/>
           </a:xfrm>
           <a:prstGeom prst="rect">
             <a:avLst/>
@@ -11112,76 +10739,42 @@
           </a:bodyPr>
           <a:lstStyle/>
           <a:p>
-            <a:r>
-              <a:rPr lang="en-US" sz="1400" dirty="0">
+            <a:pPr algn="ctr"/>
+            <a:r>
+              <a:rPr lang="en-US" sz="3600" dirty="0">
                 <a:solidFill>
                   <a:schemeClr val="tx1">
                     <a:lumMod val="65000"/>
                     <a:lumOff val="35000"/>
                   </a:schemeClr>
                 </a:solidFill>
-                <a:latin typeface="+mj-lt"/>
-                <a:ea typeface="Verdana" panose="020B0604030504040204" pitchFamily="34" charset="0"/>
-              </a:rPr>
-              <a:t>Source: Baig, M.R., et al. (2020). </a:t>
-            </a:r>
-            <a:r>
-              <a:rPr lang="en-US" sz="1400" i="1" dirty="0">
+                <a:latin typeface="Palatino Linotype" panose="02040502050505030304" pitchFamily="18" charset="0"/>
+              </a:rPr>
+              <a:t> Image Classification w/Data Augmentation</a:t>
+            </a:r>
+          </a:p>
+          <a:p>
+            <a:pPr algn="ctr"/>
+            <a:r>
+              <a:rPr lang="en-US" sz="3600" dirty="0">
                 <a:solidFill>
                   <a:schemeClr val="tx1">
                     <a:lumMod val="65000"/>
                     <a:lumOff val="35000"/>
                   </a:schemeClr>
                 </a:solidFill>
-                <a:latin typeface="+mj-lt"/>
-                <a:ea typeface="Verdana" panose="020B0604030504040204" pitchFamily="34" charset="0"/>
-              </a:rPr>
-              <a:t>The Deep Learning Workshop</a:t>
-            </a:r>
-            <a:r>
-              <a:rPr lang="en-US" sz="1400" dirty="0">
-                <a:solidFill>
-                  <a:schemeClr val="tx1">
-                    <a:lumMod val="65000"/>
-                    <a:lumOff val="35000"/>
-                  </a:schemeClr>
-                </a:solidFill>
-                <a:latin typeface="+mj-lt"/>
-                <a:ea typeface="Verdana" panose="020B0604030504040204" pitchFamily="34" charset="0"/>
-              </a:rPr>
-              <a:t>. Birmingham, UK</a:t>
-            </a:r>
-            <a:r>
-              <a:rPr lang="en-US" sz="1400" b="0" i="0" dirty="0">
-                <a:solidFill>
-                  <a:schemeClr val="tx1">
-                    <a:lumMod val="65000"/>
-                    <a:lumOff val="35000"/>
-                  </a:schemeClr>
-                </a:solidFill>
-                <a:effectLst/>
-                <a:latin typeface="+mj-lt"/>
-                <a:ea typeface="Verdana" panose="020B0604030504040204" pitchFamily="34" charset="0"/>
-              </a:rPr>
-              <a:t>: Packt Publishing. (Chapter 3)</a:t>
-            </a:r>
-            <a:endParaRPr lang="en-US" sz="1400" dirty="0">
-              <a:solidFill>
-                <a:schemeClr val="tx1">
-                  <a:lumMod val="65000"/>
-                  <a:lumOff val="35000"/>
-                </a:schemeClr>
-              </a:solidFill>
-              <a:latin typeface="+mj-lt"/>
-              <a:ea typeface="Verdana" panose="020B0604030504040204" pitchFamily="34" charset="0"/>
-            </a:endParaRPr>
+                <a:latin typeface="Palatino Linotype" panose="02040502050505030304" pitchFamily="18" charset="0"/>
+              </a:rPr>
+              <a:t>03.1_augmentation.ipynb</a:t>
+            </a:r>
+            <a:endParaRPr lang="en-US" sz="3600" dirty="0"/>
           </a:p>
         </p:txBody>
       </p:sp>
     </p:spTree>
     <p:extLst>
       <p:ext uri="{BB962C8B-B14F-4D97-AF65-F5344CB8AC3E}">
-        <p14:creationId xmlns:p14="http://schemas.microsoft.com/office/powerpoint/2010/main" val="101986205"/>
+        <p14:creationId xmlns:p14="http://schemas.microsoft.com/office/powerpoint/2010/main" val="2207497494"/>
       </p:ext>
     </p:extLst>
   </p:cSld>
@@ -11225,7 +10818,7 @@
           <p:cNvPr id="2" name="Title 1">
             <a:extLst>
               <a:ext uri="{FF2B5EF4-FFF2-40B4-BE49-F238E27FC236}">
-                <a16:creationId xmlns:a16="http://schemas.microsoft.com/office/drawing/2014/main" id="{0F853981-B13F-4917-804F-EBF0D4819E7E}"/>
+                <a16:creationId xmlns:a16="http://schemas.microsoft.com/office/drawing/2014/main" id="{8306FF31-301F-43F0-8202-A782726E446A}"/>
               </a:ext>
             </a:extLst>
           </p:cNvPr>
@@ -11238,151 +10831,8 @@
         </p:nvSpPr>
         <p:spPr>
           <a:xfrm>
-            <a:off x="0" y="3099643"/>
-            <a:ext cx="12192000" cy="805143"/>
-          </a:xfrm>
-          <a:noFill/>
-        </p:spPr>
-        <p:txBody>
-          <a:bodyPr>
-            <a:noAutofit/>
-          </a:bodyPr>
-          <a:lstStyle/>
-          <a:p>
-            <a:pPr algn="ctr"/>
-            <a:br>
-              <a:rPr lang="en-US" sz="3600" dirty="0">
-                <a:solidFill>
-                  <a:schemeClr val="tx1">
-                    <a:lumMod val="65000"/>
-                    <a:lumOff val="35000"/>
-                  </a:schemeClr>
-                </a:solidFill>
-                <a:latin typeface="Palatino Linotype" panose="02040502050505030304" pitchFamily="18" charset="0"/>
-              </a:rPr>
-            </a:br>
-            <a:br>
-              <a:rPr lang="en-US" sz="3600" dirty="0">
-                <a:solidFill>
-                  <a:schemeClr val="tx1">
-                    <a:lumMod val="65000"/>
-                    <a:lumOff val="35000"/>
-                  </a:schemeClr>
-                </a:solidFill>
-                <a:latin typeface="Palatino Linotype" panose="02040502050505030304" pitchFamily="18" charset="0"/>
-              </a:rPr>
-            </a:br>
-            <a:br>
-              <a:rPr lang="en-US" sz="3600" dirty="0">
-                <a:solidFill>
-                  <a:schemeClr val="tx1">
-                    <a:lumMod val="65000"/>
-                    <a:lumOff val="35000"/>
-                  </a:schemeClr>
-                </a:solidFill>
-                <a:latin typeface="Palatino Linotype" panose="02040502050505030304" pitchFamily="18" charset="0"/>
-              </a:rPr>
-            </a:br>
-            <a:br>
-              <a:rPr lang="en-US" sz="3600" dirty="0">
-                <a:solidFill>
-                  <a:schemeClr val="tx1">
-                    <a:lumMod val="65000"/>
-                    <a:lumOff val="35000"/>
-                  </a:schemeClr>
-                </a:solidFill>
-                <a:latin typeface="Palatino Linotype" panose="02040502050505030304" pitchFamily="18" charset="0"/>
-              </a:rPr>
-            </a:br>
-            <a:br>
-              <a:rPr lang="en-US" sz="3600" dirty="0">
-                <a:solidFill>
-                  <a:schemeClr val="tx1">
-                    <a:lumMod val="65000"/>
-                    <a:lumOff val="35000"/>
-                  </a:schemeClr>
-                </a:solidFill>
-                <a:latin typeface="Palatino Linotype" panose="02040502050505030304" pitchFamily="18" charset="0"/>
-              </a:rPr>
-            </a:br>
-            <a:br>
-              <a:rPr lang="en-US" sz="3600" dirty="0">
-                <a:solidFill>
-                  <a:schemeClr val="tx1">
-                    <a:lumMod val="65000"/>
-                    <a:lumOff val="35000"/>
-                  </a:schemeClr>
-                </a:solidFill>
-                <a:latin typeface="Palatino Linotype" panose="02040502050505030304" pitchFamily="18" charset="0"/>
-              </a:rPr>
-            </a:br>
-            <a:br>
-              <a:rPr lang="en-US" sz="3600" dirty="0">
-                <a:solidFill>
-                  <a:schemeClr val="tx1">
-                    <a:lumMod val="65000"/>
-                    <a:lumOff val="35000"/>
-                  </a:schemeClr>
-                </a:solidFill>
-                <a:latin typeface="Palatino Linotype" panose="02040502050505030304" pitchFamily="18" charset="0"/>
-              </a:rPr>
-            </a:br>
-            <a:br>
-              <a:rPr lang="en-US" sz="3600" dirty="0">
-                <a:solidFill>
-                  <a:schemeClr val="tx1">
-                    <a:lumMod val="65000"/>
-                    <a:lumOff val="35000"/>
-                  </a:schemeClr>
-                </a:solidFill>
-                <a:latin typeface="Palatino Linotype" panose="02040502050505030304" pitchFamily="18" charset="0"/>
-              </a:rPr>
-            </a:br>
-            <a:r>
-              <a:rPr lang="en-US" sz="3600" dirty="0">
-                <a:solidFill>
-                  <a:schemeClr val="tx1">
-                    <a:lumMod val="65000"/>
-                    <a:lumOff val="35000"/>
-                  </a:schemeClr>
-                </a:solidFill>
-                <a:latin typeface="Palatino Linotype" panose="02040502050505030304" pitchFamily="18" charset="0"/>
-              </a:rPr>
-              <a:t>     3.04 (Image Classification with Data Augmentation)</a:t>
-            </a:r>
-            <a:endParaRPr lang="en-US" sz="3600" dirty="0">
-              <a:solidFill>
-                <a:schemeClr val="tx1">
-                  <a:lumMod val="65000"/>
-                  <a:lumOff val="35000"/>
-                </a:schemeClr>
-              </a:solidFill>
-              <a:latin typeface="Palatino Linotype" panose="02040502050505030304" pitchFamily="18" charset="0"/>
-              <a:cs typeface="Segoe UI Light" panose="020B0502040204020203" pitchFamily="34" charset="0"/>
-            </a:endParaRPr>
-          </a:p>
-        </p:txBody>
-      </p:sp>
-      <p:sp>
-        <p:nvSpPr>
-          <p:cNvPr id="3" name="Text Placeholder 2">
-            <a:extLst>
-              <a:ext uri="{FF2B5EF4-FFF2-40B4-BE49-F238E27FC236}">
-                <a16:creationId xmlns:a16="http://schemas.microsoft.com/office/drawing/2014/main" id="{098BC2D2-CCF7-4C63-8489-B46BF394FCA2}"/>
-              </a:ext>
-            </a:extLst>
-          </p:cNvPr>
-          <p:cNvSpPr>
-            <a:spLocks noGrp="1"/>
-          </p:cNvSpPr>
-          <p:nvPr>
-            <p:ph type="body" idx="1"/>
-          </p:nvPr>
-        </p:nvSpPr>
-        <p:spPr>
-          <a:xfrm>
-            <a:off x="0" y="4285400"/>
-            <a:ext cx="12192000" cy="518830"/>
+            <a:off x="0" y="365127"/>
+            <a:ext cx="12191999" cy="827416"/>
           </a:xfrm>
         </p:spPr>
         <p:txBody>
@@ -11391,43 +10841,29 @@
           </a:bodyPr>
           <a:lstStyle/>
           <a:p>
-            <a:endParaRPr lang="en-US" dirty="0">
-              <a:latin typeface="Palatino Linotype" panose="02040502050505030304" pitchFamily="18" charset="0"/>
-              <a:cs typeface="Segoe UI" panose="020B0502040204020203" pitchFamily="34" charset="0"/>
-            </a:endParaRPr>
-          </a:p>
-          <a:p>
-            <a:endParaRPr lang="en-US" dirty="0">
-              <a:latin typeface="Palatino Linotype" panose="02040502050505030304" pitchFamily="18" charset="0"/>
-              <a:cs typeface="Segoe UI" panose="020B0502040204020203" pitchFamily="34" charset="0"/>
-            </a:endParaRPr>
-          </a:p>
-          <a:p>
-            <a:endParaRPr lang="en-US" dirty="0">
-              <a:latin typeface="Palatino Linotype" panose="02040502050505030304" pitchFamily="18" charset="0"/>
-              <a:cs typeface="Segoe UI" panose="020B0502040204020203" pitchFamily="34" charset="0"/>
-            </a:endParaRPr>
-          </a:p>
-          <a:p>
-            <a:endParaRPr lang="en-US" dirty="0">
-              <a:latin typeface="Palatino Linotype" panose="02040502050505030304" pitchFamily="18" charset="0"/>
-              <a:cs typeface="Segoe UI" panose="020B0502040204020203" pitchFamily="34" charset="0"/>
-            </a:endParaRPr>
-          </a:p>
-          <a:p>
-            <a:endParaRPr lang="en-US" dirty="0">
-              <a:latin typeface="Palatino Linotype" panose="02040502050505030304" pitchFamily="18" charset="0"/>
-              <a:cs typeface="Segoe UI" panose="020B0502040204020203" pitchFamily="34" charset="0"/>
-            </a:endParaRPr>
+            <a:pPr algn="ctr"/>
+            <a:r>
+              <a:rPr lang="en-US" dirty="0">
+                <a:solidFill>
+                  <a:schemeClr val="tx1">
+                    <a:lumMod val="75000"/>
+                    <a:lumOff val="25000"/>
+                  </a:schemeClr>
+                </a:solidFill>
+                <a:latin typeface="Palatino Linotype" panose="02040502050505030304" pitchFamily="18" charset="0"/>
+                <a:cs typeface="Segoe UI Light" panose="020B0502040204020203" pitchFamily="34" charset="0"/>
+              </a:rPr>
+              <a:t>The Goldilocks Problem</a:t>
+            </a:r>
           </a:p>
         </p:txBody>
       </p:sp>
       <p:pic>
         <p:nvPicPr>
-          <p:cNvPr id="4" name="Picture 3">
+          <p:cNvPr id="9" name="Picture 8" descr="A picture containing indoor&#10;&#10;Description automatically generated">
             <a:extLst>
               <a:ext uri="{FF2B5EF4-FFF2-40B4-BE49-F238E27FC236}">
-                <a16:creationId xmlns:a16="http://schemas.microsoft.com/office/drawing/2014/main" id="{BF227EC8-F25E-46CD-8CAE-24E18DBDE5CC}"/>
+                <a16:creationId xmlns:a16="http://schemas.microsoft.com/office/drawing/2014/main" id="{4419D745-33B1-4187-9F17-82F09DE6B135}"/>
               </a:ext>
             </a:extLst>
           </p:cNvPr>
@@ -11437,25 +10873,102 @@
           <p:nvPr/>
         </p:nvPicPr>
         <p:blipFill>
-          <a:blip r:embed="rId3"/>
+          <a:blip r:embed="rId3">
+            <a:extLst>
+              <a:ext uri="{28A0092B-C50C-407E-A947-70E740481C1C}">
+                <a14:useLocalDpi xmlns:a14="http://schemas.microsoft.com/office/drawing/2010/main" val="0"/>
+              </a:ext>
+            </a:extLst>
+          </a:blip>
           <a:stretch>
             <a:fillRect/>
           </a:stretch>
         </p:blipFill>
         <p:spPr>
           <a:xfrm>
-            <a:off x="0" y="365760"/>
-            <a:ext cx="3233668" cy="805144"/>
+            <a:off x="4620057" y="1888548"/>
+            <a:ext cx="3429434" cy="4133194"/>
           </a:xfrm>
           <a:prstGeom prst="rect">
             <a:avLst/>
           </a:prstGeom>
+          <a:ln>
+            <a:solidFill>
+              <a:srgbClr val="385723"/>
+            </a:solidFill>
+          </a:ln>
         </p:spPr>
       </p:pic>
+      <p:sp>
+        <p:nvSpPr>
+          <p:cNvPr id="4" name="TextBox 3">
+            <a:extLst>
+              <a:ext uri="{FF2B5EF4-FFF2-40B4-BE49-F238E27FC236}">
+                <a16:creationId xmlns:a16="http://schemas.microsoft.com/office/drawing/2014/main" id="{263BB4D7-533B-4656-998D-34612210EC59}"/>
+              </a:ext>
+            </a:extLst>
+          </p:cNvPr>
+          <p:cNvSpPr txBox="1"/>
+          <p:nvPr/>
+        </p:nvSpPr>
+        <p:spPr>
+          <a:xfrm>
+            <a:off x="11430" y="6550223"/>
+            <a:ext cx="12192000" cy="307777"/>
+          </a:xfrm>
+          <a:prstGeom prst="rect">
+            <a:avLst/>
+          </a:prstGeom>
+          <a:noFill/>
+        </p:spPr>
+        <p:txBody>
+          <a:bodyPr wrap="square" rtlCol="0">
+            <a:spAutoFit/>
+          </a:bodyPr>
+          <a:lstStyle/>
+          <a:p>
+            <a:r>
+              <a:rPr lang="en-US" sz="1400" dirty="0">
+                <a:solidFill>
+                  <a:schemeClr val="tx1">
+                    <a:lumMod val="75000"/>
+                    <a:lumOff val="25000"/>
+                  </a:schemeClr>
+                </a:solidFill>
+                <a:latin typeface="+mj-lt"/>
+                <a:ea typeface="Verdana" panose="020B0604030504040204" pitchFamily="34" charset="0"/>
+              </a:rPr>
+              <a:t>Image Credit: </a:t>
+            </a:r>
+            <a:r>
+              <a:rPr lang="en-US" sz="1400" dirty="0">
+                <a:solidFill>
+                  <a:schemeClr val="tx1">
+                    <a:lumMod val="75000"/>
+                    <a:lumOff val="25000"/>
+                  </a:schemeClr>
+                </a:solidFill>
+                <a:latin typeface="+mj-lt"/>
+              </a:rPr>
+              <a:t>https://wenaha.com/product/goldilocks-and-the-three-bears/</a:t>
+            </a:r>
+            <a:endParaRPr lang="en-US" sz="1400" dirty="0">
+              <a:solidFill>
+                <a:schemeClr val="tx1">
+                  <a:lumMod val="75000"/>
+                  <a:lumOff val="25000"/>
+                </a:schemeClr>
+              </a:solidFill>
+              <a:latin typeface="+mj-lt"/>
+              <a:ea typeface="Verdana" panose="020B0604030504040204" pitchFamily="34" charset="0"/>
+            </a:endParaRPr>
+          </a:p>
+        </p:txBody>
+      </p:sp>
     </p:spTree>
     <p:extLst>
       <p:ext uri="{BB962C8B-B14F-4D97-AF65-F5344CB8AC3E}">
-        <p14:creationId xmlns:p14="http://schemas.microsoft.com/office/powerpoint/2010/main" val="1768097721"/>
+        <p14:creationId xmlns:p14="http://schemas.microsoft.com/office/powerpoint/2010/main" val="232930360"/>
       </p:ext>
     </p:extLst>
   </p:cSld>
@@ -11494,64 +11007,21 @@
           <a:chExt cx="0" cy="0"/>
         </a:xfrm>
       </p:grpSpPr>
-      <p:sp>
-        <p:nvSpPr>
-          <p:cNvPr id="2" name="Title 1">
-            <a:extLst>
-              <a:ext uri="{FF2B5EF4-FFF2-40B4-BE49-F238E27FC236}">
-                <a16:creationId xmlns:a16="http://schemas.microsoft.com/office/drawing/2014/main" id="{8306FF31-301F-43F0-8202-A782726E446A}"/>
-              </a:ext>
-            </a:extLst>
-          </p:cNvPr>
-          <p:cNvSpPr>
-            <a:spLocks noGrp="1"/>
-          </p:cNvSpPr>
-          <p:nvPr>
-            <p:ph type="title"/>
-          </p:nvPr>
-        </p:nvSpPr>
-        <p:spPr>
-          <a:xfrm>
-            <a:off x="0" y="365127"/>
-            <a:ext cx="12191999" cy="827416"/>
-          </a:xfrm>
-        </p:spPr>
-        <p:txBody>
-          <a:bodyPr>
-            <a:normAutofit/>
-          </a:bodyPr>
-          <a:lstStyle/>
-          <a:p>
-            <a:pPr algn="ctr"/>
-            <a:r>
-              <a:rPr lang="en-US" dirty="0">
-                <a:solidFill>
-                  <a:schemeClr val="tx1">
-                    <a:lumMod val="75000"/>
-                    <a:lumOff val="25000"/>
-                  </a:schemeClr>
-                </a:solidFill>
-                <a:latin typeface="Palatino Linotype" panose="02040502050505030304" pitchFamily="18" charset="0"/>
-                <a:cs typeface="Segoe UI Light" panose="020B0502040204020203" pitchFamily="34" charset="0"/>
-              </a:rPr>
-              <a:t>The Goldilocks Problem</a:t>
-            </a:r>
-          </a:p>
-        </p:txBody>
-      </p:sp>
       <p:pic>
         <p:nvPicPr>
-          <p:cNvPr id="9" name="Picture 8" descr="A picture containing indoor&#10;&#10;Description automatically generated">
+          <p:cNvPr id="5" name="Content Placeholder 4">
             <a:extLst>
               <a:ext uri="{FF2B5EF4-FFF2-40B4-BE49-F238E27FC236}">
-                <a16:creationId xmlns:a16="http://schemas.microsoft.com/office/drawing/2014/main" id="{4419D745-33B1-4187-9F17-82F09DE6B135}"/>
+                <a16:creationId xmlns:a16="http://schemas.microsoft.com/office/drawing/2014/main" id="{4613F606-4F29-4362-96AA-43F81A0CD985}"/>
               </a:ext>
             </a:extLst>
           </p:cNvPr>
           <p:cNvPicPr>
-            <a:picLocks noChangeAspect="1"/>
+            <a:picLocks noGrp="1" noChangeAspect="1"/>
           </p:cNvPicPr>
-          <p:nvPr/>
+          <p:nvPr>
+            <p:ph idx="1"/>
+          </p:nvPr>
         </p:nvPicPr>
         <p:blipFill>
           <a:blip r:embed="rId3">
@@ -11567,89 +11037,56 @@
         </p:blipFill>
         <p:spPr>
           <a:xfrm>
-            <a:off x="4620057" y="1888548"/>
-            <a:ext cx="3429434" cy="4133194"/>
+            <a:off x="3213824" y="1549322"/>
+            <a:ext cx="5581833" cy="3790316"/>
           </a:xfrm>
-          <a:prstGeom prst="rect">
+        </p:spPr>
+      </p:pic>
+      <p:cxnSp>
+        <p:nvCxnSpPr>
+          <p:cNvPr id="7" name="Straight Connector 6">
+            <a:extLst>
+              <a:ext uri="{FF2B5EF4-FFF2-40B4-BE49-F238E27FC236}">
+                <a16:creationId xmlns:a16="http://schemas.microsoft.com/office/drawing/2014/main" id="{41C04075-24DA-496A-A165-F9580F3F8939}"/>
+              </a:ext>
+            </a:extLst>
+          </p:cNvPr>
+          <p:cNvCxnSpPr>
+            <a:cxnSpLocks/>
+          </p:cNvCxnSpPr>
+          <p:nvPr/>
+        </p:nvCxnSpPr>
+        <p:spPr>
+          <a:xfrm flipV="1">
+            <a:off x="3906982" y="1788946"/>
+            <a:ext cx="3657600" cy="3013364"/>
+          </a:xfrm>
+          <a:prstGeom prst="line">
             <a:avLst/>
           </a:prstGeom>
           <a:ln>
-            <a:solidFill>
-              <a:srgbClr val="385723"/>
-            </a:solidFill>
+            <a:prstDash val="dash"/>
           </a:ln>
         </p:spPr>
-      </p:pic>
-      <p:sp>
-        <p:nvSpPr>
-          <p:cNvPr id="4" name="TextBox 3">
-            <a:extLst>
-              <a:ext uri="{FF2B5EF4-FFF2-40B4-BE49-F238E27FC236}">
-                <a16:creationId xmlns:a16="http://schemas.microsoft.com/office/drawing/2014/main" id="{263BB4D7-533B-4656-998D-34612210EC59}"/>
-              </a:ext>
-            </a:extLst>
-          </p:cNvPr>
-          <p:cNvSpPr txBox="1"/>
-          <p:nvPr/>
-        </p:nvSpPr>
-        <p:spPr>
-          <a:xfrm>
-            <a:off x="11430" y="6550223"/>
-            <a:ext cx="12192000" cy="307777"/>
-          </a:xfrm>
-          <a:prstGeom prst="rect">
-            <a:avLst/>
-          </a:prstGeom>
-          <a:noFill/>
-        </p:spPr>
-        <p:txBody>
-          <a:bodyPr wrap="square" rtlCol="0">
-            <a:spAutoFit/>
-          </a:bodyPr>
-          <a:lstStyle/>
-          <a:p>
-            <a:r>
-              <a:rPr lang="en-US" sz="1400" dirty="0">
-                <a:solidFill>
-                  <a:schemeClr val="tx1">
-                    <a:lumMod val="75000"/>
-                    <a:lumOff val="25000"/>
-                  </a:schemeClr>
-                </a:solidFill>
-                <a:latin typeface="+mj-lt"/>
-                <a:ea typeface="Verdana" panose="020B0604030504040204" pitchFamily="34" charset="0"/>
-              </a:rPr>
-              <a:t>Image Credit: </a:t>
-            </a:r>
-            <a:r>
-              <a:rPr lang="en-US" sz="1400" dirty="0">
-                <a:solidFill>
-                  <a:schemeClr val="tx1">
-                    <a:lumMod val="75000"/>
-                    <a:lumOff val="25000"/>
-                  </a:schemeClr>
-                </a:solidFill>
-                <a:latin typeface="+mj-lt"/>
-              </a:rPr>
-              <a:t>https://wenaha.com/product/goldilocks-and-the-three-bears/</a:t>
-            </a:r>
-            <a:endParaRPr lang="en-US" sz="1400" dirty="0">
-              <a:solidFill>
-                <a:schemeClr val="tx1">
-                  <a:lumMod val="75000"/>
-                  <a:lumOff val="25000"/>
-                </a:schemeClr>
-              </a:solidFill>
-              <a:latin typeface="+mj-lt"/>
-              <a:ea typeface="Verdana" panose="020B0604030504040204" pitchFamily="34" charset="0"/>
-            </a:endParaRPr>
-          </a:p>
-        </p:txBody>
-      </p:sp>
+        <p:style>
+          <a:lnRef idx="3">
+            <a:schemeClr val="accent6"/>
+          </a:lnRef>
+          <a:fillRef idx="0">
+            <a:schemeClr val="accent6"/>
+          </a:fillRef>
+          <a:effectRef idx="2">
+            <a:schemeClr val="accent6"/>
+          </a:effectRef>
+          <a:fontRef idx="minor">
+            <a:schemeClr val="tx1"/>
+          </a:fontRef>
+        </p:style>
+      </p:cxnSp>
     </p:spTree>
     <p:extLst>
       <p:ext uri="{BB962C8B-B14F-4D97-AF65-F5344CB8AC3E}">
-        <p14:creationId xmlns:p14="http://schemas.microsoft.com/office/powerpoint/2010/main" val="232930360"/>
+        <p14:creationId xmlns:p14="http://schemas.microsoft.com/office/powerpoint/2010/main" val="3128685932"/>
       </p:ext>
     </p:extLst>
   </p:cSld>

--- a/presentations/03_data_augmentation.pptx
+++ b/presentations/03_data_augmentation.pptx
@@ -5,7 +5,7 @@
     <p:sldMasterId id="2147483648" r:id="rId1"/>
   </p:sldMasterIdLst>
   <p:notesMasterIdLst>
-    <p:notesMasterId r:id="rId20"/>
+    <p:notesMasterId r:id="rId21"/>
   </p:notesMasterIdLst>
   <p:sldIdLst>
     <p:sldId id="322" r:id="rId2"/>
@@ -22,10 +22,11 @@
     <p:sldId id="324" r:id="rId13"/>
     <p:sldId id="267" r:id="rId14"/>
     <p:sldId id="269" r:id="rId15"/>
-    <p:sldId id="268" r:id="rId16"/>
-    <p:sldId id="309" r:id="rId17"/>
-    <p:sldId id="329" r:id="rId18"/>
-    <p:sldId id="326" r:id="rId19"/>
+    <p:sldId id="278" r:id="rId16"/>
+    <p:sldId id="268" r:id="rId17"/>
+    <p:sldId id="309" r:id="rId18"/>
+    <p:sldId id="329" r:id="rId19"/>
+    <p:sldId id="326" r:id="rId20"/>
   </p:sldIdLst>
   <p:sldSz cx="12192000" cy="6858000"/>
   <p:notesSz cx="6858000" cy="9144000"/>
@@ -225,7 +226,7 @@
           <a:p>
             <a:fld id="{FD93C9B2-20F6-4DB1-B471-224337D0AC79}" type="datetimeFigureOut">
               <a:rPr lang="en-US" smtClean="0"/>
-              <a:t>5/26/2022</a:t>
+              <a:t>6/6/2022</a:t>
             </a:fld>
             <a:endParaRPr lang="en-US"/>
           </a:p>
@@ -2212,104 +2213,10 @@
           <a:bodyPr/>
           <a:lstStyle/>
           <a:p>
-            <a:r>
-              <a:rPr lang="en-US" sz="1200" b="0" i="0" kern="1200" dirty="0">
-                <a:solidFill>
-                  <a:schemeClr val="tx1"/>
-                </a:solidFill>
-                <a:effectLst/>
-                <a:latin typeface="+mn-lt"/>
-                <a:ea typeface="+mn-ea"/>
-                <a:cs typeface="+mn-cs"/>
-              </a:rPr>
-              <a:t>And here are some options when your model underfits a data set.  </a:t>
-            </a:r>
-          </a:p>
-          <a:p>
-            <a:endParaRPr lang="en-US" sz="1200" b="0" i="0" kern="1200" dirty="0">
-              <a:solidFill>
-                <a:schemeClr val="tx1"/>
-              </a:solidFill>
-              <a:effectLst/>
-              <a:latin typeface="+mn-lt"/>
-              <a:ea typeface="+mn-ea"/>
-              <a:cs typeface="+mn-cs"/>
-            </a:endParaRPr>
-          </a:p>
-          <a:p>
-            <a:pPr marL="228600" indent="-228600">
-              <a:buAutoNum type="arabicPeriod"/>
-            </a:pPr>
-            <a:r>
-              <a:rPr lang="en-US" sz="1200" b="0" i="0" kern="1200" dirty="0">
-                <a:solidFill>
-                  <a:schemeClr val="tx1"/>
-                </a:solidFill>
-                <a:effectLst/>
-                <a:latin typeface="+mn-lt"/>
-                <a:ea typeface="+mn-ea"/>
-                <a:cs typeface="+mn-cs"/>
-              </a:rPr>
-              <a:t>Select a more powerful model, with more parameters.  Sometimes, the simplest solution is not the best answer.</a:t>
-            </a:r>
-          </a:p>
-          <a:p>
-            <a:pPr marL="228600" indent="-228600">
-              <a:buAutoNum type="arabicPeriod"/>
-            </a:pPr>
-            <a:r>
-              <a:rPr lang="en-US" sz="1200" b="0" i="0" kern="1200" dirty="0">
-                <a:solidFill>
-                  <a:schemeClr val="tx1"/>
-                </a:solidFill>
-                <a:effectLst/>
-                <a:latin typeface="+mn-lt"/>
-                <a:ea typeface="+mn-ea"/>
-                <a:cs typeface="+mn-cs"/>
-              </a:rPr>
-              <a:t>Feed better features to the learning algorithm – also known as </a:t>
-            </a:r>
-            <a:r>
-              <a:rPr lang="en-US" sz="1200" b="1" i="0" kern="1200" dirty="0">
-                <a:solidFill>
-                  <a:schemeClr val="tx1"/>
-                </a:solidFill>
-                <a:effectLst/>
-                <a:latin typeface="+mn-lt"/>
-                <a:ea typeface="+mn-ea"/>
-                <a:cs typeface="+mn-cs"/>
-              </a:rPr>
-              <a:t>feature engineering</a:t>
-            </a:r>
-            <a:r>
-              <a:rPr lang="en-US" sz="1200" b="0" i="0" kern="1200" dirty="0">
-                <a:solidFill>
-                  <a:schemeClr val="tx1"/>
-                </a:solidFill>
-                <a:effectLst/>
-                <a:latin typeface="+mn-lt"/>
-                <a:ea typeface="+mn-ea"/>
-                <a:cs typeface="+mn-cs"/>
-              </a:rPr>
-              <a:t>.  A feature, by the way, is an individual measurable property or characteristic of a phenomenon being observed – the mpg on a new car, for instance.</a:t>
-            </a:r>
-          </a:p>
-          <a:p>
-            <a:pPr marL="228600" indent="-228600">
-              <a:buAutoNum type="arabicPeriod"/>
-            </a:pPr>
-            <a:r>
-              <a:rPr lang="en-US" sz="1200" b="0" i="0" kern="1200" dirty="0">
-                <a:solidFill>
-                  <a:schemeClr val="tx1"/>
-                </a:solidFill>
-                <a:effectLst/>
-                <a:latin typeface="+mn-lt"/>
-                <a:ea typeface="+mn-ea"/>
-                <a:cs typeface="+mn-cs"/>
-              </a:rPr>
-              <a:t>Reduce the constraints on the model.  This is most often done by reducing the regularization hyperparameter.  </a:t>
-            </a:r>
+            <a:endParaRPr lang="en-US" dirty="0"/>
+          </a:p>
+          <a:p>
+            <a:endParaRPr lang="en-US" dirty="0"/>
           </a:p>
         </p:txBody>
       </p:sp>
@@ -2339,7 +2246,7 @@
     </p:spTree>
     <p:extLst>
       <p:ext uri="{BB962C8B-B14F-4D97-AF65-F5344CB8AC3E}">
-        <p14:creationId xmlns:p14="http://schemas.microsoft.com/office/powerpoint/2010/main" val="205385402"/>
+        <p14:creationId xmlns:p14="http://schemas.microsoft.com/office/powerpoint/2010/main" val="1683720677"/>
       </p:ext>
     </p:extLst>
   </p:cSld>
@@ -2393,36 +2300,104 @@
           <a:bodyPr/>
           <a:lstStyle/>
           <a:p>
-            <a:pPr marL="0" marR="0" lvl="0" indent="0" algn="l" defTabSz="914400" rtl="0" eaLnBrk="1" fontAlgn="auto" latinLnBrk="0" hangingPunct="1">
-              <a:lnSpc>
-                <a:spcPct val="100000"/>
-              </a:lnSpc>
-              <a:spcBef>
-                <a:spcPts val="0"/>
-              </a:spcBef>
-              <a:spcAft>
-                <a:spcPts val="0"/>
-              </a:spcAft>
-              <a:buClrTx/>
-              <a:buSzTx/>
-              <a:buFontTx/>
-              <a:buNone/>
-              <a:tabLst/>
-              <a:defRPr/>
+            <a:r>
+              <a:rPr lang="en-US" sz="1200" b="0" i="0" kern="1200" dirty="0">
+                <a:solidFill>
+                  <a:schemeClr val="tx1"/>
+                </a:solidFill>
+                <a:effectLst/>
+                <a:latin typeface="+mn-lt"/>
+                <a:ea typeface="+mn-ea"/>
+                <a:cs typeface="+mn-cs"/>
+              </a:rPr>
+              <a:t>And here are some options when your model underfits a data set.  </a:t>
+            </a:r>
+          </a:p>
+          <a:p>
+            <a:endParaRPr lang="en-US" sz="1200" b="0" i="0" kern="1200" dirty="0">
+              <a:solidFill>
+                <a:schemeClr val="tx1"/>
+              </a:solidFill>
+              <a:effectLst/>
+              <a:latin typeface="+mn-lt"/>
+              <a:ea typeface="+mn-ea"/>
+              <a:cs typeface="+mn-cs"/>
+            </a:endParaRPr>
+          </a:p>
+          <a:p>
+            <a:pPr marL="228600" indent="-228600">
+              <a:buAutoNum type="arabicPeriod"/>
             </a:pPr>
             <a:r>
-              <a:rPr lang="en-US" dirty="0"/>
-              <a:t>The learning experience for this workshop starts on page 144 of the textbook.  </a:t>
-            </a:r>
-          </a:p>
-          <a:p>
-            <a:endParaRPr lang="en-US" dirty="0"/>
-          </a:p>
-          <a:p>
-            <a:endParaRPr lang="en-US" dirty="0"/>
-          </a:p>
-          <a:p>
-            <a:endParaRPr lang="en-US" dirty="0"/>
+              <a:rPr lang="en-US" sz="1200" b="0" i="0" kern="1200" dirty="0">
+                <a:solidFill>
+                  <a:schemeClr val="tx1"/>
+                </a:solidFill>
+                <a:effectLst/>
+                <a:latin typeface="+mn-lt"/>
+                <a:ea typeface="+mn-ea"/>
+                <a:cs typeface="+mn-cs"/>
+              </a:rPr>
+              <a:t>Select a more powerful model, with more parameters.  Sometimes, the simplest solution is not the best answer.</a:t>
+            </a:r>
+          </a:p>
+          <a:p>
+            <a:pPr marL="228600" indent="-228600">
+              <a:buAutoNum type="arabicPeriod"/>
+            </a:pPr>
+            <a:r>
+              <a:rPr lang="en-US" sz="1200" b="0" i="0" kern="1200" dirty="0">
+                <a:solidFill>
+                  <a:schemeClr val="tx1"/>
+                </a:solidFill>
+                <a:effectLst/>
+                <a:latin typeface="+mn-lt"/>
+                <a:ea typeface="+mn-ea"/>
+                <a:cs typeface="+mn-cs"/>
+              </a:rPr>
+              <a:t>Feed better features to the learning algorithm – also known as </a:t>
+            </a:r>
+            <a:r>
+              <a:rPr lang="en-US" sz="1200" b="1" i="0" kern="1200" dirty="0">
+                <a:solidFill>
+                  <a:schemeClr val="tx1"/>
+                </a:solidFill>
+                <a:effectLst/>
+                <a:latin typeface="+mn-lt"/>
+                <a:ea typeface="+mn-ea"/>
+                <a:cs typeface="+mn-cs"/>
+              </a:rPr>
+              <a:t>feature engineering</a:t>
+            </a:r>
+            <a:r>
+              <a:rPr lang="en-US" sz="1200" b="0" i="0" kern="1200" dirty="0">
+                <a:solidFill>
+                  <a:schemeClr val="tx1"/>
+                </a:solidFill>
+                <a:effectLst/>
+                <a:latin typeface="+mn-lt"/>
+                <a:ea typeface="+mn-ea"/>
+                <a:cs typeface="+mn-cs"/>
+              </a:rPr>
+              <a:t>.  A feature, by the way, is an individual measurable property or characteristic of a phenomenon being observed – the mpg on a new car, for instance.</a:t>
+            </a:r>
+          </a:p>
+          <a:p>
+            <a:pPr marL="228600" indent="-228600">
+              <a:buAutoNum type="arabicPeriod"/>
+            </a:pPr>
+            <a:r>
+              <a:rPr lang="en-US" sz="1200" b="0" i="0" kern="1200" dirty="0">
+                <a:solidFill>
+                  <a:schemeClr val="tx1"/>
+                </a:solidFill>
+                <a:effectLst/>
+                <a:latin typeface="+mn-lt"/>
+                <a:ea typeface="+mn-ea"/>
+                <a:cs typeface="+mn-cs"/>
+              </a:rPr>
+              <a:t>Reduce the constraints on the model.  This is most often done by reducing the regularization hyperparameter.  </a:t>
+            </a:r>
           </a:p>
         </p:txBody>
       </p:sp>
@@ -2452,7 +2427,7 @@
     </p:spTree>
     <p:extLst>
       <p:ext uri="{BB962C8B-B14F-4D97-AF65-F5344CB8AC3E}">
-        <p14:creationId xmlns:p14="http://schemas.microsoft.com/office/powerpoint/2010/main" val="1401395996"/>
+        <p14:creationId xmlns:p14="http://schemas.microsoft.com/office/powerpoint/2010/main" val="205385402"/>
       </p:ext>
     </p:extLst>
   </p:cSld>
@@ -2506,6 +2481,35 @@
           <a:bodyPr/>
           <a:lstStyle/>
           <a:p>
+            <a:pPr marL="0" marR="0" lvl="0" indent="0" algn="l" defTabSz="914400" rtl="0" eaLnBrk="1" fontAlgn="auto" latinLnBrk="0" hangingPunct="1">
+              <a:lnSpc>
+                <a:spcPct val="100000"/>
+              </a:lnSpc>
+              <a:spcBef>
+                <a:spcPts val="0"/>
+              </a:spcBef>
+              <a:spcAft>
+                <a:spcPts val="0"/>
+              </a:spcAft>
+              <a:buClrTx/>
+              <a:buSzTx/>
+              <a:buFontTx/>
+              <a:buNone/>
+              <a:tabLst/>
+              <a:defRPr/>
+            </a:pPr>
+            <a:r>
+              <a:rPr lang="en-US" dirty="0"/>
+              <a:t>The learning experience for this workshop starts on page 144 of the textbook.  </a:t>
+            </a:r>
+          </a:p>
+          <a:p>
+            <a:endParaRPr lang="en-US" dirty="0"/>
+          </a:p>
+          <a:p>
+            <a:endParaRPr lang="en-US" dirty="0"/>
+          </a:p>
+          <a:p>
             <a:endParaRPr lang="en-US" dirty="0"/>
           </a:p>
         </p:txBody>
@@ -2536,7 +2540,7 @@
     </p:spTree>
     <p:extLst>
       <p:ext uri="{BB962C8B-B14F-4D97-AF65-F5344CB8AC3E}">
-        <p14:creationId xmlns:p14="http://schemas.microsoft.com/office/powerpoint/2010/main" val="3281560295"/>
+        <p14:creationId xmlns:p14="http://schemas.microsoft.com/office/powerpoint/2010/main" val="1401395996"/>
       </p:ext>
     </p:extLst>
   </p:cSld>
@@ -2612,6 +2616,90 @@
             <a:fld id="{3148858F-F1DB-4027-9C85-CCA6849540DD}" type="slidenum">
               <a:rPr lang="en-US" smtClean="0"/>
               <a:t>18</a:t>
+            </a:fld>
+            <a:endParaRPr lang="en-US"/>
+          </a:p>
+        </p:txBody>
+      </p:sp>
+    </p:spTree>
+    <p:extLst>
+      <p:ext uri="{BB962C8B-B14F-4D97-AF65-F5344CB8AC3E}">
+        <p14:creationId xmlns:p14="http://schemas.microsoft.com/office/powerpoint/2010/main" val="3281560295"/>
+      </p:ext>
+    </p:extLst>
+  </p:cSld>
+  <p:clrMapOvr>
+    <a:masterClrMapping/>
+  </p:clrMapOvr>
+</p:notes>
+</file>
+
+<file path=ppt/notesSlides/notesSlide19.xml><?xml version="1.0" encoding="utf-8"?>
+<p:notes xmlns:a="http://schemas.openxmlformats.org/drawingml/2006/main" xmlns:r="http://schemas.openxmlformats.org/officeDocument/2006/relationships" xmlns:p="http://schemas.openxmlformats.org/presentationml/2006/main">
+  <p:cSld>
+    <p:spTree>
+      <p:nvGrpSpPr>
+        <p:cNvPr id="1" name=""/>
+        <p:cNvGrpSpPr/>
+        <p:nvPr/>
+      </p:nvGrpSpPr>
+      <p:grpSpPr>
+        <a:xfrm>
+          <a:off x="0" y="0"/>
+          <a:ext cx="0" cy="0"/>
+          <a:chOff x="0" y="0"/>
+          <a:chExt cx="0" cy="0"/>
+        </a:xfrm>
+      </p:grpSpPr>
+      <p:sp>
+        <p:nvSpPr>
+          <p:cNvPr id="2" name="Slide Image Placeholder 1"/>
+          <p:cNvSpPr>
+            <a:spLocks noGrp="1" noRot="1" noChangeAspect="1"/>
+          </p:cNvSpPr>
+          <p:nvPr>
+            <p:ph type="sldImg"/>
+          </p:nvPr>
+        </p:nvSpPr>
+        <p:spPr/>
+      </p:sp>
+      <p:sp>
+        <p:nvSpPr>
+          <p:cNvPr id="3" name="Notes Placeholder 2"/>
+          <p:cNvSpPr>
+            <a:spLocks noGrp="1"/>
+          </p:cNvSpPr>
+          <p:nvPr>
+            <p:ph type="body" idx="1"/>
+          </p:nvPr>
+        </p:nvSpPr>
+        <p:spPr/>
+        <p:txBody>
+          <a:bodyPr/>
+          <a:lstStyle/>
+          <a:p>
+            <a:endParaRPr lang="en-US" dirty="0"/>
+          </a:p>
+        </p:txBody>
+      </p:sp>
+      <p:sp>
+        <p:nvSpPr>
+          <p:cNvPr id="4" name="Slide Number Placeholder 3"/>
+          <p:cNvSpPr>
+            <a:spLocks noGrp="1"/>
+          </p:cNvSpPr>
+          <p:nvPr>
+            <p:ph type="sldNum" sz="quarter" idx="5"/>
+          </p:nvPr>
+        </p:nvSpPr>
+        <p:spPr/>
+        <p:txBody>
+          <a:bodyPr/>
+          <a:lstStyle/>
+          <a:p>
+            <a:fld id="{3148858F-F1DB-4027-9C85-CCA6849540DD}" type="slidenum">
+              <a:rPr lang="en-US" smtClean="0"/>
+              <a:t>19</a:t>
             </a:fld>
             <a:endParaRPr lang="en-US"/>
           </a:p>
@@ -4087,7 +4175,7 @@
           <a:p>
             <a:fld id="{C3F78080-8D0A-4BE8-A5B4-CB115102D524}" type="datetimeFigureOut">
               <a:rPr lang="en-US" smtClean="0"/>
-              <a:t>5/26/2022</a:t>
+              <a:t>6/6/2022</a:t>
             </a:fld>
             <a:endParaRPr lang="en-US"/>
           </a:p>
@@ -4285,7 +4373,7 @@
           <a:p>
             <a:fld id="{C3F78080-8D0A-4BE8-A5B4-CB115102D524}" type="datetimeFigureOut">
               <a:rPr lang="en-US" smtClean="0"/>
-              <a:t>5/26/2022</a:t>
+              <a:t>6/6/2022</a:t>
             </a:fld>
             <a:endParaRPr lang="en-US"/>
           </a:p>
@@ -4493,7 +4581,7 @@
           <a:p>
             <a:fld id="{C3F78080-8D0A-4BE8-A5B4-CB115102D524}" type="datetimeFigureOut">
               <a:rPr lang="en-US" smtClean="0"/>
-              <a:t>5/26/2022</a:t>
+              <a:t>6/6/2022</a:t>
             </a:fld>
             <a:endParaRPr lang="en-US"/>
           </a:p>
@@ -4691,7 +4779,7 @@
           <a:p>
             <a:fld id="{C3F78080-8D0A-4BE8-A5B4-CB115102D524}" type="datetimeFigureOut">
               <a:rPr lang="en-US" smtClean="0"/>
-              <a:t>5/26/2022</a:t>
+              <a:t>6/6/2022</a:t>
             </a:fld>
             <a:endParaRPr lang="en-US"/>
           </a:p>
@@ -4966,7 +5054,7 @@
           <a:p>
             <a:fld id="{C3F78080-8D0A-4BE8-A5B4-CB115102D524}" type="datetimeFigureOut">
               <a:rPr lang="en-US" smtClean="0"/>
-              <a:t>5/26/2022</a:t>
+              <a:t>6/6/2022</a:t>
             </a:fld>
             <a:endParaRPr lang="en-US"/>
           </a:p>
@@ -5231,7 +5319,7 @@
           <a:p>
             <a:fld id="{C3F78080-8D0A-4BE8-A5B4-CB115102D524}" type="datetimeFigureOut">
               <a:rPr lang="en-US" smtClean="0"/>
-              <a:t>5/26/2022</a:t>
+              <a:t>6/6/2022</a:t>
             </a:fld>
             <a:endParaRPr lang="en-US"/>
           </a:p>
@@ -5643,7 +5731,7 @@
           <a:p>
             <a:fld id="{C3F78080-8D0A-4BE8-A5B4-CB115102D524}" type="datetimeFigureOut">
               <a:rPr lang="en-US" smtClean="0"/>
-              <a:t>5/26/2022</a:t>
+              <a:t>6/6/2022</a:t>
             </a:fld>
             <a:endParaRPr lang="en-US"/>
           </a:p>
@@ -5784,7 +5872,7 @@
           <a:p>
             <a:fld id="{C3F78080-8D0A-4BE8-A5B4-CB115102D524}" type="datetimeFigureOut">
               <a:rPr lang="en-US" smtClean="0"/>
-              <a:t>5/26/2022</a:t>
+              <a:t>6/6/2022</a:t>
             </a:fld>
             <a:endParaRPr lang="en-US"/>
           </a:p>
@@ -5897,7 +5985,7 @@
           <a:p>
             <a:fld id="{C3F78080-8D0A-4BE8-A5B4-CB115102D524}" type="datetimeFigureOut">
               <a:rPr lang="en-US" smtClean="0"/>
-              <a:t>5/26/2022</a:t>
+              <a:t>6/6/2022</a:t>
             </a:fld>
             <a:endParaRPr lang="en-US"/>
           </a:p>
@@ -6208,7 +6296,7 @@
           <a:p>
             <a:fld id="{C3F78080-8D0A-4BE8-A5B4-CB115102D524}" type="datetimeFigureOut">
               <a:rPr lang="en-US" smtClean="0"/>
-              <a:t>5/26/2022</a:t>
+              <a:t>6/6/2022</a:t>
             </a:fld>
             <a:endParaRPr lang="en-US"/>
           </a:p>
@@ -6496,7 +6584,7 @@
           <a:p>
             <a:fld id="{C3F78080-8D0A-4BE8-A5B4-CB115102D524}" type="datetimeFigureOut">
               <a:rPr lang="en-US" smtClean="0"/>
-              <a:t>5/26/2022</a:t>
+              <a:t>6/6/2022</a:t>
             </a:fld>
             <a:endParaRPr lang="en-US"/>
           </a:p>
@@ -6737,7 +6825,7 @@
           <a:p>
             <a:fld id="{C3F78080-8D0A-4BE8-A5B4-CB115102D524}" type="datetimeFigureOut">
               <a:rPr lang="en-US" smtClean="0"/>
-              <a:t>5/26/2022</a:t>
+              <a:t>6/6/2022</a:t>
             </a:fld>
             <a:endParaRPr lang="en-US"/>
           </a:p>
@@ -8775,6 +8863,171 @@
           <a:chExt cx="0" cy="0"/>
         </a:xfrm>
       </p:grpSpPr>
+      <p:pic>
+        <p:nvPicPr>
+          <p:cNvPr id="4" name="Picture 3">
+            <a:extLst>
+              <a:ext uri="{FF2B5EF4-FFF2-40B4-BE49-F238E27FC236}">
+                <a16:creationId xmlns:a16="http://schemas.microsoft.com/office/drawing/2014/main" id="{BADA4DE2-8119-F1B5-1147-506D73002871}"/>
+              </a:ext>
+            </a:extLst>
+          </p:cNvPr>
+          <p:cNvPicPr>
+            <a:picLocks noChangeAspect="1"/>
+          </p:cNvPicPr>
+          <p:nvPr/>
+        </p:nvPicPr>
+        <p:blipFill>
+          <a:blip r:embed="rId3"/>
+          <a:stretch>
+            <a:fillRect/>
+          </a:stretch>
+        </p:blipFill>
+        <p:spPr>
+          <a:xfrm>
+            <a:off x="3363166" y="1836827"/>
+            <a:ext cx="5465667" cy="3184345"/>
+          </a:xfrm>
+          <a:prstGeom prst="rect">
+            <a:avLst/>
+          </a:prstGeom>
+        </p:spPr>
+      </p:pic>
+      <p:sp>
+        <p:nvSpPr>
+          <p:cNvPr id="9" name="Title 1">
+            <a:extLst>
+              <a:ext uri="{FF2B5EF4-FFF2-40B4-BE49-F238E27FC236}">
+                <a16:creationId xmlns:a16="http://schemas.microsoft.com/office/drawing/2014/main" id="{D3B3F7D9-0251-45B5-B22D-2EAC9B96C0C1}"/>
+              </a:ext>
+            </a:extLst>
+          </p:cNvPr>
+          <p:cNvSpPr>
+            <a:spLocks noGrp="1"/>
+          </p:cNvSpPr>
+          <p:nvPr>
+            <p:ph type="title"/>
+          </p:nvPr>
+        </p:nvSpPr>
+        <p:spPr>
+          <a:xfrm>
+            <a:off x="0" y="440190"/>
+            <a:ext cx="12192000" cy="815404"/>
+          </a:xfrm>
+        </p:spPr>
+        <p:txBody>
+          <a:bodyPr>
+            <a:normAutofit/>
+          </a:bodyPr>
+          <a:lstStyle/>
+          <a:p>
+            <a:pPr algn="ctr"/>
+            <a:r>
+              <a:rPr lang="en-US" dirty="0">
+                <a:latin typeface="Palatino Linotype" panose="02040502050505030304" pitchFamily="18" charset="0"/>
+                <a:cs typeface="Segoe UI Light" panose="020B0502040204020203" pitchFamily="34" charset="0"/>
+              </a:rPr>
+              <a:t>Drop Out</a:t>
+            </a:r>
+          </a:p>
+        </p:txBody>
+      </p:sp>
+      <p:sp>
+        <p:nvSpPr>
+          <p:cNvPr id="10" name="TextBox 9">
+            <a:extLst>
+              <a:ext uri="{FF2B5EF4-FFF2-40B4-BE49-F238E27FC236}">
+                <a16:creationId xmlns:a16="http://schemas.microsoft.com/office/drawing/2014/main" id="{3C49BA0A-DB61-4346-ADA9-8F0E360BBA2F}"/>
+              </a:ext>
+            </a:extLst>
+          </p:cNvPr>
+          <p:cNvSpPr txBox="1"/>
+          <p:nvPr/>
+        </p:nvSpPr>
+        <p:spPr>
+          <a:xfrm>
+            <a:off x="0" y="6550223"/>
+            <a:ext cx="12192000" cy="307777"/>
+          </a:xfrm>
+          <a:prstGeom prst="rect">
+            <a:avLst/>
+          </a:prstGeom>
+          <a:noFill/>
+        </p:spPr>
+        <p:txBody>
+          <a:bodyPr wrap="square" rtlCol="0">
+            <a:spAutoFit/>
+          </a:bodyPr>
+          <a:lstStyle/>
+          <a:p>
+            <a:r>
+              <a:rPr lang="en-US" sz="1400" dirty="0">
+                <a:solidFill>
+                  <a:schemeClr val="tx1">
+                    <a:lumMod val="65000"/>
+                    <a:lumOff val="35000"/>
+                  </a:schemeClr>
+                </a:solidFill>
+                <a:latin typeface="+mj-lt"/>
+                <a:ea typeface="Verdana" panose="020B0604030504040204" pitchFamily="34" charset="0"/>
+              </a:rPr>
+              <a:t>Image Credit. </a:t>
+            </a:r>
+            <a:r>
+              <a:rPr lang="en-US" sz="1400" dirty="0">
+                <a:solidFill>
+                  <a:schemeClr val="tx1">
+                    <a:lumMod val="65000"/>
+                    <a:lumOff val="35000"/>
+                  </a:schemeClr>
+                </a:solidFill>
+                <a:latin typeface="+mj-lt"/>
+              </a:rPr>
+              <a:t>http://primo.ai/index.php?title=Dropout</a:t>
+            </a:r>
+            <a:endParaRPr lang="en-US" sz="1400" dirty="0">
+              <a:solidFill>
+                <a:schemeClr val="tx1">
+                  <a:lumMod val="65000"/>
+                  <a:lumOff val="35000"/>
+                </a:schemeClr>
+              </a:solidFill>
+              <a:latin typeface="+mj-lt"/>
+              <a:ea typeface="Verdana" panose="020B0604030504040204" pitchFamily="34" charset="0"/>
+            </a:endParaRPr>
+          </a:p>
+        </p:txBody>
+      </p:sp>
+    </p:spTree>
+    <p:extLst>
+      <p:ext uri="{BB962C8B-B14F-4D97-AF65-F5344CB8AC3E}">
+        <p14:creationId xmlns:p14="http://schemas.microsoft.com/office/powerpoint/2010/main" val="3694667577"/>
+      </p:ext>
+    </p:extLst>
+  </p:cSld>
+  <p:clrMapOvr>
+    <a:masterClrMapping/>
+  </p:clrMapOvr>
+</p:sld>
+</file>
+
+<file path=ppt/slides/slide16.xml><?xml version="1.0" encoding="utf-8"?>
+<p:sld xmlns:a="http://schemas.openxmlformats.org/drawingml/2006/main" xmlns:r="http://schemas.openxmlformats.org/officeDocument/2006/relationships" xmlns:p="http://schemas.openxmlformats.org/presentationml/2006/main">
+  <p:cSld>
+    <p:spTree>
+      <p:nvGrpSpPr>
+        <p:cNvPr id="1" name=""/>
+        <p:cNvGrpSpPr/>
+        <p:nvPr/>
+      </p:nvGrpSpPr>
+      <p:grpSpPr>
+        <a:xfrm>
+          <a:off x="0" y="0"/>
+          <a:ext cx="0" cy="0"/>
+          <a:chOff x="0" y="0"/>
+          <a:chExt cx="0" cy="0"/>
+        </a:xfrm>
+      </p:grpSpPr>
       <p:sp>
         <p:nvSpPr>
           <p:cNvPr id="2" name="Title 1">
@@ -9177,7 +9430,7 @@
 </p:sld>
 </file>
 
-<file path=ppt/slides/slide16.xml><?xml version="1.0" encoding="utf-8"?>
+<file path=ppt/slides/slide17.xml><?xml version="1.0" encoding="utf-8"?>
 <p:sld xmlns:a="http://schemas.openxmlformats.org/drawingml/2006/main" xmlns:r="http://schemas.openxmlformats.org/officeDocument/2006/relationships" xmlns:p="http://schemas.openxmlformats.org/presentationml/2006/main">
   <p:cSld>
     <p:spTree>
@@ -9368,7 +9621,7 @@
 </p:sld>
 </file>
 
-<file path=ppt/slides/slide17.xml><?xml version="1.0" encoding="utf-8"?>
+<file path=ppt/slides/slide18.xml><?xml version="1.0" encoding="utf-8"?>
 <p:sld xmlns:a="http://schemas.openxmlformats.org/drawingml/2006/main" xmlns:r="http://schemas.openxmlformats.org/officeDocument/2006/relationships" xmlns:p="http://schemas.openxmlformats.org/presentationml/2006/main">
   <p:cSld>
     <p:spTree>
@@ -9410,7 +9663,7 @@
 </p:sld>
 </file>
 
-<file path=ppt/slides/slide18.xml><?xml version="1.0" encoding="utf-8"?>
+<file path=ppt/slides/slide19.xml><?xml version="1.0" encoding="utf-8"?>
 <p:sld xmlns:a="http://schemas.openxmlformats.org/drawingml/2006/main" xmlns:r="http://schemas.openxmlformats.org/officeDocument/2006/relationships" xmlns:p="http://schemas.openxmlformats.org/presentationml/2006/main">
   <p:cSld>
     <p:spTree>

--- a/presentations/03_data_augmentation.pptx
+++ b/presentations/03_data_augmentation.pptx
@@ -9,24 +9,24 @@
   </p:notesMasterIdLst>
   <p:sldIdLst>
     <p:sldId id="322" r:id="rId2"/>
-    <p:sldId id="266" r:id="rId3"/>
-    <p:sldId id="300" r:id="rId4"/>
-    <p:sldId id="302" r:id="rId5"/>
-    <p:sldId id="301" r:id="rId6"/>
-    <p:sldId id="307" r:id="rId7"/>
-    <p:sldId id="332" r:id="rId8"/>
-    <p:sldId id="308" r:id="rId9"/>
-    <p:sldId id="264" r:id="rId10"/>
-    <p:sldId id="265" r:id="rId11"/>
-    <p:sldId id="323" r:id="rId12"/>
-    <p:sldId id="324" r:id="rId13"/>
-    <p:sldId id="267" r:id="rId14"/>
-    <p:sldId id="269" r:id="rId15"/>
-    <p:sldId id="278" r:id="rId16"/>
-    <p:sldId id="268" r:id="rId17"/>
-    <p:sldId id="309" r:id="rId18"/>
-    <p:sldId id="329" r:id="rId19"/>
-    <p:sldId id="326" r:id="rId20"/>
+    <p:sldId id="352" r:id="rId3"/>
+    <p:sldId id="266" r:id="rId4"/>
+    <p:sldId id="300" r:id="rId5"/>
+    <p:sldId id="302" r:id="rId6"/>
+    <p:sldId id="301" r:id="rId7"/>
+    <p:sldId id="307" r:id="rId8"/>
+    <p:sldId id="332" r:id="rId9"/>
+    <p:sldId id="308" r:id="rId10"/>
+    <p:sldId id="264" r:id="rId11"/>
+    <p:sldId id="265" r:id="rId12"/>
+    <p:sldId id="323" r:id="rId13"/>
+    <p:sldId id="324" r:id="rId14"/>
+    <p:sldId id="267" r:id="rId15"/>
+    <p:sldId id="269" r:id="rId16"/>
+    <p:sldId id="278" r:id="rId17"/>
+    <p:sldId id="268" r:id="rId18"/>
+    <p:sldId id="309" r:id="rId19"/>
+    <p:sldId id="329" r:id="rId20"/>
   </p:sldIdLst>
   <p:sldSz cx="12192000" cy="6858000"/>
   <p:notesSz cx="6858000" cy="9144000"/>
@@ -226,7 +226,7 @@
           <a:p>
             <a:fld id="{FD93C9B2-20F6-4DB1-B471-224337D0AC79}" type="datetimeFigureOut">
               <a:rPr lang="en-US" smtClean="0"/>
-              <a:t>6/6/2022</a:t>
+              <a:t>8/26/2022</a:t>
             </a:fld>
             <a:endParaRPr lang="en-US"/>
           </a:p>
@@ -1158,7 +1158,7 @@
           <a:p>
             <a:fld id="{3148858F-F1DB-4027-9C85-CCA6849540DD}" type="slidenum">
               <a:rPr lang="en-US" smtClean="0"/>
-              <a:t>10</a:t>
+              <a:t>11</a:t>
             </a:fld>
             <a:endParaRPr lang="en-US"/>
           </a:p>
@@ -1359,7 +1359,7 @@
           <a:p>
             <a:fld id="{3148858F-F1DB-4027-9C85-CCA6849540DD}" type="slidenum">
               <a:rPr lang="en-US" smtClean="0"/>
-              <a:t>11</a:t>
+              <a:t>12</a:t>
             </a:fld>
             <a:endParaRPr lang="en-US"/>
           </a:p>
@@ -1527,7 +1527,7 @@
           <a:p>
             <a:fld id="{3148858F-F1DB-4027-9C85-CCA6849540DD}" type="slidenum">
               <a:rPr lang="en-US" smtClean="0"/>
-              <a:t>12</a:t>
+              <a:t>13</a:t>
             </a:fld>
             <a:endParaRPr lang="en-US"/>
           </a:p>
@@ -1734,7 +1734,7 @@
           <a:p>
             <a:fld id="{3148858F-F1DB-4027-9C85-CCA6849540DD}" type="slidenum">
               <a:rPr lang="en-US" smtClean="0"/>
-              <a:t>13</a:t>
+              <a:t>14</a:t>
             </a:fld>
             <a:endParaRPr lang="en-US"/>
           </a:p>
@@ -2150,7 +2150,7 @@
           <a:p>
             <a:fld id="{3148858F-F1DB-4027-9C85-CCA6849540DD}" type="slidenum">
               <a:rPr lang="en-US" smtClean="0"/>
-              <a:t>14</a:t>
+              <a:t>15</a:t>
             </a:fld>
             <a:endParaRPr lang="en-US"/>
           </a:p>
@@ -2237,7 +2237,7 @@
           <a:p>
             <a:fld id="{3148858F-F1DB-4027-9C85-CCA6849540DD}" type="slidenum">
               <a:rPr lang="en-US" smtClean="0"/>
-              <a:t>15</a:t>
+              <a:t>16</a:t>
             </a:fld>
             <a:endParaRPr lang="en-US"/>
           </a:p>
@@ -2418,7 +2418,7 @@
           <a:p>
             <a:fld id="{3148858F-F1DB-4027-9C85-CCA6849540DD}" type="slidenum">
               <a:rPr lang="en-US" smtClean="0"/>
-              <a:t>16</a:t>
+              <a:t>17</a:t>
             </a:fld>
             <a:endParaRPr lang="en-US"/>
           </a:p>
@@ -2531,7 +2531,7 @@
           <a:p>
             <a:fld id="{3148858F-F1DB-4027-9C85-CCA6849540DD}" type="slidenum">
               <a:rPr lang="en-US" smtClean="0"/>
-              <a:t>17</a:t>
+              <a:t>18</a:t>
             </a:fld>
             <a:endParaRPr lang="en-US"/>
           </a:p>
@@ -2615,7 +2615,7 @@
           <a:p>
             <a:fld id="{3148858F-F1DB-4027-9C85-CCA6849540DD}" type="slidenum">
               <a:rPr lang="en-US" smtClean="0"/>
-              <a:t>18</a:t>
+              <a:t>19</a:t>
             </a:fld>
             <a:endParaRPr lang="en-US"/>
           </a:p>
@@ -2625,90 +2625,6 @@
     <p:extLst>
       <p:ext uri="{BB962C8B-B14F-4D97-AF65-F5344CB8AC3E}">
         <p14:creationId xmlns:p14="http://schemas.microsoft.com/office/powerpoint/2010/main" val="3281560295"/>
-      </p:ext>
-    </p:extLst>
-  </p:cSld>
-  <p:clrMapOvr>
-    <a:masterClrMapping/>
-  </p:clrMapOvr>
-</p:notes>
-</file>
-
-<file path=ppt/notesSlides/notesSlide19.xml><?xml version="1.0" encoding="utf-8"?>
-<p:notes xmlns:a="http://schemas.openxmlformats.org/drawingml/2006/main" xmlns:r="http://schemas.openxmlformats.org/officeDocument/2006/relationships" xmlns:p="http://schemas.openxmlformats.org/presentationml/2006/main">
-  <p:cSld>
-    <p:spTree>
-      <p:nvGrpSpPr>
-        <p:cNvPr id="1" name=""/>
-        <p:cNvGrpSpPr/>
-        <p:nvPr/>
-      </p:nvGrpSpPr>
-      <p:grpSpPr>
-        <a:xfrm>
-          <a:off x="0" y="0"/>
-          <a:ext cx="0" cy="0"/>
-          <a:chOff x="0" y="0"/>
-          <a:chExt cx="0" cy="0"/>
-        </a:xfrm>
-      </p:grpSpPr>
-      <p:sp>
-        <p:nvSpPr>
-          <p:cNvPr id="2" name="Slide Image Placeholder 1"/>
-          <p:cNvSpPr>
-            <a:spLocks noGrp="1" noRot="1" noChangeAspect="1"/>
-          </p:cNvSpPr>
-          <p:nvPr>
-            <p:ph type="sldImg"/>
-          </p:nvPr>
-        </p:nvSpPr>
-        <p:spPr/>
-      </p:sp>
-      <p:sp>
-        <p:nvSpPr>
-          <p:cNvPr id="3" name="Notes Placeholder 2"/>
-          <p:cNvSpPr>
-            <a:spLocks noGrp="1"/>
-          </p:cNvSpPr>
-          <p:nvPr>
-            <p:ph type="body" idx="1"/>
-          </p:nvPr>
-        </p:nvSpPr>
-        <p:spPr/>
-        <p:txBody>
-          <a:bodyPr/>
-          <a:lstStyle/>
-          <a:p>
-            <a:endParaRPr lang="en-US" dirty="0"/>
-          </a:p>
-        </p:txBody>
-      </p:sp>
-      <p:sp>
-        <p:nvSpPr>
-          <p:cNvPr id="4" name="Slide Number Placeholder 3"/>
-          <p:cNvSpPr>
-            <a:spLocks noGrp="1"/>
-          </p:cNvSpPr>
-          <p:nvPr>
-            <p:ph type="sldNum" sz="quarter" idx="5"/>
-          </p:nvPr>
-        </p:nvSpPr>
-        <p:spPr/>
-        <p:txBody>
-          <a:bodyPr/>
-          <a:lstStyle/>
-          <a:p>
-            <a:fld id="{3148858F-F1DB-4027-9C85-CCA6849540DD}" type="slidenum">
-              <a:rPr lang="en-US" smtClean="0"/>
-              <a:t>19</a:t>
-            </a:fld>
-            <a:endParaRPr lang="en-US"/>
-          </a:p>
-        </p:txBody>
-      </p:sp>
-    </p:spTree>
-    <p:extLst>
-      <p:ext uri="{BB962C8B-B14F-4D97-AF65-F5344CB8AC3E}">
-        <p14:creationId xmlns:p14="http://schemas.microsoft.com/office/powerpoint/2010/main" val="251584934"/>
       </p:ext>
     </p:extLst>
   </p:cSld>
@@ -3095,7 +3011,7 @@
           <a:p>
             <a:fld id="{3148858F-F1DB-4027-9C85-CCA6849540DD}" type="slidenum">
               <a:rPr lang="en-US" smtClean="0"/>
-              <a:t>2</a:t>
+              <a:t>3</a:t>
             </a:fld>
             <a:endParaRPr lang="en-US"/>
           </a:p>
@@ -3237,7 +3153,7 @@
           <a:p>
             <a:fld id="{3148858F-F1DB-4027-9C85-CCA6849540DD}" type="slidenum">
               <a:rPr lang="en-US" smtClean="0"/>
-              <a:t>3</a:t>
+              <a:t>4</a:t>
             </a:fld>
             <a:endParaRPr lang="en-US"/>
           </a:p>
@@ -3351,7 +3267,7 @@
           <a:p>
             <a:fld id="{3148858F-F1DB-4027-9C85-CCA6849540DD}" type="slidenum">
               <a:rPr lang="en-US" smtClean="0"/>
-              <a:t>4</a:t>
+              <a:t>5</a:t>
             </a:fld>
             <a:endParaRPr lang="en-US"/>
           </a:p>
@@ -3465,7 +3381,7 @@
           <a:p>
             <a:fld id="{3148858F-F1DB-4027-9C85-CCA6849540DD}" type="slidenum">
               <a:rPr lang="en-US" smtClean="0"/>
-              <a:t>5</a:t>
+              <a:t>6</a:t>
             </a:fld>
             <a:endParaRPr lang="en-US"/>
           </a:p>
@@ -3562,7 +3478,7 @@
           <a:p>
             <a:fld id="{3148858F-F1DB-4027-9C85-CCA6849540DD}" type="slidenum">
               <a:rPr lang="en-US" smtClean="0"/>
-              <a:t>6</a:t>
+              <a:t>7</a:t>
             </a:fld>
             <a:endParaRPr lang="en-US"/>
           </a:p>
@@ -3675,7 +3591,7 @@
           <a:p>
             <a:fld id="{3148858F-F1DB-4027-9C85-CCA6849540DD}" type="slidenum">
               <a:rPr lang="en-US" smtClean="0"/>
-              <a:t>7</a:t>
+              <a:t>8</a:t>
             </a:fld>
             <a:endParaRPr lang="en-US"/>
           </a:p>
@@ -3813,7 +3729,7 @@
           <a:p>
             <a:fld id="{3148858F-F1DB-4027-9C85-CCA6849540DD}" type="slidenum">
               <a:rPr lang="en-US" smtClean="0"/>
-              <a:t>8</a:t>
+              <a:t>9</a:t>
             </a:fld>
             <a:endParaRPr lang="en-US"/>
           </a:p>
@@ -4009,7 +3925,7 @@
           <a:p>
             <a:fld id="{3148858F-F1DB-4027-9C85-CCA6849540DD}" type="slidenum">
               <a:rPr lang="en-US" smtClean="0"/>
-              <a:t>9</a:t>
+              <a:t>10</a:t>
             </a:fld>
             <a:endParaRPr lang="en-US"/>
           </a:p>
@@ -4175,7 +4091,7 @@
           <a:p>
             <a:fld id="{C3F78080-8D0A-4BE8-A5B4-CB115102D524}" type="datetimeFigureOut">
               <a:rPr lang="en-US" smtClean="0"/>
-              <a:t>6/6/2022</a:t>
+              <a:t>8/26/2022</a:t>
             </a:fld>
             <a:endParaRPr lang="en-US"/>
           </a:p>
@@ -4373,7 +4289,7 @@
           <a:p>
             <a:fld id="{C3F78080-8D0A-4BE8-A5B4-CB115102D524}" type="datetimeFigureOut">
               <a:rPr lang="en-US" smtClean="0"/>
-              <a:t>6/6/2022</a:t>
+              <a:t>8/26/2022</a:t>
             </a:fld>
             <a:endParaRPr lang="en-US"/>
           </a:p>
@@ -4581,7 +4497,7 @@
           <a:p>
             <a:fld id="{C3F78080-8D0A-4BE8-A5B4-CB115102D524}" type="datetimeFigureOut">
               <a:rPr lang="en-US" smtClean="0"/>
-              <a:t>6/6/2022</a:t>
+              <a:t>8/26/2022</a:t>
             </a:fld>
             <a:endParaRPr lang="en-US"/>
           </a:p>
@@ -4779,7 +4695,7 @@
           <a:p>
             <a:fld id="{C3F78080-8D0A-4BE8-A5B4-CB115102D524}" type="datetimeFigureOut">
               <a:rPr lang="en-US" smtClean="0"/>
-              <a:t>6/6/2022</a:t>
+              <a:t>8/26/2022</a:t>
             </a:fld>
             <a:endParaRPr lang="en-US"/>
           </a:p>
@@ -5054,7 +4970,7 @@
           <a:p>
             <a:fld id="{C3F78080-8D0A-4BE8-A5B4-CB115102D524}" type="datetimeFigureOut">
               <a:rPr lang="en-US" smtClean="0"/>
-              <a:t>6/6/2022</a:t>
+              <a:t>8/26/2022</a:t>
             </a:fld>
             <a:endParaRPr lang="en-US"/>
           </a:p>
@@ -5319,7 +5235,7 @@
           <a:p>
             <a:fld id="{C3F78080-8D0A-4BE8-A5B4-CB115102D524}" type="datetimeFigureOut">
               <a:rPr lang="en-US" smtClean="0"/>
-              <a:t>6/6/2022</a:t>
+              <a:t>8/26/2022</a:t>
             </a:fld>
             <a:endParaRPr lang="en-US"/>
           </a:p>
@@ -5731,7 +5647,7 @@
           <a:p>
             <a:fld id="{C3F78080-8D0A-4BE8-A5B4-CB115102D524}" type="datetimeFigureOut">
               <a:rPr lang="en-US" smtClean="0"/>
-              <a:t>6/6/2022</a:t>
+              <a:t>8/26/2022</a:t>
             </a:fld>
             <a:endParaRPr lang="en-US"/>
           </a:p>
@@ -5872,7 +5788,7 @@
           <a:p>
             <a:fld id="{C3F78080-8D0A-4BE8-A5B4-CB115102D524}" type="datetimeFigureOut">
               <a:rPr lang="en-US" smtClean="0"/>
-              <a:t>6/6/2022</a:t>
+              <a:t>8/26/2022</a:t>
             </a:fld>
             <a:endParaRPr lang="en-US"/>
           </a:p>
@@ -5985,7 +5901,7 @@
           <a:p>
             <a:fld id="{C3F78080-8D0A-4BE8-A5B4-CB115102D524}" type="datetimeFigureOut">
               <a:rPr lang="en-US" smtClean="0"/>
-              <a:t>6/6/2022</a:t>
+              <a:t>8/26/2022</a:t>
             </a:fld>
             <a:endParaRPr lang="en-US"/>
           </a:p>
@@ -6296,7 +6212,7 @@
           <a:p>
             <a:fld id="{C3F78080-8D0A-4BE8-A5B4-CB115102D524}" type="datetimeFigureOut">
               <a:rPr lang="en-US" smtClean="0"/>
-              <a:t>6/6/2022</a:t>
+              <a:t>8/26/2022</a:t>
             </a:fld>
             <a:endParaRPr lang="en-US"/>
           </a:p>
@@ -6584,7 +6500,7 @@
           <a:p>
             <a:fld id="{C3F78080-8D0A-4BE8-A5B4-CB115102D524}" type="datetimeFigureOut">
               <a:rPr lang="en-US" smtClean="0"/>
-              <a:t>6/6/2022</a:t>
+              <a:t>8/26/2022</a:t>
             </a:fld>
             <a:endParaRPr lang="en-US"/>
           </a:p>
@@ -6825,7 +6741,7 @@
           <a:p>
             <a:fld id="{C3F78080-8D0A-4BE8-A5B4-CB115102D524}" type="datetimeFigureOut">
               <a:rPr lang="en-US" smtClean="0"/>
-              <a:t>6/6/2022</a:t>
+              <a:t>8/26/2022</a:t>
             </a:fld>
             <a:endParaRPr lang="en-US"/>
           </a:p>
@@ -7358,10 +7274,10 @@
       </p:grpSpPr>
       <p:pic>
         <p:nvPicPr>
-          <p:cNvPr id="9" name="Content Placeholder 8">
+          <p:cNvPr id="5" name="Content Placeholder 4">
             <a:extLst>
               <a:ext uri="{FF2B5EF4-FFF2-40B4-BE49-F238E27FC236}">
-                <a16:creationId xmlns:a16="http://schemas.microsoft.com/office/drawing/2014/main" id="{5BD3C5EF-FCAE-45A4-8C11-43C212BA8BD0}"/>
+                <a16:creationId xmlns:a16="http://schemas.microsoft.com/office/drawing/2014/main" id="{4613F606-4F29-4362-96AA-43F81A0CD985}"/>
               </a:ext>
             </a:extLst>
           </p:cNvPr>
@@ -7386,218 +7302,56 @@
         </p:blipFill>
         <p:spPr>
           <a:xfrm>
-            <a:off x="3246596" y="1250156"/>
-            <a:ext cx="4357688" cy="4357688"/>
+            <a:off x="3213824" y="1549322"/>
+            <a:ext cx="5581833" cy="3790316"/>
           </a:xfrm>
         </p:spPr>
       </p:pic>
-      <p:pic>
-        <p:nvPicPr>
-          <p:cNvPr id="3" name="Picture 4">
+      <p:cxnSp>
+        <p:nvCxnSpPr>
+          <p:cNvPr id="7" name="Straight Connector 6">
             <a:extLst>
               <a:ext uri="{FF2B5EF4-FFF2-40B4-BE49-F238E27FC236}">
-                <a16:creationId xmlns:a16="http://schemas.microsoft.com/office/drawing/2014/main" id="{01F1093D-6EF1-4D23-B54F-6B4555E7E505}"/>
+                <a16:creationId xmlns:a16="http://schemas.microsoft.com/office/drawing/2014/main" id="{41C04075-24DA-496A-A165-F9580F3F8939}"/>
               </a:ext>
             </a:extLst>
           </p:cNvPr>
-          <p:cNvPicPr>
-            <a:picLocks noChangeAspect="1" noChangeArrowheads="1"/>
-          </p:cNvPicPr>
+          <p:cNvCxnSpPr>
+            <a:cxnSpLocks/>
+          </p:cNvCxnSpPr>
           <p:nvPr/>
-        </p:nvPicPr>
-        <p:blipFill>
-          <a:blip r:embed="rId4">
-            <a:extLst>
-              <a:ext uri="{28A0092B-C50C-407E-A947-70E740481C1C}">
-                <a14:useLocalDpi xmlns:a14="http://schemas.microsoft.com/office/drawing/2010/main" val="0"/>
-              </a:ext>
-            </a:extLst>
-          </a:blip>
-          <a:srcRect/>
-          <a:stretch>
-            <a:fillRect/>
-          </a:stretch>
-        </p:blipFill>
-        <p:spPr bwMode="auto">
-          <a:xfrm>
-            <a:off x="9001009" y="1250156"/>
-            <a:ext cx="1529150" cy="1529150"/>
+        </p:nvCxnSpPr>
+        <p:spPr>
+          <a:xfrm flipV="1">
+            <a:off x="3906982" y="1788946"/>
+            <a:ext cx="3657600" cy="3013364"/>
           </a:xfrm>
-          <a:prstGeom prst="rect">
+          <a:prstGeom prst="line">
             <a:avLst/>
           </a:prstGeom>
-          <a:noFill/>
-          <a:extLst>
-            <a:ext uri="{909E8E84-426E-40DD-AFC4-6F175D3DCCD1}">
-              <a14:hiddenFill xmlns:a14="http://schemas.microsoft.com/office/drawing/2010/main">
-                <a:solidFill>
-                  <a:srgbClr val="FFFFFF"/>
-                </a:solidFill>
-              </a14:hiddenFill>
-            </a:ext>
-          </a:extLst>
+          <a:ln>
+            <a:prstDash val="dash"/>
+          </a:ln>
         </p:spPr>
-      </p:pic>
-      <p:pic>
-        <p:nvPicPr>
-          <p:cNvPr id="4" name="Picture 4">
-            <a:extLst>
-              <a:ext uri="{FF2B5EF4-FFF2-40B4-BE49-F238E27FC236}">
-                <a16:creationId xmlns:a16="http://schemas.microsoft.com/office/drawing/2014/main" id="{638A8331-A71A-4E98-9D0D-6F4A32CFC19B}"/>
-              </a:ext>
-            </a:extLst>
-          </p:cNvPr>
-          <p:cNvPicPr>
-            <a:picLocks noChangeAspect="1" noChangeArrowheads="1"/>
-          </p:cNvPicPr>
-          <p:nvPr/>
-        </p:nvPicPr>
-        <p:blipFill>
-          <a:blip r:embed="rId4">
-            <a:extLst>
-              <a:ext uri="{28A0092B-C50C-407E-A947-70E740481C1C}">
-                <a14:useLocalDpi xmlns:a14="http://schemas.microsoft.com/office/drawing/2010/main" val="0"/>
-              </a:ext>
-            </a:extLst>
-          </a:blip>
-          <a:srcRect/>
-          <a:stretch>
-            <a:fillRect/>
-          </a:stretch>
-        </p:blipFill>
-        <p:spPr bwMode="auto">
-          <a:xfrm>
-            <a:off x="9001009" y="3769346"/>
-            <a:ext cx="1529150" cy="1529150"/>
-          </a:xfrm>
-          <a:prstGeom prst="rect">
-            <a:avLst/>
-          </a:prstGeom>
-          <a:noFill/>
-          <a:extLst>
-            <a:ext uri="{909E8E84-426E-40DD-AFC4-6F175D3DCCD1}">
-              <a14:hiddenFill xmlns:a14="http://schemas.microsoft.com/office/drawing/2010/main">
-                <a:solidFill>
-                  <a:srgbClr val="FFFFFF"/>
-                </a:solidFill>
-              </a14:hiddenFill>
-            </a:ext>
-          </a:extLst>
-        </p:spPr>
-      </p:pic>
-      <p:sp>
-        <p:nvSpPr>
-          <p:cNvPr id="5" name="Title 1">
-            <a:extLst>
-              <a:ext uri="{FF2B5EF4-FFF2-40B4-BE49-F238E27FC236}">
-                <a16:creationId xmlns:a16="http://schemas.microsoft.com/office/drawing/2014/main" id="{5EC28168-F632-493E-8DF7-2FDD6EC1FD71}"/>
-              </a:ext>
-            </a:extLst>
-          </p:cNvPr>
-          <p:cNvSpPr>
-            <a:spLocks noGrp="1"/>
-          </p:cNvSpPr>
-          <p:nvPr>
-            <p:ph type="title"/>
-          </p:nvPr>
-        </p:nvSpPr>
-        <p:spPr>
-          <a:xfrm>
-            <a:off x="9113520" y="944247"/>
-            <a:ext cx="1264920" cy="335913"/>
-          </a:xfrm>
-        </p:spPr>
-        <p:txBody>
-          <a:bodyPr>
-            <a:normAutofit fontScale="90000"/>
-          </a:bodyPr>
-          <a:lstStyle/>
-          <a:p>
-            <a:pPr algn="ctr"/>
-            <a:r>
-              <a:rPr lang="en-US" sz="1800" dirty="0">
-                <a:solidFill>
-                  <a:schemeClr val="tx1">
-                    <a:lumMod val="75000"/>
-                    <a:lumOff val="25000"/>
-                  </a:schemeClr>
-                </a:solidFill>
-                <a:latin typeface="Palatino Linotype" panose="02040502050505030304" pitchFamily="18" charset="0"/>
-                <a:cs typeface="Segoe UI Light" panose="020B0502040204020203" pitchFamily="34" charset="0"/>
-              </a:rPr>
-              <a:t>Green</a:t>
-            </a:r>
-          </a:p>
-        </p:txBody>
-      </p:sp>
-      <p:sp>
-        <p:nvSpPr>
-          <p:cNvPr id="6" name="Title 1">
-            <a:extLst>
-              <a:ext uri="{FF2B5EF4-FFF2-40B4-BE49-F238E27FC236}">
-                <a16:creationId xmlns:a16="http://schemas.microsoft.com/office/drawing/2014/main" id="{2A544AAE-4FC7-455B-BA3A-607588E05EB4}"/>
-              </a:ext>
-            </a:extLst>
-          </p:cNvPr>
-          <p:cNvSpPr txBox="1">
-            <a:spLocks/>
-          </p:cNvSpPr>
-          <p:nvPr/>
-        </p:nvSpPr>
-        <p:spPr>
-          <a:xfrm>
-            <a:off x="9133124" y="3494076"/>
-            <a:ext cx="1264920" cy="335913"/>
-          </a:xfrm>
-          <a:prstGeom prst="rect">
-            <a:avLst/>
-          </a:prstGeom>
-        </p:spPr>
-        <p:txBody>
-          <a:bodyPr vert="horz" lIns="91440" tIns="45720" rIns="91440" bIns="45720" rtlCol="0" anchor="ctr">
-            <a:normAutofit fontScale="97500" lnSpcReduction="10000"/>
-          </a:bodyPr>
-          <a:lstStyle>
-            <a:lvl1pPr algn="l" defTabSz="914400" rtl="0" eaLnBrk="1" latinLnBrk="0" hangingPunct="1">
-              <a:lnSpc>
-                <a:spcPct val="90000"/>
-              </a:lnSpc>
-              <a:spcBef>
-                <a:spcPct val="0"/>
-              </a:spcBef>
-              <a:buNone/>
-              <a:defRPr sz="4400" kern="1200">
-                <a:solidFill>
-                  <a:schemeClr val="tx1"/>
-                </a:solidFill>
-                <a:latin typeface="+mj-lt"/>
-                <a:ea typeface="+mj-ea"/>
-                <a:cs typeface="+mj-cs"/>
-              </a:defRPr>
-            </a:lvl1pPr>
-          </a:lstStyle>
-          <a:p>
-            <a:pPr algn="ctr"/>
-            <a:r>
-              <a:rPr lang="en-US" sz="1800" dirty="0">
-                <a:solidFill>
-                  <a:schemeClr val="tx1">
-                    <a:lumMod val="75000"/>
-                    <a:lumOff val="25000"/>
-                  </a:schemeClr>
-                </a:solidFill>
-                <a:latin typeface="Palatino Linotype" panose="02040502050505030304" pitchFamily="18" charset="0"/>
-                <a:cs typeface="Segoe UI Light" panose="020B0502040204020203" pitchFamily="34" charset="0"/>
-              </a:rPr>
-              <a:t>Black</a:t>
-            </a:r>
-          </a:p>
-        </p:txBody>
-      </p:sp>
+        <p:style>
+          <a:lnRef idx="3">
+            <a:schemeClr val="accent6"/>
+          </a:lnRef>
+          <a:fillRef idx="0">
+            <a:schemeClr val="accent6"/>
+          </a:fillRef>
+          <a:effectRef idx="2">
+            <a:schemeClr val="accent6"/>
+          </a:effectRef>
+          <a:fontRef idx="minor">
+            <a:schemeClr val="tx1"/>
+          </a:fontRef>
+        </p:style>
+      </p:cxnSp>
     </p:spTree>
     <p:extLst>
       <p:ext uri="{BB962C8B-B14F-4D97-AF65-F5344CB8AC3E}">
-        <p14:creationId xmlns:p14="http://schemas.microsoft.com/office/powerpoint/2010/main" val="3297815637"/>
+        <p14:creationId xmlns:p14="http://schemas.microsoft.com/office/powerpoint/2010/main" val="3128685932"/>
       </p:ext>
     </p:extLst>
   </p:cSld>
@@ -7638,6 +7392,286 @@
       </p:grpSpPr>
       <p:pic>
         <p:nvPicPr>
+          <p:cNvPr id="9" name="Content Placeholder 8">
+            <a:extLst>
+              <a:ext uri="{FF2B5EF4-FFF2-40B4-BE49-F238E27FC236}">
+                <a16:creationId xmlns:a16="http://schemas.microsoft.com/office/drawing/2014/main" id="{5BD3C5EF-FCAE-45A4-8C11-43C212BA8BD0}"/>
+              </a:ext>
+            </a:extLst>
+          </p:cNvPr>
+          <p:cNvPicPr>
+            <a:picLocks noGrp="1" noChangeAspect="1"/>
+          </p:cNvPicPr>
+          <p:nvPr>
+            <p:ph idx="1"/>
+          </p:nvPr>
+        </p:nvPicPr>
+        <p:blipFill>
+          <a:blip r:embed="rId3">
+            <a:extLst>
+              <a:ext uri="{28A0092B-C50C-407E-A947-70E740481C1C}">
+                <a14:useLocalDpi xmlns:a14="http://schemas.microsoft.com/office/drawing/2010/main" val="0"/>
+              </a:ext>
+            </a:extLst>
+          </a:blip>
+          <a:stretch>
+            <a:fillRect/>
+          </a:stretch>
+        </p:blipFill>
+        <p:spPr>
+          <a:xfrm>
+            <a:off x="3246596" y="1250156"/>
+            <a:ext cx="4357688" cy="4357688"/>
+          </a:xfrm>
+        </p:spPr>
+      </p:pic>
+      <p:pic>
+        <p:nvPicPr>
+          <p:cNvPr id="3" name="Picture 4">
+            <a:extLst>
+              <a:ext uri="{FF2B5EF4-FFF2-40B4-BE49-F238E27FC236}">
+                <a16:creationId xmlns:a16="http://schemas.microsoft.com/office/drawing/2014/main" id="{01F1093D-6EF1-4D23-B54F-6B4555E7E505}"/>
+              </a:ext>
+            </a:extLst>
+          </p:cNvPr>
+          <p:cNvPicPr>
+            <a:picLocks noChangeAspect="1" noChangeArrowheads="1"/>
+          </p:cNvPicPr>
+          <p:nvPr/>
+        </p:nvPicPr>
+        <p:blipFill>
+          <a:blip r:embed="rId4">
+            <a:extLst>
+              <a:ext uri="{28A0092B-C50C-407E-A947-70E740481C1C}">
+                <a14:useLocalDpi xmlns:a14="http://schemas.microsoft.com/office/drawing/2010/main" val="0"/>
+              </a:ext>
+            </a:extLst>
+          </a:blip>
+          <a:srcRect/>
+          <a:stretch>
+            <a:fillRect/>
+          </a:stretch>
+        </p:blipFill>
+        <p:spPr bwMode="auto">
+          <a:xfrm>
+            <a:off x="9001009" y="1250156"/>
+            <a:ext cx="1529150" cy="1529150"/>
+          </a:xfrm>
+          <a:prstGeom prst="rect">
+            <a:avLst/>
+          </a:prstGeom>
+          <a:noFill/>
+          <a:extLst>
+            <a:ext uri="{909E8E84-426E-40DD-AFC4-6F175D3DCCD1}">
+              <a14:hiddenFill xmlns:a14="http://schemas.microsoft.com/office/drawing/2010/main">
+                <a:solidFill>
+                  <a:srgbClr val="FFFFFF"/>
+                </a:solidFill>
+              </a14:hiddenFill>
+            </a:ext>
+          </a:extLst>
+        </p:spPr>
+      </p:pic>
+      <p:pic>
+        <p:nvPicPr>
+          <p:cNvPr id="4" name="Picture 4">
+            <a:extLst>
+              <a:ext uri="{FF2B5EF4-FFF2-40B4-BE49-F238E27FC236}">
+                <a16:creationId xmlns:a16="http://schemas.microsoft.com/office/drawing/2014/main" id="{638A8331-A71A-4E98-9D0D-6F4A32CFC19B}"/>
+              </a:ext>
+            </a:extLst>
+          </p:cNvPr>
+          <p:cNvPicPr>
+            <a:picLocks noChangeAspect="1" noChangeArrowheads="1"/>
+          </p:cNvPicPr>
+          <p:nvPr/>
+        </p:nvPicPr>
+        <p:blipFill>
+          <a:blip r:embed="rId4">
+            <a:extLst>
+              <a:ext uri="{28A0092B-C50C-407E-A947-70E740481C1C}">
+                <a14:useLocalDpi xmlns:a14="http://schemas.microsoft.com/office/drawing/2010/main" val="0"/>
+              </a:ext>
+            </a:extLst>
+          </a:blip>
+          <a:srcRect/>
+          <a:stretch>
+            <a:fillRect/>
+          </a:stretch>
+        </p:blipFill>
+        <p:spPr bwMode="auto">
+          <a:xfrm>
+            <a:off x="9001009" y="3769346"/>
+            <a:ext cx="1529150" cy="1529150"/>
+          </a:xfrm>
+          <a:prstGeom prst="rect">
+            <a:avLst/>
+          </a:prstGeom>
+          <a:noFill/>
+          <a:extLst>
+            <a:ext uri="{909E8E84-426E-40DD-AFC4-6F175D3DCCD1}">
+              <a14:hiddenFill xmlns:a14="http://schemas.microsoft.com/office/drawing/2010/main">
+                <a:solidFill>
+                  <a:srgbClr val="FFFFFF"/>
+                </a:solidFill>
+              </a14:hiddenFill>
+            </a:ext>
+          </a:extLst>
+        </p:spPr>
+      </p:pic>
+      <p:sp>
+        <p:nvSpPr>
+          <p:cNvPr id="5" name="Title 1">
+            <a:extLst>
+              <a:ext uri="{FF2B5EF4-FFF2-40B4-BE49-F238E27FC236}">
+                <a16:creationId xmlns:a16="http://schemas.microsoft.com/office/drawing/2014/main" id="{5EC28168-F632-493E-8DF7-2FDD6EC1FD71}"/>
+              </a:ext>
+            </a:extLst>
+          </p:cNvPr>
+          <p:cNvSpPr>
+            <a:spLocks noGrp="1"/>
+          </p:cNvSpPr>
+          <p:nvPr>
+            <p:ph type="title"/>
+          </p:nvPr>
+        </p:nvSpPr>
+        <p:spPr>
+          <a:xfrm>
+            <a:off x="9113520" y="944247"/>
+            <a:ext cx="1264920" cy="335913"/>
+          </a:xfrm>
+        </p:spPr>
+        <p:txBody>
+          <a:bodyPr>
+            <a:normAutofit fontScale="90000"/>
+          </a:bodyPr>
+          <a:lstStyle/>
+          <a:p>
+            <a:pPr algn="ctr"/>
+            <a:r>
+              <a:rPr lang="en-US" sz="1800" dirty="0">
+                <a:solidFill>
+                  <a:schemeClr val="tx1">
+                    <a:lumMod val="75000"/>
+                    <a:lumOff val="25000"/>
+                  </a:schemeClr>
+                </a:solidFill>
+                <a:latin typeface="Palatino Linotype" panose="02040502050505030304" pitchFamily="18" charset="0"/>
+                <a:cs typeface="Segoe UI Light" panose="020B0502040204020203" pitchFamily="34" charset="0"/>
+              </a:rPr>
+              <a:t>Green</a:t>
+            </a:r>
+          </a:p>
+        </p:txBody>
+      </p:sp>
+      <p:sp>
+        <p:nvSpPr>
+          <p:cNvPr id="6" name="Title 1">
+            <a:extLst>
+              <a:ext uri="{FF2B5EF4-FFF2-40B4-BE49-F238E27FC236}">
+                <a16:creationId xmlns:a16="http://schemas.microsoft.com/office/drawing/2014/main" id="{2A544AAE-4FC7-455B-BA3A-607588E05EB4}"/>
+              </a:ext>
+            </a:extLst>
+          </p:cNvPr>
+          <p:cNvSpPr txBox="1">
+            <a:spLocks/>
+          </p:cNvSpPr>
+          <p:nvPr/>
+        </p:nvSpPr>
+        <p:spPr>
+          <a:xfrm>
+            <a:off x="9133124" y="3494076"/>
+            <a:ext cx="1264920" cy="335913"/>
+          </a:xfrm>
+          <a:prstGeom prst="rect">
+            <a:avLst/>
+          </a:prstGeom>
+        </p:spPr>
+        <p:txBody>
+          <a:bodyPr vert="horz" lIns="91440" tIns="45720" rIns="91440" bIns="45720" rtlCol="0" anchor="ctr">
+            <a:normAutofit fontScale="97500" lnSpcReduction="10000"/>
+          </a:bodyPr>
+          <a:lstStyle>
+            <a:lvl1pPr algn="l" defTabSz="914400" rtl="0" eaLnBrk="1" latinLnBrk="0" hangingPunct="1">
+              <a:lnSpc>
+                <a:spcPct val="90000"/>
+              </a:lnSpc>
+              <a:spcBef>
+                <a:spcPct val="0"/>
+              </a:spcBef>
+              <a:buNone/>
+              <a:defRPr sz="4400" kern="1200">
+                <a:solidFill>
+                  <a:schemeClr val="tx1"/>
+                </a:solidFill>
+                <a:latin typeface="+mj-lt"/>
+                <a:ea typeface="+mj-ea"/>
+                <a:cs typeface="+mj-cs"/>
+              </a:defRPr>
+            </a:lvl1pPr>
+          </a:lstStyle>
+          <a:p>
+            <a:pPr algn="ctr"/>
+            <a:r>
+              <a:rPr lang="en-US" sz="1800" dirty="0">
+                <a:solidFill>
+                  <a:schemeClr val="tx1">
+                    <a:lumMod val="75000"/>
+                    <a:lumOff val="25000"/>
+                  </a:schemeClr>
+                </a:solidFill>
+                <a:latin typeface="Palatino Linotype" panose="02040502050505030304" pitchFamily="18" charset="0"/>
+                <a:cs typeface="Segoe UI Light" panose="020B0502040204020203" pitchFamily="34" charset="0"/>
+              </a:rPr>
+              <a:t>Black</a:t>
+            </a:r>
+          </a:p>
+        </p:txBody>
+      </p:sp>
+    </p:spTree>
+    <p:extLst>
+      <p:ext uri="{BB962C8B-B14F-4D97-AF65-F5344CB8AC3E}">
+        <p14:creationId xmlns:p14="http://schemas.microsoft.com/office/powerpoint/2010/main" val="3297815637"/>
+      </p:ext>
+    </p:extLst>
+  </p:cSld>
+  <p:clrMapOvr>
+    <a:masterClrMapping/>
+  </p:clrMapOvr>
+  <mc:AlternateContent xmlns:mc="http://schemas.openxmlformats.org/markup-compatibility/2006" xmlns:p14="http://schemas.microsoft.com/office/powerpoint/2010/main">
+    <mc:Choice Requires="p14">
+      <p:transition spd="med" p14:dur="700">
+        <p:fade/>
+      </p:transition>
+    </mc:Choice>
+    <mc:Fallback xmlns="">
+      <p:transition spd="med">
+        <p:fade/>
+      </p:transition>
+    </mc:Fallback>
+  </mc:AlternateContent>
+</p:sld>
+</file>
+
+<file path=ppt/slides/slide12.xml><?xml version="1.0" encoding="utf-8"?>
+<p:sld xmlns:a="http://schemas.openxmlformats.org/drawingml/2006/main" xmlns:r="http://schemas.openxmlformats.org/officeDocument/2006/relationships" xmlns:p="http://schemas.openxmlformats.org/presentationml/2006/main">
+  <p:cSld>
+    <p:spTree>
+      <p:nvGrpSpPr>
+        <p:cNvPr id="1" name=""/>
+        <p:cNvGrpSpPr/>
+        <p:nvPr/>
+      </p:nvGrpSpPr>
+      <p:grpSpPr>
+        <a:xfrm>
+          <a:off x="0" y="0"/>
+          <a:ext cx="0" cy="0"/>
+          <a:chOff x="0" y="0"/>
+          <a:chExt cx="0" cy="0"/>
+        </a:xfrm>
+      </p:grpSpPr>
+      <p:pic>
+        <p:nvPicPr>
           <p:cNvPr id="5" name="Picture 4" descr="A picture containing text, clipart&#10;&#10;Description automatically generated">
             <a:extLst>
               <a:ext uri="{FF2B5EF4-FFF2-40B4-BE49-F238E27FC236}">
@@ -7818,7 +7852,7 @@
 </p:sld>
 </file>
 
-<file path=ppt/slides/slide12.xml><?xml version="1.0" encoding="utf-8"?>
+<file path=ppt/slides/slide13.xml><?xml version="1.0" encoding="utf-8"?>
 <p:sld xmlns:a="http://schemas.openxmlformats.org/drawingml/2006/main" xmlns:r="http://schemas.openxmlformats.org/officeDocument/2006/relationships" xmlns:p="http://schemas.openxmlformats.org/presentationml/2006/main">
   <p:cSld>
     <p:spTree>
@@ -8017,7 +8051,7 @@
 </p:sld>
 </file>
 
-<file path=ppt/slides/slide13.xml><?xml version="1.0" encoding="utf-8"?>
+<file path=ppt/slides/slide14.xml><?xml version="1.0" encoding="utf-8"?>
 <p:sld xmlns:a="http://schemas.openxmlformats.org/drawingml/2006/main" xmlns:r="http://schemas.openxmlformats.org/officeDocument/2006/relationships" xmlns:p="http://schemas.openxmlformats.org/presentationml/2006/main">
   <p:cSld>
     <p:spTree>
@@ -8538,7 +8572,7 @@
 </p:sld>
 </file>
 
-<file path=ppt/slides/slide14.xml><?xml version="1.0" encoding="utf-8"?>
+<file path=ppt/slides/slide15.xml><?xml version="1.0" encoding="utf-8"?>
 <p:sld xmlns:a="http://schemas.openxmlformats.org/drawingml/2006/main" xmlns:r="http://schemas.openxmlformats.org/officeDocument/2006/relationships" xmlns:p="http://schemas.openxmlformats.org/presentationml/2006/main">
   <p:cSld>
     <p:spTree>
@@ -8846,7 +8880,7 @@
 </p:sld>
 </file>
 
-<file path=ppt/slides/slide15.xml><?xml version="1.0" encoding="utf-8"?>
+<file path=ppt/slides/slide16.xml><?xml version="1.0" encoding="utf-8"?>
 <p:sld xmlns:a="http://schemas.openxmlformats.org/drawingml/2006/main" xmlns:r="http://schemas.openxmlformats.org/officeDocument/2006/relationships" xmlns:p="http://schemas.openxmlformats.org/presentationml/2006/main">
   <p:cSld>
     <p:spTree>
@@ -9011,7 +9045,7 @@
 </p:sld>
 </file>
 
-<file path=ppt/slides/slide16.xml><?xml version="1.0" encoding="utf-8"?>
+<file path=ppt/slides/slide17.xml><?xml version="1.0" encoding="utf-8"?>
 <p:sld xmlns:a="http://schemas.openxmlformats.org/drawingml/2006/main" xmlns:r="http://schemas.openxmlformats.org/officeDocument/2006/relationships" xmlns:p="http://schemas.openxmlformats.org/presentationml/2006/main">
   <p:cSld>
     <p:spTree>
@@ -9430,7 +9464,7 @@
 </p:sld>
 </file>
 
-<file path=ppt/slides/slide17.xml><?xml version="1.0" encoding="utf-8"?>
+<file path=ppt/slides/slide18.xml><?xml version="1.0" encoding="utf-8"?>
 <p:sld xmlns:a="http://schemas.openxmlformats.org/drawingml/2006/main" xmlns:r="http://schemas.openxmlformats.org/officeDocument/2006/relationships" xmlns:p="http://schemas.openxmlformats.org/presentationml/2006/main">
   <p:cSld>
     <p:spTree>
@@ -9621,7 +9655,7 @@
 </p:sld>
 </file>
 
-<file path=ppt/slides/slide18.xml><?xml version="1.0" encoding="utf-8"?>
+<file path=ppt/slides/slide19.xml><?xml version="1.0" encoding="utf-8"?>
 <p:sld xmlns:a="http://schemas.openxmlformats.org/drawingml/2006/main" xmlns:r="http://schemas.openxmlformats.org/officeDocument/2006/relationships" xmlns:p="http://schemas.openxmlformats.org/presentationml/2006/main">
   <p:cSld>
     <p:spTree>
@@ -9663,303 +9697,6 @@
 </p:sld>
 </file>
 
-<file path=ppt/slides/slide19.xml><?xml version="1.0" encoding="utf-8"?>
-<p:sld xmlns:a="http://schemas.openxmlformats.org/drawingml/2006/main" xmlns:r="http://schemas.openxmlformats.org/officeDocument/2006/relationships" xmlns:p="http://schemas.openxmlformats.org/presentationml/2006/main">
-  <p:cSld>
-    <p:spTree>
-      <p:nvGrpSpPr>
-        <p:cNvPr id="1" name=""/>
-        <p:cNvGrpSpPr/>
-        <p:nvPr/>
-      </p:nvGrpSpPr>
-      <p:grpSpPr>
-        <a:xfrm>
-          <a:off x="0" y="0"/>
-          <a:ext cx="0" cy="0"/>
-          <a:chOff x="0" y="0"/>
-          <a:chExt cx="0" cy="0"/>
-        </a:xfrm>
-      </p:grpSpPr>
-      <p:pic>
-        <p:nvPicPr>
-          <p:cNvPr id="1026" name="Picture 2">
-            <a:extLst>
-              <a:ext uri="{FF2B5EF4-FFF2-40B4-BE49-F238E27FC236}">
-                <a16:creationId xmlns:a16="http://schemas.microsoft.com/office/drawing/2014/main" id="{ADF42002-E760-4B51-89C4-9FD1FCB9E555}"/>
-              </a:ext>
-            </a:extLst>
-          </p:cNvPr>
-          <p:cNvPicPr>
-            <a:picLocks noChangeAspect="1" noChangeArrowheads="1"/>
-          </p:cNvPicPr>
-          <p:nvPr/>
-        </p:nvPicPr>
-        <p:blipFill>
-          <a:blip r:embed="rId3">
-            <a:extLst>
-              <a:ext uri="{28A0092B-C50C-407E-A947-70E740481C1C}">
-                <a14:useLocalDpi xmlns:a14="http://schemas.microsoft.com/office/drawing/2010/main" val="0"/>
-              </a:ext>
-            </a:extLst>
-          </a:blip>
-          <a:srcRect/>
-          <a:stretch>
-            <a:fillRect/>
-          </a:stretch>
-        </p:blipFill>
-        <p:spPr bwMode="auto">
-          <a:xfrm>
-            <a:off x="1356095" y="2540430"/>
-            <a:ext cx="2402236" cy="2402236"/>
-          </a:xfrm>
-          <a:prstGeom prst="rect">
-            <a:avLst/>
-          </a:prstGeom>
-          <a:noFill/>
-          <a:extLst>
-            <a:ext uri="{909E8E84-426E-40DD-AFC4-6F175D3DCCD1}">
-              <a14:hiddenFill xmlns:a14="http://schemas.microsoft.com/office/drawing/2010/main">
-                <a:solidFill>
-                  <a:srgbClr val="FFFFFF"/>
-                </a:solidFill>
-              </a14:hiddenFill>
-            </a:ext>
-          </a:extLst>
-        </p:spPr>
-      </p:pic>
-      <p:pic>
-        <p:nvPicPr>
-          <p:cNvPr id="1028" name="Picture 4">
-            <a:extLst>
-              <a:ext uri="{FF2B5EF4-FFF2-40B4-BE49-F238E27FC236}">
-                <a16:creationId xmlns:a16="http://schemas.microsoft.com/office/drawing/2014/main" id="{DF617F34-2A94-4F43-B2D6-CB65838B26D6}"/>
-              </a:ext>
-            </a:extLst>
-          </p:cNvPr>
-          <p:cNvPicPr>
-            <a:picLocks noChangeAspect="1" noChangeArrowheads="1"/>
-          </p:cNvPicPr>
-          <p:nvPr/>
-        </p:nvPicPr>
-        <p:blipFill>
-          <a:blip r:embed="rId4">
-            <a:extLst>
-              <a:ext uri="{28A0092B-C50C-407E-A947-70E740481C1C}">
-                <a14:useLocalDpi xmlns:a14="http://schemas.microsoft.com/office/drawing/2010/main" val="0"/>
-              </a:ext>
-            </a:extLst>
-          </a:blip>
-          <a:srcRect/>
-          <a:stretch>
-            <a:fillRect/>
-          </a:stretch>
-        </p:blipFill>
-        <p:spPr bwMode="auto">
-          <a:xfrm>
-            <a:off x="4923298" y="2528803"/>
-            <a:ext cx="2402237" cy="2402237"/>
-          </a:xfrm>
-          <a:prstGeom prst="rect">
-            <a:avLst/>
-          </a:prstGeom>
-          <a:noFill/>
-          <a:extLst>
-            <a:ext uri="{909E8E84-426E-40DD-AFC4-6F175D3DCCD1}">
-              <a14:hiddenFill xmlns:a14="http://schemas.microsoft.com/office/drawing/2010/main">
-                <a:solidFill>
-                  <a:srgbClr val="FFFFFF"/>
-                </a:solidFill>
-              </a14:hiddenFill>
-            </a:ext>
-          </a:extLst>
-        </p:spPr>
-      </p:pic>
-      <p:pic>
-        <p:nvPicPr>
-          <p:cNvPr id="1030" name="Picture 6">
-            <a:extLst>
-              <a:ext uri="{FF2B5EF4-FFF2-40B4-BE49-F238E27FC236}">
-                <a16:creationId xmlns:a16="http://schemas.microsoft.com/office/drawing/2014/main" id="{517DF522-1FD5-4D64-843C-6804490B7765}"/>
-              </a:ext>
-            </a:extLst>
-          </p:cNvPr>
-          <p:cNvPicPr>
-            <a:picLocks noChangeAspect="1" noChangeArrowheads="1"/>
-          </p:cNvPicPr>
-          <p:nvPr/>
-        </p:nvPicPr>
-        <p:blipFill>
-          <a:blip r:embed="rId5">
-            <a:extLst>
-              <a:ext uri="{28A0092B-C50C-407E-A947-70E740481C1C}">
-                <a14:useLocalDpi xmlns:a14="http://schemas.microsoft.com/office/drawing/2010/main" val="0"/>
-              </a:ext>
-            </a:extLst>
-          </a:blip>
-          <a:srcRect/>
-          <a:stretch>
-            <a:fillRect/>
-          </a:stretch>
-        </p:blipFill>
-        <p:spPr bwMode="auto">
-          <a:xfrm>
-            <a:off x="8284825" y="2528804"/>
-            <a:ext cx="2402237" cy="2402237"/>
-          </a:xfrm>
-          <a:prstGeom prst="rect">
-            <a:avLst/>
-          </a:prstGeom>
-          <a:noFill/>
-          <a:extLst>
-            <a:ext uri="{909E8E84-426E-40DD-AFC4-6F175D3DCCD1}">
-              <a14:hiddenFill xmlns:a14="http://schemas.microsoft.com/office/drawing/2010/main">
-                <a:solidFill>
-                  <a:srgbClr val="FFFFFF"/>
-                </a:solidFill>
-              </a14:hiddenFill>
-            </a:ext>
-          </a:extLst>
-        </p:spPr>
-      </p:pic>
-      <p:sp>
-        <p:nvSpPr>
-          <p:cNvPr id="2" name="TextBox 1">
-            <a:extLst>
-              <a:ext uri="{FF2B5EF4-FFF2-40B4-BE49-F238E27FC236}">
-                <a16:creationId xmlns:a16="http://schemas.microsoft.com/office/drawing/2014/main" id="{7F5D94AC-1FAF-423E-AE7E-54394A464204}"/>
-              </a:ext>
-            </a:extLst>
-          </p:cNvPr>
-          <p:cNvSpPr txBox="1"/>
-          <p:nvPr/>
-        </p:nvSpPr>
-        <p:spPr>
-          <a:xfrm>
-            <a:off x="995727" y="2159473"/>
-            <a:ext cx="3122971" cy="369332"/>
-          </a:xfrm>
-          <a:prstGeom prst="rect">
-            <a:avLst/>
-          </a:prstGeom>
-          <a:noFill/>
-        </p:spPr>
-        <p:txBody>
-          <a:bodyPr wrap="none" rtlCol="0">
-            <a:spAutoFit/>
-          </a:bodyPr>
-          <a:lstStyle/>
-          <a:p>
-            <a:pPr algn="ctr"/>
-            <a:r>
-              <a:rPr lang="en-US" dirty="0">
-                <a:latin typeface="Palatino Linotype" panose="02040502050505030304" pitchFamily="18" charset="0"/>
-              </a:rPr>
-              <a:t>Multi-Select Multiple Choice</a:t>
-            </a:r>
-          </a:p>
-        </p:txBody>
-      </p:sp>
-      <p:sp>
-        <p:nvSpPr>
-          <p:cNvPr id="6" name="TextBox 5">
-            <a:extLst>
-              <a:ext uri="{FF2B5EF4-FFF2-40B4-BE49-F238E27FC236}">
-                <a16:creationId xmlns:a16="http://schemas.microsoft.com/office/drawing/2014/main" id="{0DCC0B5F-A743-40FD-A0F5-EC444DA70478}"/>
-              </a:ext>
-            </a:extLst>
-          </p:cNvPr>
-          <p:cNvSpPr txBox="1"/>
-          <p:nvPr/>
-        </p:nvSpPr>
-        <p:spPr>
-          <a:xfrm>
-            <a:off x="8227992" y="2145308"/>
-            <a:ext cx="2813591" cy="369332"/>
-          </a:xfrm>
-          <a:prstGeom prst="rect">
-            <a:avLst/>
-          </a:prstGeom>
-          <a:noFill/>
-        </p:spPr>
-        <p:txBody>
-          <a:bodyPr wrap="square" rtlCol="0">
-            <a:spAutoFit/>
-          </a:bodyPr>
-          <a:lstStyle/>
-          <a:p>
-            <a:pPr algn="ctr"/>
-            <a:r>
-              <a:rPr lang="en-US" dirty="0">
-                <a:latin typeface="Palatino Linotype" panose="02040502050505030304" pitchFamily="18" charset="0"/>
-              </a:rPr>
-              <a:t>Word Cloud</a:t>
-            </a:r>
-          </a:p>
-        </p:txBody>
-      </p:sp>
-      <p:sp>
-        <p:nvSpPr>
-          <p:cNvPr id="7" name="TextBox 6">
-            <a:extLst>
-              <a:ext uri="{FF2B5EF4-FFF2-40B4-BE49-F238E27FC236}">
-                <a16:creationId xmlns:a16="http://schemas.microsoft.com/office/drawing/2014/main" id="{D521A040-8C3B-464B-9C58-2408B67434D1}"/>
-              </a:ext>
-            </a:extLst>
-          </p:cNvPr>
-          <p:cNvSpPr txBox="1"/>
-          <p:nvPr/>
-        </p:nvSpPr>
-        <p:spPr>
-          <a:xfrm>
-            <a:off x="4438445" y="2145308"/>
-            <a:ext cx="3371949" cy="369332"/>
-          </a:xfrm>
-          <a:prstGeom prst="rect">
-            <a:avLst/>
-          </a:prstGeom>
-          <a:noFill/>
-        </p:spPr>
-        <p:txBody>
-          <a:bodyPr wrap="none" rtlCol="0">
-            <a:spAutoFit/>
-          </a:bodyPr>
-          <a:lstStyle/>
-          <a:p>
-            <a:pPr algn="ctr"/>
-            <a:r>
-              <a:rPr lang="en-US" dirty="0">
-                <a:latin typeface="Palatino Linotype" panose="02040502050505030304" pitchFamily="18" charset="0"/>
-              </a:rPr>
-              <a:t>Single Answer Multiple Choice</a:t>
-            </a:r>
-          </a:p>
-        </p:txBody>
-      </p:sp>
-    </p:spTree>
-    <p:extLst>
-      <p:ext uri="{BB962C8B-B14F-4D97-AF65-F5344CB8AC3E}">
-        <p14:creationId xmlns:p14="http://schemas.microsoft.com/office/powerpoint/2010/main" val="3702438172"/>
-      </p:ext>
-    </p:extLst>
-  </p:cSld>
-  <p:clrMapOvr>
-    <a:masterClrMapping/>
-  </p:clrMapOvr>
-  <mc:AlternateContent xmlns:mc="http://schemas.openxmlformats.org/markup-compatibility/2006" xmlns:p14="http://schemas.microsoft.com/office/powerpoint/2010/main">
-    <mc:Choice Requires="p14">
-      <p:transition spd="med" p14:dur="700">
-        <p:fade/>
-      </p:transition>
-    </mc:Choice>
-    <mc:Fallback xmlns="">
-      <p:transition spd="med">
-        <p:fade/>
-      </p:transition>
-    </mc:Fallback>
-  </mc:AlternateContent>
-</p:sld>
-</file>
-
 <file path=ppt/slides/slide2.xml><?xml version="1.0" encoding="utf-8"?>
 <p:sld xmlns:a="http://schemas.openxmlformats.org/drawingml/2006/main" xmlns:r="http://schemas.openxmlformats.org/officeDocument/2006/relationships" xmlns:p="http://schemas.openxmlformats.org/presentationml/2006/main">
   <p:cSld>
@@ -9977,130 +9714,774 @@
           <a:chExt cx="0" cy="0"/>
         </a:xfrm>
       </p:grpSpPr>
-      <p:pic>
-        <p:nvPicPr>
-          <p:cNvPr id="9" name="Content Placeholder 8" descr="Diagram&#10;&#10;Description automatically generated">
+      <p:sp>
+        <p:nvSpPr>
+          <p:cNvPr id="2" name="Title 1">
             <a:extLst>
               <a:ext uri="{FF2B5EF4-FFF2-40B4-BE49-F238E27FC236}">
-                <a16:creationId xmlns:a16="http://schemas.microsoft.com/office/drawing/2014/main" id="{78B9FACE-FC36-4CD0-93A0-83E1A5BA9D0F}"/>
+                <a16:creationId xmlns:a16="http://schemas.microsoft.com/office/drawing/2014/main" id="{0E138177-E2EE-ACAC-A57C-F03FA29EC836}"/>
               </a:ext>
             </a:extLst>
           </p:cNvPr>
-          <p:cNvPicPr>
-            <a:picLocks noGrp="1" noChangeAspect="1"/>
-          </p:cNvPicPr>
+          <p:cNvSpPr>
+            <a:spLocks noGrp="1"/>
+          </p:cNvSpPr>
+          <p:nvPr>
+            <p:ph type="title"/>
+          </p:nvPr>
+        </p:nvSpPr>
+        <p:spPr/>
+        <p:txBody>
+          <a:bodyPr/>
+          <a:lstStyle/>
+          <a:p>
+            <a:r>
+              <a:rPr lang="en-US" dirty="0">
+                <a:solidFill>
+                  <a:schemeClr val="tx1">
+                    <a:lumMod val="75000"/>
+                    <a:lumOff val="25000"/>
+                  </a:schemeClr>
+                </a:solidFill>
+                <a:latin typeface="Palatino Linotype" panose="02040502050505030304" pitchFamily="18" charset="0"/>
+              </a:rPr>
+              <a:t>Lesson Overview</a:t>
+            </a:r>
+          </a:p>
+        </p:txBody>
+      </p:sp>
+      <p:sp>
+        <p:nvSpPr>
+          <p:cNvPr id="3" name="Content Placeholder 2">
+            <a:extLst>
+              <a:ext uri="{FF2B5EF4-FFF2-40B4-BE49-F238E27FC236}">
+                <a16:creationId xmlns:a16="http://schemas.microsoft.com/office/drawing/2014/main" id="{8626DB86-54B4-A1E2-6C25-C049F364ED25}"/>
+              </a:ext>
+            </a:extLst>
+          </p:cNvPr>
+          <p:cNvSpPr>
+            <a:spLocks noGrp="1"/>
+          </p:cNvSpPr>
           <p:nvPr>
             <p:ph idx="1"/>
           </p:nvPr>
-        </p:nvPicPr>
-        <p:blipFill>
-          <a:blip r:embed="rId3">
-            <a:extLst>
-              <a:ext uri="{28A0092B-C50C-407E-A947-70E740481C1C}">
-                <a14:useLocalDpi xmlns:a14="http://schemas.microsoft.com/office/drawing/2010/main" val="0"/>
-              </a:ext>
-            </a:extLst>
-          </a:blip>
-          <a:stretch>
-            <a:fillRect/>
-          </a:stretch>
-        </p:blipFill>
+        </p:nvSpPr>
         <p:spPr>
           <a:xfrm>
-            <a:off x="2486231" y="936136"/>
-            <a:ext cx="7219538" cy="4985728"/>
+            <a:off x="1013564" y="1825626"/>
+            <a:ext cx="10515600" cy="504215"/>
           </a:xfrm>
         </p:spPr>
-      </p:pic>
-      <p:sp>
-        <p:nvSpPr>
-          <p:cNvPr id="3" name="TextBox 2">
+        <p:txBody>
+          <a:bodyPr/>
+          <a:lstStyle/>
+          <a:p>
+            <a:pPr>
+              <a:buFont typeface="Wingdings" panose="05000000000000000000" pitchFamily="2" charset="2"/>
+              <a:buChar char="Ø"/>
+            </a:pPr>
+            <a:r>
+              <a:rPr lang="en-US" dirty="0">
+                <a:solidFill>
+                  <a:schemeClr val="tx1">
+                    <a:lumMod val="75000"/>
+                    <a:lumOff val="25000"/>
+                  </a:schemeClr>
+                </a:solidFill>
+              </a:rPr>
+              <a:t> </a:t>
+            </a:r>
+            <a:r>
+              <a:rPr lang="en-US" dirty="0">
+                <a:solidFill>
+                  <a:schemeClr val="tx1">
+                    <a:lumMod val="75000"/>
+                    <a:lumOff val="25000"/>
+                  </a:schemeClr>
+                </a:solidFill>
+                <a:latin typeface="Palatino Linotype" panose="02040502050505030304" pitchFamily="18" charset="0"/>
+              </a:rPr>
+              <a:t>Learning Objective 1</a:t>
+            </a:r>
+          </a:p>
+        </p:txBody>
+      </p:sp>
+      <p:sp>
+        <p:nvSpPr>
+          <p:cNvPr id="5" name="Content Placeholder 2">
             <a:extLst>
               <a:ext uri="{FF2B5EF4-FFF2-40B4-BE49-F238E27FC236}">
-                <a16:creationId xmlns:a16="http://schemas.microsoft.com/office/drawing/2014/main" id="{6C805AE1-BBD5-4729-B84B-BD4BF734F2D4}"/>
+                <a16:creationId xmlns:a16="http://schemas.microsoft.com/office/drawing/2014/main" id="{7070644F-62DF-8674-4A8A-C2FA1554028E}"/>
               </a:ext>
             </a:extLst>
           </p:cNvPr>
-          <p:cNvSpPr txBox="1"/>
+          <p:cNvSpPr txBox="1">
+            <a:spLocks/>
+          </p:cNvSpPr>
           <p:nvPr/>
         </p:nvSpPr>
         <p:spPr>
           <a:xfrm>
-            <a:off x="11430" y="6550223"/>
-            <a:ext cx="12192000" cy="307777"/>
+            <a:off x="1013564" y="2464778"/>
+            <a:ext cx="10515600" cy="504215"/>
           </a:xfrm>
           <a:prstGeom prst="rect">
             <a:avLst/>
           </a:prstGeom>
-          <a:noFill/>
         </p:spPr>
         <p:txBody>
-          <a:bodyPr wrap="square" rtlCol="0">
-            <a:spAutoFit/>
+          <a:bodyPr vert="horz" lIns="91440" tIns="45720" rIns="91440" bIns="45720" rtlCol="0">
+            <a:normAutofit/>
           </a:bodyPr>
-          <a:lstStyle/>
-          <a:p>
-            <a:r>
-              <a:rPr lang="en-US" sz="1400" dirty="0">
+          <a:lstStyle>
+            <a:lvl1pPr marL="228600" indent="-228600" algn="l" defTabSz="914400" rtl="0" eaLnBrk="1" latinLnBrk="0" hangingPunct="1">
+              <a:lnSpc>
+                <a:spcPct val="90000"/>
+              </a:lnSpc>
+              <a:spcBef>
+                <a:spcPts val="1000"/>
+              </a:spcBef>
+              <a:buFont typeface="Arial" panose="020B0604020202020204" pitchFamily="34" charset="0"/>
+              <a:buChar char="•"/>
+              <a:defRPr sz="2800" kern="1200">
+                <a:solidFill>
+                  <a:schemeClr val="tx1"/>
+                </a:solidFill>
+                <a:latin typeface="+mn-lt"/>
+                <a:ea typeface="+mn-ea"/>
+                <a:cs typeface="+mn-cs"/>
+              </a:defRPr>
+            </a:lvl1pPr>
+            <a:lvl2pPr marL="685800" indent="-228600" algn="l" defTabSz="914400" rtl="0" eaLnBrk="1" latinLnBrk="0" hangingPunct="1">
+              <a:lnSpc>
+                <a:spcPct val="90000"/>
+              </a:lnSpc>
+              <a:spcBef>
+                <a:spcPts val="500"/>
+              </a:spcBef>
+              <a:buFont typeface="Arial" panose="020B0604020202020204" pitchFamily="34" charset="0"/>
+              <a:buChar char="•"/>
+              <a:defRPr sz="2400" kern="1200">
+                <a:solidFill>
+                  <a:schemeClr val="tx1"/>
+                </a:solidFill>
+                <a:latin typeface="+mn-lt"/>
+                <a:ea typeface="+mn-ea"/>
+                <a:cs typeface="+mn-cs"/>
+              </a:defRPr>
+            </a:lvl2pPr>
+            <a:lvl3pPr marL="1143000" indent="-228600" algn="l" defTabSz="914400" rtl="0" eaLnBrk="1" latinLnBrk="0" hangingPunct="1">
+              <a:lnSpc>
+                <a:spcPct val="90000"/>
+              </a:lnSpc>
+              <a:spcBef>
+                <a:spcPts val="500"/>
+              </a:spcBef>
+              <a:buFont typeface="Arial" panose="020B0604020202020204" pitchFamily="34" charset="0"/>
+              <a:buChar char="•"/>
+              <a:defRPr sz="2000" kern="1200">
+                <a:solidFill>
+                  <a:schemeClr val="tx1"/>
+                </a:solidFill>
+                <a:latin typeface="+mn-lt"/>
+                <a:ea typeface="+mn-ea"/>
+                <a:cs typeface="+mn-cs"/>
+              </a:defRPr>
+            </a:lvl3pPr>
+            <a:lvl4pPr marL="1600200" indent="-228600" algn="l" defTabSz="914400" rtl="0" eaLnBrk="1" latinLnBrk="0" hangingPunct="1">
+              <a:lnSpc>
+                <a:spcPct val="90000"/>
+              </a:lnSpc>
+              <a:spcBef>
+                <a:spcPts val="500"/>
+              </a:spcBef>
+              <a:buFont typeface="Arial" panose="020B0604020202020204" pitchFamily="34" charset="0"/>
+              <a:buChar char="•"/>
+              <a:defRPr sz="1800" kern="1200">
+                <a:solidFill>
+                  <a:schemeClr val="tx1"/>
+                </a:solidFill>
+                <a:latin typeface="+mn-lt"/>
+                <a:ea typeface="+mn-ea"/>
+                <a:cs typeface="+mn-cs"/>
+              </a:defRPr>
+            </a:lvl4pPr>
+            <a:lvl5pPr marL="2057400" indent="-228600" algn="l" defTabSz="914400" rtl="0" eaLnBrk="1" latinLnBrk="0" hangingPunct="1">
+              <a:lnSpc>
+                <a:spcPct val="90000"/>
+              </a:lnSpc>
+              <a:spcBef>
+                <a:spcPts val="500"/>
+              </a:spcBef>
+              <a:buFont typeface="Arial" panose="020B0604020202020204" pitchFamily="34" charset="0"/>
+              <a:buChar char="•"/>
+              <a:defRPr sz="1800" kern="1200">
+                <a:solidFill>
+                  <a:schemeClr val="tx1"/>
+                </a:solidFill>
+                <a:latin typeface="+mn-lt"/>
+                <a:ea typeface="+mn-ea"/>
+                <a:cs typeface="+mn-cs"/>
+              </a:defRPr>
+            </a:lvl5pPr>
+            <a:lvl6pPr marL="2514600" indent="-228600" algn="l" defTabSz="914400" rtl="0" eaLnBrk="1" latinLnBrk="0" hangingPunct="1">
+              <a:lnSpc>
+                <a:spcPct val="90000"/>
+              </a:lnSpc>
+              <a:spcBef>
+                <a:spcPts val="500"/>
+              </a:spcBef>
+              <a:buFont typeface="Arial" panose="020B0604020202020204" pitchFamily="34" charset="0"/>
+              <a:buChar char="•"/>
+              <a:defRPr sz="1800" kern="1200">
+                <a:solidFill>
+                  <a:schemeClr val="tx1"/>
+                </a:solidFill>
+                <a:latin typeface="+mn-lt"/>
+                <a:ea typeface="+mn-ea"/>
+                <a:cs typeface="+mn-cs"/>
+              </a:defRPr>
+            </a:lvl6pPr>
+            <a:lvl7pPr marL="2971800" indent="-228600" algn="l" defTabSz="914400" rtl="0" eaLnBrk="1" latinLnBrk="0" hangingPunct="1">
+              <a:lnSpc>
+                <a:spcPct val="90000"/>
+              </a:lnSpc>
+              <a:spcBef>
+                <a:spcPts val="500"/>
+              </a:spcBef>
+              <a:buFont typeface="Arial" panose="020B0604020202020204" pitchFamily="34" charset="0"/>
+              <a:buChar char="•"/>
+              <a:defRPr sz="1800" kern="1200">
+                <a:solidFill>
+                  <a:schemeClr val="tx1"/>
+                </a:solidFill>
+                <a:latin typeface="+mn-lt"/>
+                <a:ea typeface="+mn-ea"/>
+                <a:cs typeface="+mn-cs"/>
+              </a:defRPr>
+            </a:lvl7pPr>
+            <a:lvl8pPr marL="3429000" indent="-228600" algn="l" defTabSz="914400" rtl="0" eaLnBrk="1" latinLnBrk="0" hangingPunct="1">
+              <a:lnSpc>
+                <a:spcPct val="90000"/>
+              </a:lnSpc>
+              <a:spcBef>
+                <a:spcPts val="500"/>
+              </a:spcBef>
+              <a:buFont typeface="Arial" panose="020B0604020202020204" pitchFamily="34" charset="0"/>
+              <a:buChar char="•"/>
+              <a:defRPr sz="1800" kern="1200">
+                <a:solidFill>
+                  <a:schemeClr val="tx1"/>
+                </a:solidFill>
+                <a:latin typeface="+mn-lt"/>
+                <a:ea typeface="+mn-ea"/>
+                <a:cs typeface="+mn-cs"/>
+              </a:defRPr>
+            </a:lvl8pPr>
+            <a:lvl9pPr marL="3886200" indent="-228600" algn="l" defTabSz="914400" rtl="0" eaLnBrk="1" latinLnBrk="0" hangingPunct="1">
+              <a:lnSpc>
+                <a:spcPct val="90000"/>
+              </a:lnSpc>
+              <a:spcBef>
+                <a:spcPts val="500"/>
+              </a:spcBef>
+              <a:buFont typeface="Arial" panose="020B0604020202020204" pitchFamily="34" charset="0"/>
+              <a:buChar char="•"/>
+              <a:defRPr sz="1800" kern="1200">
+                <a:solidFill>
+                  <a:schemeClr val="tx1"/>
+                </a:solidFill>
+                <a:latin typeface="+mn-lt"/>
+                <a:ea typeface="+mn-ea"/>
+                <a:cs typeface="+mn-cs"/>
+              </a:defRPr>
+            </a:lvl9pPr>
+          </a:lstStyle>
+          <a:p>
+            <a:pPr>
+              <a:buFont typeface="Wingdings" panose="05000000000000000000" pitchFamily="2" charset="2"/>
+              <a:buChar char="Ø"/>
+            </a:pPr>
+            <a:r>
+              <a:rPr lang="en-US" dirty="0">
                 <a:solidFill>
                   <a:schemeClr val="tx1">
                     <a:lumMod val="75000"/>
                     <a:lumOff val="25000"/>
                   </a:schemeClr>
                 </a:solidFill>
-                <a:latin typeface="+mj-lt"/>
-                <a:ea typeface="Verdana" panose="020B0604030504040204" pitchFamily="34" charset="0"/>
-              </a:rPr>
-              <a:t>Image Credit: </a:t>
-            </a:r>
-            <a:r>
-              <a:rPr lang="en-US" sz="1400" b="0" i="0" dirty="0">
+              </a:rPr>
+              <a:t> </a:t>
+            </a:r>
+            <a:r>
+              <a:rPr lang="en-US" dirty="0">
                 <a:solidFill>
                   <a:schemeClr val="tx1">
                     <a:lumMod val="75000"/>
                     <a:lumOff val="25000"/>
                   </a:schemeClr>
                 </a:solidFill>
-                <a:effectLst/>
-                <a:latin typeface="+mj-lt"/>
-              </a:rPr>
-              <a:t>https://medium.com/secure-and-private-ai-writing-challenge/data-augmentation-increases-accuracy-of-your-model-but-how-aa1913468722</a:t>
-            </a:r>
-            <a:endParaRPr lang="en-US" sz="1400" dirty="0">
-              <a:solidFill>
-                <a:schemeClr val="tx1">
-                  <a:lumMod val="75000"/>
-                  <a:lumOff val="25000"/>
-                </a:schemeClr>
-              </a:solidFill>
-              <a:latin typeface="+mj-lt"/>
-              <a:ea typeface="Verdana" panose="020B0604030504040204" pitchFamily="34" charset="0"/>
-            </a:endParaRPr>
+                <a:latin typeface="Palatino Linotype" panose="02040502050505030304" pitchFamily="18" charset="0"/>
+              </a:rPr>
+              <a:t>Learning Objective 1</a:t>
+            </a:r>
+          </a:p>
+        </p:txBody>
+      </p:sp>
+      <p:sp>
+        <p:nvSpPr>
+          <p:cNvPr id="6" name="Content Placeholder 2">
+            <a:extLst>
+              <a:ext uri="{FF2B5EF4-FFF2-40B4-BE49-F238E27FC236}">
+                <a16:creationId xmlns:a16="http://schemas.microsoft.com/office/drawing/2014/main" id="{FF2490E1-D7A0-7027-6DCC-60BB6819CD9E}"/>
+              </a:ext>
+            </a:extLst>
+          </p:cNvPr>
+          <p:cNvSpPr txBox="1">
+            <a:spLocks/>
+          </p:cNvSpPr>
+          <p:nvPr/>
+        </p:nvSpPr>
+        <p:spPr>
+          <a:xfrm>
+            <a:off x="1013564" y="3103930"/>
+            <a:ext cx="10515600" cy="504215"/>
+          </a:xfrm>
+          <a:prstGeom prst="rect">
+            <a:avLst/>
+          </a:prstGeom>
+        </p:spPr>
+        <p:txBody>
+          <a:bodyPr vert="horz" lIns="91440" tIns="45720" rIns="91440" bIns="45720" rtlCol="0">
+            <a:normAutofit/>
+          </a:bodyPr>
+          <a:lstStyle>
+            <a:lvl1pPr marL="228600" indent="-228600" algn="l" defTabSz="914400" rtl="0" eaLnBrk="1" latinLnBrk="0" hangingPunct="1">
+              <a:lnSpc>
+                <a:spcPct val="90000"/>
+              </a:lnSpc>
+              <a:spcBef>
+                <a:spcPts val="1000"/>
+              </a:spcBef>
+              <a:buFont typeface="Arial" panose="020B0604020202020204" pitchFamily="34" charset="0"/>
+              <a:buChar char="•"/>
+              <a:defRPr sz="2800" kern="1200">
+                <a:solidFill>
+                  <a:schemeClr val="tx1"/>
+                </a:solidFill>
+                <a:latin typeface="+mn-lt"/>
+                <a:ea typeface="+mn-ea"/>
+                <a:cs typeface="+mn-cs"/>
+              </a:defRPr>
+            </a:lvl1pPr>
+            <a:lvl2pPr marL="685800" indent="-228600" algn="l" defTabSz="914400" rtl="0" eaLnBrk="1" latinLnBrk="0" hangingPunct="1">
+              <a:lnSpc>
+                <a:spcPct val="90000"/>
+              </a:lnSpc>
+              <a:spcBef>
+                <a:spcPts val="500"/>
+              </a:spcBef>
+              <a:buFont typeface="Arial" panose="020B0604020202020204" pitchFamily="34" charset="0"/>
+              <a:buChar char="•"/>
+              <a:defRPr sz="2400" kern="1200">
+                <a:solidFill>
+                  <a:schemeClr val="tx1"/>
+                </a:solidFill>
+                <a:latin typeface="+mn-lt"/>
+                <a:ea typeface="+mn-ea"/>
+                <a:cs typeface="+mn-cs"/>
+              </a:defRPr>
+            </a:lvl2pPr>
+            <a:lvl3pPr marL="1143000" indent="-228600" algn="l" defTabSz="914400" rtl="0" eaLnBrk="1" latinLnBrk="0" hangingPunct="1">
+              <a:lnSpc>
+                <a:spcPct val="90000"/>
+              </a:lnSpc>
+              <a:spcBef>
+                <a:spcPts val="500"/>
+              </a:spcBef>
+              <a:buFont typeface="Arial" panose="020B0604020202020204" pitchFamily="34" charset="0"/>
+              <a:buChar char="•"/>
+              <a:defRPr sz="2000" kern="1200">
+                <a:solidFill>
+                  <a:schemeClr val="tx1"/>
+                </a:solidFill>
+                <a:latin typeface="+mn-lt"/>
+                <a:ea typeface="+mn-ea"/>
+                <a:cs typeface="+mn-cs"/>
+              </a:defRPr>
+            </a:lvl3pPr>
+            <a:lvl4pPr marL="1600200" indent="-228600" algn="l" defTabSz="914400" rtl="0" eaLnBrk="1" latinLnBrk="0" hangingPunct="1">
+              <a:lnSpc>
+                <a:spcPct val="90000"/>
+              </a:lnSpc>
+              <a:spcBef>
+                <a:spcPts val="500"/>
+              </a:spcBef>
+              <a:buFont typeface="Arial" panose="020B0604020202020204" pitchFamily="34" charset="0"/>
+              <a:buChar char="•"/>
+              <a:defRPr sz="1800" kern="1200">
+                <a:solidFill>
+                  <a:schemeClr val="tx1"/>
+                </a:solidFill>
+                <a:latin typeface="+mn-lt"/>
+                <a:ea typeface="+mn-ea"/>
+                <a:cs typeface="+mn-cs"/>
+              </a:defRPr>
+            </a:lvl4pPr>
+            <a:lvl5pPr marL="2057400" indent="-228600" algn="l" defTabSz="914400" rtl="0" eaLnBrk="1" latinLnBrk="0" hangingPunct="1">
+              <a:lnSpc>
+                <a:spcPct val="90000"/>
+              </a:lnSpc>
+              <a:spcBef>
+                <a:spcPts val="500"/>
+              </a:spcBef>
+              <a:buFont typeface="Arial" panose="020B0604020202020204" pitchFamily="34" charset="0"/>
+              <a:buChar char="•"/>
+              <a:defRPr sz="1800" kern="1200">
+                <a:solidFill>
+                  <a:schemeClr val="tx1"/>
+                </a:solidFill>
+                <a:latin typeface="+mn-lt"/>
+                <a:ea typeface="+mn-ea"/>
+                <a:cs typeface="+mn-cs"/>
+              </a:defRPr>
+            </a:lvl5pPr>
+            <a:lvl6pPr marL="2514600" indent="-228600" algn="l" defTabSz="914400" rtl="0" eaLnBrk="1" latinLnBrk="0" hangingPunct="1">
+              <a:lnSpc>
+                <a:spcPct val="90000"/>
+              </a:lnSpc>
+              <a:spcBef>
+                <a:spcPts val="500"/>
+              </a:spcBef>
+              <a:buFont typeface="Arial" panose="020B0604020202020204" pitchFamily="34" charset="0"/>
+              <a:buChar char="•"/>
+              <a:defRPr sz="1800" kern="1200">
+                <a:solidFill>
+                  <a:schemeClr val="tx1"/>
+                </a:solidFill>
+                <a:latin typeface="+mn-lt"/>
+                <a:ea typeface="+mn-ea"/>
+                <a:cs typeface="+mn-cs"/>
+              </a:defRPr>
+            </a:lvl6pPr>
+            <a:lvl7pPr marL="2971800" indent="-228600" algn="l" defTabSz="914400" rtl="0" eaLnBrk="1" latinLnBrk="0" hangingPunct="1">
+              <a:lnSpc>
+                <a:spcPct val="90000"/>
+              </a:lnSpc>
+              <a:spcBef>
+                <a:spcPts val="500"/>
+              </a:spcBef>
+              <a:buFont typeface="Arial" panose="020B0604020202020204" pitchFamily="34" charset="0"/>
+              <a:buChar char="•"/>
+              <a:defRPr sz="1800" kern="1200">
+                <a:solidFill>
+                  <a:schemeClr val="tx1"/>
+                </a:solidFill>
+                <a:latin typeface="+mn-lt"/>
+                <a:ea typeface="+mn-ea"/>
+                <a:cs typeface="+mn-cs"/>
+              </a:defRPr>
+            </a:lvl7pPr>
+            <a:lvl8pPr marL="3429000" indent="-228600" algn="l" defTabSz="914400" rtl="0" eaLnBrk="1" latinLnBrk="0" hangingPunct="1">
+              <a:lnSpc>
+                <a:spcPct val="90000"/>
+              </a:lnSpc>
+              <a:spcBef>
+                <a:spcPts val="500"/>
+              </a:spcBef>
+              <a:buFont typeface="Arial" panose="020B0604020202020204" pitchFamily="34" charset="0"/>
+              <a:buChar char="•"/>
+              <a:defRPr sz="1800" kern="1200">
+                <a:solidFill>
+                  <a:schemeClr val="tx1"/>
+                </a:solidFill>
+                <a:latin typeface="+mn-lt"/>
+                <a:ea typeface="+mn-ea"/>
+                <a:cs typeface="+mn-cs"/>
+              </a:defRPr>
+            </a:lvl8pPr>
+            <a:lvl9pPr marL="3886200" indent="-228600" algn="l" defTabSz="914400" rtl="0" eaLnBrk="1" latinLnBrk="0" hangingPunct="1">
+              <a:lnSpc>
+                <a:spcPct val="90000"/>
+              </a:lnSpc>
+              <a:spcBef>
+                <a:spcPts val="500"/>
+              </a:spcBef>
+              <a:buFont typeface="Arial" panose="020B0604020202020204" pitchFamily="34" charset="0"/>
+              <a:buChar char="•"/>
+              <a:defRPr sz="1800" kern="1200">
+                <a:solidFill>
+                  <a:schemeClr val="tx1"/>
+                </a:solidFill>
+                <a:latin typeface="+mn-lt"/>
+                <a:ea typeface="+mn-ea"/>
+                <a:cs typeface="+mn-cs"/>
+              </a:defRPr>
+            </a:lvl9pPr>
+          </a:lstStyle>
+          <a:p>
+            <a:pPr>
+              <a:buFont typeface="Wingdings" panose="05000000000000000000" pitchFamily="2" charset="2"/>
+              <a:buChar char="Ø"/>
+            </a:pPr>
+            <a:r>
+              <a:rPr lang="en-US" dirty="0">
+                <a:solidFill>
+                  <a:schemeClr val="tx1">
+                    <a:lumMod val="75000"/>
+                    <a:lumOff val="25000"/>
+                  </a:schemeClr>
+                </a:solidFill>
+              </a:rPr>
+              <a:t> </a:t>
+            </a:r>
+            <a:r>
+              <a:rPr lang="en-US" dirty="0">
+                <a:solidFill>
+                  <a:schemeClr val="tx1">
+                    <a:lumMod val="75000"/>
+                    <a:lumOff val="25000"/>
+                  </a:schemeClr>
+                </a:solidFill>
+                <a:latin typeface="Palatino Linotype" panose="02040502050505030304" pitchFamily="18" charset="0"/>
+              </a:rPr>
+              <a:t>Learning Objective 1</a:t>
+            </a:r>
+          </a:p>
+        </p:txBody>
+      </p:sp>
+      <p:sp>
+        <p:nvSpPr>
+          <p:cNvPr id="7" name="Content Placeholder 2">
+            <a:extLst>
+              <a:ext uri="{FF2B5EF4-FFF2-40B4-BE49-F238E27FC236}">
+                <a16:creationId xmlns:a16="http://schemas.microsoft.com/office/drawing/2014/main" id="{6D3279E5-D518-B484-9FCF-B12663A4E8FF}"/>
+              </a:ext>
+            </a:extLst>
+          </p:cNvPr>
+          <p:cNvSpPr txBox="1">
+            <a:spLocks/>
+          </p:cNvSpPr>
+          <p:nvPr/>
+        </p:nvSpPr>
+        <p:spPr>
+          <a:xfrm>
+            <a:off x="1013564" y="3743082"/>
+            <a:ext cx="10515600" cy="504215"/>
+          </a:xfrm>
+          <a:prstGeom prst="rect">
+            <a:avLst/>
+          </a:prstGeom>
+        </p:spPr>
+        <p:txBody>
+          <a:bodyPr vert="horz" lIns="91440" tIns="45720" rIns="91440" bIns="45720" rtlCol="0">
+            <a:normAutofit/>
+          </a:bodyPr>
+          <a:lstStyle>
+            <a:lvl1pPr marL="228600" indent="-228600" algn="l" defTabSz="914400" rtl="0" eaLnBrk="1" latinLnBrk="0" hangingPunct="1">
+              <a:lnSpc>
+                <a:spcPct val="90000"/>
+              </a:lnSpc>
+              <a:spcBef>
+                <a:spcPts val="1000"/>
+              </a:spcBef>
+              <a:buFont typeface="Arial" panose="020B0604020202020204" pitchFamily="34" charset="0"/>
+              <a:buChar char="•"/>
+              <a:defRPr sz="2800" kern="1200">
+                <a:solidFill>
+                  <a:schemeClr val="tx1"/>
+                </a:solidFill>
+                <a:latin typeface="+mn-lt"/>
+                <a:ea typeface="+mn-ea"/>
+                <a:cs typeface="+mn-cs"/>
+              </a:defRPr>
+            </a:lvl1pPr>
+            <a:lvl2pPr marL="685800" indent="-228600" algn="l" defTabSz="914400" rtl="0" eaLnBrk="1" latinLnBrk="0" hangingPunct="1">
+              <a:lnSpc>
+                <a:spcPct val="90000"/>
+              </a:lnSpc>
+              <a:spcBef>
+                <a:spcPts val="500"/>
+              </a:spcBef>
+              <a:buFont typeface="Arial" panose="020B0604020202020204" pitchFamily="34" charset="0"/>
+              <a:buChar char="•"/>
+              <a:defRPr sz="2400" kern="1200">
+                <a:solidFill>
+                  <a:schemeClr val="tx1"/>
+                </a:solidFill>
+                <a:latin typeface="+mn-lt"/>
+                <a:ea typeface="+mn-ea"/>
+                <a:cs typeface="+mn-cs"/>
+              </a:defRPr>
+            </a:lvl2pPr>
+            <a:lvl3pPr marL="1143000" indent="-228600" algn="l" defTabSz="914400" rtl="0" eaLnBrk="1" latinLnBrk="0" hangingPunct="1">
+              <a:lnSpc>
+                <a:spcPct val="90000"/>
+              </a:lnSpc>
+              <a:spcBef>
+                <a:spcPts val="500"/>
+              </a:spcBef>
+              <a:buFont typeface="Arial" panose="020B0604020202020204" pitchFamily="34" charset="0"/>
+              <a:buChar char="•"/>
+              <a:defRPr sz="2000" kern="1200">
+                <a:solidFill>
+                  <a:schemeClr val="tx1"/>
+                </a:solidFill>
+                <a:latin typeface="+mn-lt"/>
+                <a:ea typeface="+mn-ea"/>
+                <a:cs typeface="+mn-cs"/>
+              </a:defRPr>
+            </a:lvl3pPr>
+            <a:lvl4pPr marL="1600200" indent="-228600" algn="l" defTabSz="914400" rtl="0" eaLnBrk="1" latinLnBrk="0" hangingPunct="1">
+              <a:lnSpc>
+                <a:spcPct val="90000"/>
+              </a:lnSpc>
+              <a:spcBef>
+                <a:spcPts val="500"/>
+              </a:spcBef>
+              <a:buFont typeface="Arial" panose="020B0604020202020204" pitchFamily="34" charset="0"/>
+              <a:buChar char="•"/>
+              <a:defRPr sz="1800" kern="1200">
+                <a:solidFill>
+                  <a:schemeClr val="tx1"/>
+                </a:solidFill>
+                <a:latin typeface="+mn-lt"/>
+                <a:ea typeface="+mn-ea"/>
+                <a:cs typeface="+mn-cs"/>
+              </a:defRPr>
+            </a:lvl4pPr>
+            <a:lvl5pPr marL="2057400" indent="-228600" algn="l" defTabSz="914400" rtl="0" eaLnBrk="1" latinLnBrk="0" hangingPunct="1">
+              <a:lnSpc>
+                <a:spcPct val="90000"/>
+              </a:lnSpc>
+              <a:spcBef>
+                <a:spcPts val="500"/>
+              </a:spcBef>
+              <a:buFont typeface="Arial" panose="020B0604020202020204" pitchFamily="34" charset="0"/>
+              <a:buChar char="•"/>
+              <a:defRPr sz="1800" kern="1200">
+                <a:solidFill>
+                  <a:schemeClr val="tx1"/>
+                </a:solidFill>
+                <a:latin typeface="+mn-lt"/>
+                <a:ea typeface="+mn-ea"/>
+                <a:cs typeface="+mn-cs"/>
+              </a:defRPr>
+            </a:lvl5pPr>
+            <a:lvl6pPr marL="2514600" indent="-228600" algn="l" defTabSz="914400" rtl="0" eaLnBrk="1" latinLnBrk="0" hangingPunct="1">
+              <a:lnSpc>
+                <a:spcPct val="90000"/>
+              </a:lnSpc>
+              <a:spcBef>
+                <a:spcPts val="500"/>
+              </a:spcBef>
+              <a:buFont typeface="Arial" panose="020B0604020202020204" pitchFamily="34" charset="0"/>
+              <a:buChar char="•"/>
+              <a:defRPr sz="1800" kern="1200">
+                <a:solidFill>
+                  <a:schemeClr val="tx1"/>
+                </a:solidFill>
+                <a:latin typeface="+mn-lt"/>
+                <a:ea typeface="+mn-ea"/>
+                <a:cs typeface="+mn-cs"/>
+              </a:defRPr>
+            </a:lvl6pPr>
+            <a:lvl7pPr marL="2971800" indent="-228600" algn="l" defTabSz="914400" rtl="0" eaLnBrk="1" latinLnBrk="0" hangingPunct="1">
+              <a:lnSpc>
+                <a:spcPct val="90000"/>
+              </a:lnSpc>
+              <a:spcBef>
+                <a:spcPts val="500"/>
+              </a:spcBef>
+              <a:buFont typeface="Arial" panose="020B0604020202020204" pitchFamily="34" charset="0"/>
+              <a:buChar char="•"/>
+              <a:defRPr sz="1800" kern="1200">
+                <a:solidFill>
+                  <a:schemeClr val="tx1"/>
+                </a:solidFill>
+                <a:latin typeface="+mn-lt"/>
+                <a:ea typeface="+mn-ea"/>
+                <a:cs typeface="+mn-cs"/>
+              </a:defRPr>
+            </a:lvl7pPr>
+            <a:lvl8pPr marL="3429000" indent="-228600" algn="l" defTabSz="914400" rtl="0" eaLnBrk="1" latinLnBrk="0" hangingPunct="1">
+              <a:lnSpc>
+                <a:spcPct val="90000"/>
+              </a:lnSpc>
+              <a:spcBef>
+                <a:spcPts val="500"/>
+              </a:spcBef>
+              <a:buFont typeface="Arial" panose="020B0604020202020204" pitchFamily="34" charset="0"/>
+              <a:buChar char="•"/>
+              <a:defRPr sz="1800" kern="1200">
+                <a:solidFill>
+                  <a:schemeClr val="tx1"/>
+                </a:solidFill>
+                <a:latin typeface="+mn-lt"/>
+                <a:ea typeface="+mn-ea"/>
+                <a:cs typeface="+mn-cs"/>
+              </a:defRPr>
+            </a:lvl8pPr>
+            <a:lvl9pPr marL="3886200" indent="-228600" algn="l" defTabSz="914400" rtl="0" eaLnBrk="1" latinLnBrk="0" hangingPunct="1">
+              <a:lnSpc>
+                <a:spcPct val="90000"/>
+              </a:lnSpc>
+              <a:spcBef>
+                <a:spcPts val="500"/>
+              </a:spcBef>
+              <a:buFont typeface="Arial" panose="020B0604020202020204" pitchFamily="34" charset="0"/>
+              <a:buChar char="•"/>
+              <a:defRPr sz="1800" kern="1200">
+                <a:solidFill>
+                  <a:schemeClr val="tx1"/>
+                </a:solidFill>
+                <a:latin typeface="+mn-lt"/>
+                <a:ea typeface="+mn-ea"/>
+                <a:cs typeface="+mn-cs"/>
+              </a:defRPr>
+            </a:lvl9pPr>
+          </a:lstStyle>
+          <a:p>
+            <a:pPr>
+              <a:buFont typeface="Wingdings" panose="05000000000000000000" pitchFamily="2" charset="2"/>
+              <a:buChar char="Ø"/>
+            </a:pPr>
+            <a:r>
+              <a:rPr lang="en-US" dirty="0">
+                <a:solidFill>
+                  <a:schemeClr val="tx1">
+                    <a:lumMod val="75000"/>
+                    <a:lumOff val="25000"/>
+                  </a:schemeClr>
+                </a:solidFill>
+              </a:rPr>
+              <a:t> </a:t>
+            </a:r>
+            <a:r>
+              <a:rPr lang="en-US" dirty="0">
+                <a:solidFill>
+                  <a:schemeClr val="tx1">
+                    <a:lumMod val="75000"/>
+                    <a:lumOff val="25000"/>
+                  </a:schemeClr>
+                </a:solidFill>
+                <a:latin typeface="Palatino Linotype" panose="02040502050505030304" pitchFamily="18" charset="0"/>
+              </a:rPr>
+              <a:t>Learning Objective 1</a:t>
+            </a:r>
           </a:p>
         </p:txBody>
       </p:sp>
     </p:spTree>
     <p:extLst>
       <p:ext uri="{BB962C8B-B14F-4D97-AF65-F5344CB8AC3E}">
-        <p14:creationId xmlns:p14="http://schemas.microsoft.com/office/powerpoint/2010/main" val="3933901158"/>
+        <p14:creationId xmlns:p14="http://schemas.microsoft.com/office/powerpoint/2010/main" val="1416141381"/>
       </p:ext>
     </p:extLst>
   </p:cSld>
   <p:clrMapOvr>
     <a:masterClrMapping/>
   </p:clrMapOvr>
-  <mc:AlternateContent xmlns:mc="http://schemas.openxmlformats.org/markup-compatibility/2006" xmlns:p14="http://schemas.microsoft.com/office/powerpoint/2010/main">
-    <mc:Choice Requires="p14">
-      <p:transition spd="med" p14:dur="700">
-        <p:fade/>
-      </p:transition>
-    </mc:Choice>
-    <mc:Fallback xmlns="">
-      <p:transition spd="med">
-        <p:fade/>
-      </p:transition>
-    </mc:Fallback>
-  </mc:AlternateContent>
 </p:sld>
 </file>
 
@@ -10123,70 +10504,45 @@
       </p:grpSpPr>
       <p:pic>
         <p:nvPicPr>
-          <p:cNvPr id="3" name="Picture 2">
+          <p:cNvPr id="9" name="Content Placeholder 8" descr="Diagram&#10;&#10;Description automatically generated">
             <a:extLst>
               <a:ext uri="{FF2B5EF4-FFF2-40B4-BE49-F238E27FC236}">
-                <a16:creationId xmlns:a16="http://schemas.microsoft.com/office/drawing/2014/main" id="{CC80E052-420C-4CE7-89E7-190F74BD7FD1}"/>
+                <a16:creationId xmlns:a16="http://schemas.microsoft.com/office/drawing/2014/main" id="{78B9FACE-FC36-4CD0-93A0-83E1A5BA9D0F}"/>
               </a:ext>
             </a:extLst>
           </p:cNvPr>
           <p:cNvPicPr>
-            <a:picLocks noChangeAspect="1"/>
+            <a:picLocks noGrp="1" noChangeAspect="1"/>
           </p:cNvPicPr>
-          <p:nvPr/>
+          <p:nvPr>
+            <p:ph idx="1"/>
+          </p:nvPr>
         </p:nvPicPr>
         <p:blipFill>
-          <a:blip r:embed="rId3"/>
+          <a:blip r:embed="rId3">
+            <a:extLst>
+              <a:ext uri="{28A0092B-C50C-407E-A947-70E740481C1C}">
+                <a14:useLocalDpi xmlns:a14="http://schemas.microsoft.com/office/drawing/2010/main" val="0"/>
+              </a:ext>
+            </a:extLst>
+          </a:blip>
           <a:stretch>
             <a:fillRect/>
           </a:stretch>
         </p:blipFill>
         <p:spPr>
           <a:xfrm>
-            <a:off x="2103120" y="763192"/>
-            <a:ext cx="7367197" cy="2446843"/>
+            <a:off x="2486231" y="936136"/>
+            <a:ext cx="7219538" cy="4985728"/>
           </a:xfrm>
-          <a:prstGeom prst="rect">
-            <a:avLst/>
-          </a:prstGeom>
         </p:spPr>
       </p:pic>
-      <p:pic>
-        <p:nvPicPr>
-          <p:cNvPr id="4" name="Picture 3">
+      <p:sp>
+        <p:nvSpPr>
+          <p:cNvPr id="3" name="TextBox 2">
             <a:extLst>
               <a:ext uri="{FF2B5EF4-FFF2-40B4-BE49-F238E27FC236}">
-                <a16:creationId xmlns:a16="http://schemas.microsoft.com/office/drawing/2014/main" id="{F2E43985-28E6-4087-B425-2FE28D07B5A0}"/>
-              </a:ext>
-            </a:extLst>
-          </p:cNvPr>
-          <p:cNvPicPr>
-            <a:picLocks noChangeAspect="1"/>
-          </p:cNvPicPr>
-          <p:nvPr/>
-        </p:nvPicPr>
-        <p:blipFill>
-          <a:blip r:embed="rId4"/>
-          <a:stretch>
-            <a:fillRect/>
-          </a:stretch>
-        </p:blipFill>
-        <p:spPr>
-          <a:xfrm>
-            <a:off x="2103120" y="3647965"/>
-            <a:ext cx="7307374" cy="2446843"/>
-          </a:xfrm>
-          <a:prstGeom prst="rect">
-            <a:avLst/>
-          </a:prstGeom>
-        </p:spPr>
-      </p:pic>
-      <p:sp>
-        <p:nvSpPr>
-          <p:cNvPr id="5" name="TextBox 4">
-            <a:extLst>
-              <a:ext uri="{FF2B5EF4-FFF2-40B4-BE49-F238E27FC236}">
-                <a16:creationId xmlns:a16="http://schemas.microsoft.com/office/drawing/2014/main" id="{F9FC3149-A03E-4E7C-BBB4-9D678233426B}"/>
+                <a16:creationId xmlns:a16="http://schemas.microsoft.com/office/drawing/2014/main" id="{6C805AE1-BBD5-4729-B84B-BD4BF734F2D4}"/>
               </a:ext>
             </a:extLst>
           </p:cNvPr>
@@ -10195,7 +10551,7 @@
         </p:nvSpPr>
         <p:spPr>
           <a:xfrm>
-            <a:off x="0" y="6550223"/>
+            <a:off x="11430" y="6550223"/>
             <a:ext cx="12192000" cy="307777"/>
           </a:xfrm>
           <a:prstGeom prst="rect">
@@ -10213,60 +10569,33 @@
               <a:rPr lang="en-US" sz="1400" dirty="0">
                 <a:solidFill>
                   <a:schemeClr val="tx1">
-                    <a:lumMod val="65000"/>
-                    <a:lumOff val="35000"/>
+                    <a:lumMod val="75000"/>
+                    <a:lumOff val="25000"/>
                   </a:schemeClr>
                 </a:solidFill>
                 <a:latin typeface="+mj-lt"/>
                 <a:ea typeface="Verdana" panose="020B0604030504040204" pitchFamily="34" charset="0"/>
               </a:rPr>
-              <a:t>Source: Baig, M.R., et al. (2020). </a:t>
-            </a:r>
-            <a:r>
-              <a:rPr lang="en-US" sz="1400" i="1" dirty="0">
+              <a:t>Image Credit: </a:t>
+            </a:r>
+            <a:r>
+              <a:rPr lang="en-US" sz="1400" b="0" i="0" dirty="0">
                 <a:solidFill>
                   <a:schemeClr val="tx1">
-                    <a:lumMod val="65000"/>
-                    <a:lumOff val="35000"/>
-                  </a:schemeClr>
-                </a:solidFill>
-                <a:latin typeface="+mj-lt"/>
-                <a:ea typeface="Verdana" panose="020B0604030504040204" pitchFamily="34" charset="0"/>
-              </a:rPr>
-              <a:t>The Deep Learning Workshop</a:t>
-            </a:r>
-            <a:r>
-              <a:rPr lang="en-US" sz="1400" dirty="0">
-                <a:solidFill>
-                  <a:schemeClr val="tx1">
-                    <a:lumMod val="65000"/>
-                    <a:lumOff val="35000"/>
-                  </a:schemeClr>
-                </a:solidFill>
-                <a:latin typeface="+mj-lt"/>
-                <a:ea typeface="Verdana" panose="020B0604030504040204" pitchFamily="34" charset="0"/>
-              </a:rPr>
-              <a:t>. Birmingham, UK</a:t>
-            </a:r>
-            <a:r>
-              <a:rPr lang="en-US" sz="1400" b="0" i="0" dirty="0">
-                <a:solidFill>
-                  <a:schemeClr val="tx1">
-                    <a:lumMod val="65000"/>
-                    <a:lumOff val="35000"/>
+                    <a:lumMod val="75000"/>
+                    <a:lumOff val="25000"/>
                   </a:schemeClr>
                 </a:solidFill>
                 <a:effectLst/>
                 <a:latin typeface="+mj-lt"/>
-                <a:ea typeface="Verdana" panose="020B0604030504040204" pitchFamily="34" charset="0"/>
-              </a:rPr>
-              <a:t>: Packt Publishing. (Chapter 3)</a:t>
+              </a:rPr>
+              <a:t>https://medium.com/secure-and-private-ai-writing-challenge/data-augmentation-increases-accuracy-of-your-model-but-how-aa1913468722</a:t>
             </a:r>
             <a:endParaRPr lang="en-US" sz="1400" dirty="0">
               <a:solidFill>
                 <a:schemeClr val="tx1">
-                  <a:lumMod val="65000"/>
-                  <a:lumOff val="35000"/>
+                  <a:lumMod val="75000"/>
+                  <a:lumOff val="25000"/>
                 </a:schemeClr>
               </a:solidFill>
               <a:latin typeface="+mj-lt"/>
@@ -10278,7 +10607,7 @@
     </p:spTree>
     <p:extLst>
       <p:ext uri="{BB962C8B-B14F-4D97-AF65-F5344CB8AC3E}">
-        <p14:creationId xmlns:p14="http://schemas.microsoft.com/office/powerpoint/2010/main" val="323989571"/>
+        <p14:creationId xmlns:p14="http://schemas.microsoft.com/office/powerpoint/2010/main" val="3933901158"/>
       </p:ext>
     </p:extLst>
   </p:cSld>
@@ -10319,10 +10648,10 @@
       </p:grpSpPr>
       <p:pic>
         <p:nvPicPr>
-          <p:cNvPr id="4" name="Picture 3">
+          <p:cNvPr id="3" name="Picture 2">
             <a:extLst>
               <a:ext uri="{FF2B5EF4-FFF2-40B4-BE49-F238E27FC236}">
-                <a16:creationId xmlns:a16="http://schemas.microsoft.com/office/drawing/2014/main" id="{05E5F4FB-BEE9-49B7-9379-0DAE0471BD94}"/>
+                <a16:creationId xmlns:a16="http://schemas.microsoft.com/office/drawing/2014/main" id="{CC80E052-420C-4CE7-89E7-190F74BD7FD1}"/>
               </a:ext>
             </a:extLst>
           </p:cNvPr>
@@ -10339,8 +10668,8 @@
         </p:blipFill>
         <p:spPr>
           <a:xfrm>
-            <a:off x="2103120" y="763120"/>
-            <a:ext cx="7256607" cy="2383940"/>
+            <a:off x="2103120" y="763192"/>
+            <a:ext cx="7367197" cy="2446843"/>
           </a:xfrm>
           <a:prstGeom prst="rect">
             <a:avLst/>
@@ -10349,10 +10678,10 @@
       </p:pic>
       <p:pic>
         <p:nvPicPr>
-          <p:cNvPr id="5" name="Picture 4">
+          <p:cNvPr id="4" name="Picture 3">
             <a:extLst>
               <a:ext uri="{FF2B5EF4-FFF2-40B4-BE49-F238E27FC236}">
-                <a16:creationId xmlns:a16="http://schemas.microsoft.com/office/drawing/2014/main" id="{E188226F-ACD2-4881-86BB-2FE63E4B7E57}"/>
+                <a16:creationId xmlns:a16="http://schemas.microsoft.com/office/drawing/2014/main" id="{F2E43985-28E6-4087-B425-2FE28D07B5A0}"/>
               </a:ext>
             </a:extLst>
           </p:cNvPr>
@@ -10369,8 +10698,8 @@
         </p:blipFill>
         <p:spPr>
           <a:xfrm>
-            <a:off x="2103120" y="3560335"/>
-            <a:ext cx="7256606" cy="2399150"/>
+            <a:off x="2103120" y="3647965"/>
+            <a:ext cx="7307374" cy="2446843"/>
           </a:xfrm>
           <a:prstGeom prst="rect">
             <a:avLst/>
@@ -10379,10 +10708,10 @@
       </p:pic>
       <p:sp>
         <p:nvSpPr>
-          <p:cNvPr id="6" name="TextBox 5">
+          <p:cNvPr id="5" name="TextBox 4">
             <a:extLst>
               <a:ext uri="{FF2B5EF4-FFF2-40B4-BE49-F238E27FC236}">
-                <a16:creationId xmlns:a16="http://schemas.microsoft.com/office/drawing/2014/main" id="{85FFB2C4-C790-499E-9E9A-48396D6643B0}"/>
+                <a16:creationId xmlns:a16="http://schemas.microsoft.com/office/drawing/2014/main" id="{F9FC3149-A03E-4E7C-BBB4-9D678233426B}"/>
               </a:ext>
             </a:extLst>
           </p:cNvPr>
@@ -10474,7 +10803,7 @@
     </p:spTree>
     <p:extLst>
       <p:ext uri="{BB962C8B-B14F-4D97-AF65-F5344CB8AC3E}">
-        <p14:creationId xmlns:p14="http://schemas.microsoft.com/office/powerpoint/2010/main" val="2203967638"/>
+        <p14:creationId xmlns:p14="http://schemas.microsoft.com/office/powerpoint/2010/main" val="323989571"/>
       </p:ext>
     </p:extLst>
   </p:cSld>
@@ -10515,10 +10844,10 @@
       </p:grpSpPr>
       <p:pic>
         <p:nvPicPr>
-          <p:cNvPr id="3" name="Picture 2">
+          <p:cNvPr id="4" name="Picture 3">
             <a:extLst>
               <a:ext uri="{FF2B5EF4-FFF2-40B4-BE49-F238E27FC236}">
-                <a16:creationId xmlns:a16="http://schemas.microsoft.com/office/drawing/2014/main" id="{01F3612F-15C8-430D-A27D-23D4CA578619}"/>
+                <a16:creationId xmlns:a16="http://schemas.microsoft.com/office/drawing/2014/main" id="{05E5F4FB-BEE9-49B7-9379-0DAE0471BD94}"/>
               </a:ext>
             </a:extLst>
           </p:cNvPr>
@@ -10535,8 +10864,8 @@
         </p:blipFill>
         <p:spPr>
           <a:xfrm>
-            <a:off x="2103120" y="768096"/>
-            <a:ext cx="7256606" cy="2436573"/>
+            <a:off x="2103120" y="763120"/>
+            <a:ext cx="7256607" cy="2383940"/>
           </a:xfrm>
           <a:prstGeom prst="rect">
             <a:avLst/>
@@ -10545,10 +10874,10 @@
       </p:pic>
       <p:pic>
         <p:nvPicPr>
-          <p:cNvPr id="6" name="Picture 5">
+          <p:cNvPr id="5" name="Picture 4">
             <a:extLst>
               <a:ext uri="{FF2B5EF4-FFF2-40B4-BE49-F238E27FC236}">
-                <a16:creationId xmlns:a16="http://schemas.microsoft.com/office/drawing/2014/main" id="{6D015040-E0E1-4728-B5F7-D72215CC8F59}"/>
+                <a16:creationId xmlns:a16="http://schemas.microsoft.com/office/drawing/2014/main" id="{E188226F-ACD2-4881-86BB-2FE63E4B7E57}"/>
               </a:ext>
             </a:extLst>
           </p:cNvPr>
@@ -10565,8 +10894,8 @@
         </p:blipFill>
         <p:spPr>
           <a:xfrm>
-            <a:off x="2103120" y="3653332"/>
-            <a:ext cx="7256606" cy="2368703"/>
+            <a:off x="2103120" y="3560335"/>
+            <a:ext cx="7256606" cy="2399150"/>
           </a:xfrm>
           <a:prstGeom prst="rect">
             <a:avLst/>
@@ -10575,10 +10904,10 @@
       </p:pic>
       <p:sp>
         <p:nvSpPr>
-          <p:cNvPr id="4" name="TextBox 3">
+          <p:cNvPr id="6" name="TextBox 5">
             <a:extLst>
               <a:ext uri="{FF2B5EF4-FFF2-40B4-BE49-F238E27FC236}">
-                <a16:creationId xmlns:a16="http://schemas.microsoft.com/office/drawing/2014/main" id="{5BE3F470-71F4-4D12-9D61-61892B81D0DA}"/>
+                <a16:creationId xmlns:a16="http://schemas.microsoft.com/office/drawing/2014/main" id="{85FFB2C4-C790-499E-9E9A-48396D6643B0}"/>
               </a:ext>
             </a:extLst>
           </p:cNvPr>
@@ -10670,7 +10999,7 @@
     </p:spTree>
     <p:extLst>
       <p:ext uri="{BB962C8B-B14F-4D97-AF65-F5344CB8AC3E}">
-        <p14:creationId xmlns:p14="http://schemas.microsoft.com/office/powerpoint/2010/main" val="3192107106"/>
+        <p14:creationId xmlns:p14="http://schemas.microsoft.com/office/powerpoint/2010/main" val="2203967638"/>
       </p:ext>
     </p:extLst>
   </p:cSld>
@@ -10714,7 +11043,7 @@
           <p:cNvPr id="3" name="Picture 2">
             <a:extLst>
               <a:ext uri="{FF2B5EF4-FFF2-40B4-BE49-F238E27FC236}">
-                <a16:creationId xmlns:a16="http://schemas.microsoft.com/office/drawing/2014/main" id="{441A000E-7CD7-4649-B72E-FBC52BBA2BAD}"/>
+                <a16:creationId xmlns:a16="http://schemas.microsoft.com/office/drawing/2014/main" id="{01F3612F-15C8-430D-A27D-23D4CA578619}"/>
               </a:ext>
             </a:extLst>
           </p:cNvPr>
@@ -10731,20 +11060,50 @@
         </p:blipFill>
         <p:spPr>
           <a:xfrm>
-            <a:off x="2204375" y="1930860"/>
-            <a:ext cx="7203720" cy="2368703"/>
+            <a:off x="2103120" y="768096"/>
+            <a:ext cx="7256606" cy="2436573"/>
           </a:xfrm>
           <a:prstGeom prst="rect">
             <a:avLst/>
           </a:prstGeom>
         </p:spPr>
       </p:pic>
+      <p:pic>
+        <p:nvPicPr>
+          <p:cNvPr id="6" name="Picture 5">
+            <a:extLst>
+              <a:ext uri="{FF2B5EF4-FFF2-40B4-BE49-F238E27FC236}">
+                <a16:creationId xmlns:a16="http://schemas.microsoft.com/office/drawing/2014/main" id="{6D015040-E0E1-4728-B5F7-D72215CC8F59}"/>
+              </a:ext>
+            </a:extLst>
+          </p:cNvPr>
+          <p:cNvPicPr>
+            <a:picLocks noChangeAspect="1"/>
+          </p:cNvPicPr>
+          <p:nvPr/>
+        </p:nvPicPr>
+        <p:blipFill>
+          <a:blip r:embed="rId4"/>
+          <a:stretch>
+            <a:fillRect/>
+          </a:stretch>
+        </p:blipFill>
+        <p:spPr>
+          <a:xfrm>
+            <a:off x="2103120" y="3653332"/>
+            <a:ext cx="7256606" cy="2368703"/>
+          </a:xfrm>
+          <a:prstGeom prst="rect">
+            <a:avLst/>
+          </a:prstGeom>
+        </p:spPr>
+      </p:pic>
       <p:sp>
         <p:nvSpPr>
           <p:cNvPr id="4" name="TextBox 3">
             <a:extLst>
               <a:ext uri="{FF2B5EF4-FFF2-40B4-BE49-F238E27FC236}">
-                <a16:creationId xmlns:a16="http://schemas.microsoft.com/office/drawing/2014/main" id="{51676A2E-49A9-42AB-8461-A448E17FFD7F}"/>
+                <a16:creationId xmlns:a16="http://schemas.microsoft.com/office/drawing/2014/main" id="{5BE3F470-71F4-4D12-9D61-61892B81D0DA}"/>
               </a:ext>
             </a:extLst>
           </p:cNvPr>
@@ -10836,7 +11195,7 @@
     </p:spTree>
     <p:extLst>
       <p:ext uri="{BB962C8B-B14F-4D97-AF65-F5344CB8AC3E}">
-        <p14:creationId xmlns:p14="http://schemas.microsoft.com/office/powerpoint/2010/main" val="101986205"/>
+        <p14:creationId xmlns:p14="http://schemas.microsoft.com/office/powerpoint/2010/main" val="3192107106"/>
       </p:ext>
     </p:extLst>
   </p:cSld>
@@ -10875,71 +11234,12 @@
           <a:chExt cx="0" cy="0"/>
         </a:xfrm>
       </p:grpSpPr>
-      <p:sp>
-        <p:nvSpPr>
-          <p:cNvPr id="3" name="Text Placeholder 2">
-            <a:extLst>
-              <a:ext uri="{FF2B5EF4-FFF2-40B4-BE49-F238E27FC236}">
-                <a16:creationId xmlns:a16="http://schemas.microsoft.com/office/drawing/2014/main" id="{098BC2D2-CCF7-4C63-8489-B46BF394FCA2}"/>
-              </a:ext>
-            </a:extLst>
-          </p:cNvPr>
-          <p:cNvSpPr>
-            <a:spLocks noGrp="1"/>
-          </p:cNvSpPr>
-          <p:nvPr>
-            <p:ph type="body" idx="1"/>
-          </p:nvPr>
-        </p:nvSpPr>
-        <p:spPr>
-          <a:xfrm>
-            <a:off x="0" y="4285400"/>
-            <a:ext cx="12192000" cy="518830"/>
-          </a:xfrm>
-        </p:spPr>
-        <p:txBody>
-          <a:bodyPr>
-            <a:normAutofit/>
-          </a:bodyPr>
-          <a:lstStyle/>
-          <a:p>
-            <a:endParaRPr lang="en-US" dirty="0">
-              <a:latin typeface="Palatino Linotype" panose="02040502050505030304" pitchFamily="18" charset="0"/>
-              <a:cs typeface="Segoe UI" panose="020B0502040204020203" pitchFamily="34" charset="0"/>
-            </a:endParaRPr>
-          </a:p>
-          <a:p>
-            <a:endParaRPr lang="en-US" dirty="0">
-              <a:latin typeface="Palatino Linotype" panose="02040502050505030304" pitchFamily="18" charset="0"/>
-              <a:cs typeface="Segoe UI" panose="020B0502040204020203" pitchFamily="34" charset="0"/>
-            </a:endParaRPr>
-          </a:p>
-          <a:p>
-            <a:endParaRPr lang="en-US" dirty="0">
-              <a:latin typeface="Palatino Linotype" panose="02040502050505030304" pitchFamily="18" charset="0"/>
-              <a:cs typeface="Segoe UI" panose="020B0502040204020203" pitchFamily="34" charset="0"/>
-            </a:endParaRPr>
-          </a:p>
-          <a:p>
-            <a:endParaRPr lang="en-US" dirty="0">
-              <a:latin typeface="Palatino Linotype" panose="02040502050505030304" pitchFamily="18" charset="0"/>
-              <a:cs typeface="Segoe UI" panose="020B0502040204020203" pitchFamily="34" charset="0"/>
-            </a:endParaRPr>
-          </a:p>
-          <a:p>
-            <a:endParaRPr lang="en-US" dirty="0">
-              <a:latin typeface="Palatino Linotype" panose="02040502050505030304" pitchFamily="18" charset="0"/>
-              <a:cs typeface="Segoe UI" panose="020B0502040204020203" pitchFamily="34" charset="0"/>
-            </a:endParaRPr>
-          </a:p>
-        </p:txBody>
-      </p:sp>
       <p:pic>
         <p:nvPicPr>
-          <p:cNvPr id="4" name="Picture 3">
+          <p:cNvPr id="3" name="Picture 2">
             <a:extLst>
               <a:ext uri="{FF2B5EF4-FFF2-40B4-BE49-F238E27FC236}">
-                <a16:creationId xmlns:a16="http://schemas.microsoft.com/office/drawing/2014/main" id="{BF227EC8-F25E-46CD-8CAE-24E18DBDE5CC}"/>
+                <a16:creationId xmlns:a16="http://schemas.microsoft.com/office/drawing/2014/main" id="{441A000E-7CD7-4649-B72E-FBC52BBA2BAD}"/>
               </a:ext>
             </a:extLst>
           </p:cNvPr>
@@ -10956,8 +11256,8 @@
         </p:blipFill>
         <p:spPr>
           <a:xfrm>
-            <a:off x="0" y="365760"/>
-            <a:ext cx="3233668" cy="805144"/>
+            <a:off x="2204375" y="1930860"/>
+            <a:ext cx="7203720" cy="2368703"/>
           </a:xfrm>
           <a:prstGeom prst="rect">
             <a:avLst/>
@@ -10966,10 +11266,10 @@
       </p:pic>
       <p:sp>
         <p:nvSpPr>
-          <p:cNvPr id="5" name="TextBox 4">
+          <p:cNvPr id="4" name="TextBox 3">
             <a:extLst>
               <a:ext uri="{FF2B5EF4-FFF2-40B4-BE49-F238E27FC236}">
-                <a16:creationId xmlns:a16="http://schemas.microsoft.com/office/drawing/2014/main" id="{1039C4F2-6068-4C5E-9D35-DA8442AD75C6}"/>
+                <a16:creationId xmlns:a16="http://schemas.microsoft.com/office/drawing/2014/main" id="{51676A2E-49A9-42AB-8461-A448E17FFD7F}"/>
               </a:ext>
             </a:extLst>
           </p:cNvPr>
@@ -10978,8 +11278,8 @@
         </p:nvSpPr>
         <p:spPr>
           <a:xfrm>
-            <a:off x="0" y="3291840"/>
-            <a:ext cx="12192000" cy="1200329"/>
+            <a:off x="0" y="6550223"/>
+            <a:ext cx="12192000" cy="307777"/>
           </a:xfrm>
           <a:prstGeom prst="rect">
             <a:avLst/>
@@ -10992,42 +11292,76 @@
           </a:bodyPr>
           <a:lstStyle/>
           <a:p>
-            <a:pPr algn="ctr"/>
-            <a:r>
-              <a:rPr lang="en-US" sz="3600" dirty="0">
+            <a:r>
+              <a:rPr lang="en-US" sz="1400" dirty="0">
                 <a:solidFill>
                   <a:schemeClr val="tx1">
                     <a:lumMod val="65000"/>
                     <a:lumOff val="35000"/>
                   </a:schemeClr>
                 </a:solidFill>
-                <a:latin typeface="Palatino Linotype" panose="02040502050505030304" pitchFamily="18" charset="0"/>
-              </a:rPr>
-              <a:t> Image Classification w/Data Augmentation</a:t>
-            </a:r>
-          </a:p>
-          <a:p>
-            <a:pPr algn="ctr"/>
-            <a:r>
-              <a:rPr lang="en-US" sz="3600" dirty="0">
+                <a:latin typeface="+mj-lt"/>
+                <a:ea typeface="Verdana" panose="020B0604030504040204" pitchFamily="34" charset="0"/>
+              </a:rPr>
+              <a:t>Source: Baig, M.R., et al. (2020). </a:t>
+            </a:r>
+            <a:r>
+              <a:rPr lang="en-US" sz="1400" i="1" dirty="0">
                 <a:solidFill>
                   <a:schemeClr val="tx1">
                     <a:lumMod val="65000"/>
                     <a:lumOff val="35000"/>
                   </a:schemeClr>
                 </a:solidFill>
-                <a:latin typeface="Palatino Linotype" panose="02040502050505030304" pitchFamily="18" charset="0"/>
-              </a:rPr>
-              <a:t>03.1_augmentation.ipynb</a:t>
-            </a:r>
-            <a:endParaRPr lang="en-US" sz="3600" dirty="0"/>
+                <a:latin typeface="+mj-lt"/>
+                <a:ea typeface="Verdana" panose="020B0604030504040204" pitchFamily="34" charset="0"/>
+              </a:rPr>
+              <a:t>The Deep Learning Workshop</a:t>
+            </a:r>
+            <a:r>
+              <a:rPr lang="en-US" sz="1400" dirty="0">
+                <a:solidFill>
+                  <a:schemeClr val="tx1">
+                    <a:lumMod val="65000"/>
+                    <a:lumOff val="35000"/>
+                  </a:schemeClr>
+                </a:solidFill>
+                <a:latin typeface="+mj-lt"/>
+                <a:ea typeface="Verdana" panose="020B0604030504040204" pitchFamily="34" charset="0"/>
+              </a:rPr>
+              <a:t>. Birmingham, UK</a:t>
+            </a:r>
+            <a:r>
+              <a:rPr lang="en-US" sz="1400" b="0" i="0" dirty="0">
+                <a:solidFill>
+                  <a:schemeClr val="tx1">
+                    <a:lumMod val="65000"/>
+                    <a:lumOff val="35000"/>
+                  </a:schemeClr>
+                </a:solidFill>
+                <a:effectLst/>
+                <a:latin typeface="+mj-lt"/>
+                <a:ea typeface="Verdana" panose="020B0604030504040204" pitchFamily="34" charset="0"/>
+              </a:rPr>
+              <a:t>: Packt Publishing. (Chapter 3)</a:t>
+            </a:r>
+            <a:endParaRPr lang="en-US" sz="1400" dirty="0">
+              <a:solidFill>
+                <a:schemeClr val="tx1">
+                  <a:lumMod val="65000"/>
+                  <a:lumOff val="35000"/>
+                </a:schemeClr>
+              </a:solidFill>
+              <a:latin typeface="+mj-lt"/>
+              <a:ea typeface="Verdana" panose="020B0604030504040204" pitchFamily="34" charset="0"/>
+            </a:endParaRPr>
           </a:p>
         </p:txBody>
       </p:sp>
     </p:spTree>
     <p:extLst>
       <p:ext uri="{BB962C8B-B14F-4D97-AF65-F5344CB8AC3E}">
-        <p14:creationId xmlns:p14="http://schemas.microsoft.com/office/powerpoint/2010/main" val="2207497494"/>
+        <p14:creationId xmlns:p14="http://schemas.microsoft.com/office/powerpoint/2010/main" val="101986205"/>
       </p:ext>
     </p:extLst>
   </p:cSld>
@@ -11068,10 +11402,10 @@
       </p:grpSpPr>
       <p:sp>
         <p:nvSpPr>
-          <p:cNvPr id="2" name="Title 1">
+          <p:cNvPr id="3" name="Text Placeholder 2">
             <a:extLst>
               <a:ext uri="{FF2B5EF4-FFF2-40B4-BE49-F238E27FC236}">
-                <a16:creationId xmlns:a16="http://schemas.microsoft.com/office/drawing/2014/main" id="{8306FF31-301F-43F0-8202-A782726E446A}"/>
+                <a16:creationId xmlns:a16="http://schemas.microsoft.com/office/drawing/2014/main" id="{098BC2D2-CCF7-4C63-8489-B46BF394FCA2}"/>
               </a:ext>
             </a:extLst>
           </p:cNvPr>
@@ -11079,13 +11413,13 @@
             <a:spLocks noGrp="1"/>
           </p:cNvSpPr>
           <p:nvPr>
-            <p:ph type="title"/>
+            <p:ph type="body" idx="1"/>
           </p:nvPr>
         </p:nvSpPr>
         <p:spPr>
           <a:xfrm>
-            <a:off x="0" y="365127"/>
-            <a:ext cx="12191999" cy="827416"/>
+            <a:off x="0" y="4285400"/>
+            <a:ext cx="12192000" cy="518830"/>
           </a:xfrm>
         </p:spPr>
         <p:txBody>
@@ -11094,29 +11428,43 @@
           </a:bodyPr>
           <a:lstStyle/>
           <a:p>
-            <a:pPr algn="ctr"/>
-            <a:r>
-              <a:rPr lang="en-US" dirty="0">
-                <a:solidFill>
-                  <a:schemeClr val="tx1">
-                    <a:lumMod val="75000"/>
-                    <a:lumOff val="25000"/>
-                  </a:schemeClr>
-                </a:solidFill>
-                <a:latin typeface="Palatino Linotype" panose="02040502050505030304" pitchFamily="18" charset="0"/>
-                <a:cs typeface="Segoe UI Light" panose="020B0502040204020203" pitchFamily="34" charset="0"/>
-              </a:rPr>
-              <a:t>The Goldilocks Problem</a:t>
-            </a:r>
+            <a:endParaRPr lang="en-US" dirty="0">
+              <a:latin typeface="Palatino Linotype" panose="02040502050505030304" pitchFamily="18" charset="0"/>
+              <a:cs typeface="Segoe UI" panose="020B0502040204020203" pitchFamily="34" charset="0"/>
+            </a:endParaRPr>
+          </a:p>
+          <a:p>
+            <a:endParaRPr lang="en-US" dirty="0">
+              <a:latin typeface="Palatino Linotype" panose="02040502050505030304" pitchFamily="18" charset="0"/>
+              <a:cs typeface="Segoe UI" panose="020B0502040204020203" pitchFamily="34" charset="0"/>
+            </a:endParaRPr>
+          </a:p>
+          <a:p>
+            <a:endParaRPr lang="en-US" dirty="0">
+              <a:latin typeface="Palatino Linotype" panose="02040502050505030304" pitchFamily="18" charset="0"/>
+              <a:cs typeface="Segoe UI" panose="020B0502040204020203" pitchFamily="34" charset="0"/>
+            </a:endParaRPr>
+          </a:p>
+          <a:p>
+            <a:endParaRPr lang="en-US" dirty="0">
+              <a:latin typeface="Palatino Linotype" panose="02040502050505030304" pitchFamily="18" charset="0"/>
+              <a:cs typeface="Segoe UI" panose="020B0502040204020203" pitchFamily="34" charset="0"/>
+            </a:endParaRPr>
+          </a:p>
+          <a:p>
+            <a:endParaRPr lang="en-US" dirty="0">
+              <a:latin typeface="Palatino Linotype" panose="02040502050505030304" pitchFamily="18" charset="0"/>
+              <a:cs typeface="Segoe UI" panose="020B0502040204020203" pitchFamily="34" charset="0"/>
+            </a:endParaRPr>
           </a:p>
         </p:txBody>
       </p:sp>
       <p:pic>
         <p:nvPicPr>
-          <p:cNvPr id="9" name="Picture 8" descr="A picture containing indoor&#10;&#10;Description automatically generated">
+          <p:cNvPr id="4" name="Picture 3">
             <a:extLst>
               <a:ext uri="{FF2B5EF4-FFF2-40B4-BE49-F238E27FC236}">
-                <a16:creationId xmlns:a16="http://schemas.microsoft.com/office/drawing/2014/main" id="{4419D745-33B1-4187-9F17-82F09DE6B135}"/>
+                <a16:creationId xmlns:a16="http://schemas.microsoft.com/office/drawing/2014/main" id="{BF227EC8-F25E-46CD-8CAE-24E18DBDE5CC}"/>
               </a:ext>
             </a:extLst>
           </p:cNvPr>
@@ -11126,38 +11474,27 @@
           <p:nvPr/>
         </p:nvPicPr>
         <p:blipFill>
-          <a:blip r:embed="rId3">
-            <a:extLst>
-              <a:ext uri="{28A0092B-C50C-407E-A947-70E740481C1C}">
-                <a14:useLocalDpi xmlns:a14="http://schemas.microsoft.com/office/drawing/2010/main" val="0"/>
-              </a:ext>
-            </a:extLst>
-          </a:blip>
+          <a:blip r:embed="rId3"/>
           <a:stretch>
             <a:fillRect/>
           </a:stretch>
         </p:blipFill>
         <p:spPr>
           <a:xfrm>
-            <a:off x="4620057" y="1888548"/>
-            <a:ext cx="3429434" cy="4133194"/>
+            <a:off x="0" y="365760"/>
+            <a:ext cx="3233668" cy="805144"/>
           </a:xfrm>
           <a:prstGeom prst="rect">
             <a:avLst/>
           </a:prstGeom>
-          <a:ln>
-            <a:solidFill>
-              <a:srgbClr val="385723"/>
-            </a:solidFill>
-          </a:ln>
         </p:spPr>
       </p:pic>
       <p:sp>
         <p:nvSpPr>
-          <p:cNvPr id="4" name="TextBox 3">
+          <p:cNvPr id="5" name="TextBox 4">
             <a:extLst>
               <a:ext uri="{FF2B5EF4-FFF2-40B4-BE49-F238E27FC236}">
-                <a16:creationId xmlns:a16="http://schemas.microsoft.com/office/drawing/2014/main" id="{263BB4D7-533B-4656-998D-34612210EC59}"/>
+                <a16:creationId xmlns:a16="http://schemas.microsoft.com/office/drawing/2014/main" id="{1039C4F2-6068-4C5E-9D35-DA8442AD75C6}"/>
               </a:ext>
             </a:extLst>
           </p:cNvPr>
@@ -11166,8 +11503,8 @@
         </p:nvSpPr>
         <p:spPr>
           <a:xfrm>
-            <a:off x="11430" y="6550223"/>
-            <a:ext cx="12192000" cy="307777"/>
+            <a:off x="0" y="3291840"/>
+            <a:ext cx="12192000" cy="1200329"/>
           </a:xfrm>
           <a:prstGeom prst="rect">
             <a:avLst/>
@@ -11180,48 +11517,42 @@
           </a:bodyPr>
           <a:lstStyle/>
           <a:p>
-            <a:r>
-              <a:rPr lang="en-US" sz="1400" dirty="0">
+            <a:pPr algn="ctr"/>
+            <a:r>
+              <a:rPr lang="en-US" sz="3600" dirty="0">
                 <a:solidFill>
                   <a:schemeClr val="tx1">
-                    <a:lumMod val="75000"/>
-                    <a:lumOff val="25000"/>
+                    <a:lumMod val="65000"/>
+                    <a:lumOff val="35000"/>
                   </a:schemeClr>
                 </a:solidFill>
-                <a:latin typeface="+mj-lt"/>
-                <a:ea typeface="Verdana" panose="020B0604030504040204" pitchFamily="34" charset="0"/>
-              </a:rPr>
-              <a:t>Image Credit: </a:t>
-            </a:r>
-            <a:r>
-              <a:rPr lang="en-US" sz="1400" dirty="0">
+                <a:latin typeface="Palatino Linotype" panose="02040502050505030304" pitchFamily="18" charset="0"/>
+              </a:rPr>
+              <a:t> Image Classification w/Data Augmentation</a:t>
+            </a:r>
+          </a:p>
+          <a:p>
+            <a:pPr algn="ctr"/>
+            <a:r>
+              <a:rPr lang="en-US" sz="3600" dirty="0">
                 <a:solidFill>
                   <a:schemeClr val="tx1">
-                    <a:lumMod val="75000"/>
-                    <a:lumOff val="25000"/>
+                    <a:lumMod val="65000"/>
+                    <a:lumOff val="35000"/>
                   </a:schemeClr>
                 </a:solidFill>
-                <a:latin typeface="+mj-lt"/>
-              </a:rPr>
-              <a:t>https://wenaha.com/product/goldilocks-and-the-three-bears/</a:t>
-            </a:r>
-            <a:endParaRPr lang="en-US" sz="1400" dirty="0">
-              <a:solidFill>
-                <a:schemeClr val="tx1">
-                  <a:lumMod val="75000"/>
-                  <a:lumOff val="25000"/>
-                </a:schemeClr>
-              </a:solidFill>
-              <a:latin typeface="+mj-lt"/>
-              <a:ea typeface="Verdana" panose="020B0604030504040204" pitchFamily="34" charset="0"/>
-            </a:endParaRPr>
+                <a:latin typeface="Palatino Linotype" panose="02040502050505030304" pitchFamily="18" charset="0"/>
+              </a:rPr>
+              <a:t>03.1_augmentation.ipynb</a:t>
+            </a:r>
+            <a:endParaRPr lang="en-US" sz="3600" dirty="0"/>
           </a:p>
         </p:txBody>
       </p:sp>
     </p:spTree>
     <p:extLst>
       <p:ext uri="{BB962C8B-B14F-4D97-AF65-F5344CB8AC3E}">
-        <p14:creationId xmlns:p14="http://schemas.microsoft.com/office/powerpoint/2010/main" val="232930360"/>
+        <p14:creationId xmlns:p14="http://schemas.microsoft.com/office/powerpoint/2010/main" val="2207497494"/>
       </p:ext>
     </p:extLst>
   </p:cSld>
@@ -11260,21 +11591,64 @@
           <a:chExt cx="0" cy="0"/>
         </a:xfrm>
       </p:grpSpPr>
+      <p:sp>
+        <p:nvSpPr>
+          <p:cNvPr id="2" name="Title 1">
+            <a:extLst>
+              <a:ext uri="{FF2B5EF4-FFF2-40B4-BE49-F238E27FC236}">
+                <a16:creationId xmlns:a16="http://schemas.microsoft.com/office/drawing/2014/main" id="{8306FF31-301F-43F0-8202-A782726E446A}"/>
+              </a:ext>
+            </a:extLst>
+          </p:cNvPr>
+          <p:cNvSpPr>
+            <a:spLocks noGrp="1"/>
+          </p:cNvSpPr>
+          <p:nvPr>
+            <p:ph type="title"/>
+          </p:nvPr>
+        </p:nvSpPr>
+        <p:spPr>
+          <a:xfrm>
+            <a:off x="0" y="365127"/>
+            <a:ext cx="12191999" cy="827416"/>
+          </a:xfrm>
+        </p:spPr>
+        <p:txBody>
+          <a:bodyPr>
+            <a:normAutofit/>
+          </a:bodyPr>
+          <a:lstStyle/>
+          <a:p>
+            <a:pPr algn="ctr"/>
+            <a:r>
+              <a:rPr lang="en-US" dirty="0">
+                <a:solidFill>
+                  <a:schemeClr val="tx1">
+                    <a:lumMod val="75000"/>
+                    <a:lumOff val="25000"/>
+                  </a:schemeClr>
+                </a:solidFill>
+                <a:latin typeface="Palatino Linotype" panose="02040502050505030304" pitchFamily="18" charset="0"/>
+                <a:cs typeface="Segoe UI Light" panose="020B0502040204020203" pitchFamily="34" charset="0"/>
+              </a:rPr>
+              <a:t>The Goldilocks Problem</a:t>
+            </a:r>
+          </a:p>
+        </p:txBody>
+      </p:sp>
       <p:pic>
         <p:nvPicPr>
-          <p:cNvPr id="5" name="Content Placeholder 4">
+          <p:cNvPr id="9" name="Picture 8" descr="A picture containing indoor&#10;&#10;Description automatically generated">
             <a:extLst>
               <a:ext uri="{FF2B5EF4-FFF2-40B4-BE49-F238E27FC236}">
-                <a16:creationId xmlns:a16="http://schemas.microsoft.com/office/drawing/2014/main" id="{4613F606-4F29-4362-96AA-43F81A0CD985}"/>
+                <a16:creationId xmlns:a16="http://schemas.microsoft.com/office/drawing/2014/main" id="{4419D745-33B1-4187-9F17-82F09DE6B135}"/>
               </a:ext>
             </a:extLst>
           </p:cNvPr>
           <p:cNvPicPr>
-            <a:picLocks noGrp="1" noChangeAspect="1"/>
+            <a:picLocks noChangeAspect="1"/>
           </p:cNvPicPr>
-          <p:nvPr>
-            <p:ph idx="1"/>
-          </p:nvPr>
+          <p:nvPr/>
         </p:nvPicPr>
         <p:blipFill>
           <a:blip r:embed="rId3">
@@ -11290,56 +11664,89 @@
         </p:blipFill>
         <p:spPr>
           <a:xfrm>
-            <a:off x="3213824" y="1549322"/>
-            <a:ext cx="5581833" cy="3790316"/>
+            <a:off x="4620057" y="1888548"/>
+            <a:ext cx="3429434" cy="4133194"/>
           </a:xfrm>
-        </p:spPr>
-      </p:pic>
-      <p:cxnSp>
-        <p:nvCxnSpPr>
-          <p:cNvPr id="7" name="Straight Connector 6">
-            <a:extLst>
-              <a:ext uri="{FF2B5EF4-FFF2-40B4-BE49-F238E27FC236}">
-                <a16:creationId xmlns:a16="http://schemas.microsoft.com/office/drawing/2014/main" id="{41C04075-24DA-496A-A165-F9580F3F8939}"/>
-              </a:ext>
-            </a:extLst>
-          </p:cNvPr>
-          <p:cNvCxnSpPr>
-            <a:cxnSpLocks/>
-          </p:cNvCxnSpPr>
-          <p:nvPr/>
-        </p:nvCxnSpPr>
-        <p:spPr>
-          <a:xfrm flipV="1">
-            <a:off x="3906982" y="1788946"/>
-            <a:ext cx="3657600" cy="3013364"/>
-          </a:xfrm>
-          <a:prstGeom prst="line">
+          <a:prstGeom prst="rect">
             <a:avLst/>
           </a:prstGeom>
           <a:ln>
-            <a:prstDash val="dash"/>
+            <a:solidFill>
+              <a:srgbClr val="385723"/>
+            </a:solidFill>
           </a:ln>
         </p:spPr>
-        <p:style>
-          <a:lnRef idx="3">
-            <a:schemeClr val="accent6"/>
-          </a:lnRef>
-          <a:fillRef idx="0">
-            <a:schemeClr val="accent6"/>
-          </a:fillRef>
-          <a:effectRef idx="2">
-            <a:schemeClr val="accent6"/>
-          </a:effectRef>
-          <a:fontRef idx="minor">
-            <a:schemeClr val="tx1"/>
-          </a:fontRef>
-        </p:style>
-      </p:cxnSp>
+      </p:pic>
+      <p:sp>
+        <p:nvSpPr>
+          <p:cNvPr id="4" name="TextBox 3">
+            <a:extLst>
+              <a:ext uri="{FF2B5EF4-FFF2-40B4-BE49-F238E27FC236}">
+                <a16:creationId xmlns:a16="http://schemas.microsoft.com/office/drawing/2014/main" id="{263BB4D7-533B-4656-998D-34612210EC59}"/>
+              </a:ext>
+            </a:extLst>
+          </p:cNvPr>
+          <p:cNvSpPr txBox="1"/>
+          <p:nvPr/>
+        </p:nvSpPr>
+        <p:spPr>
+          <a:xfrm>
+            <a:off x="11430" y="6550223"/>
+            <a:ext cx="12192000" cy="307777"/>
+          </a:xfrm>
+          <a:prstGeom prst="rect">
+            <a:avLst/>
+          </a:prstGeom>
+          <a:noFill/>
+        </p:spPr>
+        <p:txBody>
+          <a:bodyPr wrap="square" rtlCol="0">
+            <a:spAutoFit/>
+          </a:bodyPr>
+          <a:lstStyle/>
+          <a:p>
+            <a:r>
+              <a:rPr lang="en-US" sz="1400" dirty="0">
+                <a:solidFill>
+                  <a:schemeClr val="tx1">
+                    <a:lumMod val="75000"/>
+                    <a:lumOff val="25000"/>
+                  </a:schemeClr>
+                </a:solidFill>
+                <a:latin typeface="+mj-lt"/>
+                <a:ea typeface="Verdana" panose="020B0604030504040204" pitchFamily="34" charset="0"/>
+              </a:rPr>
+              <a:t>Image Credit: </a:t>
+            </a:r>
+            <a:r>
+              <a:rPr lang="en-US" sz="1400" dirty="0">
+                <a:solidFill>
+                  <a:schemeClr val="tx1">
+                    <a:lumMod val="75000"/>
+                    <a:lumOff val="25000"/>
+                  </a:schemeClr>
+                </a:solidFill>
+                <a:latin typeface="+mj-lt"/>
+              </a:rPr>
+              <a:t>https://wenaha.com/product/goldilocks-and-the-three-bears/</a:t>
+            </a:r>
+            <a:endParaRPr lang="en-US" sz="1400" dirty="0">
+              <a:solidFill>
+                <a:schemeClr val="tx1">
+                  <a:lumMod val="75000"/>
+                  <a:lumOff val="25000"/>
+                </a:schemeClr>
+              </a:solidFill>
+              <a:latin typeface="+mj-lt"/>
+              <a:ea typeface="Verdana" panose="020B0604030504040204" pitchFamily="34" charset="0"/>
+            </a:endParaRPr>
+          </a:p>
+        </p:txBody>
+      </p:sp>
     </p:spTree>
     <p:extLst>
       <p:ext uri="{BB962C8B-B14F-4D97-AF65-F5344CB8AC3E}">
-        <p14:creationId xmlns:p14="http://schemas.microsoft.com/office/powerpoint/2010/main" val="3128685932"/>
+        <p14:creationId xmlns:p14="http://schemas.microsoft.com/office/powerpoint/2010/main" val="232930360"/>
       </p:ext>
     </p:extLst>
   </p:cSld>

--- a/presentations/03_data_augmentation.pptx
+++ b/presentations/03_data_augmentation.pptx
@@ -226,7 +226,7 @@
           <a:p>
             <a:fld id="{FD93C9B2-20F6-4DB1-B471-224337D0AC79}" type="datetimeFigureOut">
               <a:rPr lang="en-US" smtClean="0"/>
-              <a:t>8/26/2022</a:t>
+              <a:t>9/19/2022</a:t>
             </a:fld>
             <a:endParaRPr lang="en-US"/>
           </a:p>
@@ -3656,7 +3656,7 @@
           <a:p>
             <a:r>
               <a:rPr lang="en-US" dirty="0"/>
-              <a:t>As a child, you may have read or heard the story of Goldilocks, a little girl who finds an empty cabin in the woods with three empty beds.  Goldilocks tries out the first bed and discover that it’s too hard.  Then she tries the second bed, and it’s too soft.  Finally, she tries the third bed and it’s just right.  A peaceful nap ensues until she’s awakened by three bears who ask what she’s doing in their bed.  This is often referred to as the Goldilocks problem.  </a:t>
+              <a:t>As a child, you may have read or heard the story of Goldilocks, a little girl who finds an empty cabin in the woods with three empty beds.  Goldilocks tries out the first bed and discover that it’s too hard.  Then she tries the second bed, and it’s too soft.  Finally, she tries the third bed and it’s just right.  A peaceful nap ensues until she’s awakened by three bears who ask what she’s doing in their bed.  This is often called the Goldilocks problem.  </a:t>
             </a:r>
           </a:p>
           <a:p>
@@ -3701,7 +3701,7 @@
             </a:r>
             <a:r>
               <a:rPr lang="en-US" dirty="0"/>
-              <a:t>.  And like Goldilocks, it’s often a question of finding that sweet spot, of trying out one model and then another until a proper fit is achieved.  Now when we say proper fit, what we’re talking about is a model which makes accurate predictions on the training data but will does so with other data as well.  When this happens, the model is said to generalize well.  Consider this graph…</a:t>
+              <a:t>.  And like Goldilocks, it’s often a question of finding that sweet spot, of trying out one model and then another until a proper fit is achieved.  Now when we say proper fit, what we’re talking about is a model that makes accurate predictions on the training data but also with other data as well.  When this happens, the model is said to generalize well.  Consider this graph…</a:t>
             </a:r>
           </a:p>
           <a:p>
@@ -4091,7 +4091,7 @@
           <a:p>
             <a:fld id="{C3F78080-8D0A-4BE8-A5B4-CB115102D524}" type="datetimeFigureOut">
               <a:rPr lang="en-US" smtClean="0"/>
-              <a:t>8/26/2022</a:t>
+              <a:t>9/19/2022</a:t>
             </a:fld>
             <a:endParaRPr lang="en-US"/>
           </a:p>
@@ -4289,7 +4289,7 @@
           <a:p>
             <a:fld id="{C3F78080-8D0A-4BE8-A5B4-CB115102D524}" type="datetimeFigureOut">
               <a:rPr lang="en-US" smtClean="0"/>
-              <a:t>8/26/2022</a:t>
+              <a:t>9/19/2022</a:t>
             </a:fld>
             <a:endParaRPr lang="en-US"/>
           </a:p>
@@ -4497,7 +4497,7 @@
           <a:p>
             <a:fld id="{C3F78080-8D0A-4BE8-A5B4-CB115102D524}" type="datetimeFigureOut">
               <a:rPr lang="en-US" smtClean="0"/>
-              <a:t>8/26/2022</a:t>
+              <a:t>9/19/2022</a:t>
             </a:fld>
             <a:endParaRPr lang="en-US"/>
           </a:p>
@@ -4695,7 +4695,7 @@
           <a:p>
             <a:fld id="{C3F78080-8D0A-4BE8-A5B4-CB115102D524}" type="datetimeFigureOut">
               <a:rPr lang="en-US" smtClean="0"/>
-              <a:t>8/26/2022</a:t>
+              <a:t>9/19/2022</a:t>
             </a:fld>
             <a:endParaRPr lang="en-US"/>
           </a:p>
@@ -4970,7 +4970,7 @@
           <a:p>
             <a:fld id="{C3F78080-8D0A-4BE8-A5B4-CB115102D524}" type="datetimeFigureOut">
               <a:rPr lang="en-US" smtClean="0"/>
-              <a:t>8/26/2022</a:t>
+              <a:t>9/19/2022</a:t>
             </a:fld>
             <a:endParaRPr lang="en-US"/>
           </a:p>
@@ -5235,7 +5235,7 @@
           <a:p>
             <a:fld id="{C3F78080-8D0A-4BE8-A5B4-CB115102D524}" type="datetimeFigureOut">
               <a:rPr lang="en-US" smtClean="0"/>
-              <a:t>8/26/2022</a:t>
+              <a:t>9/19/2022</a:t>
             </a:fld>
             <a:endParaRPr lang="en-US"/>
           </a:p>
@@ -5647,7 +5647,7 @@
           <a:p>
             <a:fld id="{C3F78080-8D0A-4BE8-A5B4-CB115102D524}" type="datetimeFigureOut">
               <a:rPr lang="en-US" smtClean="0"/>
-              <a:t>8/26/2022</a:t>
+              <a:t>9/19/2022</a:t>
             </a:fld>
             <a:endParaRPr lang="en-US"/>
           </a:p>
@@ -5788,7 +5788,7 @@
           <a:p>
             <a:fld id="{C3F78080-8D0A-4BE8-A5B4-CB115102D524}" type="datetimeFigureOut">
               <a:rPr lang="en-US" smtClean="0"/>
-              <a:t>8/26/2022</a:t>
+              <a:t>9/19/2022</a:t>
             </a:fld>
             <a:endParaRPr lang="en-US"/>
           </a:p>
@@ -5901,7 +5901,7 @@
           <a:p>
             <a:fld id="{C3F78080-8D0A-4BE8-A5B4-CB115102D524}" type="datetimeFigureOut">
               <a:rPr lang="en-US" smtClean="0"/>
-              <a:t>8/26/2022</a:t>
+              <a:t>9/19/2022</a:t>
             </a:fld>
             <a:endParaRPr lang="en-US"/>
           </a:p>
@@ -6212,7 +6212,7 @@
           <a:p>
             <a:fld id="{C3F78080-8D0A-4BE8-A5B4-CB115102D524}" type="datetimeFigureOut">
               <a:rPr lang="en-US" smtClean="0"/>
-              <a:t>8/26/2022</a:t>
+              <a:t>9/19/2022</a:t>
             </a:fld>
             <a:endParaRPr lang="en-US"/>
           </a:p>
@@ -6500,7 +6500,7 @@
           <a:p>
             <a:fld id="{C3F78080-8D0A-4BE8-A5B4-CB115102D524}" type="datetimeFigureOut">
               <a:rPr lang="en-US" smtClean="0"/>
-              <a:t>8/26/2022</a:t>
+              <a:t>9/19/2022</a:t>
             </a:fld>
             <a:endParaRPr lang="en-US"/>
           </a:p>
@@ -6741,7 +6741,7 @@
           <a:p>
             <a:fld id="{C3F78080-8D0A-4BE8-A5B4-CB115102D524}" type="datetimeFigureOut">
               <a:rPr lang="en-US" smtClean="0"/>
-              <a:t>8/26/2022</a:t>
+              <a:t>9/19/2022</a:t>
             </a:fld>
             <a:endParaRPr lang="en-US"/>
           </a:p>
@@ -9584,7 +9584,7 @@
         </p:nvSpPr>
         <p:spPr>
           <a:xfrm>
-            <a:off x="0" y="3291840"/>
+            <a:off x="0" y="3085071"/>
             <a:ext cx="12192000" cy="1200329"/>
           </a:xfrm>
           <a:prstGeom prst="rect">
@@ -9801,7 +9801,7 @@
                 </a:solidFill>
                 <a:latin typeface="Palatino Linotype" panose="02040502050505030304" pitchFamily="18" charset="0"/>
               </a:rPr>
-              <a:t>Learning Objective 1</a:t>
+              <a:t>Data Augmentation</a:t>
             </a:r>
           </a:p>
         </p:txBody>
@@ -10023,451 +10023,7 @@
                 </a:solidFill>
                 <a:latin typeface="Palatino Linotype" panose="02040502050505030304" pitchFamily="18" charset="0"/>
               </a:rPr>
-              <a:t>Learning Objective 1</a:t>
-            </a:r>
-          </a:p>
-        </p:txBody>
-      </p:sp>
-      <p:sp>
-        <p:nvSpPr>
-          <p:cNvPr id="6" name="Content Placeholder 2">
-            <a:extLst>
-              <a:ext uri="{FF2B5EF4-FFF2-40B4-BE49-F238E27FC236}">
-                <a16:creationId xmlns:a16="http://schemas.microsoft.com/office/drawing/2014/main" id="{FF2490E1-D7A0-7027-6DCC-60BB6819CD9E}"/>
-              </a:ext>
-            </a:extLst>
-          </p:cNvPr>
-          <p:cNvSpPr txBox="1">
-            <a:spLocks/>
-          </p:cNvSpPr>
-          <p:nvPr/>
-        </p:nvSpPr>
-        <p:spPr>
-          <a:xfrm>
-            <a:off x="1013564" y="3103930"/>
-            <a:ext cx="10515600" cy="504215"/>
-          </a:xfrm>
-          <a:prstGeom prst="rect">
-            <a:avLst/>
-          </a:prstGeom>
-        </p:spPr>
-        <p:txBody>
-          <a:bodyPr vert="horz" lIns="91440" tIns="45720" rIns="91440" bIns="45720" rtlCol="0">
-            <a:normAutofit/>
-          </a:bodyPr>
-          <a:lstStyle>
-            <a:lvl1pPr marL="228600" indent="-228600" algn="l" defTabSz="914400" rtl="0" eaLnBrk="1" latinLnBrk="0" hangingPunct="1">
-              <a:lnSpc>
-                <a:spcPct val="90000"/>
-              </a:lnSpc>
-              <a:spcBef>
-                <a:spcPts val="1000"/>
-              </a:spcBef>
-              <a:buFont typeface="Arial" panose="020B0604020202020204" pitchFamily="34" charset="0"/>
-              <a:buChar char="•"/>
-              <a:defRPr sz="2800" kern="1200">
-                <a:solidFill>
-                  <a:schemeClr val="tx1"/>
-                </a:solidFill>
-                <a:latin typeface="+mn-lt"/>
-                <a:ea typeface="+mn-ea"/>
-                <a:cs typeface="+mn-cs"/>
-              </a:defRPr>
-            </a:lvl1pPr>
-            <a:lvl2pPr marL="685800" indent="-228600" algn="l" defTabSz="914400" rtl="0" eaLnBrk="1" latinLnBrk="0" hangingPunct="1">
-              <a:lnSpc>
-                <a:spcPct val="90000"/>
-              </a:lnSpc>
-              <a:spcBef>
-                <a:spcPts val="500"/>
-              </a:spcBef>
-              <a:buFont typeface="Arial" panose="020B0604020202020204" pitchFamily="34" charset="0"/>
-              <a:buChar char="•"/>
-              <a:defRPr sz="2400" kern="1200">
-                <a:solidFill>
-                  <a:schemeClr val="tx1"/>
-                </a:solidFill>
-                <a:latin typeface="+mn-lt"/>
-                <a:ea typeface="+mn-ea"/>
-                <a:cs typeface="+mn-cs"/>
-              </a:defRPr>
-            </a:lvl2pPr>
-            <a:lvl3pPr marL="1143000" indent="-228600" algn="l" defTabSz="914400" rtl="0" eaLnBrk="1" latinLnBrk="0" hangingPunct="1">
-              <a:lnSpc>
-                <a:spcPct val="90000"/>
-              </a:lnSpc>
-              <a:spcBef>
-                <a:spcPts val="500"/>
-              </a:spcBef>
-              <a:buFont typeface="Arial" panose="020B0604020202020204" pitchFamily="34" charset="0"/>
-              <a:buChar char="•"/>
-              <a:defRPr sz="2000" kern="1200">
-                <a:solidFill>
-                  <a:schemeClr val="tx1"/>
-                </a:solidFill>
-                <a:latin typeface="+mn-lt"/>
-                <a:ea typeface="+mn-ea"/>
-                <a:cs typeface="+mn-cs"/>
-              </a:defRPr>
-            </a:lvl3pPr>
-            <a:lvl4pPr marL="1600200" indent="-228600" algn="l" defTabSz="914400" rtl="0" eaLnBrk="1" latinLnBrk="0" hangingPunct="1">
-              <a:lnSpc>
-                <a:spcPct val="90000"/>
-              </a:lnSpc>
-              <a:spcBef>
-                <a:spcPts val="500"/>
-              </a:spcBef>
-              <a:buFont typeface="Arial" panose="020B0604020202020204" pitchFamily="34" charset="0"/>
-              <a:buChar char="•"/>
-              <a:defRPr sz="1800" kern="1200">
-                <a:solidFill>
-                  <a:schemeClr val="tx1"/>
-                </a:solidFill>
-                <a:latin typeface="+mn-lt"/>
-                <a:ea typeface="+mn-ea"/>
-                <a:cs typeface="+mn-cs"/>
-              </a:defRPr>
-            </a:lvl4pPr>
-            <a:lvl5pPr marL="2057400" indent="-228600" algn="l" defTabSz="914400" rtl="0" eaLnBrk="1" latinLnBrk="0" hangingPunct="1">
-              <a:lnSpc>
-                <a:spcPct val="90000"/>
-              </a:lnSpc>
-              <a:spcBef>
-                <a:spcPts val="500"/>
-              </a:spcBef>
-              <a:buFont typeface="Arial" panose="020B0604020202020204" pitchFamily="34" charset="0"/>
-              <a:buChar char="•"/>
-              <a:defRPr sz="1800" kern="1200">
-                <a:solidFill>
-                  <a:schemeClr val="tx1"/>
-                </a:solidFill>
-                <a:latin typeface="+mn-lt"/>
-                <a:ea typeface="+mn-ea"/>
-                <a:cs typeface="+mn-cs"/>
-              </a:defRPr>
-            </a:lvl5pPr>
-            <a:lvl6pPr marL="2514600" indent="-228600" algn="l" defTabSz="914400" rtl="0" eaLnBrk="1" latinLnBrk="0" hangingPunct="1">
-              <a:lnSpc>
-                <a:spcPct val="90000"/>
-              </a:lnSpc>
-              <a:spcBef>
-                <a:spcPts val="500"/>
-              </a:spcBef>
-              <a:buFont typeface="Arial" panose="020B0604020202020204" pitchFamily="34" charset="0"/>
-              <a:buChar char="•"/>
-              <a:defRPr sz="1800" kern="1200">
-                <a:solidFill>
-                  <a:schemeClr val="tx1"/>
-                </a:solidFill>
-                <a:latin typeface="+mn-lt"/>
-                <a:ea typeface="+mn-ea"/>
-                <a:cs typeface="+mn-cs"/>
-              </a:defRPr>
-            </a:lvl6pPr>
-            <a:lvl7pPr marL="2971800" indent="-228600" algn="l" defTabSz="914400" rtl="0" eaLnBrk="1" latinLnBrk="0" hangingPunct="1">
-              <a:lnSpc>
-                <a:spcPct val="90000"/>
-              </a:lnSpc>
-              <a:spcBef>
-                <a:spcPts val="500"/>
-              </a:spcBef>
-              <a:buFont typeface="Arial" panose="020B0604020202020204" pitchFamily="34" charset="0"/>
-              <a:buChar char="•"/>
-              <a:defRPr sz="1800" kern="1200">
-                <a:solidFill>
-                  <a:schemeClr val="tx1"/>
-                </a:solidFill>
-                <a:latin typeface="+mn-lt"/>
-                <a:ea typeface="+mn-ea"/>
-                <a:cs typeface="+mn-cs"/>
-              </a:defRPr>
-            </a:lvl7pPr>
-            <a:lvl8pPr marL="3429000" indent="-228600" algn="l" defTabSz="914400" rtl="0" eaLnBrk="1" latinLnBrk="0" hangingPunct="1">
-              <a:lnSpc>
-                <a:spcPct val="90000"/>
-              </a:lnSpc>
-              <a:spcBef>
-                <a:spcPts val="500"/>
-              </a:spcBef>
-              <a:buFont typeface="Arial" panose="020B0604020202020204" pitchFamily="34" charset="0"/>
-              <a:buChar char="•"/>
-              <a:defRPr sz="1800" kern="1200">
-                <a:solidFill>
-                  <a:schemeClr val="tx1"/>
-                </a:solidFill>
-                <a:latin typeface="+mn-lt"/>
-                <a:ea typeface="+mn-ea"/>
-                <a:cs typeface="+mn-cs"/>
-              </a:defRPr>
-            </a:lvl8pPr>
-            <a:lvl9pPr marL="3886200" indent="-228600" algn="l" defTabSz="914400" rtl="0" eaLnBrk="1" latinLnBrk="0" hangingPunct="1">
-              <a:lnSpc>
-                <a:spcPct val="90000"/>
-              </a:lnSpc>
-              <a:spcBef>
-                <a:spcPts val="500"/>
-              </a:spcBef>
-              <a:buFont typeface="Arial" panose="020B0604020202020204" pitchFamily="34" charset="0"/>
-              <a:buChar char="•"/>
-              <a:defRPr sz="1800" kern="1200">
-                <a:solidFill>
-                  <a:schemeClr val="tx1"/>
-                </a:solidFill>
-                <a:latin typeface="+mn-lt"/>
-                <a:ea typeface="+mn-ea"/>
-                <a:cs typeface="+mn-cs"/>
-              </a:defRPr>
-            </a:lvl9pPr>
-          </a:lstStyle>
-          <a:p>
-            <a:pPr>
-              <a:buFont typeface="Wingdings" panose="05000000000000000000" pitchFamily="2" charset="2"/>
-              <a:buChar char="Ø"/>
-            </a:pPr>
-            <a:r>
-              <a:rPr lang="en-US" dirty="0">
-                <a:solidFill>
-                  <a:schemeClr val="tx1">
-                    <a:lumMod val="75000"/>
-                    <a:lumOff val="25000"/>
-                  </a:schemeClr>
-                </a:solidFill>
-              </a:rPr>
-              <a:t> </a:t>
-            </a:r>
-            <a:r>
-              <a:rPr lang="en-US" dirty="0">
-                <a:solidFill>
-                  <a:schemeClr val="tx1">
-                    <a:lumMod val="75000"/>
-                    <a:lumOff val="25000"/>
-                  </a:schemeClr>
-                </a:solidFill>
-                <a:latin typeface="Palatino Linotype" panose="02040502050505030304" pitchFamily="18" charset="0"/>
-              </a:rPr>
-              <a:t>Learning Objective 1</a:t>
-            </a:r>
-          </a:p>
-        </p:txBody>
-      </p:sp>
-      <p:sp>
-        <p:nvSpPr>
-          <p:cNvPr id="7" name="Content Placeholder 2">
-            <a:extLst>
-              <a:ext uri="{FF2B5EF4-FFF2-40B4-BE49-F238E27FC236}">
-                <a16:creationId xmlns:a16="http://schemas.microsoft.com/office/drawing/2014/main" id="{6D3279E5-D518-B484-9FCF-B12663A4E8FF}"/>
-              </a:ext>
-            </a:extLst>
-          </p:cNvPr>
-          <p:cNvSpPr txBox="1">
-            <a:spLocks/>
-          </p:cNvSpPr>
-          <p:nvPr/>
-        </p:nvSpPr>
-        <p:spPr>
-          <a:xfrm>
-            <a:off x="1013564" y="3743082"/>
-            <a:ext cx="10515600" cy="504215"/>
-          </a:xfrm>
-          <a:prstGeom prst="rect">
-            <a:avLst/>
-          </a:prstGeom>
-        </p:spPr>
-        <p:txBody>
-          <a:bodyPr vert="horz" lIns="91440" tIns="45720" rIns="91440" bIns="45720" rtlCol="0">
-            <a:normAutofit/>
-          </a:bodyPr>
-          <a:lstStyle>
-            <a:lvl1pPr marL="228600" indent="-228600" algn="l" defTabSz="914400" rtl="0" eaLnBrk="1" latinLnBrk="0" hangingPunct="1">
-              <a:lnSpc>
-                <a:spcPct val="90000"/>
-              </a:lnSpc>
-              <a:spcBef>
-                <a:spcPts val="1000"/>
-              </a:spcBef>
-              <a:buFont typeface="Arial" panose="020B0604020202020204" pitchFamily="34" charset="0"/>
-              <a:buChar char="•"/>
-              <a:defRPr sz="2800" kern="1200">
-                <a:solidFill>
-                  <a:schemeClr val="tx1"/>
-                </a:solidFill>
-                <a:latin typeface="+mn-lt"/>
-                <a:ea typeface="+mn-ea"/>
-                <a:cs typeface="+mn-cs"/>
-              </a:defRPr>
-            </a:lvl1pPr>
-            <a:lvl2pPr marL="685800" indent="-228600" algn="l" defTabSz="914400" rtl="0" eaLnBrk="1" latinLnBrk="0" hangingPunct="1">
-              <a:lnSpc>
-                <a:spcPct val="90000"/>
-              </a:lnSpc>
-              <a:spcBef>
-                <a:spcPts val="500"/>
-              </a:spcBef>
-              <a:buFont typeface="Arial" panose="020B0604020202020204" pitchFamily="34" charset="0"/>
-              <a:buChar char="•"/>
-              <a:defRPr sz="2400" kern="1200">
-                <a:solidFill>
-                  <a:schemeClr val="tx1"/>
-                </a:solidFill>
-                <a:latin typeface="+mn-lt"/>
-                <a:ea typeface="+mn-ea"/>
-                <a:cs typeface="+mn-cs"/>
-              </a:defRPr>
-            </a:lvl2pPr>
-            <a:lvl3pPr marL="1143000" indent="-228600" algn="l" defTabSz="914400" rtl="0" eaLnBrk="1" latinLnBrk="0" hangingPunct="1">
-              <a:lnSpc>
-                <a:spcPct val="90000"/>
-              </a:lnSpc>
-              <a:spcBef>
-                <a:spcPts val="500"/>
-              </a:spcBef>
-              <a:buFont typeface="Arial" panose="020B0604020202020204" pitchFamily="34" charset="0"/>
-              <a:buChar char="•"/>
-              <a:defRPr sz="2000" kern="1200">
-                <a:solidFill>
-                  <a:schemeClr val="tx1"/>
-                </a:solidFill>
-                <a:latin typeface="+mn-lt"/>
-                <a:ea typeface="+mn-ea"/>
-                <a:cs typeface="+mn-cs"/>
-              </a:defRPr>
-            </a:lvl3pPr>
-            <a:lvl4pPr marL="1600200" indent="-228600" algn="l" defTabSz="914400" rtl="0" eaLnBrk="1" latinLnBrk="0" hangingPunct="1">
-              <a:lnSpc>
-                <a:spcPct val="90000"/>
-              </a:lnSpc>
-              <a:spcBef>
-                <a:spcPts val="500"/>
-              </a:spcBef>
-              <a:buFont typeface="Arial" panose="020B0604020202020204" pitchFamily="34" charset="0"/>
-              <a:buChar char="•"/>
-              <a:defRPr sz="1800" kern="1200">
-                <a:solidFill>
-                  <a:schemeClr val="tx1"/>
-                </a:solidFill>
-                <a:latin typeface="+mn-lt"/>
-                <a:ea typeface="+mn-ea"/>
-                <a:cs typeface="+mn-cs"/>
-              </a:defRPr>
-            </a:lvl4pPr>
-            <a:lvl5pPr marL="2057400" indent="-228600" algn="l" defTabSz="914400" rtl="0" eaLnBrk="1" latinLnBrk="0" hangingPunct="1">
-              <a:lnSpc>
-                <a:spcPct val="90000"/>
-              </a:lnSpc>
-              <a:spcBef>
-                <a:spcPts val="500"/>
-              </a:spcBef>
-              <a:buFont typeface="Arial" panose="020B0604020202020204" pitchFamily="34" charset="0"/>
-              <a:buChar char="•"/>
-              <a:defRPr sz="1800" kern="1200">
-                <a:solidFill>
-                  <a:schemeClr val="tx1"/>
-                </a:solidFill>
-                <a:latin typeface="+mn-lt"/>
-                <a:ea typeface="+mn-ea"/>
-                <a:cs typeface="+mn-cs"/>
-              </a:defRPr>
-            </a:lvl5pPr>
-            <a:lvl6pPr marL="2514600" indent="-228600" algn="l" defTabSz="914400" rtl="0" eaLnBrk="1" latinLnBrk="0" hangingPunct="1">
-              <a:lnSpc>
-                <a:spcPct val="90000"/>
-              </a:lnSpc>
-              <a:spcBef>
-                <a:spcPts val="500"/>
-              </a:spcBef>
-              <a:buFont typeface="Arial" panose="020B0604020202020204" pitchFamily="34" charset="0"/>
-              <a:buChar char="•"/>
-              <a:defRPr sz="1800" kern="1200">
-                <a:solidFill>
-                  <a:schemeClr val="tx1"/>
-                </a:solidFill>
-                <a:latin typeface="+mn-lt"/>
-                <a:ea typeface="+mn-ea"/>
-                <a:cs typeface="+mn-cs"/>
-              </a:defRPr>
-            </a:lvl6pPr>
-            <a:lvl7pPr marL="2971800" indent="-228600" algn="l" defTabSz="914400" rtl="0" eaLnBrk="1" latinLnBrk="0" hangingPunct="1">
-              <a:lnSpc>
-                <a:spcPct val="90000"/>
-              </a:lnSpc>
-              <a:spcBef>
-                <a:spcPts val="500"/>
-              </a:spcBef>
-              <a:buFont typeface="Arial" panose="020B0604020202020204" pitchFamily="34" charset="0"/>
-              <a:buChar char="•"/>
-              <a:defRPr sz="1800" kern="1200">
-                <a:solidFill>
-                  <a:schemeClr val="tx1"/>
-                </a:solidFill>
-                <a:latin typeface="+mn-lt"/>
-                <a:ea typeface="+mn-ea"/>
-                <a:cs typeface="+mn-cs"/>
-              </a:defRPr>
-            </a:lvl7pPr>
-            <a:lvl8pPr marL="3429000" indent="-228600" algn="l" defTabSz="914400" rtl="0" eaLnBrk="1" latinLnBrk="0" hangingPunct="1">
-              <a:lnSpc>
-                <a:spcPct val="90000"/>
-              </a:lnSpc>
-              <a:spcBef>
-                <a:spcPts val="500"/>
-              </a:spcBef>
-              <a:buFont typeface="Arial" panose="020B0604020202020204" pitchFamily="34" charset="0"/>
-              <a:buChar char="•"/>
-              <a:defRPr sz="1800" kern="1200">
-                <a:solidFill>
-                  <a:schemeClr val="tx1"/>
-                </a:solidFill>
-                <a:latin typeface="+mn-lt"/>
-                <a:ea typeface="+mn-ea"/>
-                <a:cs typeface="+mn-cs"/>
-              </a:defRPr>
-            </a:lvl8pPr>
-            <a:lvl9pPr marL="3886200" indent="-228600" algn="l" defTabSz="914400" rtl="0" eaLnBrk="1" latinLnBrk="0" hangingPunct="1">
-              <a:lnSpc>
-                <a:spcPct val="90000"/>
-              </a:lnSpc>
-              <a:spcBef>
-                <a:spcPts val="500"/>
-              </a:spcBef>
-              <a:buFont typeface="Arial" panose="020B0604020202020204" pitchFamily="34" charset="0"/>
-              <a:buChar char="•"/>
-              <a:defRPr sz="1800" kern="1200">
-                <a:solidFill>
-                  <a:schemeClr val="tx1"/>
-                </a:solidFill>
-                <a:latin typeface="+mn-lt"/>
-                <a:ea typeface="+mn-ea"/>
-                <a:cs typeface="+mn-cs"/>
-              </a:defRPr>
-            </a:lvl9pPr>
-          </a:lstStyle>
-          <a:p>
-            <a:pPr>
-              <a:buFont typeface="Wingdings" panose="05000000000000000000" pitchFamily="2" charset="2"/>
-              <a:buChar char="Ø"/>
-            </a:pPr>
-            <a:r>
-              <a:rPr lang="en-US" dirty="0">
-                <a:solidFill>
-                  <a:schemeClr val="tx1">
-                    <a:lumMod val="75000"/>
-                    <a:lumOff val="25000"/>
-                  </a:schemeClr>
-                </a:solidFill>
-              </a:rPr>
-              <a:t> </a:t>
-            </a:r>
-            <a:r>
-              <a:rPr lang="en-US" dirty="0">
-                <a:solidFill>
-                  <a:schemeClr val="tx1">
-                    <a:lumMod val="75000"/>
-                    <a:lumOff val="25000"/>
-                  </a:schemeClr>
-                </a:solidFill>
-                <a:latin typeface="Palatino Linotype" panose="02040502050505030304" pitchFamily="18" charset="0"/>
-              </a:rPr>
-              <a:t>Learning Objective 1</a:t>
+              <a:t>Model Fit</a:t>
             </a:r>
           </a:p>
         </p:txBody>
@@ -11503,8 +11059,8 @@
         </p:nvSpPr>
         <p:spPr>
           <a:xfrm>
-            <a:off x="0" y="3291840"/>
-            <a:ext cx="12192000" cy="1200329"/>
+            <a:off x="0" y="2551837"/>
+            <a:ext cx="12192000" cy="1754326"/>
           </a:xfrm>
           <a:prstGeom prst="rect">
             <a:avLst/>
@@ -11528,7 +11084,22 @@
                 </a:solidFill>
                 <a:latin typeface="Palatino Linotype" panose="02040502050505030304" pitchFamily="18" charset="0"/>
               </a:rPr>
-              <a:t> Image Classification w/Data Augmentation</a:t>
+              <a:t> Data Augmentation</a:t>
+            </a:r>
+          </a:p>
+          <a:p>
+            <a:pPr algn="ctr"/>
+            <a:r>
+              <a:rPr lang="en-US" sz="3600" dirty="0">
+                <a:solidFill>
+                  <a:schemeClr val="tx1">
+                    <a:lumMod val="65000"/>
+                    <a:lumOff val="35000"/>
+                  </a:schemeClr>
+                </a:solidFill>
+                <a:latin typeface="Palatino Linotype" panose="02040502050505030304" pitchFamily="18" charset="0"/>
+              </a:rPr>
+              <a:t>03.0_catdog.ipynb</a:t>
             </a:r>
           </a:p>
           <a:p>

--- a/presentations/03_data_augmentation.pptx
+++ b/presentations/03_data_augmentation.pptx
@@ -5,7 +5,7 @@
     <p:sldMasterId id="2147483648" r:id="rId1"/>
   </p:sldMasterIdLst>
   <p:notesMasterIdLst>
-    <p:notesMasterId r:id="rId21"/>
+    <p:notesMasterId r:id="rId22"/>
   </p:notesMasterIdLst>
   <p:sldIdLst>
     <p:sldId id="322" r:id="rId2"/>
@@ -15,18 +15,19 @@
     <p:sldId id="302" r:id="rId6"/>
     <p:sldId id="301" r:id="rId7"/>
     <p:sldId id="307" r:id="rId8"/>
-    <p:sldId id="332" r:id="rId9"/>
-    <p:sldId id="308" r:id="rId10"/>
-    <p:sldId id="264" r:id="rId11"/>
-    <p:sldId id="265" r:id="rId12"/>
-    <p:sldId id="323" r:id="rId13"/>
-    <p:sldId id="324" r:id="rId14"/>
-    <p:sldId id="267" r:id="rId15"/>
-    <p:sldId id="269" r:id="rId16"/>
-    <p:sldId id="278" r:id="rId17"/>
-    <p:sldId id="268" r:id="rId18"/>
-    <p:sldId id="309" r:id="rId19"/>
-    <p:sldId id="329" r:id="rId20"/>
+    <p:sldId id="353" r:id="rId9"/>
+    <p:sldId id="332" r:id="rId10"/>
+    <p:sldId id="308" r:id="rId11"/>
+    <p:sldId id="264" r:id="rId12"/>
+    <p:sldId id="265" r:id="rId13"/>
+    <p:sldId id="323" r:id="rId14"/>
+    <p:sldId id="324" r:id="rId15"/>
+    <p:sldId id="267" r:id="rId16"/>
+    <p:sldId id="269" r:id="rId17"/>
+    <p:sldId id="278" r:id="rId18"/>
+    <p:sldId id="268" r:id="rId19"/>
+    <p:sldId id="309" r:id="rId20"/>
+    <p:sldId id="329" r:id="rId21"/>
   </p:sldIdLst>
   <p:sldSz cx="12192000" cy="6858000"/>
   <p:notesSz cx="6858000" cy="9144000"/>
@@ -226,7 +227,7 @@
           <a:p>
             <a:fld id="{FD93C9B2-20F6-4DB1-B471-224337D0AC79}" type="datetimeFigureOut">
               <a:rPr lang="en-US" smtClean="0"/>
-              <a:t>9/19/2022</a:t>
+              <a:t>9/22/2022</a:t>
             </a:fld>
             <a:endParaRPr lang="en-US"/>
           </a:p>
@@ -652,491 +653,114 @@
               <a:buAutoNum type="arabicPeriod"/>
             </a:pPr>
             <a:r>
-              <a:rPr lang="en-US" sz="1200" b="0" i="0" kern="1200" dirty="0">
-                <a:solidFill>
-                  <a:schemeClr val="tx1"/>
-                </a:solidFill>
-                <a:effectLst/>
-                <a:latin typeface="+mn-lt"/>
-                <a:ea typeface="+mn-ea"/>
-                <a:cs typeface="+mn-cs"/>
-              </a:rPr>
-              <a:t>Example – two models – squiggly green line / smooth curved black line.  Which model will generalize better to other datasets?</a:t>
-            </a:r>
-          </a:p>
-          <a:p>
-            <a:pPr marL="228600" marR="0" lvl="0" indent="-228600" algn="l" defTabSz="914400" rtl="0" eaLnBrk="1" fontAlgn="auto" latinLnBrk="0" hangingPunct="1">
-              <a:lnSpc>
-                <a:spcPct val="100000"/>
-              </a:lnSpc>
-              <a:spcBef>
-                <a:spcPts val="0"/>
-              </a:spcBef>
-              <a:spcAft>
-                <a:spcPts val="0"/>
-              </a:spcAft>
-              <a:buClrTx/>
-              <a:buSzTx/>
-              <a:buFontTx/>
+              <a:rPr lang="en-US" dirty="0"/>
+              <a:t>Three models, one for each line.</a:t>
+            </a:r>
+          </a:p>
+          <a:p>
+            <a:pPr marL="228600" indent="-228600">
               <a:buAutoNum type="arabicPeriod"/>
-              <a:tabLst/>
-              <a:defRPr/>
             </a:pPr>
             <a:r>
-              <a:rPr lang="en-US" sz="1200" b="1" i="0" kern="1200" dirty="0">
-                <a:solidFill>
-                  <a:schemeClr val="tx1"/>
-                </a:solidFill>
-                <a:effectLst/>
-                <a:latin typeface="+mn-lt"/>
-                <a:ea typeface="+mn-ea"/>
-                <a:cs typeface="+mn-cs"/>
-              </a:rPr>
-              <a:t>Overfitting</a:t>
-            </a:r>
-            <a:r>
-              <a:rPr lang="en-US" sz="1200" b="0" i="0" kern="1200" dirty="0">
-                <a:solidFill>
-                  <a:schemeClr val="tx1"/>
-                </a:solidFill>
-                <a:effectLst/>
-                <a:latin typeface="+mn-lt"/>
-                <a:ea typeface="+mn-ea"/>
-                <a:cs typeface="+mn-cs"/>
-              </a:rPr>
-              <a:t> is "the production of an analysis that corresponds too closely or exactly to a particular set of data and may therefore fail to fit additional data or predict future observations reliably".</a:t>
-            </a:r>
-            <a:r>
-              <a:rPr lang="en-US" sz="1200" b="0" i="0" u="none" strike="noStrike" kern="1200" baseline="30000" dirty="0">
-                <a:solidFill>
-                  <a:schemeClr val="tx1"/>
-                </a:solidFill>
-                <a:effectLst/>
-                <a:latin typeface="+mn-lt"/>
-                <a:ea typeface="+mn-ea"/>
-                <a:cs typeface="+mn-cs"/>
-              </a:rPr>
-              <a:t>  </a:t>
-            </a:r>
-            <a:r>
-              <a:rPr lang="en-US" sz="1200" b="0" i="0" kern="1200" dirty="0">
-                <a:solidFill>
-                  <a:schemeClr val="tx1"/>
-                </a:solidFill>
-                <a:effectLst/>
-                <a:latin typeface="+mn-lt"/>
-                <a:ea typeface="+mn-ea"/>
-                <a:cs typeface="+mn-cs"/>
-              </a:rPr>
-              <a:t>An </a:t>
-            </a:r>
-            <a:r>
-              <a:rPr lang="en-US" sz="1200" b="1" i="0" kern="1200" dirty="0">
-                <a:solidFill>
-                  <a:schemeClr val="tx1"/>
-                </a:solidFill>
-                <a:effectLst/>
-                <a:latin typeface="+mn-lt"/>
-                <a:ea typeface="+mn-ea"/>
-                <a:cs typeface="+mn-cs"/>
-              </a:rPr>
-              <a:t>overfitted model</a:t>
-            </a:r>
-            <a:r>
-              <a:rPr lang="en-US" sz="1200" b="0" i="0" kern="1200" dirty="0">
-                <a:solidFill>
-                  <a:schemeClr val="tx1"/>
-                </a:solidFill>
-                <a:effectLst/>
-                <a:latin typeface="+mn-lt"/>
-                <a:ea typeface="+mn-ea"/>
-                <a:cs typeface="+mn-cs"/>
-              </a:rPr>
-              <a:t> is a </a:t>
-            </a:r>
-            <a:r>
-              <a:rPr lang="en-US" sz="1200" b="0" i="0" u="none" strike="noStrike" kern="1200" dirty="0">
-                <a:solidFill>
-                  <a:schemeClr val="tx1"/>
-                </a:solidFill>
-                <a:effectLst/>
-                <a:latin typeface="+mn-lt"/>
-                <a:ea typeface="+mn-ea"/>
-                <a:cs typeface="+mn-cs"/>
-                <a:hlinkClick r:id="rId3" tooltip="Statistical model"/>
-              </a:rPr>
-              <a:t>model</a:t>
-            </a:r>
-            <a:r>
-              <a:rPr lang="en-US" sz="1200" b="0" i="0" kern="1200" dirty="0">
-                <a:solidFill>
-                  <a:schemeClr val="tx1"/>
-                </a:solidFill>
-                <a:effectLst/>
-                <a:latin typeface="+mn-lt"/>
-                <a:ea typeface="+mn-ea"/>
-                <a:cs typeface="+mn-cs"/>
-              </a:rPr>
-              <a:t> that contains more </a:t>
-            </a:r>
-            <a:r>
-              <a:rPr lang="en-US" sz="1200" b="0" i="0" u="none" strike="noStrike" kern="1200" dirty="0">
-                <a:solidFill>
-                  <a:schemeClr val="tx1"/>
-                </a:solidFill>
-                <a:effectLst/>
-                <a:latin typeface="+mn-lt"/>
-                <a:ea typeface="+mn-ea"/>
-                <a:cs typeface="+mn-cs"/>
-                <a:hlinkClick r:id="rId4" tooltip="Parameter"/>
-              </a:rPr>
-              <a:t>parameters</a:t>
-            </a:r>
-            <a:r>
-              <a:rPr lang="en-US" sz="1200" b="0" i="0" kern="1200" dirty="0">
-                <a:solidFill>
-                  <a:schemeClr val="tx1"/>
-                </a:solidFill>
-                <a:effectLst/>
-                <a:latin typeface="+mn-lt"/>
-                <a:ea typeface="+mn-ea"/>
-                <a:cs typeface="+mn-cs"/>
-              </a:rPr>
-              <a:t> than can be justified by the data.  The essence of overfitting is to have unknowingly extracted some of the residual variation (i.e. the </a:t>
-            </a:r>
-            <a:r>
-              <a:rPr lang="en-US" sz="1200" b="0" i="0" u="none" strike="noStrike" kern="1200" dirty="0">
-                <a:solidFill>
-                  <a:schemeClr val="tx1"/>
-                </a:solidFill>
-                <a:effectLst/>
-                <a:latin typeface="+mn-lt"/>
-                <a:ea typeface="+mn-ea"/>
-                <a:cs typeface="+mn-cs"/>
-                <a:hlinkClick r:id="rId5" tooltip="Statistical noise"/>
-              </a:rPr>
-              <a:t>noise</a:t>
-            </a:r>
-            <a:r>
-              <a:rPr lang="en-US" sz="1200" b="0" i="0" kern="1200" dirty="0">
-                <a:solidFill>
-                  <a:schemeClr val="tx1"/>
-                </a:solidFill>
-                <a:effectLst/>
-                <a:latin typeface="+mn-lt"/>
-                <a:ea typeface="+mn-ea"/>
-                <a:cs typeface="+mn-cs"/>
-              </a:rPr>
-              <a:t>) as if that variation represented underlying model structure.</a:t>
-            </a:r>
-          </a:p>
-          <a:p>
-            <a:pPr marL="228600" marR="0" lvl="0" indent="-228600" algn="l" defTabSz="914400" rtl="0" eaLnBrk="1" fontAlgn="auto" latinLnBrk="0" hangingPunct="1">
-              <a:lnSpc>
-                <a:spcPct val="100000"/>
-              </a:lnSpc>
-              <a:spcBef>
-                <a:spcPts val="0"/>
-              </a:spcBef>
-              <a:spcAft>
-                <a:spcPts val="0"/>
-              </a:spcAft>
-              <a:buClrTx/>
-              <a:buSzTx/>
-              <a:buFontTx/>
+              <a:rPr lang="en-US" dirty="0"/>
+              <a:t>Solid blue line = perfect fit – but how would it do with a new dataset?  Model </a:t>
+            </a:r>
+            <a:r>
+              <a:rPr lang="en-US" b="1" dirty="0"/>
+              <a:t>overfits</a:t>
+            </a:r>
+            <a:r>
+              <a:rPr lang="en-US" dirty="0"/>
+              <a:t> the data.</a:t>
+            </a:r>
+          </a:p>
+          <a:p>
+            <a:pPr marL="228600" indent="-228600">
               <a:buAutoNum type="arabicPeriod"/>
-              <a:tabLst/>
-              <a:defRPr/>
             </a:pPr>
             <a:r>
-              <a:rPr lang="en-US" sz="1200" b="0" i="0" kern="1200" dirty="0">
-                <a:solidFill>
-                  <a:schemeClr val="tx1"/>
-                </a:solidFill>
-                <a:effectLst/>
-                <a:latin typeface="+mn-lt"/>
-                <a:ea typeface="+mn-ea"/>
-                <a:cs typeface="+mn-cs"/>
-              </a:rPr>
-              <a:t>Underfitting: model is too simple to learn the underlying structure of the data.</a:t>
+              <a:rPr lang="en-US" dirty="0"/>
+              <a:t>Dashed green line opposite of blue – 3 datapoints – model </a:t>
+            </a:r>
+            <a:r>
+              <a:rPr lang="en-US" b="1" dirty="0"/>
+              <a:t>underfits</a:t>
+            </a:r>
+            <a:r>
+              <a:rPr lang="en-US" dirty="0"/>
+              <a:t> the data.  Too simple to capture data complexity.</a:t>
+            </a:r>
+          </a:p>
+          <a:p>
+            <a:pPr marL="228600" indent="-228600">
+              <a:buAutoNum type="arabicPeriod"/>
+            </a:pPr>
+            <a:r>
+              <a:rPr lang="en-US" dirty="0"/>
+              <a:t>Solid grey line – linear model – appears to be </a:t>
+            </a:r>
+            <a:r>
+              <a:rPr lang="en-US" b="1" dirty="0"/>
+              <a:t>just right</a:t>
+            </a:r>
+            <a:r>
+              <a:rPr lang="en-US" dirty="0"/>
+              <a:t>.</a:t>
             </a:r>
           </a:p>
           <a:p>
             <a:pPr marL="0" indent="0">
               <a:buNone/>
             </a:pPr>
-            <a:endParaRPr lang="en-US" sz="1200" b="0" i="0" kern="1200" dirty="0">
-              <a:solidFill>
-                <a:schemeClr val="tx1"/>
-              </a:solidFill>
-              <a:effectLst/>
-              <a:latin typeface="+mn-lt"/>
-              <a:ea typeface="+mn-ea"/>
-              <a:cs typeface="+mn-cs"/>
-            </a:endParaRPr>
+            <a:endParaRPr lang="en-US" dirty="0"/>
           </a:p>
           <a:p>
             <a:pPr marL="0" indent="0">
               <a:buNone/>
             </a:pPr>
             <a:r>
-              <a:rPr lang="en-US" sz="1200" b="0" i="0" kern="1200" dirty="0">
-                <a:solidFill>
-                  <a:schemeClr val="tx1"/>
-                </a:solidFill>
-                <a:effectLst/>
-                <a:latin typeface="+mn-lt"/>
-                <a:ea typeface="+mn-ea"/>
-                <a:cs typeface="+mn-cs"/>
-              </a:rPr>
+              <a:rPr lang="en-US"/>
               <a:t>=====</a:t>
             </a:r>
-          </a:p>
-          <a:p>
-            <a:r>
-              <a:rPr lang="en-US" sz="1200" b="0" i="0" kern="1200" dirty="0">
-                <a:solidFill>
-                  <a:schemeClr val="tx1"/>
-                </a:solidFill>
-                <a:effectLst/>
-                <a:latin typeface="+mn-lt"/>
-                <a:ea typeface="+mn-ea"/>
-                <a:cs typeface="+mn-cs"/>
-              </a:rPr>
-              <a:t>Here we see a data set divided into two groups, one red, the other blue.  Now take a good look at the two models, the first represented by the squiggly green line, the second represented by the smooth, curved black line.  Of these two models, which one </a:t>
-            </a:r>
-            <a:r>
-              <a:rPr lang="en-US" sz="1200" b="1" i="0" kern="1200" dirty="0">
-                <a:solidFill>
-                  <a:schemeClr val="tx1"/>
-                </a:solidFill>
-                <a:effectLst/>
-                <a:latin typeface="+mn-lt"/>
-                <a:ea typeface="+mn-ea"/>
-                <a:cs typeface="+mn-cs"/>
-              </a:rPr>
+            <a:endParaRPr lang="en-US" dirty="0"/>
+          </a:p>
+          <a:p>
+            <a:r>
+              <a:rPr lang="en-US" dirty="0"/>
+              <a:t>In this graph, we see three different models, each represented by a different line.  The solid blue is a perfect fit to this data.  But how do you think this model would extrapolate to a different data set?  In this case, the model </a:t>
+            </a:r>
+            <a:r>
+              <a:rPr lang="en-US" b="1" dirty="0"/>
               <a:t>overfits</a:t>
             </a:r>
             <a:r>
-              <a:rPr lang="en-US" sz="1200" b="0" i="0" kern="1200" dirty="0">
-                <a:solidFill>
-                  <a:schemeClr val="tx1"/>
-                </a:solidFill>
-                <a:effectLst/>
-                <a:latin typeface="+mn-lt"/>
-                <a:ea typeface="+mn-ea"/>
-                <a:cs typeface="+mn-cs"/>
-              </a:rPr>
-              <a:t> the data?  And which one will generalize better?  </a:t>
-            </a:r>
-          </a:p>
-          <a:p>
-            <a:endParaRPr lang="en-US" sz="1200" b="0" i="0" kern="1200" dirty="0">
-              <a:solidFill>
-                <a:schemeClr val="tx1"/>
-              </a:solidFill>
-              <a:effectLst/>
-              <a:latin typeface="+mn-lt"/>
-              <a:ea typeface="+mn-ea"/>
-              <a:cs typeface="+mn-cs"/>
-            </a:endParaRPr>
-          </a:p>
-          <a:p>
-            <a:r>
-              <a:rPr lang="en-US" sz="1200" b="0" i="0" kern="1200" dirty="0">
-                <a:solidFill>
-                  <a:schemeClr val="tx1"/>
-                </a:solidFill>
-                <a:effectLst/>
-                <a:latin typeface="+mn-lt"/>
-                <a:ea typeface="+mn-ea"/>
-                <a:cs typeface="+mn-cs"/>
-              </a:rPr>
-              <a:t>Before moving on, let’s provide some formal definitions.  In machine learning, </a:t>
-            </a:r>
-            <a:r>
-              <a:rPr lang="en-US" sz="1200" b="1" i="0" kern="1200" dirty="0">
-                <a:solidFill>
-                  <a:schemeClr val="tx1"/>
-                </a:solidFill>
-                <a:effectLst/>
-                <a:latin typeface="+mn-lt"/>
-                <a:ea typeface="+mn-ea"/>
-                <a:cs typeface="+mn-cs"/>
-              </a:rPr>
-              <a:t>overfitting</a:t>
-            </a:r>
-            <a:r>
-              <a:rPr lang="en-US" sz="1200" b="0" i="0" kern="1200" dirty="0">
-                <a:solidFill>
-                  <a:schemeClr val="tx1"/>
-                </a:solidFill>
-                <a:effectLst/>
-                <a:latin typeface="+mn-lt"/>
-                <a:ea typeface="+mn-ea"/>
-                <a:cs typeface="+mn-cs"/>
-              </a:rPr>
-              <a:t> is "the production of an analysis that corresponds too closely or exactly to a particular set of data and may therefore fail to fit additional data or predict future observations reliably".</a:t>
-            </a:r>
-            <a:r>
-              <a:rPr lang="en-US" sz="1200" b="0" i="0" u="none" strike="noStrike" kern="1200" baseline="30000" dirty="0">
-                <a:solidFill>
-                  <a:schemeClr val="tx1"/>
-                </a:solidFill>
-                <a:effectLst/>
-                <a:latin typeface="+mn-lt"/>
-                <a:ea typeface="+mn-ea"/>
-                <a:cs typeface="+mn-cs"/>
-              </a:rPr>
-              <a:t>  </a:t>
-            </a:r>
-            <a:r>
-              <a:rPr lang="en-US" sz="1200" b="0" i="0" kern="1200" dirty="0">
-                <a:solidFill>
-                  <a:schemeClr val="tx1"/>
-                </a:solidFill>
-                <a:effectLst/>
-                <a:latin typeface="+mn-lt"/>
-                <a:ea typeface="+mn-ea"/>
-                <a:cs typeface="+mn-cs"/>
-              </a:rPr>
-              <a:t>An </a:t>
-            </a:r>
-            <a:r>
-              <a:rPr lang="en-US" sz="1200" b="1" i="0" kern="1200" dirty="0">
-                <a:solidFill>
-                  <a:schemeClr val="tx1"/>
-                </a:solidFill>
-                <a:effectLst/>
-                <a:latin typeface="+mn-lt"/>
-                <a:ea typeface="+mn-ea"/>
-                <a:cs typeface="+mn-cs"/>
-              </a:rPr>
-              <a:t>overfitted model</a:t>
-            </a:r>
-            <a:r>
-              <a:rPr lang="en-US" sz="1200" b="0" i="0" kern="1200" dirty="0">
-                <a:solidFill>
-                  <a:schemeClr val="tx1"/>
-                </a:solidFill>
-                <a:effectLst/>
-                <a:latin typeface="+mn-lt"/>
-                <a:ea typeface="+mn-ea"/>
-                <a:cs typeface="+mn-cs"/>
-              </a:rPr>
-              <a:t> is a </a:t>
-            </a:r>
-            <a:r>
-              <a:rPr lang="en-US" sz="1200" b="0" i="0" u="none" strike="noStrike" kern="1200" dirty="0">
-                <a:solidFill>
-                  <a:schemeClr val="tx1"/>
-                </a:solidFill>
-                <a:effectLst/>
-                <a:latin typeface="+mn-lt"/>
-                <a:ea typeface="+mn-ea"/>
-                <a:cs typeface="+mn-cs"/>
-                <a:hlinkClick r:id="rId3" tooltip="Statistical model"/>
-              </a:rPr>
-              <a:t>model</a:t>
-            </a:r>
-            <a:r>
-              <a:rPr lang="en-US" sz="1200" b="0" i="0" kern="1200" dirty="0">
-                <a:solidFill>
-                  <a:schemeClr val="tx1"/>
-                </a:solidFill>
-                <a:effectLst/>
-                <a:latin typeface="+mn-lt"/>
-                <a:ea typeface="+mn-ea"/>
-                <a:cs typeface="+mn-cs"/>
-              </a:rPr>
-              <a:t> that contains more </a:t>
-            </a:r>
-            <a:r>
-              <a:rPr lang="en-US" sz="1200" b="0" i="0" u="none" strike="noStrike" kern="1200" dirty="0">
-                <a:solidFill>
-                  <a:schemeClr val="tx1"/>
-                </a:solidFill>
-                <a:effectLst/>
-                <a:latin typeface="+mn-lt"/>
-                <a:ea typeface="+mn-ea"/>
-                <a:cs typeface="+mn-cs"/>
-                <a:hlinkClick r:id="rId4" tooltip="Parameter"/>
-              </a:rPr>
-              <a:t>parameters</a:t>
-            </a:r>
-            <a:r>
-              <a:rPr lang="en-US" sz="1200" b="0" i="0" kern="1200" dirty="0">
-                <a:solidFill>
-                  <a:schemeClr val="tx1"/>
-                </a:solidFill>
-                <a:effectLst/>
-                <a:latin typeface="+mn-lt"/>
-                <a:ea typeface="+mn-ea"/>
-                <a:cs typeface="+mn-cs"/>
-              </a:rPr>
-              <a:t> than can be justified by the data.  The essence of overfitting is to have unknowingly extracted some of the residual variation (i.e. the </a:t>
-            </a:r>
-            <a:r>
-              <a:rPr lang="en-US" sz="1200" b="0" i="0" u="none" strike="noStrike" kern="1200" dirty="0">
-                <a:solidFill>
-                  <a:schemeClr val="tx1"/>
-                </a:solidFill>
-                <a:effectLst/>
-                <a:latin typeface="+mn-lt"/>
-                <a:ea typeface="+mn-ea"/>
-                <a:cs typeface="+mn-cs"/>
-                <a:hlinkClick r:id="rId5" tooltip="Statistical noise"/>
-              </a:rPr>
-              <a:t>noise</a:t>
-            </a:r>
-            <a:r>
-              <a:rPr lang="en-US" sz="1200" b="0" i="0" kern="1200" dirty="0">
-                <a:solidFill>
-                  <a:schemeClr val="tx1"/>
-                </a:solidFill>
-                <a:effectLst/>
-                <a:latin typeface="+mn-lt"/>
-                <a:ea typeface="+mn-ea"/>
-                <a:cs typeface="+mn-cs"/>
-              </a:rPr>
-              <a:t>) as if that variation represented underlying model structure.</a:t>
-            </a:r>
-          </a:p>
-          <a:p>
-            <a:endParaRPr lang="en-US" sz="1200" b="0" i="0" kern="1200" dirty="0">
-              <a:solidFill>
-                <a:schemeClr val="tx1"/>
-              </a:solidFill>
-              <a:effectLst/>
-              <a:latin typeface="+mn-lt"/>
-              <a:ea typeface="+mn-ea"/>
-              <a:cs typeface="+mn-cs"/>
-            </a:endParaRPr>
-          </a:p>
-          <a:p>
-            <a:r>
-              <a:rPr lang="en-US" sz="1200" b="1" i="0" kern="1200" dirty="0">
-                <a:solidFill>
-                  <a:schemeClr val="tx1"/>
-                </a:solidFill>
-                <a:effectLst/>
-                <a:latin typeface="+mn-lt"/>
-                <a:ea typeface="+mn-ea"/>
-                <a:cs typeface="+mn-cs"/>
-              </a:rPr>
-              <a:t>Underfitting</a:t>
-            </a:r>
-            <a:r>
-              <a:rPr lang="en-US" sz="1200" b="0" i="0" kern="1200" dirty="0">
-                <a:solidFill>
-                  <a:schemeClr val="tx1"/>
-                </a:solidFill>
-                <a:effectLst/>
-                <a:latin typeface="+mn-lt"/>
-                <a:ea typeface="+mn-ea"/>
-                <a:cs typeface="+mn-cs"/>
-              </a:rPr>
-              <a:t> is just the opposite of overfitting.  It occurs when your model is too simple to learn the underlying structure of the data.  </a:t>
+              <a:rPr lang="en-US" dirty="0"/>
+              <a:t> the data.  The situation is just the opposite with the dashed green line.  Here the model appears to reference but three data points, ignoring everything else.  In this case, the model </a:t>
+            </a:r>
+            <a:r>
+              <a:rPr lang="en-US" b="1" dirty="0"/>
+              <a:t>underfits</a:t>
+            </a:r>
+            <a:r>
+              <a:rPr lang="en-US" dirty="0"/>
+              <a:t> the data.  That is, it’s too simple to accurately capture the complexity of the data.  And finally, the solid line is a linear model that appears to be </a:t>
+            </a:r>
+            <a:r>
+              <a:rPr lang="en-US" b="1" dirty="0"/>
+              <a:t>just right</a:t>
+            </a:r>
+            <a:r>
+              <a:rPr lang="en-US" dirty="0"/>
+              <a:t>.  Of the three models, this one will probably generalize best, when faced with a new data set possessing similar characteristics to the one pictured here. </a:t>
+            </a:r>
+          </a:p>
+          <a:p>
+            <a:endParaRPr lang="en-US" dirty="0"/>
+          </a:p>
+          <a:p>
+            <a:r>
+              <a:rPr lang="en-US" dirty="0"/>
+              <a:t>Let’s consider another example…</a:t>
             </a:r>
           </a:p>
         </p:txBody>
@@ -1167,7 +791,7 @@
     </p:spTree>
     <p:extLst>
       <p:ext uri="{BB962C8B-B14F-4D97-AF65-F5344CB8AC3E}">
-        <p14:creationId xmlns:p14="http://schemas.microsoft.com/office/powerpoint/2010/main" val="4257397788"/>
+        <p14:creationId xmlns:p14="http://schemas.microsoft.com/office/powerpoint/2010/main" val="1905729359"/>
       </p:ext>
     </p:extLst>
   </p:cSld>
@@ -1234,15 +858,29 @@
                 <a:ea typeface="+mn-ea"/>
                 <a:cs typeface="+mn-cs"/>
               </a:rPr>
-              <a:t>Overfitting byproduct of outliers.</a:t>
-            </a:r>
-          </a:p>
-          <a:p>
-            <a:pPr marL="228600" indent="-228600">
+              <a:t>Example – two models – squiggly green line / smooth curved black line.  Which model will generalize better to other datasets?</a:t>
+            </a:r>
+          </a:p>
+          <a:p>
+            <a:pPr marL="228600" marR="0" lvl="0" indent="-228600" algn="l" defTabSz="914400" rtl="0" eaLnBrk="1" fontAlgn="auto" latinLnBrk="0" hangingPunct="1">
+              <a:lnSpc>
+                <a:spcPct val="100000"/>
+              </a:lnSpc>
+              <a:spcBef>
+                <a:spcPts val="0"/>
+              </a:spcBef>
+              <a:spcAft>
+                <a:spcPts val="0"/>
+              </a:spcAft>
+              <a:buClrTx/>
+              <a:buSzTx/>
+              <a:buFontTx/>
               <a:buAutoNum type="arabicPeriod"/>
+              <a:tabLst/>
+              <a:defRPr/>
             </a:pPr>
             <a:r>
-              <a:rPr lang="en-US" sz="1200" b="0" i="0" kern="1200" dirty="0">
+              <a:rPr lang="en-US" sz="1200" b="1" i="0" kern="1200" dirty="0">
                 <a:solidFill>
                   <a:schemeClr val="tx1"/>
                 </a:solidFill>
@@ -1251,13 +889,8 @@
                 <a:ea typeface="+mn-ea"/>
                 <a:cs typeface="+mn-cs"/>
               </a:rPr>
-              <a:t>Outlier in left image – identify &amp; remove outliers</a:t>
-            </a:r>
-          </a:p>
-          <a:p>
-            <a:pPr marL="228600" indent="-228600">
-              <a:buAutoNum type="arabicPeriod"/>
-            </a:pPr>
+              <a:t>Overfitting</a:t>
+            </a:r>
             <a:r>
               <a:rPr lang="en-US" sz="1200" b="0" i="0" kern="1200" dirty="0">
                 <a:solidFill>
@@ -1268,7 +901,161 @@
                 <a:ea typeface="+mn-ea"/>
                 <a:cs typeface="+mn-cs"/>
               </a:rPr>
-              <a:t>Simple model on right will generalize better</a:t>
+              <a:t> is "the production of an analysis that corresponds too closely or exactly to a particular set of data and may therefore fail to fit additional data or predict future observations reliably".</a:t>
+            </a:r>
+            <a:r>
+              <a:rPr lang="en-US" sz="1200" b="0" i="0" u="none" strike="noStrike" kern="1200" baseline="30000" dirty="0">
+                <a:solidFill>
+                  <a:schemeClr val="tx1"/>
+                </a:solidFill>
+                <a:effectLst/>
+                <a:latin typeface="+mn-lt"/>
+                <a:ea typeface="+mn-ea"/>
+                <a:cs typeface="+mn-cs"/>
+              </a:rPr>
+              <a:t>  </a:t>
+            </a:r>
+            <a:r>
+              <a:rPr lang="en-US" sz="1200" b="0" i="0" kern="1200" dirty="0">
+                <a:solidFill>
+                  <a:schemeClr val="tx1"/>
+                </a:solidFill>
+                <a:effectLst/>
+                <a:latin typeface="+mn-lt"/>
+                <a:ea typeface="+mn-ea"/>
+                <a:cs typeface="+mn-cs"/>
+              </a:rPr>
+              <a:t>An </a:t>
+            </a:r>
+            <a:r>
+              <a:rPr lang="en-US" sz="1200" b="1" i="0" kern="1200" dirty="0">
+                <a:solidFill>
+                  <a:schemeClr val="tx1"/>
+                </a:solidFill>
+                <a:effectLst/>
+                <a:latin typeface="+mn-lt"/>
+                <a:ea typeface="+mn-ea"/>
+                <a:cs typeface="+mn-cs"/>
+              </a:rPr>
+              <a:t>overfitted model</a:t>
+            </a:r>
+            <a:r>
+              <a:rPr lang="en-US" sz="1200" b="0" i="0" kern="1200" dirty="0">
+                <a:solidFill>
+                  <a:schemeClr val="tx1"/>
+                </a:solidFill>
+                <a:effectLst/>
+                <a:latin typeface="+mn-lt"/>
+                <a:ea typeface="+mn-ea"/>
+                <a:cs typeface="+mn-cs"/>
+              </a:rPr>
+              <a:t> is a </a:t>
+            </a:r>
+            <a:r>
+              <a:rPr lang="en-US" sz="1200" b="0" i="0" u="none" strike="noStrike" kern="1200" dirty="0">
+                <a:solidFill>
+                  <a:schemeClr val="tx1"/>
+                </a:solidFill>
+                <a:effectLst/>
+                <a:latin typeface="+mn-lt"/>
+                <a:ea typeface="+mn-ea"/>
+                <a:cs typeface="+mn-cs"/>
+                <a:hlinkClick r:id="rId3" tooltip="Statistical model"/>
+              </a:rPr>
+              <a:t>model</a:t>
+            </a:r>
+            <a:r>
+              <a:rPr lang="en-US" sz="1200" b="0" i="0" kern="1200" dirty="0">
+                <a:solidFill>
+                  <a:schemeClr val="tx1"/>
+                </a:solidFill>
+                <a:effectLst/>
+                <a:latin typeface="+mn-lt"/>
+                <a:ea typeface="+mn-ea"/>
+                <a:cs typeface="+mn-cs"/>
+              </a:rPr>
+              <a:t> that contains more </a:t>
+            </a:r>
+            <a:r>
+              <a:rPr lang="en-US" sz="1200" b="0" i="0" u="none" strike="noStrike" kern="1200" dirty="0">
+                <a:solidFill>
+                  <a:schemeClr val="tx1"/>
+                </a:solidFill>
+                <a:effectLst/>
+                <a:latin typeface="+mn-lt"/>
+                <a:ea typeface="+mn-ea"/>
+                <a:cs typeface="+mn-cs"/>
+                <a:hlinkClick r:id="rId4" tooltip="Parameter"/>
+              </a:rPr>
+              <a:t>parameters</a:t>
+            </a:r>
+            <a:r>
+              <a:rPr lang="en-US" sz="1200" b="0" i="0" kern="1200" dirty="0">
+                <a:solidFill>
+                  <a:schemeClr val="tx1"/>
+                </a:solidFill>
+                <a:effectLst/>
+                <a:latin typeface="+mn-lt"/>
+                <a:ea typeface="+mn-ea"/>
+                <a:cs typeface="+mn-cs"/>
+              </a:rPr>
+              <a:t> than can be justified by the data.  Overfitting happens when we unknowingly extract some of the residual variation (i.e. the </a:t>
+            </a:r>
+            <a:r>
+              <a:rPr lang="en-US" sz="1200" b="0" i="0" u="none" strike="noStrike" kern="1200" dirty="0">
+                <a:solidFill>
+                  <a:schemeClr val="tx1"/>
+                </a:solidFill>
+                <a:effectLst/>
+                <a:latin typeface="+mn-lt"/>
+                <a:ea typeface="+mn-ea"/>
+                <a:cs typeface="+mn-cs"/>
+                <a:hlinkClick r:id="rId5" tooltip="Statistical noise"/>
+              </a:rPr>
+              <a:t>noise</a:t>
+            </a:r>
+            <a:r>
+              <a:rPr lang="en-US" sz="1200" b="0" i="0" kern="1200" dirty="0">
+                <a:solidFill>
+                  <a:schemeClr val="tx1"/>
+                </a:solidFill>
+                <a:effectLst/>
+                <a:latin typeface="+mn-lt"/>
+                <a:ea typeface="+mn-ea"/>
+                <a:cs typeface="+mn-cs"/>
+              </a:rPr>
+              <a:t>) as if that variation represented underlying data structure.</a:t>
+            </a:r>
+          </a:p>
+          <a:p>
+            <a:pPr marL="228600" marR="0" lvl="0" indent="-228600" algn="l" defTabSz="914400" rtl="0" eaLnBrk="1" fontAlgn="auto" latinLnBrk="0" hangingPunct="1">
+              <a:lnSpc>
+                <a:spcPct val="100000"/>
+              </a:lnSpc>
+              <a:spcBef>
+                <a:spcPts val="0"/>
+              </a:spcBef>
+              <a:spcAft>
+                <a:spcPts val="0"/>
+              </a:spcAft>
+              <a:buClrTx/>
+              <a:buSzTx/>
+              <a:buFontTx/>
+              <a:buAutoNum type="arabicPeriod"/>
+              <a:tabLst/>
+              <a:defRPr/>
+            </a:pPr>
+            <a:r>
+              <a:rPr lang="en-US" sz="1200" b="0" i="0" kern="1200" dirty="0">
+                <a:solidFill>
+                  <a:schemeClr val="tx1"/>
+                </a:solidFill>
+                <a:effectLst/>
+                <a:latin typeface="+mn-lt"/>
+                <a:ea typeface="+mn-ea"/>
+                <a:cs typeface="+mn-cs"/>
+              </a:rPr>
+              <a:t>Underfitting: model is too simple to learn the underlying structure of the data.</a:t>
             </a:r>
           </a:p>
           <a:p>
@@ -1313,7 +1100,7 @@
                 <a:ea typeface="+mn-ea"/>
                 <a:cs typeface="+mn-cs"/>
               </a:rPr>
-              <a:t>Often, overfitting is a byproduct of outliers.  Consider the image on the left.  We have one circular point deep in square territory, resulting in a complicated boundary curve.  We call this kind of isolated point an </a:t>
+              <a:t>Here we see a data set divided into two groups, one red, the other blue.  Now take a good look at the two models, the first represented by the squiggly green line, the second represented by the smooth, curved black line.  Of these two models, which one </a:t>
             </a:r>
             <a:r>
               <a:rPr lang="en-US" sz="1200" b="1" i="0" kern="1200" dirty="0">
@@ -1325,7 +1112,7 @@
                 <a:ea typeface="+mn-ea"/>
                 <a:cs typeface="+mn-cs"/>
               </a:rPr>
-              <a:t>outlier</a:t>
+              <a:t>overfits</a:t>
             </a:r>
             <a:r>
               <a:rPr lang="en-US" sz="1200" b="0" i="0" kern="1200" dirty="0">
@@ -1337,7 +1124,216 @@
                 <a:ea typeface="+mn-ea"/>
                 <a:cs typeface="+mn-cs"/>
               </a:rPr>
-              <a:t>.  By drawing the boundary to accommodate this one data point, we risk misclassifying some future data points as blue circles, even though they are solidly inside the brown square region.  Here a single outlier has contributed to model overfit, thereby highlighting the importance of identifying and possibly removing outliers from a dataset.  The simpler model curve on the right will generalize better and is preferable in this case.</a:t>
+              <a:t> the data?  And which one will generalize better?  </a:t>
+            </a:r>
+          </a:p>
+          <a:p>
+            <a:endParaRPr lang="en-US" sz="1200" b="0" i="0" kern="1200" dirty="0">
+              <a:solidFill>
+                <a:schemeClr val="tx1"/>
+              </a:solidFill>
+              <a:effectLst/>
+              <a:latin typeface="+mn-lt"/>
+              <a:ea typeface="+mn-ea"/>
+              <a:cs typeface="+mn-cs"/>
+            </a:endParaRPr>
+          </a:p>
+          <a:p>
+            <a:r>
+              <a:rPr lang="en-US" sz="1200" b="0" i="0" kern="1200" dirty="0">
+                <a:solidFill>
+                  <a:schemeClr val="tx1"/>
+                </a:solidFill>
+                <a:effectLst/>
+                <a:latin typeface="+mn-lt"/>
+                <a:ea typeface="+mn-ea"/>
+                <a:cs typeface="+mn-cs"/>
+              </a:rPr>
+              <a:t>Before moving on, let’s provide some formal definitions.  In machine learning, </a:t>
+            </a:r>
+            <a:r>
+              <a:rPr lang="en-US" sz="1200" b="1" i="0" kern="1200" dirty="0">
+                <a:solidFill>
+                  <a:schemeClr val="tx1"/>
+                </a:solidFill>
+                <a:effectLst/>
+                <a:latin typeface="+mn-lt"/>
+                <a:ea typeface="+mn-ea"/>
+                <a:cs typeface="+mn-cs"/>
+              </a:rPr>
+              <a:t>overfitting</a:t>
+            </a:r>
+            <a:r>
+              <a:rPr lang="en-US" sz="1200" b="0" i="0" kern="1200" dirty="0">
+                <a:solidFill>
+                  <a:schemeClr val="tx1"/>
+                </a:solidFill>
+                <a:effectLst/>
+                <a:latin typeface="+mn-lt"/>
+                <a:ea typeface="+mn-ea"/>
+                <a:cs typeface="+mn-cs"/>
+              </a:rPr>
+              <a:t> is "the production of an analysis that corresponds too closely or exactly to a particular set of data and may therefore fail to fit additional data or predict future observations reliably".</a:t>
+            </a:r>
+            <a:r>
+              <a:rPr lang="en-US" sz="1200" b="0" i="0" u="none" strike="noStrike" kern="1200" baseline="30000" dirty="0">
+                <a:solidFill>
+                  <a:schemeClr val="tx1"/>
+                </a:solidFill>
+                <a:effectLst/>
+                <a:latin typeface="+mn-lt"/>
+                <a:ea typeface="+mn-ea"/>
+                <a:cs typeface="+mn-cs"/>
+              </a:rPr>
+              <a:t>  </a:t>
+            </a:r>
+            <a:r>
+              <a:rPr lang="en-US" sz="1200" b="0" i="0" kern="1200" dirty="0">
+                <a:solidFill>
+                  <a:schemeClr val="tx1"/>
+                </a:solidFill>
+                <a:effectLst/>
+                <a:latin typeface="+mn-lt"/>
+                <a:ea typeface="+mn-ea"/>
+                <a:cs typeface="+mn-cs"/>
+              </a:rPr>
+              <a:t>An </a:t>
+            </a:r>
+            <a:r>
+              <a:rPr lang="en-US" sz="1200" b="1" i="0" kern="1200" dirty="0">
+                <a:solidFill>
+                  <a:schemeClr val="tx1"/>
+                </a:solidFill>
+                <a:effectLst/>
+                <a:latin typeface="+mn-lt"/>
+                <a:ea typeface="+mn-ea"/>
+                <a:cs typeface="+mn-cs"/>
+              </a:rPr>
+              <a:t>overfitted model</a:t>
+            </a:r>
+            <a:r>
+              <a:rPr lang="en-US" sz="1200" b="0" i="0" kern="1200" dirty="0">
+                <a:solidFill>
+                  <a:schemeClr val="tx1"/>
+                </a:solidFill>
+                <a:effectLst/>
+                <a:latin typeface="+mn-lt"/>
+                <a:ea typeface="+mn-ea"/>
+                <a:cs typeface="+mn-cs"/>
+              </a:rPr>
+              <a:t> is a </a:t>
+            </a:r>
+            <a:r>
+              <a:rPr lang="en-US" sz="1200" b="0" i="0" u="none" strike="noStrike" kern="1200" dirty="0">
+                <a:solidFill>
+                  <a:schemeClr val="tx1"/>
+                </a:solidFill>
+                <a:effectLst/>
+                <a:latin typeface="+mn-lt"/>
+                <a:ea typeface="+mn-ea"/>
+                <a:cs typeface="+mn-cs"/>
+                <a:hlinkClick r:id="rId3" tooltip="Statistical model"/>
+              </a:rPr>
+              <a:t>model</a:t>
+            </a:r>
+            <a:r>
+              <a:rPr lang="en-US" sz="1200" b="0" i="0" kern="1200" dirty="0">
+                <a:solidFill>
+                  <a:schemeClr val="tx1"/>
+                </a:solidFill>
+                <a:effectLst/>
+                <a:latin typeface="+mn-lt"/>
+                <a:ea typeface="+mn-ea"/>
+                <a:cs typeface="+mn-cs"/>
+              </a:rPr>
+              <a:t> that contains more </a:t>
+            </a:r>
+            <a:r>
+              <a:rPr lang="en-US" sz="1200" b="0" i="0" u="none" strike="noStrike" kern="1200" dirty="0">
+                <a:solidFill>
+                  <a:schemeClr val="tx1"/>
+                </a:solidFill>
+                <a:effectLst/>
+                <a:latin typeface="+mn-lt"/>
+                <a:ea typeface="+mn-ea"/>
+                <a:cs typeface="+mn-cs"/>
+                <a:hlinkClick r:id="rId4" tooltip="Parameter"/>
+              </a:rPr>
+              <a:t>parameters</a:t>
+            </a:r>
+            <a:r>
+              <a:rPr lang="en-US" sz="1200" b="0" i="0" kern="1200" dirty="0">
+                <a:solidFill>
+                  <a:schemeClr val="tx1"/>
+                </a:solidFill>
+                <a:effectLst/>
+                <a:latin typeface="+mn-lt"/>
+                <a:ea typeface="+mn-ea"/>
+                <a:cs typeface="+mn-cs"/>
+              </a:rPr>
+              <a:t> than can be justified by the data.  The essence of overfitting is to have unknowingly extracted some of the residual variation (i.e. the </a:t>
+            </a:r>
+            <a:r>
+              <a:rPr lang="en-US" sz="1200" b="0" i="0" u="none" strike="noStrike" kern="1200" dirty="0">
+                <a:solidFill>
+                  <a:schemeClr val="tx1"/>
+                </a:solidFill>
+                <a:effectLst/>
+                <a:latin typeface="+mn-lt"/>
+                <a:ea typeface="+mn-ea"/>
+                <a:cs typeface="+mn-cs"/>
+                <a:hlinkClick r:id="rId5" tooltip="Statistical noise"/>
+              </a:rPr>
+              <a:t>noise</a:t>
+            </a:r>
+            <a:r>
+              <a:rPr lang="en-US" sz="1200" b="0" i="0" kern="1200" dirty="0">
+                <a:solidFill>
+                  <a:schemeClr val="tx1"/>
+                </a:solidFill>
+                <a:effectLst/>
+                <a:latin typeface="+mn-lt"/>
+                <a:ea typeface="+mn-ea"/>
+                <a:cs typeface="+mn-cs"/>
+              </a:rPr>
+              <a:t>) as if that variation represented underlying model structure.</a:t>
+            </a:r>
+          </a:p>
+          <a:p>
+            <a:endParaRPr lang="en-US" sz="1200" b="0" i="0" kern="1200" dirty="0">
+              <a:solidFill>
+                <a:schemeClr val="tx1"/>
+              </a:solidFill>
+              <a:effectLst/>
+              <a:latin typeface="+mn-lt"/>
+              <a:ea typeface="+mn-ea"/>
+              <a:cs typeface="+mn-cs"/>
+            </a:endParaRPr>
+          </a:p>
+          <a:p>
+            <a:r>
+              <a:rPr lang="en-US" sz="1200" b="1" i="0" kern="1200" dirty="0">
+                <a:solidFill>
+                  <a:schemeClr val="tx1"/>
+                </a:solidFill>
+                <a:effectLst/>
+                <a:latin typeface="+mn-lt"/>
+                <a:ea typeface="+mn-ea"/>
+                <a:cs typeface="+mn-cs"/>
+              </a:rPr>
+              <a:t>Underfitting</a:t>
+            </a:r>
+            <a:r>
+              <a:rPr lang="en-US" sz="1200" b="0" i="0" kern="1200" dirty="0">
+                <a:solidFill>
+                  <a:schemeClr val="tx1"/>
+                </a:solidFill>
+                <a:effectLst/>
+                <a:latin typeface="+mn-lt"/>
+                <a:ea typeface="+mn-ea"/>
+                <a:cs typeface="+mn-cs"/>
+              </a:rPr>
+              <a:t> is just the opposite of overfitting.  It occurs when your model is too simple to learn the underlying structure of the data.  </a:t>
             </a:r>
           </a:p>
         </p:txBody>
@@ -1368,7 +1364,7 @@
     </p:spTree>
     <p:extLst>
       <p:ext uri="{BB962C8B-B14F-4D97-AF65-F5344CB8AC3E}">
-        <p14:creationId xmlns:p14="http://schemas.microsoft.com/office/powerpoint/2010/main" val="229795874"/>
+        <p14:creationId xmlns:p14="http://schemas.microsoft.com/office/powerpoint/2010/main" val="4257397788"/>
       </p:ext>
     </p:extLst>
   </p:cSld>
@@ -1422,6 +1418,9 @@
           <a:bodyPr/>
           <a:lstStyle/>
           <a:p>
+            <a:pPr marL="228600" indent="-228600">
+              <a:buAutoNum type="arabicPeriod"/>
+            </a:pPr>
             <a:r>
               <a:rPr lang="en-US" sz="1200" b="0" i="0" kern="1200" dirty="0">
                 <a:solidFill>
@@ -1432,10 +1431,47 @@
                 <a:ea typeface="+mn-ea"/>
                 <a:cs typeface="+mn-cs"/>
               </a:rPr>
-              <a:t>So, what does overfit look like when we’re training a neural network?  In this image, we see that the training error continues to decrease as we move into the zone of overfitting while the validation error is going up.  That’s because we’re still learning from the training data, but now we’re learning information specific to a given dataset, rather than general rules.  It’s the performance of the validation set that lets us see that this is happening, because our validation error (an estimate of the generalization error) is getting worse.</a:t>
-            </a:r>
-          </a:p>
-          <a:p>
+              <a:t>Overfitting byproduct of outliers.</a:t>
+            </a:r>
+          </a:p>
+          <a:p>
+            <a:pPr marL="228600" indent="-228600">
+              <a:buAutoNum type="arabicPeriod"/>
+            </a:pPr>
+            <a:r>
+              <a:rPr lang="en-US" sz="1200" b="0" i="0" kern="1200" dirty="0">
+                <a:solidFill>
+                  <a:schemeClr val="tx1"/>
+                </a:solidFill>
+                <a:effectLst/>
+                <a:latin typeface="+mn-lt"/>
+                <a:ea typeface="+mn-ea"/>
+                <a:cs typeface="+mn-cs"/>
+              </a:rPr>
+              <a:t>Outlier in left image – identify &amp; remove outliers</a:t>
+            </a:r>
+          </a:p>
+          <a:p>
+            <a:pPr marL="228600" indent="-228600">
+              <a:buAutoNum type="arabicPeriod"/>
+            </a:pPr>
+            <a:r>
+              <a:rPr lang="en-US" sz="1200" b="0" i="0" kern="1200" dirty="0">
+                <a:solidFill>
+                  <a:schemeClr val="tx1"/>
+                </a:solidFill>
+                <a:effectLst/>
+                <a:latin typeface="+mn-lt"/>
+                <a:ea typeface="+mn-ea"/>
+                <a:cs typeface="+mn-cs"/>
+              </a:rPr>
+              <a:t>Simple model on right will generalize better</a:t>
+            </a:r>
+          </a:p>
+          <a:p>
+            <a:pPr marL="0" indent="0">
+              <a:buNone/>
+            </a:pPr>
             <a:endParaRPr lang="en-US" sz="1200" b="0" i="0" kern="1200" dirty="0">
               <a:solidFill>
                 <a:schemeClr val="tx1"/>
@@ -1447,6 +1483,9 @@
             </a:endParaRPr>
           </a:p>
           <a:p>
+            <a:pPr marL="0" indent="0">
+              <a:buNone/>
+            </a:pPr>
             <a:r>
               <a:rPr lang="en-US" sz="1200" b="0" i="0" kern="1200" dirty="0">
                 <a:solidFill>
@@ -1457,10 +1496,12 @@
                 <a:ea typeface="+mn-ea"/>
                 <a:cs typeface="+mn-cs"/>
               </a:rPr>
-              <a:t>Generally speaking, when we start training our model, we are underfitting.  That is, the model hasn’t seen enough examples yet to figure out how to handle them properly.  As we train more and the model refines its boundaries, the training and validation errors both typically drop, as we see here.  At some point, we will discover that although the training error is continuing to drop, the validation error starts to rise.  Now we’re overfitting.  So, our rule of thumb is this:  </a:t>
-            </a:r>
-            <a:r>
-              <a:rPr lang="en-US" sz="1200" b="0" i="1" kern="1200" dirty="0">
+              <a:t>=====</a:t>
+            </a:r>
+          </a:p>
+          <a:p>
+            <a:r>
+              <a:rPr lang="en-US" sz="1200" b="0" i="0" kern="1200" dirty="0">
                 <a:solidFill>
                   <a:schemeClr val="tx1"/>
                 </a:solidFill>
@@ -1469,10 +1510,10 @@
                 <a:ea typeface="+mn-ea"/>
                 <a:cs typeface="+mn-cs"/>
               </a:rPr>
-              <a:t>When we start to overfit, stop training</a:t>
-            </a:r>
-            <a:r>
-              <a:rPr lang="en-US" sz="1200" b="0" i="0" kern="1200" dirty="0">
+              <a:t>Often, overfitting is a byproduct of outliers.  Consider the image on the left.  We have one circular point deep in square territory, resulting in a complicated boundary curve.  We call this kind of isolated point an </a:t>
+            </a:r>
+            <a:r>
+              <a:rPr lang="en-US" sz="1200" b="1" i="0" kern="1200" dirty="0">
                 <a:solidFill>
                   <a:schemeClr val="tx1"/>
                 </a:solidFill>
@@ -1481,10 +1522,10 @@
                 <a:ea typeface="+mn-ea"/>
                 <a:cs typeface="+mn-cs"/>
               </a:rPr>
-              <a:t>.  In this example, that happens at around 28 epochs.  The technique of ending training just as validation error begins to rise is called </a:t>
-            </a:r>
-            <a:r>
-              <a:rPr lang="en-US" sz="1200" b="1" i="0" kern="1200" dirty="0">
+              <a:t>outlier</a:t>
+            </a:r>
+            <a:r>
+              <a:rPr lang="en-US" sz="1200" b="0" i="0" kern="1200" dirty="0">
                 <a:solidFill>
                   <a:schemeClr val="tx1"/>
                 </a:solidFill>
@@ -1493,19 +1534,7 @@
                 <a:ea typeface="+mn-ea"/>
                 <a:cs typeface="+mn-cs"/>
               </a:rPr>
-              <a:t>early stopping</a:t>
-            </a:r>
-            <a:r>
-              <a:rPr lang="en-US" sz="1200" b="0" i="0" kern="1200" dirty="0">
-                <a:solidFill>
-                  <a:schemeClr val="tx1"/>
-                </a:solidFill>
-                <a:effectLst/>
-                <a:latin typeface="+mn-lt"/>
-                <a:ea typeface="+mn-ea"/>
-                <a:cs typeface="+mn-cs"/>
-              </a:rPr>
-              <a:t>.</a:t>
+              <a:t>.  By drawing the boundary to accommodate this one data point, we risk misclassifying some future data points as blue circles, even though they are solidly inside the brown square region.  Here a single outlier has contributed to model overfit, thereby highlighting the importance of identifying and possibly removing outliers from a dataset.  The simpler model curve on the right will generalize better and is preferable in this case.</a:t>
             </a:r>
           </a:p>
         </p:txBody>
@@ -1536,7 +1565,7 @@
     </p:spTree>
     <p:extLst>
       <p:ext uri="{BB962C8B-B14F-4D97-AF65-F5344CB8AC3E}">
-        <p14:creationId xmlns:p14="http://schemas.microsoft.com/office/powerpoint/2010/main" val="1126308815"/>
+        <p14:creationId xmlns:p14="http://schemas.microsoft.com/office/powerpoint/2010/main" val="229795874"/>
       </p:ext>
     </p:extLst>
   </p:cSld>
@@ -1600,7 +1629,7 @@
                 <a:ea typeface="+mn-ea"/>
                 <a:cs typeface="+mn-cs"/>
               </a:rPr>
-              <a:t>So, your model has overfit the data.  What do you do now?  Here’s some ways to address that problem…</a:t>
+              <a:t>So, what does overfit look like when we’re training a neural network?  In this image, we see that the training error continues to decrease as we move into the zone of overfitting while the validation error is going up.  That’s because we’re still learning from the training data, but now we’re learning information specific to a given dataset, rather than general rules.  It’s the performance of the validation set that lets us see that this is happening, because our validation error (an estimate of the generalization error) is getting worse.</a:t>
             </a:r>
           </a:p>
           <a:p>
@@ -1615,9 +1644,6 @@
             </a:endParaRPr>
           </a:p>
           <a:p>
-            <a:pPr marL="228600" indent="-228600">
-              <a:buAutoNum type="arabicPeriod"/>
-            </a:pPr>
             <a:r>
               <a:rPr lang="en-US" sz="1200" b="0" i="0" kern="1200" dirty="0">
                 <a:solidFill>
@@ -1628,15 +1654,10 @@
                 <a:ea typeface="+mn-ea"/>
                 <a:cs typeface="+mn-cs"/>
               </a:rPr>
-              <a:t>Simplify the model by selecting one with fewer parameters (for example, a simple linear model as opposed to a high-degree polynomial one), by reducing the number of attributes in the training data, or by constraining the model.</a:t>
-            </a:r>
-          </a:p>
-          <a:p>
-            <a:pPr marL="228600" indent="-228600">
-              <a:buAutoNum type="arabicPeriod"/>
-            </a:pPr>
-            <a:r>
-              <a:rPr lang="en-US" sz="1200" b="0" i="0" kern="1200" dirty="0">
+              <a:t>Generally speaking, when we start training our model, we are underfitting.  That is, the model hasn’t seen enough examples yet to figure out how to handle them properly.  As we train more and the model refines its boundaries, the training and validation errors both typically drop, as we see here.  At some point, we will discover that although the training error is continuing to drop, the validation error starts to rise.  Now we’re overfitting.  So, our rule of thumb is this:  </a:t>
+            </a:r>
+            <a:r>
+              <a:rPr lang="en-US" sz="1200" b="0" i="1" kern="1200" dirty="0">
                 <a:solidFill>
                   <a:schemeClr val="tx1"/>
                 </a:solidFill>
@@ -1645,13 +1666,8 @@
                 <a:ea typeface="+mn-ea"/>
                 <a:cs typeface="+mn-cs"/>
               </a:rPr>
-              <a:t>Collect more training data.  Sometimes, your data set is just too small and consequently the algorithm overcompensates for what’s not there.</a:t>
-            </a:r>
-          </a:p>
-          <a:p>
-            <a:pPr marL="228600" indent="-228600">
-              <a:buAutoNum type="arabicPeriod"/>
-            </a:pPr>
+              <a:t>When we start to overfit, stop training</a:t>
+            </a:r>
             <a:r>
               <a:rPr lang="en-US" sz="1200" b="0" i="0" kern="1200" dirty="0">
                 <a:solidFill>
@@ -1662,15 +1678,10 @@
                 <a:ea typeface="+mn-ea"/>
                 <a:cs typeface="+mn-cs"/>
               </a:rPr>
-              <a:t>Reduce the noise in the training data.  Fix data errors, impute missing values, and possibly remove outliers.</a:t>
-            </a:r>
-          </a:p>
-          <a:p>
-            <a:pPr marL="228600" indent="-228600">
-              <a:buAutoNum type="arabicPeriod"/>
-            </a:pPr>
-            <a:r>
-              <a:rPr lang="en-US" sz="1200" b="0" i="0" kern="1200" dirty="0">
+              <a:t>.  In this example, that happens at around 28 epochs.  The technique of ending training just as validation error begins to rise is called </a:t>
+            </a:r>
+            <a:r>
+              <a:rPr lang="en-US" sz="1200" b="1" i="0" kern="1200" dirty="0">
                 <a:solidFill>
                   <a:schemeClr val="tx1"/>
                 </a:solidFill>
@@ -1679,10 +1690,10 @@
                 <a:ea typeface="+mn-ea"/>
                 <a:cs typeface="+mn-cs"/>
               </a:rPr>
-              <a:t>Use </a:t>
-            </a:r>
-            <a:r>
-              <a:rPr lang="en-US" sz="1200" b="1" i="0" kern="1200" dirty="0">
+              <a:t>early stopping</a:t>
+            </a:r>
+            <a:r>
+              <a:rPr lang="en-US" sz="1200" b="0" i="0" kern="1200" dirty="0">
                 <a:solidFill>
                   <a:schemeClr val="tx1"/>
                 </a:solidFill>
@@ -1691,29 +1702,8 @@
                 <a:ea typeface="+mn-ea"/>
                 <a:cs typeface="+mn-cs"/>
               </a:rPr>
-              <a:t>regularization </a:t>
-            </a:r>
-            <a:r>
-              <a:rPr lang="en-US" sz="1200" b="0" i="0" kern="1200" dirty="0">
-                <a:solidFill>
-                  <a:schemeClr val="tx1"/>
-                </a:solidFill>
-                <a:effectLst/>
-                <a:latin typeface="+mn-lt"/>
-                <a:ea typeface="+mn-ea"/>
-                <a:cs typeface="+mn-cs"/>
-              </a:rPr>
-              <a:t>methods to prevent overfit.  Let’s take a closer look at regularization. </a:t>
-            </a:r>
-            <a:endParaRPr lang="en-US" sz="1200" b="1" i="0" kern="1200" dirty="0">
-              <a:solidFill>
-                <a:schemeClr val="tx1"/>
-              </a:solidFill>
-              <a:effectLst/>
-              <a:latin typeface="+mn-lt"/>
-              <a:ea typeface="+mn-ea"/>
-              <a:cs typeface="+mn-cs"/>
-            </a:endParaRPr>
+              <a:t>.</a:t>
+            </a:r>
           </a:p>
         </p:txBody>
       </p:sp>
@@ -1743,7 +1733,7 @@
     </p:spTree>
     <p:extLst>
       <p:ext uri="{BB962C8B-B14F-4D97-AF65-F5344CB8AC3E}">
-        <p14:creationId xmlns:p14="http://schemas.microsoft.com/office/powerpoint/2010/main" val="2004133889"/>
+        <p14:creationId xmlns:p14="http://schemas.microsoft.com/office/powerpoint/2010/main" val="1126308815"/>
       </p:ext>
     </p:extLst>
   </p:cSld>
@@ -1797,9 +1787,6 @@
           <a:bodyPr/>
           <a:lstStyle/>
           <a:p>
-            <a:pPr marL="228600" indent="-228600">
-              <a:buAutoNum type="arabicPeriod"/>
-            </a:pPr>
             <a:r>
               <a:rPr lang="en-US" sz="1200" b="0" i="0" kern="1200" dirty="0">
                 <a:solidFill>
@@ -1810,163 +1797,10 @@
                 <a:ea typeface="+mn-ea"/>
                 <a:cs typeface="+mn-cs"/>
               </a:rPr>
-              <a:t>Training goal: squeeze as much information as we can out of the training data.</a:t>
-            </a:r>
-          </a:p>
-          <a:p>
-            <a:pPr marL="228600" indent="-228600">
-              <a:buAutoNum type="arabicPeriod"/>
-            </a:pPr>
-            <a:r>
-              <a:rPr lang="en-US" sz="1200" b="0" i="0" kern="1200" dirty="0">
-                <a:solidFill>
-                  <a:schemeClr val="tx1"/>
-                </a:solidFill>
-                <a:effectLst/>
-                <a:latin typeface="+mn-lt"/>
-                <a:ea typeface="+mn-ea"/>
-                <a:cs typeface="+mn-cs"/>
-              </a:rPr>
-              <a:t>Early stopping when validation error begins to rise.  Could we delay this phenomenon – train longer &amp; lower training / validation errors?</a:t>
-            </a:r>
-          </a:p>
-          <a:p>
-            <a:pPr marL="228600" indent="-228600">
-              <a:buAutoNum type="arabicPeriod"/>
-            </a:pPr>
-            <a:r>
-              <a:rPr lang="en-US" sz="1200" b="0" i="0" kern="1200" dirty="0">
-                <a:solidFill>
-                  <a:schemeClr val="tx1"/>
-                </a:solidFill>
-                <a:effectLst/>
-                <a:latin typeface="+mn-lt"/>
-                <a:ea typeface="+mn-ea"/>
-                <a:cs typeface="+mn-cs"/>
-              </a:rPr>
-              <a:t>Turkey example – high heat leads to burn – prevent this? – wrap in aluminum foil</a:t>
-            </a:r>
-          </a:p>
-          <a:p>
-            <a:pPr marL="228600" indent="-228600">
-              <a:buAutoNum type="arabicPeriod"/>
-            </a:pPr>
-            <a:r>
-              <a:rPr lang="en-US" sz="1200" b="0" i="0" kern="1200" dirty="0">
-                <a:solidFill>
-                  <a:schemeClr val="tx1"/>
-                </a:solidFill>
-                <a:effectLst/>
-                <a:latin typeface="+mn-lt"/>
-                <a:ea typeface="+mn-ea"/>
-                <a:cs typeface="+mn-cs"/>
-              </a:rPr>
-              <a:t>Techniques to delay onset of overfitting are </a:t>
-            </a:r>
-            <a:r>
-              <a:rPr lang="en-US" sz="1200" b="1" i="0" kern="1200" dirty="0">
-                <a:solidFill>
-                  <a:schemeClr val="tx1"/>
-                </a:solidFill>
-                <a:effectLst/>
-                <a:latin typeface="+mn-lt"/>
-                <a:ea typeface="+mn-ea"/>
-                <a:cs typeface="+mn-cs"/>
-              </a:rPr>
-              <a:t>regularization methods </a:t>
-            </a:r>
-            <a:r>
-              <a:rPr lang="en-US" sz="1200" b="0" i="0" kern="1200" dirty="0">
-                <a:solidFill>
-                  <a:schemeClr val="tx1"/>
-                </a:solidFill>
-                <a:effectLst/>
-                <a:latin typeface="+mn-lt"/>
-                <a:ea typeface="+mn-ea"/>
-                <a:cs typeface="+mn-cs"/>
-              </a:rPr>
-              <a:t>or </a:t>
-            </a:r>
-            <a:r>
-              <a:rPr lang="en-US" sz="1200" b="1" i="0" kern="1200" dirty="0">
-                <a:solidFill>
-                  <a:schemeClr val="tx1"/>
-                </a:solidFill>
-                <a:effectLst/>
-                <a:latin typeface="+mn-lt"/>
-                <a:ea typeface="+mn-ea"/>
-                <a:cs typeface="+mn-cs"/>
-              </a:rPr>
-              <a:t>regularization</a:t>
-            </a:r>
-            <a:r>
-              <a:rPr lang="en-US" sz="1200" b="0" i="0" kern="1200" dirty="0">
-                <a:solidFill>
-                  <a:schemeClr val="tx1"/>
-                </a:solidFill>
-                <a:effectLst/>
-                <a:latin typeface="+mn-lt"/>
-                <a:ea typeface="+mn-ea"/>
-                <a:cs typeface="+mn-cs"/>
-              </a:rPr>
-              <a:t>.</a:t>
-            </a:r>
-          </a:p>
-          <a:p>
-            <a:pPr marL="228600" indent="-228600">
-              <a:buAutoNum type="arabicPeriod"/>
-            </a:pPr>
-            <a:r>
-              <a:rPr lang="en-US" sz="1200" b="0" i="0" kern="1200" dirty="0">
-                <a:solidFill>
-                  <a:schemeClr val="tx1"/>
-                </a:solidFill>
-                <a:effectLst/>
-                <a:latin typeface="+mn-lt"/>
-                <a:ea typeface="+mn-ea"/>
-                <a:cs typeface="+mn-cs"/>
-              </a:rPr>
-              <a:t>Regularization hyperparameter – lowercase Greek lambda – larger lambda values greater regularization</a:t>
-            </a:r>
-          </a:p>
-          <a:p>
-            <a:pPr marL="228600" indent="-228600">
-              <a:buAutoNum type="arabicPeriod"/>
-            </a:pPr>
-            <a:r>
-              <a:rPr lang="en-US" sz="1200" b="0" i="0" kern="1200" dirty="0">
-                <a:solidFill>
-                  <a:schemeClr val="tx1"/>
-                </a:solidFill>
-                <a:effectLst/>
-                <a:latin typeface="+mn-lt"/>
-                <a:ea typeface="+mn-ea"/>
-                <a:cs typeface="+mn-cs"/>
-              </a:rPr>
-              <a:t>Other regularization options – dropout, batch norm, layer norm, and weight regularization</a:t>
-            </a:r>
-          </a:p>
-          <a:p>
-            <a:pPr marL="228600" indent="-228600">
-              <a:buAutoNum type="arabicPeriod"/>
-            </a:pPr>
-            <a:r>
-              <a:rPr lang="en-US" sz="1200" b="0" i="0" kern="1200" dirty="0">
-                <a:solidFill>
-                  <a:schemeClr val="tx1"/>
-                </a:solidFill>
-                <a:effectLst/>
-                <a:latin typeface="+mn-lt"/>
-                <a:ea typeface="+mn-ea"/>
-                <a:cs typeface="+mn-cs"/>
-              </a:rPr>
-              <a:t>Definition: Constraining a model to make it simpler and reduce the risk of overfitting is called regularization</a:t>
-            </a:r>
-          </a:p>
-          <a:p>
-            <a:pPr marL="0" indent="0">
-              <a:buNone/>
-            </a:pPr>
+              <a:t>So, your model has overfit the data.  What do you do now?  Here’s some ways to address that problem…</a:t>
+            </a:r>
+          </a:p>
+          <a:p>
             <a:endParaRPr lang="en-US" sz="1200" b="0" i="0" kern="1200" dirty="0">
               <a:solidFill>
                 <a:schemeClr val="tx1"/>
@@ -1978,8 +1812,8 @@
             </a:endParaRPr>
           </a:p>
           <a:p>
-            <a:pPr marL="0" indent="0">
-              <a:buNone/>
+            <a:pPr marL="228600" indent="-228600">
+              <a:buAutoNum type="arabicPeriod"/>
             </a:pPr>
             <a:r>
               <a:rPr lang="en-US" sz="1200" b="0" i="0" kern="1200" dirty="0">
@@ -1991,10 +1825,13 @@
                 <a:ea typeface="+mn-ea"/>
                 <a:cs typeface="+mn-cs"/>
               </a:rPr>
-              <a:t>=====</a:t>
-            </a:r>
-          </a:p>
-          <a:p>
+              <a:t>Simplify the model by selecting one with fewer parameters (for example, a simple linear model as opposed to a high-degree polynomial one), by reducing the number of attributes in the training data, or by constraining the model.</a:t>
+            </a:r>
+          </a:p>
+          <a:p>
+            <a:pPr marL="228600" indent="-228600">
+              <a:buAutoNum type="arabicPeriod"/>
+            </a:pPr>
             <a:r>
               <a:rPr lang="en-US" sz="1200" b="0" i="0" kern="1200" dirty="0">
                 <a:solidFill>
@@ -2005,11 +1842,67 @@
                 <a:ea typeface="+mn-ea"/>
                 <a:cs typeface="+mn-cs"/>
               </a:rPr>
-              <a:t>We always want to squeeze as much information as we can out of our training data, stopping just short of overfitting.  Early stopping ends learning when the validation error starts rising, but what if there was a way to delay that phenomenon, so we can train longer and continue to push down both training a validation errors?</a:t>
-            </a:r>
-          </a:p>
-          <a:p>
-            <a:endParaRPr lang="en-US" sz="1200" b="0" i="0" kern="1200" dirty="0">
+              <a:t>Collect more training data.  Sometimes, your data set is just too small and consequently the algorithm overcompensates for what’s not there.</a:t>
+            </a:r>
+          </a:p>
+          <a:p>
+            <a:pPr marL="228600" indent="-228600">
+              <a:buAutoNum type="arabicPeriod"/>
+            </a:pPr>
+            <a:r>
+              <a:rPr lang="en-US" sz="1200" b="0" i="0" kern="1200" dirty="0">
+                <a:solidFill>
+                  <a:schemeClr val="tx1"/>
+                </a:solidFill>
+                <a:effectLst/>
+                <a:latin typeface="+mn-lt"/>
+                <a:ea typeface="+mn-ea"/>
+                <a:cs typeface="+mn-cs"/>
+              </a:rPr>
+              <a:t>Reduce the noise in the training data.  Fix data errors, impute missing values, and possibly remove outliers.</a:t>
+            </a:r>
+          </a:p>
+          <a:p>
+            <a:pPr marL="228600" indent="-228600">
+              <a:buAutoNum type="arabicPeriod"/>
+            </a:pPr>
+            <a:r>
+              <a:rPr lang="en-US" sz="1200" b="0" i="0" kern="1200" dirty="0">
+                <a:solidFill>
+                  <a:schemeClr val="tx1"/>
+                </a:solidFill>
+                <a:effectLst/>
+                <a:latin typeface="+mn-lt"/>
+                <a:ea typeface="+mn-ea"/>
+                <a:cs typeface="+mn-cs"/>
+              </a:rPr>
+              <a:t>Use </a:t>
+            </a:r>
+            <a:r>
+              <a:rPr lang="en-US" sz="1200" b="1" i="0" kern="1200" dirty="0">
+                <a:solidFill>
+                  <a:schemeClr val="tx1"/>
+                </a:solidFill>
+                <a:effectLst/>
+                <a:latin typeface="+mn-lt"/>
+                <a:ea typeface="+mn-ea"/>
+                <a:cs typeface="+mn-cs"/>
+              </a:rPr>
+              <a:t>regularization </a:t>
+            </a:r>
+            <a:r>
+              <a:rPr lang="en-US" sz="1200" b="0" i="0" kern="1200" dirty="0">
+                <a:solidFill>
+                  <a:schemeClr val="tx1"/>
+                </a:solidFill>
+                <a:effectLst/>
+                <a:latin typeface="+mn-lt"/>
+                <a:ea typeface="+mn-ea"/>
+                <a:cs typeface="+mn-cs"/>
+              </a:rPr>
+              <a:t>methods to prevent overfit.  Let’s take a closer look at regularization. </a:t>
+            </a:r>
+            <a:endParaRPr lang="en-US" sz="1200" b="1" i="0" kern="1200" dirty="0">
               <a:solidFill>
                 <a:schemeClr val="tx1"/>
               </a:solidFill>
@@ -2019,118 +1912,6 @@
               <a:cs typeface="+mn-cs"/>
             </a:endParaRPr>
           </a:p>
-          <a:p>
-            <a:r>
-              <a:rPr lang="en-US" sz="1200" b="0" i="0" kern="1200" dirty="0">
-                <a:solidFill>
-                  <a:schemeClr val="tx1"/>
-                </a:solidFill>
-                <a:effectLst/>
-                <a:latin typeface="+mn-lt"/>
-                <a:ea typeface="+mn-ea"/>
-                <a:cs typeface="+mn-cs"/>
-              </a:rPr>
-              <a:t>By analogy, consider cooking a turkey in the oven.  If we just put the turkey in a pan and cook it on high heat, the outside eventually starts to burn.  But what if we want to cook the turkey longer without burning it?  One way to do that is to wrap it in aluminum foil.  The foil delays the onset of burning, letting us cook the turkey longer.</a:t>
-            </a:r>
-          </a:p>
-          <a:p>
-            <a:endParaRPr lang="en-US" sz="1200" b="0" i="0" kern="1200" dirty="0">
-              <a:solidFill>
-                <a:schemeClr val="tx1"/>
-              </a:solidFill>
-              <a:effectLst/>
-              <a:latin typeface="+mn-lt"/>
-              <a:ea typeface="+mn-ea"/>
-              <a:cs typeface="+mn-cs"/>
-            </a:endParaRPr>
-          </a:p>
-          <a:p>
-            <a:r>
-              <a:rPr lang="en-US" sz="1200" b="0" i="0" kern="1200" dirty="0">
-                <a:solidFill>
-                  <a:schemeClr val="tx1"/>
-                </a:solidFill>
-                <a:effectLst/>
-                <a:latin typeface="+mn-lt"/>
-                <a:ea typeface="+mn-ea"/>
-                <a:cs typeface="+mn-cs"/>
-              </a:rPr>
-              <a:t>The techniques that delay the onset of overfitting are collectively known as </a:t>
-            </a:r>
-            <a:r>
-              <a:rPr lang="en-US" sz="1200" b="1" i="0" kern="1200" dirty="0">
-                <a:solidFill>
-                  <a:schemeClr val="tx1"/>
-                </a:solidFill>
-                <a:effectLst/>
-                <a:latin typeface="+mn-lt"/>
-                <a:ea typeface="+mn-ea"/>
-                <a:cs typeface="+mn-cs"/>
-              </a:rPr>
-              <a:t>regularization methods</a:t>
-            </a:r>
-            <a:r>
-              <a:rPr lang="en-US" sz="1200" b="0" i="0" kern="1200" dirty="0">
-                <a:solidFill>
-                  <a:schemeClr val="tx1"/>
-                </a:solidFill>
-                <a:effectLst/>
-                <a:latin typeface="+mn-lt"/>
-                <a:ea typeface="+mn-ea"/>
-                <a:cs typeface="+mn-cs"/>
-              </a:rPr>
-              <a:t>, or simply </a:t>
-            </a:r>
-            <a:r>
-              <a:rPr lang="en-US" sz="1200" b="1" i="0" kern="1200" dirty="0">
-                <a:solidFill>
-                  <a:schemeClr val="tx1"/>
-                </a:solidFill>
-                <a:effectLst/>
-                <a:latin typeface="+mn-lt"/>
-                <a:ea typeface="+mn-ea"/>
-                <a:cs typeface="+mn-cs"/>
-              </a:rPr>
-              <a:t>regularization</a:t>
-            </a:r>
-            <a:r>
-              <a:rPr lang="en-US" sz="1200" b="0" i="0" kern="1200" dirty="0">
-                <a:solidFill>
-                  <a:schemeClr val="tx1"/>
-                </a:solidFill>
-                <a:effectLst/>
-                <a:latin typeface="+mn-lt"/>
-                <a:ea typeface="+mn-ea"/>
-                <a:cs typeface="+mn-cs"/>
-              </a:rPr>
-              <a:t>.  We typically specify the amount of regularization to apply with a  hyperparameter that’s traditionally written as a lowercase Greek lambda.  Other letters are sometimes used.  Most commonly, larger values for lambda mean more regularization.  Neural networks have additional regularization options – including dropout, batch norm, layer norm, and weight regularization.</a:t>
-            </a:r>
-          </a:p>
-          <a:p>
-            <a:endParaRPr lang="en-US" sz="1200" b="0" i="0" kern="1200" dirty="0">
-              <a:solidFill>
-                <a:schemeClr val="tx1"/>
-              </a:solidFill>
-              <a:effectLst/>
-              <a:latin typeface="+mn-lt"/>
-              <a:ea typeface="+mn-ea"/>
-              <a:cs typeface="+mn-cs"/>
-            </a:endParaRPr>
-          </a:p>
-          <a:p>
-            <a:r>
-              <a:rPr lang="en-US" sz="1200" b="0" i="0" kern="1200" dirty="0">
-                <a:solidFill>
-                  <a:schemeClr val="tx1"/>
-                </a:solidFill>
-                <a:effectLst/>
-                <a:latin typeface="+mn-lt"/>
-                <a:ea typeface="+mn-ea"/>
-                <a:cs typeface="+mn-cs"/>
-              </a:rPr>
-              <a:t>Here’s a definition I like:  Constraining a model to make it simpler and reduce the risk of overfitting is called regularization. </a:t>
-            </a:r>
-          </a:p>
         </p:txBody>
       </p:sp>
       <p:sp>
@@ -2159,7 +1940,7 @@
     </p:spTree>
     <p:extLst>
       <p:ext uri="{BB962C8B-B14F-4D97-AF65-F5344CB8AC3E}">
-        <p14:creationId xmlns:p14="http://schemas.microsoft.com/office/powerpoint/2010/main" val="169409323"/>
+        <p14:creationId xmlns:p14="http://schemas.microsoft.com/office/powerpoint/2010/main" val="2004133889"/>
       </p:ext>
     </p:extLst>
   </p:cSld>
@@ -2213,10 +1994,339 @@
           <a:bodyPr/>
           <a:lstStyle/>
           <a:p>
-            <a:endParaRPr lang="en-US" dirty="0"/>
-          </a:p>
-          <a:p>
-            <a:endParaRPr lang="en-US" dirty="0"/>
+            <a:pPr marL="228600" indent="-228600">
+              <a:buAutoNum type="arabicPeriod"/>
+            </a:pPr>
+            <a:r>
+              <a:rPr lang="en-US" sz="1200" b="0" i="0" kern="1200" dirty="0">
+                <a:solidFill>
+                  <a:schemeClr val="tx1"/>
+                </a:solidFill>
+                <a:effectLst/>
+                <a:latin typeface="+mn-lt"/>
+                <a:ea typeface="+mn-ea"/>
+                <a:cs typeface="+mn-cs"/>
+              </a:rPr>
+              <a:t>Training goal: squeeze as much information as we can out of the training data.</a:t>
+            </a:r>
+          </a:p>
+          <a:p>
+            <a:pPr marL="228600" indent="-228600">
+              <a:buAutoNum type="arabicPeriod"/>
+            </a:pPr>
+            <a:r>
+              <a:rPr lang="en-US" sz="1200" b="0" i="0" kern="1200" dirty="0">
+                <a:solidFill>
+                  <a:schemeClr val="tx1"/>
+                </a:solidFill>
+                <a:effectLst/>
+                <a:latin typeface="+mn-lt"/>
+                <a:ea typeface="+mn-ea"/>
+                <a:cs typeface="+mn-cs"/>
+              </a:rPr>
+              <a:t>Early stopping when validation error begins to rise.  Could we delay this phenomenon – train longer &amp; lower training / validation errors?</a:t>
+            </a:r>
+          </a:p>
+          <a:p>
+            <a:pPr marL="228600" indent="-228600">
+              <a:buAutoNum type="arabicPeriod"/>
+            </a:pPr>
+            <a:r>
+              <a:rPr lang="en-US" sz="1200" b="0" i="0" kern="1200" dirty="0">
+                <a:solidFill>
+                  <a:schemeClr val="tx1"/>
+                </a:solidFill>
+                <a:effectLst/>
+                <a:latin typeface="+mn-lt"/>
+                <a:ea typeface="+mn-ea"/>
+                <a:cs typeface="+mn-cs"/>
+              </a:rPr>
+              <a:t>Turkey example – high heat leads to burn – prevent this? – wrap in aluminum foil</a:t>
+            </a:r>
+          </a:p>
+          <a:p>
+            <a:pPr marL="228600" indent="-228600">
+              <a:buAutoNum type="arabicPeriod"/>
+            </a:pPr>
+            <a:r>
+              <a:rPr lang="en-US" sz="1200" b="0" i="0" kern="1200" dirty="0">
+                <a:solidFill>
+                  <a:schemeClr val="tx1"/>
+                </a:solidFill>
+                <a:effectLst/>
+                <a:latin typeface="+mn-lt"/>
+                <a:ea typeface="+mn-ea"/>
+                <a:cs typeface="+mn-cs"/>
+              </a:rPr>
+              <a:t>Techniques to delay onset of overfitting are </a:t>
+            </a:r>
+            <a:r>
+              <a:rPr lang="en-US" sz="1200" b="1" i="0" kern="1200" dirty="0">
+                <a:solidFill>
+                  <a:schemeClr val="tx1"/>
+                </a:solidFill>
+                <a:effectLst/>
+                <a:latin typeface="+mn-lt"/>
+                <a:ea typeface="+mn-ea"/>
+                <a:cs typeface="+mn-cs"/>
+              </a:rPr>
+              <a:t>regularization methods </a:t>
+            </a:r>
+            <a:r>
+              <a:rPr lang="en-US" sz="1200" b="0" i="0" kern="1200" dirty="0">
+                <a:solidFill>
+                  <a:schemeClr val="tx1"/>
+                </a:solidFill>
+                <a:effectLst/>
+                <a:latin typeface="+mn-lt"/>
+                <a:ea typeface="+mn-ea"/>
+                <a:cs typeface="+mn-cs"/>
+              </a:rPr>
+              <a:t>or </a:t>
+            </a:r>
+            <a:r>
+              <a:rPr lang="en-US" sz="1200" b="1" i="0" kern="1200" dirty="0">
+                <a:solidFill>
+                  <a:schemeClr val="tx1"/>
+                </a:solidFill>
+                <a:effectLst/>
+                <a:latin typeface="+mn-lt"/>
+                <a:ea typeface="+mn-ea"/>
+                <a:cs typeface="+mn-cs"/>
+              </a:rPr>
+              <a:t>regularization</a:t>
+            </a:r>
+            <a:r>
+              <a:rPr lang="en-US" sz="1200" b="0" i="0" kern="1200" dirty="0">
+                <a:solidFill>
+                  <a:schemeClr val="tx1"/>
+                </a:solidFill>
+                <a:effectLst/>
+                <a:latin typeface="+mn-lt"/>
+                <a:ea typeface="+mn-ea"/>
+                <a:cs typeface="+mn-cs"/>
+              </a:rPr>
+              <a:t>.</a:t>
+            </a:r>
+          </a:p>
+          <a:p>
+            <a:pPr marL="228600" indent="-228600">
+              <a:buAutoNum type="arabicPeriod"/>
+            </a:pPr>
+            <a:r>
+              <a:rPr lang="en-US" sz="1200" b="0" i="0" kern="1200" dirty="0">
+                <a:solidFill>
+                  <a:schemeClr val="tx1"/>
+                </a:solidFill>
+                <a:effectLst/>
+                <a:latin typeface="+mn-lt"/>
+                <a:ea typeface="+mn-ea"/>
+                <a:cs typeface="+mn-cs"/>
+              </a:rPr>
+              <a:t>Regularization hyperparameter – lowercase Greek lambda – larger lambda values greater regularization</a:t>
+            </a:r>
+          </a:p>
+          <a:p>
+            <a:pPr marL="228600" indent="-228600">
+              <a:buAutoNum type="arabicPeriod"/>
+            </a:pPr>
+            <a:r>
+              <a:rPr lang="en-US" sz="1200" b="0" i="0" kern="1200" dirty="0">
+                <a:solidFill>
+                  <a:schemeClr val="tx1"/>
+                </a:solidFill>
+                <a:effectLst/>
+                <a:latin typeface="+mn-lt"/>
+                <a:ea typeface="+mn-ea"/>
+                <a:cs typeface="+mn-cs"/>
+              </a:rPr>
+              <a:t>Other regularization techniques include dropout, batch norm, layer norm, and weight regularization</a:t>
+            </a:r>
+          </a:p>
+          <a:p>
+            <a:pPr marL="228600" indent="-228600">
+              <a:buAutoNum type="arabicPeriod"/>
+            </a:pPr>
+            <a:r>
+              <a:rPr lang="en-US" sz="1200" b="0" i="0" kern="1200" dirty="0">
+                <a:solidFill>
+                  <a:schemeClr val="tx1"/>
+                </a:solidFill>
+                <a:effectLst/>
+                <a:latin typeface="+mn-lt"/>
+                <a:ea typeface="+mn-ea"/>
+                <a:cs typeface="+mn-cs"/>
+              </a:rPr>
+              <a:t>To summarize, regularization is constraining a model to make it simpler and reduce the risk of overfitting</a:t>
+            </a:r>
+          </a:p>
+          <a:p>
+            <a:pPr marL="0" indent="0">
+              <a:buNone/>
+            </a:pPr>
+            <a:endParaRPr lang="en-US" sz="1200" b="0" i="0" kern="1200" dirty="0">
+              <a:solidFill>
+                <a:schemeClr val="tx1"/>
+              </a:solidFill>
+              <a:effectLst/>
+              <a:latin typeface="+mn-lt"/>
+              <a:ea typeface="+mn-ea"/>
+              <a:cs typeface="+mn-cs"/>
+            </a:endParaRPr>
+          </a:p>
+          <a:p>
+            <a:pPr marL="0" indent="0">
+              <a:buNone/>
+            </a:pPr>
+            <a:r>
+              <a:rPr lang="en-US" sz="1200" b="0" i="0" kern="1200" dirty="0">
+                <a:solidFill>
+                  <a:schemeClr val="tx1"/>
+                </a:solidFill>
+                <a:effectLst/>
+                <a:latin typeface="+mn-lt"/>
+                <a:ea typeface="+mn-ea"/>
+                <a:cs typeface="+mn-cs"/>
+              </a:rPr>
+              <a:t>=====</a:t>
+            </a:r>
+          </a:p>
+          <a:p>
+            <a:r>
+              <a:rPr lang="en-US" sz="1200" b="0" i="0" kern="1200" dirty="0">
+                <a:solidFill>
+                  <a:schemeClr val="tx1"/>
+                </a:solidFill>
+                <a:effectLst/>
+                <a:latin typeface="+mn-lt"/>
+                <a:ea typeface="+mn-ea"/>
+                <a:cs typeface="+mn-cs"/>
+              </a:rPr>
+              <a:t>We always want to squeeze as much information as we can out of our training data, stopping just short of overfitting.  Early stopping ends learning when the validation error starts rising, but what if there was a way to delay that phenomenon, so we can train longer and continue to push down both training a validation errors?</a:t>
+            </a:r>
+          </a:p>
+          <a:p>
+            <a:endParaRPr lang="en-US" sz="1200" b="0" i="0" kern="1200" dirty="0">
+              <a:solidFill>
+                <a:schemeClr val="tx1"/>
+              </a:solidFill>
+              <a:effectLst/>
+              <a:latin typeface="+mn-lt"/>
+              <a:ea typeface="+mn-ea"/>
+              <a:cs typeface="+mn-cs"/>
+            </a:endParaRPr>
+          </a:p>
+          <a:p>
+            <a:r>
+              <a:rPr lang="en-US" sz="1200" b="0" i="0" kern="1200" dirty="0">
+                <a:solidFill>
+                  <a:schemeClr val="tx1"/>
+                </a:solidFill>
+                <a:effectLst/>
+                <a:latin typeface="+mn-lt"/>
+                <a:ea typeface="+mn-ea"/>
+                <a:cs typeface="+mn-cs"/>
+              </a:rPr>
+              <a:t>By analogy, consider cooking a turkey in the oven.  If we just put the turkey in a pan and cook it on high heat, the outside eventually starts to burn.  But what if we want to cook the turkey longer without burning it?  One way to do that is to wrap it in aluminum foil.  The foil delays the onset of burning, letting us cook the turkey longer.</a:t>
+            </a:r>
+          </a:p>
+          <a:p>
+            <a:endParaRPr lang="en-US" sz="1200" b="0" i="0" kern="1200" dirty="0">
+              <a:solidFill>
+                <a:schemeClr val="tx1"/>
+              </a:solidFill>
+              <a:effectLst/>
+              <a:latin typeface="+mn-lt"/>
+              <a:ea typeface="+mn-ea"/>
+              <a:cs typeface="+mn-cs"/>
+            </a:endParaRPr>
+          </a:p>
+          <a:p>
+            <a:r>
+              <a:rPr lang="en-US" sz="1200" b="0" i="0" kern="1200" dirty="0">
+                <a:solidFill>
+                  <a:schemeClr val="tx1"/>
+                </a:solidFill>
+                <a:effectLst/>
+                <a:latin typeface="+mn-lt"/>
+                <a:ea typeface="+mn-ea"/>
+                <a:cs typeface="+mn-cs"/>
+              </a:rPr>
+              <a:t>The techniques that delay the onset of overfitting are collectively known as </a:t>
+            </a:r>
+            <a:r>
+              <a:rPr lang="en-US" sz="1200" b="1" i="0" kern="1200" dirty="0">
+                <a:solidFill>
+                  <a:schemeClr val="tx1"/>
+                </a:solidFill>
+                <a:effectLst/>
+                <a:latin typeface="+mn-lt"/>
+                <a:ea typeface="+mn-ea"/>
+                <a:cs typeface="+mn-cs"/>
+              </a:rPr>
+              <a:t>regularization methods</a:t>
+            </a:r>
+            <a:r>
+              <a:rPr lang="en-US" sz="1200" b="0" i="0" kern="1200" dirty="0">
+                <a:solidFill>
+                  <a:schemeClr val="tx1"/>
+                </a:solidFill>
+                <a:effectLst/>
+                <a:latin typeface="+mn-lt"/>
+                <a:ea typeface="+mn-ea"/>
+                <a:cs typeface="+mn-cs"/>
+              </a:rPr>
+              <a:t>, or simply </a:t>
+            </a:r>
+            <a:r>
+              <a:rPr lang="en-US" sz="1200" b="1" i="0" kern="1200" dirty="0">
+                <a:solidFill>
+                  <a:schemeClr val="tx1"/>
+                </a:solidFill>
+                <a:effectLst/>
+                <a:latin typeface="+mn-lt"/>
+                <a:ea typeface="+mn-ea"/>
+                <a:cs typeface="+mn-cs"/>
+              </a:rPr>
+              <a:t>regularization</a:t>
+            </a:r>
+            <a:r>
+              <a:rPr lang="en-US" sz="1200" b="0" i="0" kern="1200" dirty="0">
+                <a:solidFill>
+                  <a:schemeClr val="tx1"/>
+                </a:solidFill>
+                <a:effectLst/>
+                <a:latin typeface="+mn-lt"/>
+                <a:ea typeface="+mn-ea"/>
+                <a:cs typeface="+mn-cs"/>
+              </a:rPr>
+              <a:t>.  We typically specify the amount of regularization to apply with a  hyperparameter that’s traditionally written as a lowercase Greek lambda.  Other letters are sometimes used.  Most commonly, larger values for lambda mean more regularization.  Neural networks have additional regularization options – including dropout, batch norm, layer norm, and weight regularization.</a:t>
+            </a:r>
+          </a:p>
+          <a:p>
+            <a:endParaRPr lang="en-US" sz="1200" b="0" i="0" kern="1200" dirty="0">
+              <a:solidFill>
+                <a:schemeClr val="tx1"/>
+              </a:solidFill>
+              <a:effectLst/>
+              <a:latin typeface="+mn-lt"/>
+              <a:ea typeface="+mn-ea"/>
+              <a:cs typeface="+mn-cs"/>
+            </a:endParaRPr>
+          </a:p>
+          <a:p>
+            <a:r>
+              <a:rPr lang="en-US" sz="1200" b="0" i="0" kern="1200" dirty="0">
+                <a:solidFill>
+                  <a:schemeClr val="tx1"/>
+                </a:solidFill>
+                <a:effectLst/>
+                <a:latin typeface="+mn-lt"/>
+                <a:ea typeface="+mn-ea"/>
+                <a:cs typeface="+mn-cs"/>
+              </a:rPr>
+              <a:t>Here’s a definition I like:  Constraining a model to make it simpler and reduce the risk of overfitting is called regularization. </a:t>
+            </a:r>
           </a:p>
         </p:txBody>
       </p:sp>
@@ -2246,7 +2356,7 @@
     </p:spTree>
     <p:extLst>
       <p:ext uri="{BB962C8B-B14F-4D97-AF65-F5344CB8AC3E}">
-        <p14:creationId xmlns:p14="http://schemas.microsoft.com/office/powerpoint/2010/main" val="1683720677"/>
+        <p14:creationId xmlns:p14="http://schemas.microsoft.com/office/powerpoint/2010/main" val="169409323"/>
       </p:ext>
     </p:extLst>
   </p:cSld>
@@ -2301,103 +2411,12 @@
           <a:lstStyle/>
           <a:p>
             <a:r>
-              <a:rPr lang="en-US" sz="1200" b="0" i="0" kern="1200" dirty="0">
-                <a:solidFill>
-                  <a:schemeClr val="tx1"/>
-                </a:solidFill>
-                <a:effectLst/>
-                <a:latin typeface="+mn-lt"/>
-                <a:ea typeface="+mn-ea"/>
-                <a:cs typeface="+mn-cs"/>
-              </a:rPr>
-              <a:t>And here are some options when your model underfits a data set.  </a:t>
-            </a:r>
-          </a:p>
-          <a:p>
-            <a:endParaRPr lang="en-US" sz="1200" b="0" i="0" kern="1200" dirty="0">
-              <a:solidFill>
-                <a:schemeClr val="tx1"/>
-              </a:solidFill>
-              <a:effectLst/>
-              <a:latin typeface="+mn-lt"/>
-              <a:ea typeface="+mn-ea"/>
-              <a:cs typeface="+mn-cs"/>
-            </a:endParaRPr>
-          </a:p>
-          <a:p>
-            <a:pPr marL="228600" indent="-228600">
-              <a:buAutoNum type="arabicPeriod"/>
-            </a:pPr>
-            <a:r>
-              <a:rPr lang="en-US" sz="1200" b="0" i="0" kern="1200" dirty="0">
-                <a:solidFill>
-                  <a:schemeClr val="tx1"/>
-                </a:solidFill>
-                <a:effectLst/>
-                <a:latin typeface="+mn-lt"/>
-                <a:ea typeface="+mn-ea"/>
-                <a:cs typeface="+mn-cs"/>
-              </a:rPr>
-              <a:t>Select a more powerful model, with more parameters.  Sometimes, the simplest solution is not the best answer.</a:t>
-            </a:r>
-          </a:p>
-          <a:p>
-            <a:pPr marL="228600" indent="-228600">
-              <a:buAutoNum type="arabicPeriod"/>
-            </a:pPr>
-            <a:r>
-              <a:rPr lang="en-US" sz="1200" b="0" i="0" kern="1200" dirty="0">
-                <a:solidFill>
-                  <a:schemeClr val="tx1"/>
-                </a:solidFill>
-                <a:effectLst/>
-                <a:latin typeface="+mn-lt"/>
-                <a:ea typeface="+mn-ea"/>
-                <a:cs typeface="+mn-cs"/>
-              </a:rPr>
-              <a:t>Feed better features to the learning algorithm – also known as </a:t>
-            </a:r>
-            <a:r>
-              <a:rPr lang="en-US" sz="1200" b="1" i="0" kern="1200" dirty="0">
-                <a:solidFill>
-                  <a:schemeClr val="tx1"/>
-                </a:solidFill>
-                <a:effectLst/>
-                <a:latin typeface="+mn-lt"/>
-                <a:ea typeface="+mn-ea"/>
-                <a:cs typeface="+mn-cs"/>
-              </a:rPr>
-              <a:t>feature engineering</a:t>
-            </a:r>
-            <a:r>
-              <a:rPr lang="en-US" sz="1200" b="0" i="0" kern="1200" dirty="0">
-                <a:solidFill>
-                  <a:schemeClr val="tx1"/>
-                </a:solidFill>
-                <a:effectLst/>
-                <a:latin typeface="+mn-lt"/>
-                <a:ea typeface="+mn-ea"/>
-                <a:cs typeface="+mn-cs"/>
-              </a:rPr>
-              <a:t>.  A feature, by the way, is an individual measurable property or characteristic of a phenomenon being observed – the mpg on a new car, for instance.</a:t>
-            </a:r>
-          </a:p>
-          <a:p>
-            <a:pPr marL="228600" indent="-228600">
-              <a:buAutoNum type="arabicPeriod"/>
-            </a:pPr>
-            <a:r>
-              <a:rPr lang="en-US" sz="1200" b="0" i="0" kern="1200" dirty="0">
-                <a:solidFill>
-                  <a:schemeClr val="tx1"/>
-                </a:solidFill>
-                <a:effectLst/>
-                <a:latin typeface="+mn-lt"/>
-                <a:ea typeface="+mn-ea"/>
-                <a:cs typeface="+mn-cs"/>
-              </a:rPr>
-              <a:t>Reduce the constraints on the model.  This is most often done by reducing the regularization hyperparameter.  </a:t>
-            </a:r>
+              <a:rPr lang="en-US" dirty="0"/>
+              <a:t>… and here’s a dropout simulation, with 50% of the nodes being dropped in the dropout layer.</a:t>
+            </a:r>
+          </a:p>
+          <a:p>
+            <a:endParaRPr lang="en-US" dirty="0"/>
           </a:p>
         </p:txBody>
       </p:sp>
@@ -2427,7 +2446,7 @@
     </p:spTree>
     <p:extLst>
       <p:ext uri="{BB962C8B-B14F-4D97-AF65-F5344CB8AC3E}">
-        <p14:creationId xmlns:p14="http://schemas.microsoft.com/office/powerpoint/2010/main" val="205385402"/>
+        <p14:creationId xmlns:p14="http://schemas.microsoft.com/office/powerpoint/2010/main" val="1683720677"/>
       </p:ext>
     </p:extLst>
   </p:cSld>
@@ -2481,36 +2500,104 @@
           <a:bodyPr/>
           <a:lstStyle/>
           <a:p>
-            <a:pPr marL="0" marR="0" lvl="0" indent="0" algn="l" defTabSz="914400" rtl="0" eaLnBrk="1" fontAlgn="auto" latinLnBrk="0" hangingPunct="1">
-              <a:lnSpc>
-                <a:spcPct val="100000"/>
-              </a:lnSpc>
-              <a:spcBef>
-                <a:spcPts val="0"/>
-              </a:spcBef>
-              <a:spcAft>
-                <a:spcPts val="0"/>
-              </a:spcAft>
-              <a:buClrTx/>
-              <a:buSzTx/>
-              <a:buFontTx/>
-              <a:buNone/>
-              <a:tabLst/>
-              <a:defRPr/>
+            <a:r>
+              <a:rPr lang="en-US" sz="1200" b="0" i="0" kern="1200" dirty="0">
+                <a:solidFill>
+                  <a:schemeClr val="tx1"/>
+                </a:solidFill>
+                <a:effectLst/>
+                <a:latin typeface="+mn-lt"/>
+                <a:ea typeface="+mn-ea"/>
+                <a:cs typeface="+mn-cs"/>
+              </a:rPr>
+              <a:t>And here are some options when your model underfits a data set.  </a:t>
+            </a:r>
+          </a:p>
+          <a:p>
+            <a:endParaRPr lang="en-US" sz="1200" b="0" i="0" kern="1200" dirty="0">
+              <a:solidFill>
+                <a:schemeClr val="tx1"/>
+              </a:solidFill>
+              <a:effectLst/>
+              <a:latin typeface="+mn-lt"/>
+              <a:ea typeface="+mn-ea"/>
+              <a:cs typeface="+mn-cs"/>
+            </a:endParaRPr>
+          </a:p>
+          <a:p>
+            <a:pPr marL="228600" indent="-228600">
+              <a:buAutoNum type="arabicPeriod"/>
             </a:pPr>
             <a:r>
-              <a:rPr lang="en-US" dirty="0"/>
-              <a:t>The learning experience for this workshop starts on page 144 of the textbook.  </a:t>
-            </a:r>
-          </a:p>
-          <a:p>
-            <a:endParaRPr lang="en-US" dirty="0"/>
-          </a:p>
-          <a:p>
-            <a:endParaRPr lang="en-US" dirty="0"/>
-          </a:p>
-          <a:p>
-            <a:endParaRPr lang="en-US" dirty="0"/>
+              <a:rPr lang="en-US" sz="1200" b="0" i="0" kern="1200" dirty="0">
+                <a:solidFill>
+                  <a:schemeClr val="tx1"/>
+                </a:solidFill>
+                <a:effectLst/>
+                <a:latin typeface="+mn-lt"/>
+                <a:ea typeface="+mn-ea"/>
+                <a:cs typeface="+mn-cs"/>
+              </a:rPr>
+              <a:t>Select a more powerful model, with more parameters.  Sometimes, the simplest solution is not the best answer.</a:t>
+            </a:r>
+          </a:p>
+          <a:p>
+            <a:pPr marL="228600" indent="-228600">
+              <a:buAutoNum type="arabicPeriod"/>
+            </a:pPr>
+            <a:r>
+              <a:rPr lang="en-US" sz="1200" b="0" i="0" kern="1200" dirty="0">
+                <a:solidFill>
+                  <a:schemeClr val="tx1"/>
+                </a:solidFill>
+                <a:effectLst/>
+                <a:latin typeface="+mn-lt"/>
+                <a:ea typeface="+mn-ea"/>
+                <a:cs typeface="+mn-cs"/>
+              </a:rPr>
+              <a:t>Feed better features to the learning algorithm – also known as </a:t>
+            </a:r>
+            <a:r>
+              <a:rPr lang="en-US" sz="1200" b="1" i="0" kern="1200" dirty="0">
+                <a:solidFill>
+                  <a:schemeClr val="tx1"/>
+                </a:solidFill>
+                <a:effectLst/>
+                <a:latin typeface="+mn-lt"/>
+                <a:ea typeface="+mn-ea"/>
+                <a:cs typeface="+mn-cs"/>
+              </a:rPr>
+              <a:t>feature engineering</a:t>
+            </a:r>
+            <a:r>
+              <a:rPr lang="en-US" sz="1200" b="0" i="0" kern="1200" dirty="0">
+                <a:solidFill>
+                  <a:schemeClr val="tx1"/>
+                </a:solidFill>
+                <a:effectLst/>
+                <a:latin typeface="+mn-lt"/>
+                <a:ea typeface="+mn-ea"/>
+                <a:cs typeface="+mn-cs"/>
+              </a:rPr>
+              <a:t>.  A feature, by the way, is an individual measurable property or characteristic of a phenomenon being observed – the mpg on a new car, for instance.</a:t>
+            </a:r>
+          </a:p>
+          <a:p>
+            <a:pPr marL="228600" indent="-228600">
+              <a:buAutoNum type="arabicPeriod"/>
+            </a:pPr>
+            <a:r>
+              <a:rPr lang="en-US" sz="1200" b="0" i="0" kern="1200" dirty="0">
+                <a:solidFill>
+                  <a:schemeClr val="tx1"/>
+                </a:solidFill>
+                <a:effectLst/>
+                <a:latin typeface="+mn-lt"/>
+                <a:ea typeface="+mn-ea"/>
+                <a:cs typeface="+mn-cs"/>
+              </a:rPr>
+              <a:t>Reduce the constraints on the model.  This is most often done by reducing the regularization hyperparameter.  </a:t>
+            </a:r>
           </a:p>
         </p:txBody>
       </p:sp>
@@ -2540,7 +2627,7 @@
     </p:spTree>
     <p:extLst>
       <p:ext uri="{BB962C8B-B14F-4D97-AF65-F5344CB8AC3E}">
-        <p14:creationId xmlns:p14="http://schemas.microsoft.com/office/powerpoint/2010/main" val="1401395996"/>
+        <p14:creationId xmlns:p14="http://schemas.microsoft.com/office/powerpoint/2010/main" val="205385402"/>
       </p:ext>
     </p:extLst>
   </p:cSld>
@@ -2594,6 +2681,35 @@
           <a:bodyPr/>
           <a:lstStyle/>
           <a:p>
+            <a:pPr marL="0" marR="0" lvl="0" indent="0" algn="l" defTabSz="914400" rtl="0" eaLnBrk="1" fontAlgn="auto" latinLnBrk="0" hangingPunct="1">
+              <a:lnSpc>
+                <a:spcPct val="100000"/>
+              </a:lnSpc>
+              <a:spcBef>
+                <a:spcPts val="0"/>
+              </a:spcBef>
+              <a:spcAft>
+                <a:spcPts val="0"/>
+              </a:spcAft>
+              <a:buClrTx/>
+              <a:buSzTx/>
+              <a:buFontTx/>
+              <a:buNone/>
+              <a:tabLst/>
+              <a:defRPr/>
+            </a:pPr>
+            <a:r>
+              <a:rPr lang="en-US" dirty="0"/>
+              <a:t>The learning experience for this workshop starts on page 144 of the textbook.  </a:t>
+            </a:r>
+          </a:p>
+          <a:p>
+            <a:endParaRPr lang="en-US" dirty="0"/>
+          </a:p>
+          <a:p>
+            <a:endParaRPr lang="en-US" dirty="0"/>
+          </a:p>
+          <a:p>
             <a:endParaRPr lang="en-US" dirty="0"/>
           </a:p>
         </p:txBody>
@@ -2616,6 +2732,90 @@
             <a:fld id="{3148858F-F1DB-4027-9C85-CCA6849540DD}" type="slidenum">
               <a:rPr lang="en-US" smtClean="0"/>
               <a:t>19</a:t>
+            </a:fld>
+            <a:endParaRPr lang="en-US"/>
+          </a:p>
+        </p:txBody>
+      </p:sp>
+    </p:spTree>
+    <p:extLst>
+      <p:ext uri="{BB962C8B-B14F-4D97-AF65-F5344CB8AC3E}">
+        <p14:creationId xmlns:p14="http://schemas.microsoft.com/office/powerpoint/2010/main" val="1401395996"/>
+      </p:ext>
+    </p:extLst>
+  </p:cSld>
+  <p:clrMapOvr>
+    <a:masterClrMapping/>
+  </p:clrMapOvr>
+</p:notes>
+</file>
+
+<file path=ppt/notesSlides/notesSlide19.xml><?xml version="1.0" encoding="utf-8"?>
+<p:notes xmlns:a="http://schemas.openxmlformats.org/drawingml/2006/main" xmlns:r="http://schemas.openxmlformats.org/officeDocument/2006/relationships" xmlns:p="http://schemas.openxmlformats.org/presentationml/2006/main">
+  <p:cSld>
+    <p:spTree>
+      <p:nvGrpSpPr>
+        <p:cNvPr id="1" name=""/>
+        <p:cNvGrpSpPr/>
+        <p:nvPr/>
+      </p:nvGrpSpPr>
+      <p:grpSpPr>
+        <a:xfrm>
+          <a:off x="0" y="0"/>
+          <a:ext cx="0" cy="0"/>
+          <a:chOff x="0" y="0"/>
+          <a:chExt cx="0" cy="0"/>
+        </a:xfrm>
+      </p:grpSpPr>
+      <p:sp>
+        <p:nvSpPr>
+          <p:cNvPr id="2" name="Slide Image Placeholder 1"/>
+          <p:cNvSpPr>
+            <a:spLocks noGrp="1" noRot="1" noChangeAspect="1"/>
+          </p:cNvSpPr>
+          <p:nvPr>
+            <p:ph type="sldImg"/>
+          </p:nvPr>
+        </p:nvSpPr>
+        <p:spPr/>
+      </p:sp>
+      <p:sp>
+        <p:nvSpPr>
+          <p:cNvPr id="3" name="Notes Placeholder 2"/>
+          <p:cNvSpPr>
+            <a:spLocks noGrp="1"/>
+          </p:cNvSpPr>
+          <p:nvPr>
+            <p:ph type="body" idx="1"/>
+          </p:nvPr>
+        </p:nvSpPr>
+        <p:spPr/>
+        <p:txBody>
+          <a:bodyPr/>
+          <a:lstStyle/>
+          <a:p>
+            <a:endParaRPr lang="en-US" dirty="0"/>
+          </a:p>
+        </p:txBody>
+      </p:sp>
+      <p:sp>
+        <p:nvSpPr>
+          <p:cNvPr id="4" name="Slide Number Placeholder 3"/>
+          <p:cNvSpPr>
+            <a:spLocks noGrp="1"/>
+          </p:cNvSpPr>
+          <p:nvPr>
+            <p:ph type="sldNum" sz="quarter" idx="5"/>
+          </p:nvPr>
+        </p:nvSpPr>
+        <p:spPr/>
+        <p:txBody>
+          <a:bodyPr/>
+          <a:lstStyle/>
+          <a:p>
+            <a:fld id="{3148858F-F1DB-4027-9C85-CCA6849540DD}" type="slidenum">
+              <a:rPr lang="en-US" smtClean="0"/>
+              <a:t>20</a:t>
             </a:fld>
             <a:endParaRPr lang="en-US"/>
           </a:p>
@@ -3084,7 +3284,7 @@
                 <a:latin typeface="Calibri" panose="020F0502020204030204" pitchFamily="34" charset="0"/>
                 <a:cs typeface="Calibri" panose="020F0502020204030204" pitchFamily="34" charset="0"/>
               </a:rPr>
-              <a:t>Now that we have established the need for a diverse training dataset, let’s consider some of the data augmentation techniques presented in the text.  As this is available in the text, I will move quickly through the next few slides.</a:t>
+              <a:t>Now that we have established the need for a diverse training dataset, let’s consider some of the data augmentation techniques.  I’ll move quickly through the next few slides.</a:t>
             </a:r>
           </a:p>
           <a:p>
@@ -3227,7 +3427,7 @@
                 <a:effectLst/>
                 <a:latin typeface="+mn-lt"/>
               </a:rPr>
-              <a:t>An image can be zoomed in and provide different sizes of objects in the image.</a:t>
+              <a:t>We can either zoom in or out on an image.  The objects pictured assume different sizes.</a:t>
             </a:r>
           </a:p>
           <a:p>
@@ -3242,7 +3442,7 @@
                 <a:effectLst/>
                 <a:latin typeface="+mn-lt"/>
               </a:rPr>
-              <a:t>Horizontal shifting, as its name implies, will shift the image along the horizontal axis but keep it the same size. With this transformation, the image may be cropped, and new pixels generated to fill the void. A common technique is to copy the neighboring pixels or to fill that space with black pixels.</a:t>
+              <a:t>Horizontal shifting moves the image along the horizontal axis but keeps it the same size.  When cropped, new pixels are generated to fill the void.  Here that space is filled with black pixels.</a:t>
             </a:r>
             <a:endParaRPr lang="en-US" dirty="0">
               <a:latin typeface="+mn-lt"/>
@@ -3341,7 +3541,7 @@
                 <a:effectLst/>
                 <a:latin typeface="+mn-lt"/>
               </a:rPr>
-              <a:t>Vertical shifting is similar to horizontal shifting, but along the vertical axis.</a:t>
+              <a:t>Vertical shifting is like a horizontal shift but along the vertical axis.</a:t>
             </a:r>
           </a:p>
           <a:p>
@@ -3356,7 +3556,7 @@
                 <a:effectLst/>
                 <a:latin typeface="+mn-lt"/>
               </a:rPr>
-              <a:t>A rotation with a particular angle can be performed as pictured in the second set of images.</a:t>
+              <a:t>We can also rotate the image. </a:t>
             </a:r>
             <a:endParaRPr lang="en-US" dirty="0">
               <a:latin typeface="+mn-lt"/>
@@ -3453,7 +3653,7 @@
                 <a:effectLst/>
                 <a:latin typeface="+mn-lt"/>
               </a:rPr>
-              <a:t>Shearing transforms the image by moving one of the edges along the axis of the edge. After doing this, the image distorts from a rectangle to a parallelogram.</a:t>
+              <a:t>And finally, shearing transforms the image by moving one of the edges along the axis of the edge.  After doing this, the image distorts from a rectangle to a parallelogram.</a:t>
             </a:r>
             <a:endParaRPr lang="en-US" dirty="0">
               <a:latin typeface="+mn-lt"/>
@@ -3541,36 +3741,10 @@
           <a:bodyPr/>
           <a:lstStyle/>
           <a:p>
-            <a:pPr marL="0" marR="0" lvl="0" indent="0" algn="l" defTabSz="914400" rtl="0" eaLnBrk="1" fontAlgn="auto" latinLnBrk="0" hangingPunct="1">
-              <a:lnSpc>
-                <a:spcPct val="100000"/>
-              </a:lnSpc>
-              <a:spcBef>
-                <a:spcPts val="0"/>
-              </a:spcBef>
-              <a:spcAft>
-                <a:spcPts val="0"/>
-              </a:spcAft>
-              <a:buClrTx/>
-              <a:buSzTx/>
-              <a:buFontTx/>
-              <a:buNone/>
-              <a:tabLst/>
-              <a:defRPr/>
-            </a:pPr>
             <a:r>
               <a:rPr lang="en-US" dirty="0"/>
-              <a:t>The learning experience for this workshop starts on page 140 of the textbook.</a:t>
-            </a:r>
-          </a:p>
-          <a:p>
-            <a:endParaRPr lang="en-US" dirty="0"/>
-          </a:p>
-          <a:p>
-            <a:endParaRPr lang="en-US" dirty="0"/>
-          </a:p>
-          <a:p>
-            <a:endParaRPr lang="en-US" dirty="0"/>
+              <a:t>Here’s what I saw after training the model in the 02.2_catdog notebook.</a:t>
+            </a:r>
           </a:p>
         </p:txBody>
       </p:sp>
@@ -3600,7 +3774,7 @@
     </p:spTree>
     <p:extLst>
       <p:ext uri="{BB962C8B-B14F-4D97-AF65-F5344CB8AC3E}">
-        <p14:creationId xmlns:p14="http://schemas.microsoft.com/office/powerpoint/2010/main" val="781302724"/>
+        <p14:creationId xmlns:p14="http://schemas.microsoft.com/office/powerpoint/2010/main" val="1253920784"/>
       </p:ext>
     </p:extLst>
   </p:cSld>
@@ -3654,55 +3828,30 @@
           <a:bodyPr/>
           <a:lstStyle/>
           <a:p>
+            <a:pPr marL="0" marR="0" lvl="0" indent="0" algn="l" defTabSz="914400" rtl="0" eaLnBrk="1" fontAlgn="auto" latinLnBrk="0" hangingPunct="1">
+              <a:lnSpc>
+                <a:spcPct val="100000"/>
+              </a:lnSpc>
+              <a:spcBef>
+                <a:spcPts val="0"/>
+              </a:spcBef>
+              <a:spcAft>
+                <a:spcPts val="0"/>
+              </a:spcAft>
+              <a:buClrTx/>
+              <a:buSzTx/>
+              <a:buFontTx/>
+              <a:buNone/>
+              <a:tabLst/>
+              <a:defRPr/>
+            </a:pPr>
             <a:r>
               <a:rPr lang="en-US" dirty="0"/>
-              <a:t>As a child, you may have read or heard the story of Goldilocks, a little girl who finds an empty cabin in the woods with three empty beds.  Goldilocks tries out the first bed and discover that it’s too hard.  Then she tries the second bed, and it’s too soft.  Finally, she tries the third bed and it’s just right.  A peaceful nap ensues until she’s awakened by three bears who ask what she’s doing in their bed.  This is often called the Goldilocks problem.  </a:t>
+              <a:t>The learning experience for the augmentation notebook starts on page 140 of the textbook.</a:t>
             </a:r>
           </a:p>
           <a:p>
             <a:endParaRPr lang="en-US" dirty="0"/>
-          </a:p>
-          <a:p>
-            <a:r>
-              <a:rPr lang="en-US" dirty="0"/>
-              <a:t>A similar dynamic exists in machine learning.  A model can </a:t>
-            </a:r>
-            <a:r>
-              <a:rPr lang="en-US" b="1" dirty="0">
-                <a:effectLst>
-                  <a:outerShdw blurRad="38100" dist="38100" dir="2700000" algn="tl">
-                    <a:srgbClr val="000000">
-                      <a:alpha val="43137"/>
-                    </a:srgbClr>
-                  </a:outerShdw>
-                </a:effectLst>
-              </a:rPr>
-              <a:t>overfit</a:t>
-            </a:r>
-            <a:r>
-              <a:rPr lang="en-US" dirty="0"/>
-              <a:t> the data, </a:t>
-            </a:r>
-            <a:r>
-              <a:rPr lang="en-US" b="1" dirty="0">
-                <a:solidFill>
-                  <a:srgbClr val="FF0000"/>
-                </a:solidFill>
-              </a:rPr>
-              <a:t>underfit</a:t>
-            </a:r>
-            <a:r>
-              <a:rPr lang="en-US" dirty="0"/>
-              <a:t> the data, or be </a:t>
-            </a:r>
-            <a:r>
-              <a:rPr lang="en-US" b="1" dirty="0"/>
-              <a:t>just right</a:t>
-            </a:r>
-            <a:r>
-              <a:rPr lang="en-US" dirty="0"/>
-              <a:t>.  And like Goldilocks, it’s often a question of finding that sweet spot, of trying out one model and then another until a proper fit is achieved.  Now when we say proper fit, what we’re talking about is a model that makes accurate predictions on the training data but also with other data as well.  When this happens, the model is said to generalize well.  Consider this graph…</a:t>
-            </a:r>
           </a:p>
           <a:p>
             <a:endParaRPr lang="en-US" dirty="0"/>
@@ -3738,7 +3887,7 @@
     </p:spTree>
     <p:extLst>
       <p:ext uri="{BB962C8B-B14F-4D97-AF65-F5344CB8AC3E}">
-        <p14:creationId xmlns:p14="http://schemas.microsoft.com/office/powerpoint/2010/main" val="4104970002"/>
+        <p14:creationId xmlns:p14="http://schemas.microsoft.com/office/powerpoint/2010/main" val="781302724"/>
       </p:ext>
     </p:extLst>
   </p:cSld>
@@ -3792,55 +3941,46 @@
           <a:bodyPr/>
           <a:lstStyle/>
           <a:p>
-            <a:pPr marL="228600" indent="-228600">
-              <a:buAutoNum type="arabicPeriod"/>
-            </a:pPr>
             <a:r>
               <a:rPr lang="en-US" dirty="0"/>
-              <a:t>Three models, one for each line.</a:t>
-            </a:r>
-          </a:p>
-          <a:p>
-            <a:pPr marL="228600" indent="-228600">
-              <a:buAutoNum type="arabicPeriod"/>
-            </a:pPr>
+              <a:t>As a child, you may have read or heard the story of Goldilocks, a little girl who finds an empty cabin in the woods with three empty beds.  Goldilocks tries out the first bed and discover that it’s too hard.  Then she tries the second bed, and it’s too soft.  Finally, she tries the third bed and it’s just right.  A peaceful nap ensues until she’s awakened by three bears who ask what she’s doing in their bed.  This is often called the Goldilocks problem.  </a:t>
+            </a:r>
+          </a:p>
+          <a:p>
+            <a:endParaRPr lang="en-US" dirty="0"/>
+          </a:p>
+          <a:p>
             <a:r>
               <a:rPr lang="en-US" dirty="0"/>
-              <a:t>Solid blue line = perfect fit – but how would it do with a new dataset?  Model </a:t>
-            </a:r>
-            <a:r>
-              <a:rPr lang="en-US" b="1" dirty="0"/>
-              <a:t>overfits</a:t>
+              <a:t>A similar dynamic exists in machine learning.  A model can </a:t>
+            </a:r>
+            <a:r>
+              <a:rPr lang="en-US" b="1" dirty="0">
+                <a:effectLst>
+                  <a:outerShdw blurRad="38100" dist="38100" dir="2700000" algn="tl">
+                    <a:srgbClr val="000000">
+                      <a:alpha val="43137"/>
+                    </a:srgbClr>
+                  </a:outerShdw>
+                </a:effectLst>
+              </a:rPr>
+              <a:t>overfit</a:t>
             </a:r>
             <a:r>
               <a:rPr lang="en-US" dirty="0"/>
-              <a:t> the data.</a:t>
-            </a:r>
-          </a:p>
-          <a:p>
-            <a:pPr marL="228600" indent="-228600">
-              <a:buAutoNum type="arabicPeriod"/>
-            </a:pPr>
+              <a:t> the data, </a:t>
+            </a:r>
+            <a:r>
+              <a:rPr lang="en-US" b="1" dirty="0">
+                <a:solidFill>
+                  <a:srgbClr val="FF0000"/>
+                </a:solidFill>
+              </a:rPr>
+              <a:t>underfit</a:t>
+            </a:r>
             <a:r>
               <a:rPr lang="en-US" dirty="0"/>
-              <a:t>Dashed green line opposite of blue – 3 datapoints – model </a:t>
-            </a:r>
-            <a:r>
-              <a:rPr lang="en-US" b="1" dirty="0"/>
-              <a:t>underfits</a:t>
-            </a:r>
-            <a:r>
-              <a:rPr lang="en-US" dirty="0"/>
-              <a:t> the data.  Too simple to capture data complexity.</a:t>
-            </a:r>
-          </a:p>
-          <a:p>
-            <a:pPr marL="228600" indent="-228600">
-              <a:buAutoNum type="arabicPeriod"/>
-            </a:pPr>
-            <a:r>
-              <a:rPr lang="en-US" dirty="0"/>
-              <a:t>Solid grey line – linear model – appears to be </a:t>
+              <a:t> the data, or be </a:t>
             </a:r>
             <a:r>
               <a:rPr lang="en-US" b="1" dirty="0"/>
@@ -3848,63 +3988,14 @@
             </a:r>
             <a:r>
               <a:rPr lang="en-US" dirty="0"/>
-              <a:t>.</a:t>
-            </a:r>
-          </a:p>
-          <a:p>
-            <a:pPr marL="0" indent="0">
-              <a:buNone/>
-            </a:pPr>
+              <a:t>.  And like Goldilocks, it’s often a question of finding that sweet spot, of trying out one model and then another until a proper fit is achieved.  Now when we say proper fit, what we’re talking about is a model that makes accurate predictions on the training data but also with other data as well.  When this happens, the model is said to generalize well.  Consider this graph…</a:t>
+            </a:r>
+          </a:p>
+          <a:p>
             <a:endParaRPr lang="en-US" dirty="0"/>
           </a:p>
           <a:p>
-            <a:pPr marL="0" indent="0">
-              <a:buNone/>
-            </a:pPr>
-            <a:r>
-              <a:rPr lang="en-US"/>
-              <a:t>=====</a:t>
-            </a:r>
             <a:endParaRPr lang="en-US" dirty="0"/>
-          </a:p>
-          <a:p>
-            <a:r>
-              <a:rPr lang="en-US" dirty="0"/>
-              <a:t>In this graph, we see three different models, each represented by a different line.  The solid blue is a perfect fit to this data.  But how do you think this model would extrapolate to a different data set?  In this case, the model </a:t>
-            </a:r>
-            <a:r>
-              <a:rPr lang="en-US" b="1" dirty="0"/>
-              <a:t>overfits</a:t>
-            </a:r>
-            <a:r>
-              <a:rPr lang="en-US" dirty="0"/>
-              <a:t> the data.  The situation is just the opposite with the dashed green line.  Here the model appears to reference but three data points, ignoring everything else.  In this case, the model </a:t>
-            </a:r>
-            <a:r>
-              <a:rPr lang="en-US" b="1" dirty="0"/>
-              <a:t>underfits</a:t>
-            </a:r>
-            <a:r>
-              <a:rPr lang="en-US" dirty="0"/>
-              <a:t> the data.  That is, it’s too simple to accurately capture the complexity of the data.  And finally, the solid line is a linear model that appears to be </a:t>
-            </a:r>
-            <a:r>
-              <a:rPr lang="en-US" b="1" dirty="0"/>
-              <a:t>just right</a:t>
-            </a:r>
-            <a:r>
-              <a:rPr lang="en-US" dirty="0"/>
-              <a:t>.  Of the three models, this one will probably generalize best, when faced with a new data set possessing similar characteristics to the one pictured here. </a:t>
-            </a:r>
-          </a:p>
-          <a:p>
-            <a:endParaRPr lang="en-US" dirty="0"/>
-          </a:p>
-          <a:p>
-            <a:r>
-              <a:rPr lang="en-US" dirty="0"/>
-              <a:t>Let’s consider another example…</a:t>
-            </a:r>
           </a:p>
         </p:txBody>
       </p:sp>
@@ -3934,7 +4025,7 @@
     </p:spTree>
     <p:extLst>
       <p:ext uri="{BB962C8B-B14F-4D97-AF65-F5344CB8AC3E}">
-        <p14:creationId xmlns:p14="http://schemas.microsoft.com/office/powerpoint/2010/main" val="1905729359"/>
+        <p14:creationId xmlns:p14="http://schemas.microsoft.com/office/powerpoint/2010/main" val="4104970002"/>
       </p:ext>
     </p:extLst>
   </p:cSld>
@@ -4091,7 +4182,7 @@
           <a:p>
             <a:fld id="{C3F78080-8D0A-4BE8-A5B4-CB115102D524}" type="datetimeFigureOut">
               <a:rPr lang="en-US" smtClean="0"/>
-              <a:t>9/19/2022</a:t>
+              <a:t>9/22/2022</a:t>
             </a:fld>
             <a:endParaRPr lang="en-US"/>
           </a:p>
@@ -4289,7 +4380,7 @@
           <a:p>
             <a:fld id="{C3F78080-8D0A-4BE8-A5B4-CB115102D524}" type="datetimeFigureOut">
               <a:rPr lang="en-US" smtClean="0"/>
-              <a:t>9/19/2022</a:t>
+              <a:t>9/22/2022</a:t>
             </a:fld>
             <a:endParaRPr lang="en-US"/>
           </a:p>
@@ -4497,7 +4588,7 @@
           <a:p>
             <a:fld id="{C3F78080-8D0A-4BE8-A5B4-CB115102D524}" type="datetimeFigureOut">
               <a:rPr lang="en-US" smtClean="0"/>
-              <a:t>9/19/2022</a:t>
+              <a:t>9/22/2022</a:t>
             </a:fld>
             <a:endParaRPr lang="en-US"/>
           </a:p>
@@ -4695,7 +4786,7 @@
           <a:p>
             <a:fld id="{C3F78080-8D0A-4BE8-A5B4-CB115102D524}" type="datetimeFigureOut">
               <a:rPr lang="en-US" smtClean="0"/>
-              <a:t>9/19/2022</a:t>
+              <a:t>9/22/2022</a:t>
             </a:fld>
             <a:endParaRPr lang="en-US"/>
           </a:p>
@@ -4970,7 +5061,7 @@
           <a:p>
             <a:fld id="{C3F78080-8D0A-4BE8-A5B4-CB115102D524}" type="datetimeFigureOut">
               <a:rPr lang="en-US" smtClean="0"/>
-              <a:t>9/19/2022</a:t>
+              <a:t>9/22/2022</a:t>
             </a:fld>
             <a:endParaRPr lang="en-US"/>
           </a:p>
@@ -5235,7 +5326,7 @@
           <a:p>
             <a:fld id="{C3F78080-8D0A-4BE8-A5B4-CB115102D524}" type="datetimeFigureOut">
               <a:rPr lang="en-US" smtClean="0"/>
-              <a:t>9/19/2022</a:t>
+              <a:t>9/22/2022</a:t>
             </a:fld>
             <a:endParaRPr lang="en-US"/>
           </a:p>
@@ -5647,7 +5738,7 @@
           <a:p>
             <a:fld id="{C3F78080-8D0A-4BE8-A5B4-CB115102D524}" type="datetimeFigureOut">
               <a:rPr lang="en-US" smtClean="0"/>
-              <a:t>9/19/2022</a:t>
+              <a:t>9/22/2022</a:t>
             </a:fld>
             <a:endParaRPr lang="en-US"/>
           </a:p>
@@ -5788,7 +5879,7 @@
           <a:p>
             <a:fld id="{C3F78080-8D0A-4BE8-A5B4-CB115102D524}" type="datetimeFigureOut">
               <a:rPr lang="en-US" smtClean="0"/>
-              <a:t>9/19/2022</a:t>
+              <a:t>9/22/2022</a:t>
             </a:fld>
             <a:endParaRPr lang="en-US"/>
           </a:p>
@@ -5901,7 +5992,7 @@
           <a:p>
             <a:fld id="{C3F78080-8D0A-4BE8-A5B4-CB115102D524}" type="datetimeFigureOut">
               <a:rPr lang="en-US" smtClean="0"/>
-              <a:t>9/19/2022</a:t>
+              <a:t>9/22/2022</a:t>
             </a:fld>
             <a:endParaRPr lang="en-US"/>
           </a:p>
@@ -6212,7 +6303,7 @@
           <a:p>
             <a:fld id="{C3F78080-8D0A-4BE8-A5B4-CB115102D524}" type="datetimeFigureOut">
               <a:rPr lang="en-US" smtClean="0"/>
-              <a:t>9/19/2022</a:t>
+              <a:t>9/22/2022</a:t>
             </a:fld>
             <a:endParaRPr lang="en-US"/>
           </a:p>
@@ -6500,7 +6591,7 @@
           <a:p>
             <a:fld id="{C3F78080-8D0A-4BE8-A5B4-CB115102D524}" type="datetimeFigureOut">
               <a:rPr lang="en-US" smtClean="0"/>
-              <a:t>9/19/2022</a:t>
+              <a:t>9/22/2022</a:t>
             </a:fld>
             <a:endParaRPr lang="en-US"/>
           </a:p>
@@ -6741,7 +6832,7 @@
           <a:p>
             <a:fld id="{C3F78080-8D0A-4BE8-A5B4-CB115102D524}" type="datetimeFigureOut">
               <a:rPr lang="en-US" smtClean="0"/>
-              <a:t>9/19/2022</a:t>
+              <a:t>9/22/2022</a:t>
             </a:fld>
             <a:endParaRPr lang="en-US"/>
           </a:p>
@@ -7272,6 +7363,200 @@
           <a:chExt cx="0" cy="0"/>
         </a:xfrm>
       </p:grpSpPr>
+      <p:sp>
+        <p:nvSpPr>
+          <p:cNvPr id="2" name="Title 1">
+            <a:extLst>
+              <a:ext uri="{FF2B5EF4-FFF2-40B4-BE49-F238E27FC236}">
+                <a16:creationId xmlns:a16="http://schemas.microsoft.com/office/drawing/2014/main" id="{8306FF31-301F-43F0-8202-A782726E446A}"/>
+              </a:ext>
+            </a:extLst>
+          </p:cNvPr>
+          <p:cNvSpPr>
+            <a:spLocks noGrp="1"/>
+          </p:cNvSpPr>
+          <p:nvPr>
+            <p:ph type="title"/>
+          </p:nvPr>
+        </p:nvSpPr>
+        <p:spPr>
+          <a:xfrm>
+            <a:off x="0" y="365127"/>
+            <a:ext cx="12191999" cy="827416"/>
+          </a:xfrm>
+        </p:spPr>
+        <p:txBody>
+          <a:bodyPr>
+            <a:normAutofit/>
+          </a:bodyPr>
+          <a:lstStyle/>
+          <a:p>
+            <a:pPr algn="ctr"/>
+            <a:r>
+              <a:rPr lang="en-US" dirty="0">
+                <a:solidFill>
+                  <a:schemeClr val="tx1">
+                    <a:lumMod val="75000"/>
+                    <a:lumOff val="25000"/>
+                  </a:schemeClr>
+                </a:solidFill>
+                <a:latin typeface="Palatino Linotype" panose="02040502050505030304" pitchFamily="18" charset="0"/>
+                <a:cs typeface="Segoe UI Light" panose="020B0502040204020203" pitchFamily="34" charset="0"/>
+              </a:rPr>
+              <a:t>The Goldilocks Problem</a:t>
+            </a:r>
+          </a:p>
+        </p:txBody>
+      </p:sp>
+      <p:pic>
+        <p:nvPicPr>
+          <p:cNvPr id="9" name="Picture 8" descr="A picture containing indoor&#10;&#10;Description automatically generated">
+            <a:extLst>
+              <a:ext uri="{FF2B5EF4-FFF2-40B4-BE49-F238E27FC236}">
+                <a16:creationId xmlns:a16="http://schemas.microsoft.com/office/drawing/2014/main" id="{4419D745-33B1-4187-9F17-82F09DE6B135}"/>
+              </a:ext>
+            </a:extLst>
+          </p:cNvPr>
+          <p:cNvPicPr>
+            <a:picLocks noChangeAspect="1"/>
+          </p:cNvPicPr>
+          <p:nvPr/>
+        </p:nvPicPr>
+        <p:blipFill>
+          <a:blip r:embed="rId3">
+            <a:extLst>
+              <a:ext uri="{28A0092B-C50C-407E-A947-70E740481C1C}">
+                <a14:useLocalDpi xmlns:a14="http://schemas.microsoft.com/office/drawing/2010/main" val="0"/>
+              </a:ext>
+            </a:extLst>
+          </a:blip>
+          <a:stretch>
+            <a:fillRect/>
+          </a:stretch>
+        </p:blipFill>
+        <p:spPr>
+          <a:xfrm>
+            <a:off x="4620057" y="1888548"/>
+            <a:ext cx="3429434" cy="4133194"/>
+          </a:xfrm>
+          <a:prstGeom prst="rect">
+            <a:avLst/>
+          </a:prstGeom>
+          <a:ln>
+            <a:solidFill>
+              <a:srgbClr val="385723"/>
+            </a:solidFill>
+          </a:ln>
+        </p:spPr>
+      </p:pic>
+      <p:sp>
+        <p:nvSpPr>
+          <p:cNvPr id="4" name="TextBox 3">
+            <a:extLst>
+              <a:ext uri="{FF2B5EF4-FFF2-40B4-BE49-F238E27FC236}">
+                <a16:creationId xmlns:a16="http://schemas.microsoft.com/office/drawing/2014/main" id="{263BB4D7-533B-4656-998D-34612210EC59}"/>
+              </a:ext>
+            </a:extLst>
+          </p:cNvPr>
+          <p:cNvSpPr txBox="1"/>
+          <p:nvPr/>
+        </p:nvSpPr>
+        <p:spPr>
+          <a:xfrm>
+            <a:off x="11430" y="6550223"/>
+            <a:ext cx="12192000" cy="307777"/>
+          </a:xfrm>
+          <a:prstGeom prst="rect">
+            <a:avLst/>
+          </a:prstGeom>
+          <a:noFill/>
+        </p:spPr>
+        <p:txBody>
+          <a:bodyPr wrap="square" rtlCol="0">
+            <a:spAutoFit/>
+          </a:bodyPr>
+          <a:lstStyle/>
+          <a:p>
+            <a:r>
+              <a:rPr lang="en-US" sz="1400" dirty="0">
+                <a:solidFill>
+                  <a:schemeClr val="tx1">
+                    <a:lumMod val="75000"/>
+                    <a:lumOff val="25000"/>
+                  </a:schemeClr>
+                </a:solidFill>
+                <a:latin typeface="+mj-lt"/>
+                <a:ea typeface="Verdana" panose="020B0604030504040204" pitchFamily="34" charset="0"/>
+              </a:rPr>
+              <a:t>Image Credit: </a:t>
+            </a:r>
+            <a:r>
+              <a:rPr lang="en-US" sz="1400" dirty="0">
+                <a:solidFill>
+                  <a:schemeClr val="tx1">
+                    <a:lumMod val="75000"/>
+                    <a:lumOff val="25000"/>
+                  </a:schemeClr>
+                </a:solidFill>
+                <a:latin typeface="+mj-lt"/>
+              </a:rPr>
+              <a:t>https://wenaha.com/product/goldilocks-and-the-three-bears/</a:t>
+            </a:r>
+            <a:endParaRPr lang="en-US" sz="1400" dirty="0">
+              <a:solidFill>
+                <a:schemeClr val="tx1">
+                  <a:lumMod val="75000"/>
+                  <a:lumOff val="25000"/>
+                </a:schemeClr>
+              </a:solidFill>
+              <a:latin typeface="+mj-lt"/>
+              <a:ea typeface="Verdana" panose="020B0604030504040204" pitchFamily="34" charset="0"/>
+            </a:endParaRPr>
+          </a:p>
+        </p:txBody>
+      </p:sp>
+    </p:spTree>
+    <p:extLst>
+      <p:ext uri="{BB962C8B-B14F-4D97-AF65-F5344CB8AC3E}">
+        <p14:creationId xmlns:p14="http://schemas.microsoft.com/office/powerpoint/2010/main" val="232930360"/>
+      </p:ext>
+    </p:extLst>
+  </p:cSld>
+  <p:clrMapOvr>
+    <a:masterClrMapping/>
+  </p:clrMapOvr>
+  <mc:AlternateContent xmlns:mc="http://schemas.openxmlformats.org/markup-compatibility/2006" xmlns:p14="http://schemas.microsoft.com/office/powerpoint/2010/main">
+    <mc:Choice Requires="p14">
+      <p:transition spd="med" p14:dur="700">
+        <p:fade/>
+      </p:transition>
+    </mc:Choice>
+    <mc:Fallback xmlns="">
+      <p:transition spd="med">
+        <p:fade/>
+      </p:transition>
+    </mc:Fallback>
+  </mc:AlternateContent>
+</p:sld>
+</file>
+
+<file path=ppt/slides/slide11.xml><?xml version="1.0" encoding="utf-8"?>
+<p:sld xmlns:a="http://schemas.openxmlformats.org/drawingml/2006/main" xmlns:r="http://schemas.openxmlformats.org/officeDocument/2006/relationships" xmlns:p="http://schemas.openxmlformats.org/presentationml/2006/main">
+  <p:cSld>
+    <p:spTree>
+      <p:nvGrpSpPr>
+        <p:cNvPr id="1" name=""/>
+        <p:cNvGrpSpPr/>
+        <p:nvPr/>
+      </p:nvGrpSpPr>
+      <p:grpSpPr>
+        <a:xfrm>
+          <a:off x="0" y="0"/>
+          <a:ext cx="0" cy="0"/>
+          <a:chOff x="0" y="0"/>
+          <a:chExt cx="0" cy="0"/>
+        </a:xfrm>
+      </p:grpSpPr>
       <p:pic>
         <p:nvPicPr>
           <p:cNvPr id="5" name="Content Placeholder 4">
@@ -7373,7 +7658,7 @@
 </p:sld>
 </file>
 
-<file path=ppt/slides/slide11.xml><?xml version="1.0" encoding="utf-8"?>
+<file path=ppt/slides/slide12.xml><?xml version="1.0" encoding="utf-8"?>
 <p:sld xmlns:a="http://schemas.openxmlformats.org/drawingml/2006/main" xmlns:r="http://schemas.openxmlformats.org/officeDocument/2006/relationships" xmlns:p="http://schemas.openxmlformats.org/presentationml/2006/main">
   <p:cSld>
     <p:spTree>
@@ -7420,214 +7705,11 @@
         </p:blipFill>
         <p:spPr>
           <a:xfrm>
-            <a:off x="3246596" y="1250156"/>
+            <a:off x="3917156" y="1250156"/>
             <a:ext cx="4357688" cy="4357688"/>
           </a:xfrm>
         </p:spPr>
       </p:pic>
-      <p:pic>
-        <p:nvPicPr>
-          <p:cNvPr id="3" name="Picture 4">
-            <a:extLst>
-              <a:ext uri="{FF2B5EF4-FFF2-40B4-BE49-F238E27FC236}">
-                <a16:creationId xmlns:a16="http://schemas.microsoft.com/office/drawing/2014/main" id="{01F1093D-6EF1-4D23-B54F-6B4555E7E505}"/>
-              </a:ext>
-            </a:extLst>
-          </p:cNvPr>
-          <p:cNvPicPr>
-            <a:picLocks noChangeAspect="1" noChangeArrowheads="1"/>
-          </p:cNvPicPr>
-          <p:nvPr/>
-        </p:nvPicPr>
-        <p:blipFill>
-          <a:blip r:embed="rId4">
-            <a:extLst>
-              <a:ext uri="{28A0092B-C50C-407E-A947-70E740481C1C}">
-                <a14:useLocalDpi xmlns:a14="http://schemas.microsoft.com/office/drawing/2010/main" val="0"/>
-              </a:ext>
-            </a:extLst>
-          </a:blip>
-          <a:srcRect/>
-          <a:stretch>
-            <a:fillRect/>
-          </a:stretch>
-        </p:blipFill>
-        <p:spPr bwMode="auto">
-          <a:xfrm>
-            <a:off x="9001009" y="1250156"/>
-            <a:ext cx="1529150" cy="1529150"/>
-          </a:xfrm>
-          <a:prstGeom prst="rect">
-            <a:avLst/>
-          </a:prstGeom>
-          <a:noFill/>
-          <a:extLst>
-            <a:ext uri="{909E8E84-426E-40DD-AFC4-6F175D3DCCD1}">
-              <a14:hiddenFill xmlns:a14="http://schemas.microsoft.com/office/drawing/2010/main">
-                <a:solidFill>
-                  <a:srgbClr val="FFFFFF"/>
-                </a:solidFill>
-              </a14:hiddenFill>
-            </a:ext>
-          </a:extLst>
-        </p:spPr>
-      </p:pic>
-      <p:pic>
-        <p:nvPicPr>
-          <p:cNvPr id="4" name="Picture 4">
-            <a:extLst>
-              <a:ext uri="{FF2B5EF4-FFF2-40B4-BE49-F238E27FC236}">
-                <a16:creationId xmlns:a16="http://schemas.microsoft.com/office/drawing/2014/main" id="{638A8331-A71A-4E98-9D0D-6F4A32CFC19B}"/>
-              </a:ext>
-            </a:extLst>
-          </p:cNvPr>
-          <p:cNvPicPr>
-            <a:picLocks noChangeAspect="1" noChangeArrowheads="1"/>
-          </p:cNvPicPr>
-          <p:nvPr/>
-        </p:nvPicPr>
-        <p:blipFill>
-          <a:blip r:embed="rId4">
-            <a:extLst>
-              <a:ext uri="{28A0092B-C50C-407E-A947-70E740481C1C}">
-                <a14:useLocalDpi xmlns:a14="http://schemas.microsoft.com/office/drawing/2010/main" val="0"/>
-              </a:ext>
-            </a:extLst>
-          </a:blip>
-          <a:srcRect/>
-          <a:stretch>
-            <a:fillRect/>
-          </a:stretch>
-        </p:blipFill>
-        <p:spPr bwMode="auto">
-          <a:xfrm>
-            <a:off x="9001009" y="3769346"/>
-            <a:ext cx="1529150" cy="1529150"/>
-          </a:xfrm>
-          <a:prstGeom prst="rect">
-            <a:avLst/>
-          </a:prstGeom>
-          <a:noFill/>
-          <a:extLst>
-            <a:ext uri="{909E8E84-426E-40DD-AFC4-6F175D3DCCD1}">
-              <a14:hiddenFill xmlns:a14="http://schemas.microsoft.com/office/drawing/2010/main">
-                <a:solidFill>
-                  <a:srgbClr val="FFFFFF"/>
-                </a:solidFill>
-              </a14:hiddenFill>
-            </a:ext>
-          </a:extLst>
-        </p:spPr>
-      </p:pic>
-      <p:sp>
-        <p:nvSpPr>
-          <p:cNvPr id="5" name="Title 1">
-            <a:extLst>
-              <a:ext uri="{FF2B5EF4-FFF2-40B4-BE49-F238E27FC236}">
-                <a16:creationId xmlns:a16="http://schemas.microsoft.com/office/drawing/2014/main" id="{5EC28168-F632-493E-8DF7-2FDD6EC1FD71}"/>
-              </a:ext>
-            </a:extLst>
-          </p:cNvPr>
-          <p:cNvSpPr>
-            <a:spLocks noGrp="1"/>
-          </p:cNvSpPr>
-          <p:nvPr>
-            <p:ph type="title"/>
-          </p:nvPr>
-        </p:nvSpPr>
-        <p:spPr>
-          <a:xfrm>
-            <a:off x="9113520" y="944247"/>
-            <a:ext cx="1264920" cy="335913"/>
-          </a:xfrm>
-        </p:spPr>
-        <p:txBody>
-          <a:bodyPr>
-            <a:normAutofit fontScale="90000"/>
-          </a:bodyPr>
-          <a:lstStyle/>
-          <a:p>
-            <a:pPr algn="ctr"/>
-            <a:r>
-              <a:rPr lang="en-US" sz="1800" dirty="0">
-                <a:solidFill>
-                  <a:schemeClr val="tx1">
-                    <a:lumMod val="75000"/>
-                    <a:lumOff val="25000"/>
-                  </a:schemeClr>
-                </a:solidFill>
-                <a:latin typeface="Palatino Linotype" panose="02040502050505030304" pitchFamily="18" charset="0"/>
-                <a:cs typeface="Segoe UI Light" panose="020B0502040204020203" pitchFamily="34" charset="0"/>
-              </a:rPr>
-              <a:t>Green</a:t>
-            </a:r>
-          </a:p>
-        </p:txBody>
-      </p:sp>
-      <p:sp>
-        <p:nvSpPr>
-          <p:cNvPr id="6" name="Title 1">
-            <a:extLst>
-              <a:ext uri="{FF2B5EF4-FFF2-40B4-BE49-F238E27FC236}">
-                <a16:creationId xmlns:a16="http://schemas.microsoft.com/office/drawing/2014/main" id="{2A544AAE-4FC7-455B-BA3A-607588E05EB4}"/>
-              </a:ext>
-            </a:extLst>
-          </p:cNvPr>
-          <p:cNvSpPr txBox="1">
-            <a:spLocks/>
-          </p:cNvSpPr>
-          <p:nvPr/>
-        </p:nvSpPr>
-        <p:spPr>
-          <a:xfrm>
-            <a:off x="9133124" y="3494076"/>
-            <a:ext cx="1264920" cy="335913"/>
-          </a:xfrm>
-          <a:prstGeom prst="rect">
-            <a:avLst/>
-          </a:prstGeom>
-        </p:spPr>
-        <p:txBody>
-          <a:bodyPr vert="horz" lIns="91440" tIns="45720" rIns="91440" bIns="45720" rtlCol="0" anchor="ctr">
-            <a:normAutofit fontScale="97500" lnSpcReduction="10000"/>
-          </a:bodyPr>
-          <a:lstStyle>
-            <a:lvl1pPr algn="l" defTabSz="914400" rtl="0" eaLnBrk="1" latinLnBrk="0" hangingPunct="1">
-              <a:lnSpc>
-                <a:spcPct val="90000"/>
-              </a:lnSpc>
-              <a:spcBef>
-                <a:spcPct val="0"/>
-              </a:spcBef>
-              <a:buNone/>
-              <a:defRPr sz="4400" kern="1200">
-                <a:solidFill>
-                  <a:schemeClr val="tx1"/>
-                </a:solidFill>
-                <a:latin typeface="+mj-lt"/>
-                <a:ea typeface="+mj-ea"/>
-                <a:cs typeface="+mj-cs"/>
-              </a:defRPr>
-            </a:lvl1pPr>
-          </a:lstStyle>
-          <a:p>
-            <a:pPr algn="ctr"/>
-            <a:r>
-              <a:rPr lang="en-US" sz="1800" dirty="0">
-                <a:solidFill>
-                  <a:schemeClr val="tx1">
-                    <a:lumMod val="75000"/>
-                    <a:lumOff val="25000"/>
-                  </a:schemeClr>
-                </a:solidFill>
-                <a:latin typeface="Palatino Linotype" panose="02040502050505030304" pitchFamily="18" charset="0"/>
-                <a:cs typeface="Segoe UI Light" panose="020B0502040204020203" pitchFamily="34" charset="0"/>
-              </a:rPr>
-              <a:t>Black</a:t>
-            </a:r>
-          </a:p>
-        </p:txBody>
-      </p:sp>
     </p:spTree>
     <p:extLst>
       <p:ext uri="{BB962C8B-B14F-4D97-AF65-F5344CB8AC3E}">
@@ -7653,7 +7735,7 @@
 </p:sld>
 </file>
 
-<file path=ppt/slides/slide12.xml><?xml version="1.0" encoding="utf-8"?>
+<file path=ppt/slides/slide13.xml><?xml version="1.0" encoding="utf-8"?>
 <p:sld xmlns:a="http://schemas.openxmlformats.org/drawingml/2006/main" xmlns:r="http://schemas.openxmlformats.org/officeDocument/2006/relationships" xmlns:p="http://schemas.openxmlformats.org/presentationml/2006/main">
   <p:cSld>
     <p:spTree>
@@ -7852,7 +7934,7 @@
 </p:sld>
 </file>
 
-<file path=ppt/slides/slide13.xml><?xml version="1.0" encoding="utf-8"?>
+<file path=ppt/slides/slide14.xml><?xml version="1.0" encoding="utf-8"?>
 <p:sld xmlns:a="http://schemas.openxmlformats.org/drawingml/2006/main" xmlns:r="http://schemas.openxmlformats.org/officeDocument/2006/relationships" xmlns:p="http://schemas.openxmlformats.org/presentationml/2006/main">
   <p:cSld>
     <p:spTree>
@@ -8051,7 +8133,7 @@
 </p:sld>
 </file>
 
-<file path=ppt/slides/slide14.xml><?xml version="1.0" encoding="utf-8"?>
+<file path=ppt/slides/slide15.xml><?xml version="1.0" encoding="utf-8"?>
 <p:sld xmlns:a="http://schemas.openxmlformats.org/drawingml/2006/main" xmlns:r="http://schemas.openxmlformats.org/officeDocument/2006/relationships" xmlns:p="http://schemas.openxmlformats.org/presentationml/2006/main">
   <p:cSld>
     <p:spTree>
@@ -8572,7 +8654,7 @@
 </p:sld>
 </file>
 
-<file path=ppt/slides/slide15.xml><?xml version="1.0" encoding="utf-8"?>
+<file path=ppt/slides/slide16.xml><?xml version="1.0" encoding="utf-8"?>
 <p:sld xmlns:a="http://schemas.openxmlformats.org/drawingml/2006/main" xmlns:r="http://schemas.openxmlformats.org/officeDocument/2006/relationships" xmlns:p="http://schemas.openxmlformats.org/presentationml/2006/main">
   <p:cSld>
     <p:spTree>
@@ -8880,7 +8962,7 @@
 </p:sld>
 </file>
 
-<file path=ppt/slides/slide16.xml><?xml version="1.0" encoding="utf-8"?>
+<file path=ppt/slides/slide17.xml><?xml version="1.0" encoding="utf-8"?>
 <p:sld xmlns:a="http://schemas.openxmlformats.org/drawingml/2006/main" xmlns:r="http://schemas.openxmlformats.org/officeDocument/2006/relationships" xmlns:p="http://schemas.openxmlformats.org/presentationml/2006/main">
   <p:cSld>
     <p:spTree>
@@ -9045,7 +9127,7 @@
 </p:sld>
 </file>
 
-<file path=ppt/slides/slide17.xml><?xml version="1.0" encoding="utf-8"?>
+<file path=ppt/slides/slide18.xml><?xml version="1.0" encoding="utf-8"?>
 <p:sld xmlns:a="http://schemas.openxmlformats.org/drawingml/2006/main" xmlns:r="http://schemas.openxmlformats.org/officeDocument/2006/relationships" xmlns:p="http://schemas.openxmlformats.org/presentationml/2006/main">
   <p:cSld>
     <p:spTree>
@@ -9464,7 +9546,7 @@
 </p:sld>
 </file>
 
-<file path=ppt/slides/slide18.xml><?xml version="1.0" encoding="utf-8"?>
+<file path=ppt/slides/slide19.xml><?xml version="1.0" encoding="utf-8"?>
 <p:sld xmlns:a="http://schemas.openxmlformats.org/drawingml/2006/main" xmlns:r="http://schemas.openxmlformats.org/officeDocument/2006/relationships" xmlns:p="http://schemas.openxmlformats.org/presentationml/2006/main">
   <p:cSld>
     <p:spTree>
@@ -9655,7 +9737,351 @@
 </p:sld>
 </file>
 
-<file path=ppt/slides/slide19.xml><?xml version="1.0" encoding="utf-8"?>
+<file path=ppt/slides/slide2.xml><?xml version="1.0" encoding="utf-8"?>
+<p:sld xmlns:a="http://schemas.openxmlformats.org/drawingml/2006/main" xmlns:r="http://schemas.openxmlformats.org/officeDocument/2006/relationships" xmlns:p="http://schemas.openxmlformats.org/presentationml/2006/main">
+  <p:cSld>
+    <p:spTree>
+      <p:nvGrpSpPr>
+        <p:cNvPr id="1" name=""/>
+        <p:cNvGrpSpPr/>
+        <p:nvPr/>
+      </p:nvGrpSpPr>
+      <p:grpSpPr>
+        <a:xfrm>
+          <a:off x="0" y="0"/>
+          <a:ext cx="0" cy="0"/>
+          <a:chOff x="0" y="0"/>
+          <a:chExt cx="0" cy="0"/>
+        </a:xfrm>
+      </p:grpSpPr>
+      <p:sp>
+        <p:nvSpPr>
+          <p:cNvPr id="2" name="Title 1">
+            <a:extLst>
+              <a:ext uri="{FF2B5EF4-FFF2-40B4-BE49-F238E27FC236}">
+                <a16:creationId xmlns:a16="http://schemas.microsoft.com/office/drawing/2014/main" id="{0E138177-E2EE-ACAC-A57C-F03FA29EC836}"/>
+              </a:ext>
+            </a:extLst>
+          </p:cNvPr>
+          <p:cNvSpPr>
+            <a:spLocks noGrp="1"/>
+          </p:cNvSpPr>
+          <p:nvPr>
+            <p:ph type="title"/>
+          </p:nvPr>
+        </p:nvSpPr>
+        <p:spPr/>
+        <p:txBody>
+          <a:bodyPr/>
+          <a:lstStyle/>
+          <a:p>
+            <a:r>
+              <a:rPr lang="en-US" dirty="0">
+                <a:solidFill>
+                  <a:schemeClr val="tx1">
+                    <a:lumMod val="75000"/>
+                    <a:lumOff val="25000"/>
+                  </a:schemeClr>
+                </a:solidFill>
+                <a:latin typeface="Palatino Linotype" panose="02040502050505030304" pitchFamily="18" charset="0"/>
+              </a:rPr>
+              <a:t>Lesson Overview</a:t>
+            </a:r>
+          </a:p>
+        </p:txBody>
+      </p:sp>
+      <p:sp>
+        <p:nvSpPr>
+          <p:cNvPr id="3" name="Content Placeholder 2">
+            <a:extLst>
+              <a:ext uri="{FF2B5EF4-FFF2-40B4-BE49-F238E27FC236}">
+                <a16:creationId xmlns:a16="http://schemas.microsoft.com/office/drawing/2014/main" id="{8626DB86-54B4-A1E2-6C25-C049F364ED25}"/>
+              </a:ext>
+            </a:extLst>
+          </p:cNvPr>
+          <p:cNvSpPr>
+            <a:spLocks noGrp="1"/>
+          </p:cNvSpPr>
+          <p:nvPr>
+            <p:ph idx="1"/>
+          </p:nvPr>
+        </p:nvSpPr>
+        <p:spPr>
+          <a:xfrm>
+            <a:off x="1013564" y="1825626"/>
+            <a:ext cx="10515600" cy="504215"/>
+          </a:xfrm>
+        </p:spPr>
+        <p:txBody>
+          <a:bodyPr/>
+          <a:lstStyle/>
+          <a:p>
+            <a:pPr>
+              <a:buFont typeface="Wingdings" panose="05000000000000000000" pitchFamily="2" charset="2"/>
+              <a:buChar char="Ø"/>
+            </a:pPr>
+            <a:r>
+              <a:rPr lang="en-US" dirty="0">
+                <a:solidFill>
+                  <a:schemeClr val="tx1">
+                    <a:lumMod val="75000"/>
+                    <a:lumOff val="25000"/>
+                  </a:schemeClr>
+                </a:solidFill>
+              </a:rPr>
+              <a:t> </a:t>
+            </a:r>
+            <a:r>
+              <a:rPr lang="en-US" dirty="0">
+                <a:solidFill>
+                  <a:schemeClr val="tx1">
+                    <a:lumMod val="75000"/>
+                    <a:lumOff val="25000"/>
+                  </a:schemeClr>
+                </a:solidFill>
+                <a:latin typeface="Palatino Linotype" panose="02040502050505030304" pitchFamily="18" charset="0"/>
+              </a:rPr>
+              <a:t>Data Augmentation</a:t>
+            </a:r>
+          </a:p>
+        </p:txBody>
+      </p:sp>
+      <p:sp>
+        <p:nvSpPr>
+          <p:cNvPr id="5" name="Content Placeholder 2">
+            <a:extLst>
+              <a:ext uri="{FF2B5EF4-FFF2-40B4-BE49-F238E27FC236}">
+                <a16:creationId xmlns:a16="http://schemas.microsoft.com/office/drawing/2014/main" id="{7070644F-62DF-8674-4A8A-C2FA1554028E}"/>
+              </a:ext>
+            </a:extLst>
+          </p:cNvPr>
+          <p:cNvSpPr txBox="1">
+            <a:spLocks/>
+          </p:cNvSpPr>
+          <p:nvPr/>
+        </p:nvSpPr>
+        <p:spPr>
+          <a:xfrm>
+            <a:off x="1013564" y="2464778"/>
+            <a:ext cx="10515600" cy="504215"/>
+          </a:xfrm>
+          <a:prstGeom prst="rect">
+            <a:avLst/>
+          </a:prstGeom>
+        </p:spPr>
+        <p:txBody>
+          <a:bodyPr vert="horz" lIns="91440" tIns="45720" rIns="91440" bIns="45720" rtlCol="0">
+            <a:normAutofit/>
+          </a:bodyPr>
+          <a:lstStyle>
+            <a:lvl1pPr marL="228600" indent="-228600" algn="l" defTabSz="914400" rtl="0" eaLnBrk="1" latinLnBrk="0" hangingPunct="1">
+              <a:lnSpc>
+                <a:spcPct val="90000"/>
+              </a:lnSpc>
+              <a:spcBef>
+                <a:spcPts val="1000"/>
+              </a:spcBef>
+              <a:buFont typeface="Arial" panose="020B0604020202020204" pitchFamily="34" charset="0"/>
+              <a:buChar char="•"/>
+              <a:defRPr sz="2800" kern="1200">
+                <a:solidFill>
+                  <a:schemeClr val="tx1"/>
+                </a:solidFill>
+                <a:latin typeface="+mn-lt"/>
+                <a:ea typeface="+mn-ea"/>
+                <a:cs typeface="+mn-cs"/>
+              </a:defRPr>
+            </a:lvl1pPr>
+            <a:lvl2pPr marL="685800" indent="-228600" algn="l" defTabSz="914400" rtl="0" eaLnBrk="1" latinLnBrk="0" hangingPunct="1">
+              <a:lnSpc>
+                <a:spcPct val="90000"/>
+              </a:lnSpc>
+              <a:spcBef>
+                <a:spcPts val="500"/>
+              </a:spcBef>
+              <a:buFont typeface="Arial" panose="020B0604020202020204" pitchFamily="34" charset="0"/>
+              <a:buChar char="•"/>
+              <a:defRPr sz="2400" kern="1200">
+                <a:solidFill>
+                  <a:schemeClr val="tx1"/>
+                </a:solidFill>
+                <a:latin typeface="+mn-lt"/>
+                <a:ea typeface="+mn-ea"/>
+                <a:cs typeface="+mn-cs"/>
+              </a:defRPr>
+            </a:lvl2pPr>
+            <a:lvl3pPr marL="1143000" indent="-228600" algn="l" defTabSz="914400" rtl="0" eaLnBrk="1" latinLnBrk="0" hangingPunct="1">
+              <a:lnSpc>
+                <a:spcPct val="90000"/>
+              </a:lnSpc>
+              <a:spcBef>
+                <a:spcPts val="500"/>
+              </a:spcBef>
+              <a:buFont typeface="Arial" panose="020B0604020202020204" pitchFamily="34" charset="0"/>
+              <a:buChar char="•"/>
+              <a:defRPr sz="2000" kern="1200">
+                <a:solidFill>
+                  <a:schemeClr val="tx1"/>
+                </a:solidFill>
+                <a:latin typeface="+mn-lt"/>
+                <a:ea typeface="+mn-ea"/>
+                <a:cs typeface="+mn-cs"/>
+              </a:defRPr>
+            </a:lvl3pPr>
+            <a:lvl4pPr marL="1600200" indent="-228600" algn="l" defTabSz="914400" rtl="0" eaLnBrk="1" latinLnBrk="0" hangingPunct="1">
+              <a:lnSpc>
+                <a:spcPct val="90000"/>
+              </a:lnSpc>
+              <a:spcBef>
+                <a:spcPts val="500"/>
+              </a:spcBef>
+              <a:buFont typeface="Arial" panose="020B0604020202020204" pitchFamily="34" charset="0"/>
+              <a:buChar char="•"/>
+              <a:defRPr sz="1800" kern="1200">
+                <a:solidFill>
+                  <a:schemeClr val="tx1"/>
+                </a:solidFill>
+                <a:latin typeface="+mn-lt"/>
+                <a:ea typeface="+mn-ea"/>
+                <a:cs typeface="+mn-cs"/>
+              </a:defRPr>
+            </a:lvl4pPr>
+            <a:lvl5pPr marL="2057400" indent="-228600" algn="l" defTabSz="914400" rtl="0" eaLnBrk="1" latinLnBrk="0" hangingPunct="1">
+              <a:lnSpc>
+                <a:spcPct val="90000"/>
+              </a:lnSpc>
+              <a:spcBef>
+                <a:spcPts val="500"/>
+              </a:spcBef>
+              <a:buFont typeface="Arial" panose="020B0604020202020204" pitchFamily="34" charset="0"/>
+              <a:buChar char="•"/>
+              <a:defRPr sz="1800" kern="1200">
+                <a:solidFill>
+                  <a:schemeClr val="tx1"/>
+                </a:solidFill>
+                <a:latin typeface="+mn-lt"/>
+                <a:ea typeface="+mn-ea"/>
+                <a:cs typeface="+mn-cs"/>
+              </a:defRPr>
+            </a:lvl5pPr>
+            <a:lvl6pPr marL="2514600" indent="-228600" algn="l" defTabSz="914400" rtl="0" eaLnBrk="1" latinLnBrk="0" hangingPunct="1">
+              <a:lnSpc>
+                <a:spcPct val="90000"/>
+              </a:lnSpc>
+              <a:spcBef>
+                <a:spcPts val="500"/>
+              </a:spcBef>
+              <a:buFont typeface="Arial" panose="020B0604020202020204" pitchFamily="34" charset="0"/>
+              <a:buChar char="•"/>
+              <a:defRPr sz="1800" kern="1200">
+                <a:solidFill>
+                  <a:schemeClr val="tx1"/>
+                </a:solidFill>
+                <a:latin typeface="+mn-lt"/>
+                <a:ea typeface="+mn-ea"/>
+                <a:cs typeface="+mn-cs"/>
+              </a:defRPr>
+            </a:lvl6pPr>
+            <a:lvl7pPr marL="2971800" indent="-228600" algn="l" defTabSz="914400" rtl="0" eaLnBrk="1" latinLnBrk="0" hangingPunct="1">
+              <a:lnSpc>
+                <a:spcPct val="90000"/>
+              </a:lnSpc>
+              <a:spcBef>
+                <a:spcPts val="500"/>
+              </a:spcBef>
+              <a:buFont typeface="Arial" panose="020B0604020202020204" pitchFamily="34" charset="0"/>
+              <a:buChar char="•"/>
+              <a:defRPr sz="1800" kern="1200">
+                <a:solidFill>
+                  <a:schemeClr val="tx1"/>
+                </a:solidFill>
+                <a:latin typeface="+mn-lt"/>
+                <a:ea typeface="+mn-ea"/>
+                <a:cs typeface="+mn-cs"/>
+              </a:defRPr>
+            </a:lvl7pPr>
+            <a:lvl8pPr marL="3429000" indent="-228600" algn="l" defTabSz="914400" rtl="0" eaLnBrk="1" latinLnBrk="0" hangingPunct="1">
+              <a:lnSpc>
+                <a:spcPct val="90000"/>
+              </a:lnSpc>
+              <a:spcBef>
+                <a:spcPts val="500"/>
+              </a:spcBef>
+              <a:buFont typeface="Arial" panose="020B0604020202020204" pitchFamily="34" charset="0"/>
+              <a:buChar char="•"/>
+              <a:defRPr sz="1800" kern="1200">
+                <a:solidFill>
+                  <a:schemeClr val="tx1"/>
+                </a:solidFill>
+                <a:latin typeface="+mn-lt"/>
+                <a:ea typeface="+mn-ea"/>
+                <a:cs typeface="+mn-cs"/>
+              </a:defRPr>
+            </a:lvl8pPr>
+            <a:lvl9pPr marL="3886200" indent="-228600" algn="l" defTabSz="914400" rtl="0" eaLnBrk="1" latinLnBrk="0" hangingPunct="1">
+              <a:lnSpc>
+                <a:spcPct val="90000"/>
+              </a:lnSpc>
+              <a:spcBef>
+                <a:spcPts val="500"/>
+              </a:spcBef>
+              <a:buFont typeface="Arial" panose="020B0604020202020204" pitchFamily="34" charset="0"/>
+              <a:buChar char="•"/>
+              <a:defRPr sz="1800" kern="1200">
+                <a:solidFill>
+                  <a:schemeClr val="tx1"/>
+                </a:solidFill>
+                <a:latin typeface="+mn-lt"/>
+                <a:ea typeface="+mn-ea"/>
+                <a:cs typeface="+mn-cs"/>
+              </a:defRPr>
+            </a:lvl9pPr>
+          </a:lstStyle>
+          <a:p>
+            <a:pPr>
+              <a:buFont typeface="Wingdings" panose="05000000000000000000" pitchFamily="2" charset="2"/>
+              <a:buChar char="Ø"/>
+            </a:pPr>
+            <a:r>
+              <a:rPr lang="en-US" dirty="0">
+                <a:solidFill>
+                  <a:schemeClr val="tx1">
+                    <a:lumMod val="75000"/>
+                    <a:lumOff val="25000"/>
+                  </a:schemeClr>
+                </a:solidFill>
+              </a:rPr>
+              <a:t> </a:t>
+            </a:r>
+            <a:r>
+              <a:rPr lang="en-US" dirty="0">
+                <a:solidFill>
+                  <a:schemeClr val="tx1">
+                    <a:lumMod val="75000"/>
+                    <a:lumOff val="25000"/>
+                  </a:schemeClr>
+                </a:solidFill>
+                <a:latin typeface="Palatino Linotype" panose="02040502050505030304" pitchFamily="18" charset="0"/>
+              </a:rPr>
+              <a:t>Model Fit</a:t>
+            </a:r>
+          </a:p>
+        </p:txBody>
+      </p:sp>
+    </p:spTree>
+    <p:extLst>
+      <p:ext uri="{BB962C8B-B14F-4D97-AF65-F5344CB8AC3E}">
+        <p14:creationId xmlns:p14="http://schemas.microsoft.com/office/powerpoint/2010/main" val="1416141381"/>
+      </p:ext>
+    </p:extLst>
+  </p:cSld>
+  <p:clrMapOvr>
+    <a:masterClrMapping/>
+  </p:clrMapOvr>
+</p:sld>
+</file>
+
+<file path=ppt/slides/slide20.xml><?xml version="1.0" encoding="utf-8"?>
 <p:sld xmlns:a="http://schemas.openxmlformats.org/drawingml/2006/main" xmlns:r="http://schemas.openxmlformats.org/officeDocument/2006/relationships" xmlns:p="http://schemas.openxmlformats.org/presentationml/2006/main">
   <p:cSld>
     <p:spTree>
@@ -9694,350 +10120,6 @@
       </p:transition>
     </mc:Fallback>
   </mc:AlternateContent>
-</p:sld>
-</file>
-
-<file path=ppt/slides/slide2.xml><?xml version="1.0" encoding="utf-8"?>
-<p:sld xmlns:a="http://schemas.openxmlformats.org/drawingml/2006/main" xmlns:r="http://schemas.openxmlformats.org/officeDocument/2006/relationships" xmlns:p="http://schemas.openxmlformats.org/presentationml/2006/main">
-  <p:cSld>
-    <p:spTree>
-      <p:nvGrpSpPr>
-        <p:cNvPr id="1" name=""/>
-        <p:cNvGrpSpPr/>
-        <p:nvPr/>
-      </p:nvGrpSpPr>
-      <p:grpSpPr>
-        <a:xfrm>
-          <a:off x="0" y="0"/>
-          <a:ext cx="0" cy="0"/>
-          <a:chOff x="0" y="0"/>
-          <a:chExt cx="0" cy="0"/>
-        </a:xfrm>
-      </p:grpSpPr>
-      <p:sp>
-        <p:nvSpPr>
-          <p:cNvPr id="2" name="Title 1">
-            <a:extLst>
-              <a:ext uri="{FF2B5EF4-FFF2-40B4-BE49-F238E27FC236}">
-                <a16:creationId xmlns:a16="http://schemas.microsoft.com/office/drawing/2014/main" id="{0E138177-E2EE-ACAC-A57C-F03FA29EC836}"/>
-              </a:ext>
-            </a:extLst>
-          </p:cNvPr>
-          <p:cNvSpPr>
-            <a:spLocks noGrp="1"/>
-          </p:cNvSpPr>
-          <p:nvPr>
-            <p:ph type="title"/>
-          </p:nvPr>
-        </p:nvSpPr>
-        <p:spPr/>
-        <p:txBody>
-          <a:bodyPr/>
-          <a:lstStyle/>
-          <a:p>
-            <a:r>
-              <a:rPr lang="en-US" dirty="0">
-                <a:solidFill>
-                  <a:schemeClr val="tx1">
-                    <a:lumMod val="75000"/>
-                    <a:lumOff val="25000"/>
-                  </a:schemeClr>
-                </a:solidFill>
-                <a:latin typeface="Palatino Linotype" panose="02040502050505030304" pitchFamily="18" charset="0"/>
-              </a:rPr>
-              <a:t>Lesson Overview</a:t>
-            </a:r>
-          </a:p>
-        </p:txBody>
-      </p:sp>
-      <p:sp>
-        <p:nvSpPr>
-          <p:cNvPr id="3" name="Content Placeholder 2">
-            <a:extLst>
-              <a:ext uri="{FF2B5EF4-FFF2-40B4-BE49-F238E27FC236}">
-                <a16:creationId xmlns:a16="http://schemas.microsoft.com/office/drawing/2014/main" id="{8626DB86-54B4-A1E2-6C25-C049F364ED25}"/>
-              </a:ext>
-            </a:extLst>
-          </p:cNvPr>
-          <p:cNvSpPr>
-            <a:spLocks noGrp="1"/>
-          </p:cNvSpPr>
-          <p:nvPr>
-            <p:ph idx="1"/>
-          </p:nvPr>
-        </p:nvSpPr>
-        <p:spPr>
-          <a:xfrm>
-            <a:off x="1013564" y="1825626"/>
-            <a:ext cx="10515600" cy="504215"/>
-          </a:xfrm>
-        </p:spPr>
-        <p:txBody>
-          <a:bodyPr/>
-          <a:lstStyle/>
-          <a:p>
-            <a:pPr>
-              <a:buFont typeface="Wingdings" panose="05000000000000000000" pitchFamily="2" charset="2"/>
-              <a:buChar char="Ø"/>
-            </a:pPr>
-            <a:r>
-              <a:rPr lang="en-US" dirty="0">
-                <a:solidFill>
-                  <a:schemeClr val="tx1">
-                    <a:lumMod val="75000"/>
-                    <a:lumOff val="25000"/>
-                  </a:schemeClr>
-                </a:solidFill>
-              </a:rPr>
-              <a:t> </a:t>
-            </a:r>
-            <a:r>
-              <a:rPr lang="en-US" dirty="0">
-                <a:solidFill>
-                  <a:schemeClr val="tx1">
-                    <a:lumMod val="75000"/>
-                    <a:lumOff val="25000"/>
-                  </a:schemeClr>
-                </a:solidFill>
-                <a:latin typeface="Palatino Linotype" panose="02040502050505030304" pitchFamily="18" charset="0"/>
-              </a:rPr>
-              <a:t>Data Augmentation</a:t>
-            </a:r>
-          </a:p>
-        </p:txBody>
-      </p:sp>
-      <p:sp>
-        <p:nvSpPr>
-          <p:cNvPr id="5" name="Content Placeholder 2">
-            <a:extLst>
-              <a:ext uri="{FF2B5EF4-FFF2-40B4-BE49-F238E27FC236}">
-                <a16:creationId xmlns:a16="http://schemas.microsoft.com/office/drawing/2014/main" id="{7070644F-62DF-8674-4A8A-C2FA1554028E}"/>
-              </a:ext>
-            </a:extLst>
-          </p:cNvPr>
-          <p:cNvSpPr txBox="1">
-            <a:spLocks/>
-          </p:cNvSpPr>
-          <p:nvPr/>
-        </p:nvSpPr>
-        <p:spPr>
-          <a:xfrm>
-            <a:off x="1013564" y="2464778"/>
-            <a:ext cx="10515600" cy="504215"/>
-          </a:xfrm>
-          <a:prstGeom prst="rect">
-            <a:avLst/>
-          </a:prstGeom>
-        </p:spPr>
-        <p:txBody>
-          <a:bodyPr vert="horz" lIns="91440" tIns="45720" rIns="91440" bIns="45720" rtlCol="0">
-            <a:normAutofit/>
-          </a:bodyPr>
-          <a:lstStyle>
-            <a:lvl1pPr marL="228600" indent="-228600" algn="l" defTabSz="914400" rtl="0" eaLnBrk="1" latinLnBrk="0" hangingPunct="1">
-              <a:lnSpc>
-                <a:spcPct val="90000"/>
-              </a:lnSpc>
-              <a:spcBef>
-                <a:spcPts val="1000"/>
-              </a:spcBef>
-              <a:buFont typeface="Arial" panose="020B0604020202020204" pitchFamily="34" charset="0"/>
-              <a:buChar char="•"/>
-              <a:defRPr sz="2800" kern="1200">
-                <a:solidFill>
-                  <a:schemeClr val="tx1"/>
-                </a:solidFill>
-                <a:latin typeface="+mn-lt"/>
-                <a:ea typeface="+mn-ea"/>
-                <a:cs typeface="+mn-cs"/>
-              </a:defRPr>
-            </a:lvl1pPr>
-            <a:lvl2pPr marL="685800" indent="-228600" algn="l" defTabSz="914400" rtl="0" eaLnBrk="1" latinLnBrk="0" hangingPunct="1">
-              <a:lnSpc>
-                <a:spcPct val="90000"/>
-              </a:lnSpc>
-              <a:spcBef>
-                <a:spcPts val="500"/>
-              </a:spcBef>
-              <a:buFont typeface="Arial" panose="020B0604020202020204" pitchFamily="34" charset="0"/>
-              <a:buChar char="•"/>
-              <a:defRPr sz="2400" kern="1200">
-                <a:solidFill>
-                  <a:schemeClr val="tx1"/>
-                </a:solidFill>
-                <a:latin typeface="+mn-lt"/>
-                <a:ea typeface="+mn-ea"/>
-                <a:cs typeface="+mn-cs"/>
-              </a:defRPr>
-            </a:lvl2pPr>
-            <a:lvl3pPr marL="1143000" indent="-228600" algn="l" defTabSz="914400" rtl="0" eaLnBrk="1" latinLnBrk="0" hangingPunct="1">
-              <a:lnSpc>
-                <a:spcPct val="90000"/>
-              </a:lnSpc>
-              <a:spcBef>
-                <a:spcPts val="500"/>
-              </a:spcBef>
-              <a:buFont typeface="Arial" panose="020B0604020202020204" pitchFamily="34" charset="0"/>
-              <a:buChar char="•"/>
-              <a:defRPr sz="2000" kern="1200">
-                <a:solidFill>
-                  <a:schemeClr val="tx1"/>
-                </a:solidFill>
-                <a:latin typeface="+mn-lt"/>
-                <a:ea typeface="+mn-ea"/>
-                <a:cs typeface="+mn-cs"/>
-              </a:defRPr>
-            </a:lvl3pPr>
-            <a:lvl4pPr marL="1600200" indent="-228600" algn="l" defTabSz="914400" rtl="0" eaLnBrk="1" latinLnBrk="0" hangingPunct="1">
-              <a:lnSpc>
-                <a:spcPct val="90000"/>
-              </a:lnSpc>
-              <a:spcBef>
-                <a:spcPts val="500"/>
-              </a:spcBef>
-              <a:buFont typeface="Arial" panose="020B0604020202020204" pitchFamily="34" charset="0"/>
-              <a:buChar char="•"/>
-              <a:defRPr sz="1800" kern="1200">
-                <a:solidFill>
-                  <a:schemeClr val="tx1"/>
-                </a:solidFill>
-                <a:latin typeface="+mn-lt"/>
-                <a:ea typeface="+mn-ea"/>
-                <a:cs typeface="+mn-cs"/>
-              </a:defRPr>
-            </a:lvl4pPr>
-            <a:lvl5pPr marL="2057400" indent="-228600" algn="l" defTabSz="914400" rtl="0" eaLnBrk="1" latinLnBrk="0" hangingPunct="1">
-              <a:lnSpc>
-                <a:spcPct val="90000"/>
-              </a:lnSpc>
-              <a:spcBef>
-                <a:spcPts val="500"/>
-              </a:spcBef>
-              <a:buFont typeface="Arial" panose="020B0604020202020204" pitchFamily="34" charset="0"/>
-              <a:buChar char="•"/>
-              <a:defRPr sz="1800" kern="1200">
-                <a:solidFill>
-                  <a:schemeClr val="tx1"/>
-                </a:solidFill>
-                <a:latin typeface="+mn-lt"/>
-                <a:ea typeface="+mn-ea"/>
-                <a:cs typeface="+mn-cs"/>
-              </a:defRPr>
-            </a:lvl5pPr>
-            <a:lvl6pPr marL="2514600" indent="-228600" algn="l" defTabSz="914400" rtl="0" eaLnBrk="1" latinLnBrk="0" hangingPunct="1">
-              <a:lnSpc>
-                <a:spcPct val="90000"/>
-              </a:lnSpc>
-              <a:spcBef>
-                <a:spcPts val="500"/>
-              </a:spcBef>
-              <a:buFont typeface="Arial" panose="020B0604020202020204" pitchFamily="34" charset="0"/>
-              <a:buChar char="•"/>
-              <a:defRPr sz="1800" kern="1200">
-                <a:solidFill>
-                  <a:schemeClr val="tx1"/>
-                </a:solidFill>
-                <a:latin typeface="+mn-lt"/>
-                <a:ea typeface="+mn-ea"/>
-                <a:cs typeface="+mn-cs"/>
-              </a:defRPr>
-            </a:lvl6pPr>
-            <a:lvl7pPr marL="2971800" indent="-228600" algn="l" defTabSz="914400" rtl="0" eaLnBrk="1" latinLnBrk="0" hangingPunct="1">
-              <a:lnSpc>
-                <a:spcPct val="90000"/>
-              </a:lnSpc>
-              <a:spcBef>
-                <a:spcPts val="500"/>
-              </a:spcBef>
-              <a:buFont typeface="Arial" panose="020B0604020202020204" pitchFamily="34" charset="0"/>
-              <a:buChar char="•"/>
-              <a:defRPr sz="1800" kern="1200">
-                <a:solidFill>
-                  <a:schemeClr val="tx1"/>
-                </a:solidFill>
-                <a:latin typeface="+mn-lt"/>
-                <a:ea typeface="+mn-ea"/>
-                <a:cs typeface="+mn-cs"/>
-              </a:defRPr>
-            </a:lvl7pPr>
-            <a:lvl8pPr marL="3429000" indent="-228600" algn="l" defTabSz="914400" rtl="0" eaLnBrk="1" latinLnBrk="0" hangingPunct="1">
-              <a:lnSpc>
-                <a:spcPct val="90000"/>
-              </a:lnSpc>
-              <a:spcBef>
-                <a:spcPts val="500"/>
-              </a:spcBef>
-              <a:buFont typeface="Arial" panose="020B0604020202020204" pitchFamily="34" charset="0"/>
-              <a:buChar char="•"/>
-              <a:defRPr sz="1800" kern="1200">
-                <a:solidFill>
-                  <a:schemeClr val="tx1"/>
-                </a:solidFill>
-                <a:latin typeface="+mn-lt"/>
-                <a:ea typeface="+mn-ea"/>
-                <a:cs typeface="+mn-cs"/>
-              </a:defRPr>
-            </a:lvl8pPr>
-            <a:lvl9pPr marL="3886200" indent="-228600" algn="l" defTabSz="914400" rtl="0" eaLnBrk="1" latinLnBrk="0" hangingPunct="1">
-              <a:lnSpc>
-                <a:spcPct val="90000"/>
-              </a:lnSpc>
-              <a:spcBef>
-                <a:spcPts val="500"/>
-              </a:spcBef>
-              <a:buFont typeface="Arial" panose="020B0604020202020204" pitchFamily="34" charset="0"/>
-              <a:buChar char="•"/>
-              <a:defRPr sz="1800" kern="1200">
-                <a:solidFill>
-                  <a:schemeClr val="tx1"/>
-                </a:solidFill>
-                <a:latin typeface="+mn-lt"/>
-                <a:ea typeface="+mn-ea"/>
-                <a:cs typeface="+mn-cs"/>
-              </a:defRPr>
-            </a:lvl9pPr>
-          </a:lstStyle>
-          <a:p>
-            <a:pPr>
-              <a:buFont typeface="Wingdings" panose="05000000000000000000" pitchFamily="2" charset="2"/>
-              <a:buChar char="Ø"/>
-            </a:pPr>
-            <a:r>
-              <a:rPr lang="en-US" dirty="0">
-                <a:solidFill>
-                  <a:schemeClr val="tx1">
-                    <a:lumMod val="75000"/>
-                    <a:lumOff val="25000"/>
-                  </a:schemeClr>
-                </a:solidFill>
-              </a:rPr>
-              <a:t> </a:t>
-            </a:r>
-            <a:r>
-              <a:rPr lang="en-US" dirty="0">
-                <a:solidFill>
-                  <a:schemeClr val="tx1">
-                    <a:lumMod val="75000"/>
-                    <a:lumOff val="25000"/>
-                  </a:schemeClr>
-                </a:solidFill>
-                <a:latin typeface="Palatino Linotype" panose="02040502050505030304" pitchFamily="18" charset="0"/>
-              </a:rPr>
-              <a:t>Model Fit</a:t>
-            </a:r>
-          </a:p>
-        </p:txBody>
-      </p:sp>
-    </p:spTree>
-    <p:extLst>
-      <p:ext uri="{BB962C8B-B14F-4D97-AF65-F5344CB8AC3E}">
-        <p14:creationId xmlns:p14="http://schemas.microsoft.com/office/powerpoint/2010/main" val="1416141381"/>
-      </p:ext>
-    </p:extLst>
-  </p:cSld>
-  <p:clrMapOvr>
-    <a:masterClrMapping/>
-  </p:clrMapOvr>
 </p:sld>
 </file>
 
@@ -10956,6 +11038,558 @@
           <a:chExt cx="0" cy="0"/>
         </a:xfrm>
       </p:grpSpPr>
+      <p:pic>
+        <p:nvPicPr>
+          <p:cNvPr id="3" name="Picture 2">
+            <a:extLst>
+              <a:ext uri="{FF2B5EF4-FFF2-40B4-BE49-F238E27FC236}">
+                <a16:creationId xmlns:a16="http://schemas.microsoft.com/office/drawing/2014/main" id="{56D40369-E58C-B4C3-A123-E7584E494A59}"/>
+              </a:ext>
+            </a:extLst>
+          </p:cNvPr>
+          <p:cNvPicPr>
+            <a:picLocks noChangeAspect="1"/>
+          </p:cNvPicPr>
+          <p:nvPr/>
+        </p:nvPicPr>
+        <p:blipFill>
+          <a:blip r:embed="rId3"/>
+          <a:stretch>
+            <a:fillRect/>
+          </a:stretch>
+        </p:blipFill>
+        <p:spPr>
+          <a:xfrm>
+            <a:off x="0" y="2424060"/>
+            <a:ext cx="12192000" cy="2009879"/>
+          </a:xfrm>
+          <a:prstGeom prst="rect">
+            <a:avLst/>
+          </a:prstGeom>
+        </p:spPr>
+      </p:pic>
+      <p:sp>
+        <p:nvSpPr>
+          <p:cNvPr id="4" name="Oval 3">
+            <a:extLst>
+              <a:ext uri="{FF2B5EF4-FFF2-40B4-BE49-F238E27FC236}">
+                <a16:creationId xmlns:a16="http://schemas.microsoft.com/office/drawing/2014/main" id="{D9A1E662-2631-7BBB-DF93-1A4FA1F94C6F}"/>
+              </a:ext>
+            </a:extLst>
+          </p:cNvPr>
+          <p:cNvSpPr/>
+          <p:nvPr/>
+        </p:nvSpPr>
+        <p:spPr>
+          <a:xfrm>
+            <a:off x="9269730" y="2674620"/>
+            <a:ext cx="754380" cy="560070"/>
+          </a:xfrm>
+          <a:prstGeom prst="ellipse">
+            <a:avLst/>
+          </a:prstGeom>
+          <a:noFill/>
+          <a:ln>
+            <a:solidFill>
+              <a:srgbClr val="FF0000"/>
+            </a:solidFill>
+          </a:ln>
+        </p:spPr>
+        <p:style>
+          <a:lnRef idx="2">
+            <a:schemeClr val="accent1">
+              <a:shade val="50000"/>
+            </a:schemeClr>
+          </a:lnRef>
+          <a:fillRef idx="1">
+            <a:schemeClr val="accent1"/>
+          </a:fillRef>
+          <a:effectRef idx="0">
+            <a:schemeClr val="accent1"/>
+          </a:effectRef>
+          <a:fontRef idx="minor">
+            <a:schemeClr val="lt1"/>
+          </a:fontRef>
+        </p:style>
+        <p:txBody>
+          <a:bodyPr rtlCol="0" anchor="ctr"/>
+          <a:lstStyle/>
+          <a:p>
+            <a:pPr algn="ctr"/>
+            <a:endParaRPr lang="en-US"/>
+          </a:p>
+        </p:txBody>
+      </p:sp>
+      <p:sp>
+        <p:nvSpPr>
+          <p:cNvPr id="5" name="Oval 4">
+            <a:extLst>
+              <a:ext uri="{FF2B5EF4-FFF2-40B4-BE49-F238E27FC236}">
+                <a16:creationId xmlns:a16="http://schemas.microsoft.com/office/drawing/2014/main" id="{500FF822-2477-E0A1-E57E-D00875CE803A}"/>
+              </a:ext>
+            </a:extLst>
+          </p:cNvPr>
+          <p:cNvSpPr/>
+          <p:nvPr/>
+        </p:nvSpPr>
+        <p:spPr>
+          <a:xfrm>
+            <a:off x="9273540" y="3135630"/>
+            <a:ext cx="754380" cy="560070"/>
+          </a:xfrm>
+          <a:prstGeom prst="ellipse">
+            <a:avLst/>
+          </a:prstGeom>
+          <a:noFill/>
+          <a:ln>
+            <a:solidFill>
+              <a:srgbClr val="FF0000"/>
+            </a:solidFill>
+          </a:ln>
+        </p:spPr>
+        <p:style>
+          <a:lnRef idx="2">
+            <a:schemeClr val="accent1">
+              <a:shade val="50000"/>
+            </a:schemeClr>
+          </a:lnRef>
+          <a:fillRef idx="1">
+            <a:schemeClr val="accent1"/>
+          </a:fillRef>
+          <a:effectRef idx="0">
+            <a:schemeClr val="accent1"/>
+          </a:effectRef>
+          <a:fontRef idx="minor">
+            <a:schemeClr val="lt1"/>
+          </a:fontRef>
+        </p:style>
+        <p:txBody>
+          <a:bodyPr rtlCol="0" anchor="ctr"/>
+          <a:lstStyle/>
+          <a:p>
+            <a:pPr algn="ctr"/>
+            <a:endParaRPr lang="en-US"/>
+          </a:p>
+        </p:txBody>
+      </p:sp>
+      <p:sp>
+        <p:nvSpPr>
+          <p:cNvPr id="7" name="TextBox 6">
+            <a:extLst>
+              <a:ext uri="{FF2B5EF4-FFF2-40B4-BE49-F238E27FC236}">
+                <a16:creationId xmlns:a16="http://schemas.microsoft.com/office/drawing/2014/main" id="{E7072E3F-489F-3FD0-750A-7B619F24B101}"/>
+              </a:ext>
+            </a:extLst>
+          </p:cNvPr>
+          <p:cNvSpPr txBox="1"/>
+          <p:nvPr/>
+        </p:nvSpPr>
+        <p:spPr>
+          <a:xfrm>
+            <a:off x="5231130" y="1920477"/>
+            <a:ext cx="1143000" cy="369332"/>
+          </a:xfrm>
+          <a:prstGeom prst="rect">
+            <a:avLst/>
+          </a:prstGeom>
+          <a:noFill/>
+        </p:spPr>
+        <p:txBody>
+          <a:bodyPr wrap="square" rtlCol="0">
+            <a:spAutoFit/>
+          </a:bodyPr>
+          <a:lstStyle/>
+          <a:p>
+            <a:r>
+              <a:rPr lang="en-US" dirty="0">
+                <a:latin typeface="+mj-lt"/>
+                <a:cs typeface="Arial" panose="020B0604020202020204" pitchFamily="34" charset="0"/>
+              </a:rPr>
+              <a:t>Train Loss</a:t>
+            </a:r>
+          </a:p>
+        </p:txBody>
+      </p:sp>
+      <p:sp>
+        <p:nvSpPr>
+          <p:cNvPr id="8" name="TextBox 7">
+            <a:extLst>
+              <a:ext uri="{FF2B5EF4-FFF2-40B4-BE49-F238E27FC236}">
+                <a16:creationId xmlns:a16="http://schemas.microsoft.com/office/drawing/2014/main" id="{BEFFB753-88E3-72FC-FDC2-F46EF4E0FB6B}"/>
+              </a:ext>
+            </a:extLst>
+          </p:cNvPr>
+          <p:cNvSpPr txBox="1"/>
+          <p:nvPr/>
+        </p:nvSpPr>
+        <p:spPr>
+          <a:xfrm>
+            <a:off x="8446770" y="1924644"/>
+            <a:ext cx="1645920" cy="369332"/>
+          </a:xfrm>
+          <a:prstGeom prst="rect">
+            <a:avLst/>
+          </a:prstGeom>
+          <a:noFill/>
+        </p:spPr>
+        <p:txBody>
+          <a:bodyPr wrap="square" rtlCol="0">
+            <a:spAutoFit/>
+          </a:bodyPr>
+          <a:lstStyle/>
+          <a:p>
+            <a:r>
+              <a:rPr lang="en-US" dirty="0">
+                <a:latin typeface="+mj-lt"/>
+                <a:cs typeface="Arial" panose="020B0604020202020204" pitchFamily="34" charset="0"/>
+              </a:rPr>
+              <a:t>Validation Loss</a:t>
+            </a:r>
+          </a:p>
+        </p:txBody>
+      </p:sp>
+      <p:cxnSp>
+        <p:nvCxnSpPr>
+          <p:cNvPr id="10" name="Straight Arrow Connector 9">
+            <a:extLst>
+              <a:ext uri="{FF2B5EF4-FFF2-40B4-BE49-F238E27FC236}">
+                <a16:creationId xmlns:a16="http://schemas.microsoft.com/office/drawing/2014/main" id="{E5550F08-465B-440C-26E5-A0758E9DFC9C}"/>
+              </a:ext>
+            </a:extLst>
+          </p:cNvPr>
+          <p:cNvCxnSpPr/>
+          <p:nvPr/>
+        </p:nvCxnSpPr>
+        <p:spPr>
+          <a:xfrm>
+            <a:off x="6534150" y="3428999"/>
+            <a:ext cx="0" cy="1139191"/>
+          </a:xfrm>
+          <a:prstGeom prst="straightConnector1">
+            <a:avLst/>
+          </a:prstGeom>
+          <a:ln w="6350">
+            <a:solidFill>
+              <a:srgbClr val="FF0000"/>
+            </a:solidFill>
+            <a:tailEnd type="triangle"/>
+          </a:ln>
+        </p:spPr>
+        <p:style>
+          <a:lnRef idx="1">
+            <a:schemeClr val="accent1"/>
+          </a:lnRef>
+          <a:fillRef idx="0">
+            <a:schemeClr val="accent1"/>
+          </a:fillRef>
+          <a:effectRef idx="0">
+            <a:schemeClr val="accent1"/>
+          </a:effectRef>
+          <a:fontRef idx="minor">
+            <a:schemeClr val="tx1"/>
+          </a:fontRef>
+        </p:style>
+      </p:cxnSp>
+      <p:sp>
+        <p:nvSpPr>
+          <p:cNvPr id="11" name="TextBox 10">
+            <a:extLst>
+              <a:ext uri="{FF2B5EF4-FFF2-40B4-BE49-F238E27FC236}">
+                <a16:creationId xmlns:a16="http://schemas.microsoft.com/office/drawing/2014/main" id="{52BBD69C-A029-F8BD-D824-62A6FAA6AF16}"/>
+              </a:ext>
+            </a:extLst>
+          </p:cNvPr>
+          <p:cNvSpPr txBox="1"/>
+          <p:nvPr/>
+        </p:nvSpPr>
+        <p:spPr>
+          <a:xfrm>
+            <a:off x="5143500" y="4564023"/>
+            <a:ext cx="3074670" cy="369332"/>
+          </a:xfrm>
+          <a:prstGeom prst="rect">
+            <a:avLst/>
+          </a:prstGeom>
+          <a:noFill/>
+        </p:spPr>
+        <p:txBody>
+          <a:bodyPr wrap="square" rtlCol="0">
+            <a:spAutoFit/>
+          </a:bodyPr>
+          <a:lstStyle/>
+          <a:p>
+            <a:r>
+              <a:rPr lang="en-US" dirty="0">
+                <a:solidFill>
+                  <a:srgbClr val="FF0000"/>
+                </a:solidFill>
+                <a:latin typeface="+mj-lt"/>
+                <a:cs typeface="Arial" panose="020B0604020202020204" pitchFamily="34" charset="0"/>
+              </a:rPr>
+              <a:t>Train loss continues to drop…</a:t>
+            </a:r>
+          </a:p>
+        </p:txBody>
+      </p:sp>
+    </p:spTree>
+    <p:extLst>
+      <p:ext uri="{BB962C8B-B14F-4D97-AF65-F5344CB8AC3E}">
+        <p14:creationId xmlns:p14="http://schemas.microsoft.com/office/powerpoint/2010/main" val="2562104092"/>
+      </p:ext>
+    </p:extLst>
+  </p:cSld>
+  <p:clrMapOvr>
+    <a:masterClrMapping/>
+  </p:clrMapOvr>
+  <p:timing>
+    <p:tnLst>
+      <p:par>
+        <p:cTn id="1" dur="indefinite" restart="never" nodeType="tmRoot">
+          <p:childTnLst>
+            <p:seq concurrent="1" nextAc="seek">
+              <p:cTn id="2" dur="indefinite" nodeType="mainSeq">
+                <p:childTnLst>
+                  <p:par>
+                    <p:cTn id="3" fill="hold">
+                      <p:stCondLst>
+                        <p:cond delay="indefinite"/>
+                      </p:stCondLst>
+                      <p:childTnLst>
+                        <p:par>
+                          <p:cTn id="4" fill="hold">
+                            <p:stCondLst>
+                              <p:cond delay="0"/>
+                            </p:stCondLst>
+                            <p:childTnLst>
+                              <p:par>
+                                <p:cTn id="5" presetID="10" presetClass="entr" presetSubtype="0" fill="hold" grpId="0" nodeType="clickEffect">
+                                  <p:stCondLst>
+                                    <p:cond delay="0"/>
+                                  </p:stCondLst>
+                                  <p:childTnLst>
+                                    <p:set>
+                                      <p:cBhvr>
+                                        <p:cTn id="6" dur="1" fill="hold">
+                                          <p:stCondLst>
+                                            <p:cond delay="0"/>
+                                          </p:stCondLst>
+                                        </p:cTn>
+                                        <p:tgtEl>
+                                          <p:spTgt spid="4"/>
+                                        </p:tgtEl>
+                                        <p:attrNameLst>
+                                          <p:attrName>style.visibility</p:attrName>
+                                        </p:attrNameLst>
+                                      </p:cBhvr>
+                                      <p:to>
+                                        <p:strVal val="visible"/>
+                                      </p:to>
+                                    </p:set>
+                                    <p:animEffect transition="in" filter="fade">
+                                      <p:cBhvr>
+                                        <p:cTn id="7" dur="500"/>
+                                        <p:tgtEl>
+                                          <p:spTgt spid="4"/>
+                                        </p:tgtEl>
+                                      </p:cBhvr>
+                                    </p:animEffect>
+                                  </p:childTnLst>
+                                </p:cTn>
+                              </p:par>
+                            </p:childTnLst>
+                          </p:cTn>
+                        </p:par>
+                      </p:childTnLst>
+                    </p:cTn>
+                  </p:par>
+                  <p:par>
+                    <p:cTn id="8" fill="hold">
+                      <p:stCondLst>
+                        <p:cond delay="indefinite"/>
+                      </p:stCondLst>
+                      <p:childTnLst>
+                        <p:par>
+                          <p:cTn id="9" fill="hold">
+                            <p:stCondLst>
+                              <p:cond delay="0"/>
+                            </p:stCondLst>
+                            <p:childTnLst>
+                              <p:par>
+                                <p:cTn id="10" presetID="10" presetClass="entr" presetSubtype="0" fill="hold" grpId="0" nodeType="clickEffect">
+                                  <p:stCondLst>
+                                    <p:cond delay="0"/>
+                                  </p:stCondLst>
+                                  <p:childTnLst>
+                                    <p:set>
+                                      <p:cBhvr>
+                                        <p:cTn id="11" dur="1" fill="hold">
+                                          <p:stCondLst>
+                                            <p:cond delay="0"/>
+                                          </p:stCondLst>
+                                        </p:cTn>
+                                        <p:tgtEl>
+                                          <p:spTgt spid="5"/>
+                                        </p:tgtEl>
+                                        <p:attrNameLst>
+                                          <p:attrName>style.visibility</p:attrName>
+                                        </p:attrNameLst>
+                                      </p:cBhvr>
+                                      <p:to>
+                                        <p:strVal val="visible"/>
+                                      </p:to>
+                                    </p:set>
+                                    <p:animEffect transition="in" filter="fade">
+                                      <p:cBhvr>
+                                        <p:cTn id="12" dur="500"/>
+                                        <p:tgtEl>
+                                          <p:spTgt spid="5"/>
+                                        </p:tgtEl>
+                                      </p:cBhvr>
+                                    </p:animEffect>
+                                  </p:childTnLst>
+                                </p:cTn>
+                              </p:par>
+                            </p:childTnLst>
+                          </p:cTn>
+                        </p:par>
+                      </p:childTnLst>
+                    </p:cTn>
+                  </p:par>
+                  <p:par>
+                    <p:cTn id="13" fill="hold">
+                      <p:stCondLst>
+                        <p:cond delay="indefinite"/>
+                      </p:stCondLst>
+                      <p:childTnLst>
+                        <p:par>
+                          <p:cTn id="14" fill="hold">
+                            <p:stCondLst>
+                              <p:cond delay="0"/>
+                            </p:stCondLst>
+                            <p:childTnLst>
+                              <p:par>
+                                <p:cTn id="15" presetID="10" presetClass="entr" presetSubtype="0" fill="hold" nodeType="clickEffect">
+                                  <p:stCondLst>
+                                    <p:cond delay="0"/>
+                                  </p:stCondLst>
+                                  <p:childTnLst>
+                                    <p:set>
+                                      <p:cBhvr>
+                                        <p:cTn id="16" dur="1" fill="hold">
+                                          <p:stCondLst>
+                                            <p:cond delay="0"/>
+                                          </p:stCondLst>
+                                        </p:cTn>
+                                        <p:tgtEl>
+                                          <p:spTgt spid="10"/>
+                                        </p:tgtEl>
+                                        <p:attrNameLst>
+                                          <p:attrName>style.visibility</p:attrName>
+                                        </p:attrNameLst>
+                                      </p:cBhvr>
+                                      <p:to>
+                                        <p:strVal val="visible"/>
+                                      </p:to>
+                                    </p:set>
+                                    <p:animEffect transition="in" filter="fade">
+                                      <p:cBhvr>
+                                        <p:cTn id="17" dur="500"/>
+                                        <p:tgtEl>
+                                          <p:spTgt spid="10"/>
+                                        </p:tgtEl>
+                                      </p:cBhvr>
+                                    </p:animEffect>
+                                  </p:childTnLst>
+                                </p:cTn>
+                              </p:par>
+                              <p:par>
+                                <p:cTn id="18" presetID="10" presetClass="entr" presetSubtype="0" fill="hold" grpId="0" nodeType="withEffect">
+                                  <p:stCondLst>
+                                    <p:cond delay="0"/>
+                                  </p:stCondLst>
+                                  <p:childTnLst>
+                                    <p:set>
+                                      <p:cBhvr>
+                                        <p:cTn id="19" dur="1" fill="hold">
+                                          <p:stCondLst>
+                                            <p:cond delay="0"/>
+                                          </p:stCondLst>
+                                        </p:cTn>
+                                        <p:tgtEl>
+                                          <p:spTgt spid="11"/>
+                                        </p:tgtEl>
+                                        <p:attrNameLst>
+                                          <p:attrName>style.visibility</p:attrName>
+                                        </p:attrNameLst>
+                                      </p:cBhvr>
+                                      <p:to>
+                                        <p:strVal val="visible"/>
+                                      </p:to>
+                                    </p:set>
+                                    <p:animEffect transition="in" filter="fade">
+                                      <p:cBhvr>
+                                        <p:cTn id="20" dur="500"/>
+                                        <p:tgtEl>
+                                          <p:spTgt spid="11"/>
+                                        </p:tgtEl>
+                                      </p:cBhvr>
+                                    </p:animEffect>
+                                  </p:childTnLst>
+                                </p:cTn>
+                              </p:par>
+                            </p:childTnLst>
+                          </p:cTn>
+                        </p:par>
+                      </p:childTnLst>
+                    </p:cTn>
+                  </p:par>
+                </p:childTnLst>
+              </p:cTn>
+              <p:prevCondLst>
+                <p:cond evt="onPrev" delay="0">
+                  <p:tgtEl>
+                    <p:sldTgt/>
+                  </p:tgtEl>
+                </p:cond>
+              </p:prevCondLst>
+              <p:nextCondLst>
+                <p:cond evt="onNext" delay="0">
+                  <p:tgtEl>
+                    <p:sldTgt/>
+                  </p:tgtEl>
+                </p:cond>
+              </p:nextCondLst>
+            </p:seq>
+          </p:childTnLst>
+        </p:cTn>
+      </p:par>
+    </p:tnLst>
+    <p:bldLst>
+      <p:bldP spid="4" grpId="0" animBg="1"/>
+      <p:bldP spid="5" grpId="0" animBg="1"/>
+      <p:bldP spid="11" grpId="0"/>
+    </p:bldLst>
+  </p:timing>
+</p:sld>
+</file>
+
+<file path=ppt/slides/slide9.xml><?xml version="1.0" encoding="utf-8"?>
+<p:sld xmlns:a="http://schemas.openxmlformats.org/drawingml/2006/main" xmlns:r="http://schemas.openxmlformats.org/officeDocument/2006/relationships" xmlns:p="http://schemas.openxmlformats.org/presentationml/2006/main">
+  <p:cSld>
+    <p:spTree>
+      <p:nvGrpSpPr>
+        <p:cNvPr id="1" name=""/>
+        <p:cNvGrpSpPr/>
+        <p:nvPr/>
+      </p:nvGrpSpPr>
+      <p:grpSpPr>
+        <a:xfrm>
+          <a:off x="0" y="0"/>
+          <a:ext cx="0" cy="0"/>
+          <a:chOff x="0" y="0"/>
+          <a:chExt cx="0" cy="0"/>
+        </a:xfrm>
+      </p:grpSpPr>
       <p:sp>
         <p:nvSpPr>
           <p:cNvPr id="3" name="Text Placeholder 2">
@@ -11124,200 +11758,6 @@
     <p:extLst>
       <p:ext uri="{BB962C8B-B14F-4D97-AF65-F5344CB8AC3E}">
         <p14:creationId xmlns:p14="http://schemas.microsoft.com/office/powerpoint/2010/main" val="2207497494"/>
-      </p:ext>
-    </p:extLst>
-  </p:cSld>
-  <p:clrMapOvr>
-    <a:masterClrMapping/>
-  </p:clrMapOvr>
-  <mc:AlternateContent xmlns:mc="http://schemas.openxmlformats.org/markup-compatibility/2006" xmlns:p14="http://schemas.microsoft.com/office/powerpoint/2010/main">
-    <mc:Choice Requires="p14">
-      <p:transition spd="med" p14:dur="700">
-        <p:fade/>
-      </p:transition>
-    </mc:Choice>
-    <mc:Fallback xmlns="">
-      <p:transition spd="med">
-        <p:fade/>
-      </p:transition>
-    </mc:Fallback>
-  </mc:AlternateContent>
-</p:sld>
-</file>
-
-<file path=ppt/slides/slide9.xml><?xml version="1.0" encoding="utf-8"?>
-<p:sld xmlns:a="http://schemas.openxmlformats.org/drawingml/2006/main" xmlns:r="http://schemas.openxmlformats.org/officeDocument/2006/relationships" xmlns:p="http://schemas.openxmlformats.org/presentationml/2006/main">
-  <p:cSld>
-    <p:spTree>
-      <p:nvGrpSpPr>
-        <p:cNvPr id="1" name=""/>
-        <p:cNvGrpSpPr/>
-        <p:nvPr/>
-      </p:nvGrpSpPr>
-      <p:grpSpPr>
-        <a:xfrm>
-          <a:off x="0" y="0"/>
-          <a:ext cx="0" cy="0"/>
-          <a:chOff x="0" y="0"/>
-          <a:chExt cx="0" cy="0"/>
-        </a:xfrm>
-      </p:grpSpPr>
-      <p:sp>
-        <p:nvSpPr>
-          <p:cNvPr id="2" name="Title 1">
-            <a:extLst>
-              <a:ext uri="{FF2B5EF4-FFF2-40B4-BE49-F238E27FC236}">
-                <a16:creationId xmlns:a16="http://schemas.microsoft.com/office/drawing/2014/main" id="{8306FF31-301F-43F0-8202-A782726E446A}"/>
-              </a:ext>
-            </a:extLst>
-          </p:cNvPr>
-          <p:cNvSpPr>
-            <a:spLocks noGrp="1"/>
-          </p:cNvSpPr>
-          <p:nvPr>
-            <p:ph type="title"/>
-          </p:nvPr>
-        </p:nvSpPr>
-        <p:spPr>
-          <a:xfrm>
-            <a:off x="0" y="365127"/>
-            <a:ext cx="12191999" cy="827416"/>
-          </a:xfrm>
-        </p:spPr>
-        <p:txBody>
-          <a:bodyPr>
-            <a:normAutofit/>
-          </a:bodyPr>
-          <a:lstStyle/>
-          <a:p>
-            <a:pPr algn="ctr"/>
-            <a:r>
-              <a:rPr lang="en-US" dirty="0">
-                <a:solidFill>
-                  <a:schemeClr val="tx1">
-                    <a:lumMod val="75000"/>
-                    <a:lumOff val="25000"/>
-                  </a:schemeClr>
-                </a:solidFill>
-                <a:latin typeface="Palatino Linotype" panose="02040502050505030304" pitchFamily="18" charset="0"/>
-                <a:cs typeface="Segoe UI Light" panose="020B0502040204020203" pitchFamily="34" charset="0"/>
-              </a:rPr>
-              <a:t>The Goldilocks Problem</a:t>
-            </a:r>
-          </a:p>
-        </p:txBody>
-      </p:sp>
-      <p:pic>
-        <p:nvPicPr>
-          <p:cNvPr id="9" name="Picture 8" descr="A picture containing indoor&#10;&#10;Description automatically generated">
-            <a:extLst>
-              <a:ext uri="{FF2B5EF4-FFF2-40B4-BE49-F238E27FC236}">
-                <a16:creationId xmlns:a16="http://schemas.microsoft.com/office/drawing/2014/main" id="{4419D745-33B1-4187-9F17-82F09DE6B135}"/>
-              </a:ext>
-            </a:extLst>
-          </p:cNvPr>
-          <p:cNvPicPr>
-            <a:picLocks noChangeAspect="1"/>
-          </p:cNvPicPr>
-          <p:nvPr/>
-        </p:nvPicPr>
-        <p:blipFill>
-          <a:blip r:embed="rId3">
-            <a:extLst>
-              <a:ext uri="{28A0092B-C50C-407E-A947-70E740481C1C}">
-                <a14:useLocalDpi xmlns:a14="http://schemas.microsoft.com/office/drawing/2010/main" val="0"/>
-              </a:ext>
-            </a:extLst>
-          </a:blip>
-          <a:stretch>
-            <a:fillRect/>
-          </a:stretch>
-        </p:blipFill>
-        <p:spPr>
-          <a:xfrm>
-            <a:off x="4620057" y="1888548"/>
-            <a:ext cx="3429434" cy="4133194"/>
-          </a:xfrm>
-          <a:prstGeom prst="rect">
-            <a:avLst/>
-          </a:prstGeom>
-          <a:ln>
-            <a:solidFill>
-              <a:srgbClr val="385723"/>
-            </a:solidFill>
-          </a:ln>
-        </p:spPr>
-      </p:pic>
-      <p:sp>
-        <p:nvSpPr>
-          <p:cNvPr id="4" name="TextBox 3">
-            <a:extLst>
-              <a:ext uri="{FF2B5EF4-FFF2-40B4-BE49-F238E27FC236}">
-                <a16:creationId xmlns:a16="http://schemas.microsoft.com/office/drawing/2014/main" id="{263BB4D7-533B-4656-998D-34612210EC59}"/>
-              </a:ext>
-            </a:extLst>
-          </p:cNvPr>
-          <p:cNvSpPr txBox="1"/>
-          <p:nvPr/>
-        </p:nvSpPr>
-        <p:spPr>
-          <a:xfrm>
-            <a:off x="11430" y="6550223"/>
-            <a:ext cx="12192000" cy="307777"/>
-          </a:xfrm>
-          <a:prstGeom prst="rect">
-            <a:avLst/>
-          </a:prstGeom>
-          <a:noFill/>
-        </p:spPr>
-        <p:txBody>
-          <a:bodyPr wrap="square" rtlCol="0">
-            <a:spAutoFit/>
-          </a:bodyPr>
-          <a:lstStyle/>
-          <a:p>
-            <a:r>
-              <a:rPr lang="en-US" sz="1400" dirty="0">
-                <a:solidFill>
-                  <a:schemeClr val="tx1">
-                    <a:lumMod val="75000"/>
-                    <a:lumOff val="25000"/>
-                  </a:schemeClr>
-                </a:solidFill>
-                <a:latin typeface="+mj-lt"/>
-                <a:ea typeface="Verdana" panose="020B0604030504040204" pitchFamily="34" charset="0"/>
-              </a:rPr>
-              <a:t>Image Credit: </a:t>
-            </a:r>
-            <a:r>
-              <a:rPr lang="en-US" sz="1400" dirty="0">
-                <a:solidFill>
-                  <a:schemeClr val="tx1">
-                    <a:lumMod val="75000"/>
-                    <a:lumOff val="25000"/>
-                  </a:schemeClr>
-                </a:solidFill>
-                <a:latin typeface="+mj-lt"/>
-              </a:rPr>
-              <a:t>https://wenaha.com/product/goldilocks-and-the-three-bears/</a:t>
-            </a:r>
-            <a:endParaRPr lang="en-US" sz="1400" dirty="0">
-              <a:solidFill>
-                <a:schemeClr val="tx1">
-                  <a:lumMod val="75000"/>
-                  <a:lumOff val="25000"/>
-                </a:schemeClr>
-              </a:solidFill>
-              <a:latin typeface="+mj-lt"/>
-              <a:ea typeface="Verdana" panose="020B0604030504040204" pitchFamily="34" charset="0"/>
-            </a:endParaRPr>
-          </a:p>
-        </p:txBody>
-      </p:sp>
-    </p:spTree>
-    <p:extLst>
-      <p:ext uri="{BB962C8B-B14F-4D97-AF65-F5344CB8AC3E}">
-        <p14:creationId xmlns:p14="http://schemas.microsoft.com/office/powerpoint/2010/main" val="232930360"/>
       </p:ext>
     </p:extLst>
   </p:cSld>
